--- a/exercises/cisc-813/epistemic/slides.pptx
+++ b/exercises/cisc-813/epistemic/slides.pptx
@@ -11,19 +11,18 @@
     <p:sldId id="257" r:id="rId5"/>
     <p:sldId id="261" r:id="rId6"/>
     <p:sldId id="1693" r:id="rId7"/>
-    <p:sldId id="1705" r:id="rId8"/>
-    <p:sldId id="1706" r:id="rId9"/>
-    <p:sldId id="1694" r:id="rId10"/>
-    <p:sldId id="1700" r:id="rId11"/>
-    <p:sldId id="1695" r:id="rId12"/>
-    <p:sldId id="1701" r:id="rId13"/>
-    <p:sldId id="1696" r:id="rId14"/>
-    <p:sldId id="1702" r:id="rId15"/>
-    <p:sldId id="1697" r:id="rId16"/>
-    <p:sldId id="1703" r:id="rId17"/>
-    <p:sldId id="1698" r:id="rId18"/>
-    <p:sldId id="1704" r:id="rId19"/>
-    <p:sldId id="1684" r:id="rId20"/>
+    <p:sldId id="1706" r:id="rId8"/>
+    <p:sldId id="1694" r:id="rId9"/>
+    <p:sldId id="1700" r:id="rId10"/>
+    <p:sldId id="1695" r:id="rId11"/>
+    <p:sldId id="1701" r:id="rId12"/>
+    <p:sldId id="1696" r:id="rId13"/>
+    <p:sldId id="1702" r:id="rId14"/>
+    <p:sldId id="1697" r:id="rId15"/>
+    <p:sldId id="1703" r:id="rId16"/>
+    <p:sldId id="1698" r:id="rId17"/>
+    <p:sldId id="1704" r:id="rId18"/>
+    <p:sldId id="1684" r:id="rId19"/>
   </p:sldIdLst>
   <p:sldSz cx="12192000" cy="6858000"/>
   <p:notesSz cx="6858000" cy="9144000"/>
@@ -696,7 +695,7 @@
           <a:p>
             <a:fld id="{D6D0F569-AC90-44EB-9EF4-4E5C2F5D823C}" type="datetime1">
               <a:rPr lang="en-US" smtClean="0"/>
-              <a:t>3/14/2023</a:t>
+              <a:t>3/22/2023</a:t>
             </a:fld>
             <a:endParaRPr lang="en-US" dirty="0"/>
           </a:p>
@@ -1375,7 +1374,7 @@
           <a:p>
             <a:fld id="{46BA7D41-E8B7-4A0B-B861-3EC4AE88917D}" type="datetime1">
               <a:rPr lang="en-US" smtClean="0"/>
-              <a:t>3/14/2023</a:t>
+              <a:t>3/22/2023</a:t>
             </a:fld>
             <a:endParaRPr lang="en-US" dirty="0"/>
           </a:p>
@@ -2064,7 +2063,7 @@
           <a:p>
             <a:fld id="{A7C34823-0B19-4B4E-A643-7A3B0A3D24D6}" type="datetime1">
               <a:rPr lang="en-US" smtClean="0"/>
-              <a:t>3/14/2023</a:t>
+              <a:t>3/22/2023</a:t>
             </a:fld>
             <a:endParaRPr lang="en-US" dirty="0"/>
           </a:p>
@@ -3187,7 +3186,7 @@
           <a:p>
             <a:fld id="{8C2D79EF-17C8-45D8-9866-DAF5723FC604}" type="datetime1">
               <a:rPr lang="en-US" smtClean="0"/>
-              <a:t>3/14/2023</a:t>
+              <a:t>3/22/2023</a:t>
             </a:fld>
             <a:endParaRPr lang="en-US" dirty="0"/>
           </a:p>
@@ -3942,7 +3941,7 @@
           <a:p>
             <a:fld id="{DFFC2ADC-3680-4013-A757-E4663495DB98}" type="datetime1">
               <a:rPr lang="en-US" smtClean="0"/>
-              <a:t>3/14/2023</a:t>
+              <a:t>3/22/2023</a:t>
             </a:fld>
             <a:endParaRPr lang="en-US" dirty="0"/>
           </a:p>
@@ -4689,7 +4688,7 @@
           <a:p>
             <a:fld id="{4751BA94-5DCA-4F19-960F-0FB2BD5EE85A}" type="datetime1">
               <a:rPr lang="en-US" smtClean="0"/>
-              <a:t>3/14/2023</a:t>
+              <a:t>3/22/2023</a:t>
             </a:fld>
             <a:endParaRPr lang="en-US" dirty="0"/>
           </a:p>
@@ -5583,7 +5582,7 @@
           <a:p>
             <a:fld id="{01BED947-38D9-44AC-8B89-E79758333B77}" type="datetime1">
               <a:rPr lang="en-US" smtClean="0"/>
-              <a:t>3/14/2023</a:t>
+              <a:t>3/22/2023</a:t>
             </a:fld>
             <a:endParaRPr lang="en-US" dirty="0"/>
           </a:p>
@@ -6204,7 +6203,7 @@
           <a:p>
             <a:fld id="{3781E23F-BD3C-4F23-B116-2B758120C8AC}" type="datetime1">
               <a:rPr lang="en-US" smtClean="0"/>
-              <a:t>3/14/2023</a:t>
+              <a:t>3/22/2023</a:t>
             </a:fld>
             <a:endParaRPr lang="en-US" dirty="0"/>
           </a:p>
@@ -6796,7 +6795,7 @@
           <a:p>
             <a:fld id="{473CFAA9-6D59-4D98-869E-ACBDB83B2CA4}" type="datetime1">
               <a:rPr lang="en-US" smtClean="0"/>
-              <a:t>3/14/2023</a:t>
+              <a:t>3/22/2023</a:t>
             </a:fld>
             <a:endParaRPr lang="en-US"/>
           </a:p>
@@ -7588,7 +7587,7 @@
           <a:p>
             <a:fld id="{DC410804-27E3-430A-BB42-B831260DE39A}" type="datetime1">
               <a:rPr lang="en-US" smtClean="0"/>
-              <a:t>3/14/2023</a:t>
+              <a:t>3/22/2023</a:t>
             </a:fld>
             <a:endParaRPr lang="en-US" dirty="0"/>
           </a:p>
@@ -8359,7 +8358,7 @@
           <a:p>
             <a:fld id="{60E22DE3-3D1A-4D53-B9A6-6C7463B8C992}" type="datetime1">
               <a:rPr lang="en-US" smtClean="0"/>
-              <a:t>3/14/2023</a:t>
+              <a:t>3/22/2023</a:t>
             </a:fld>
             <a:endParaRPr lang="en-US" dirty="0"/>
           </a:p>
@@ -8670,7 +8669,7 @@
             <a:fld id="{5ECD8B30-1B71-45A1-8314-D59C86F581E1}" type="datetime1">
               <a:rPr lang="en-US" smtClean="0"/>
               <a:pPr/>
-              <a:t>3/14/2023</a:t>
+              <a:t>3/22/2023</a:t>
             </a:fld>
             <a:endParaRPr lang="en-US" b="1" dirty="0"/>
           </a:p>
@@ -9152,13 +9151,7 @@
           <a:p>
             <a:r>
               <a:rPr lang="en-US" dirty="0"/>
-              <a:t>Hybrid Planning</a:t>
-            </a:r>
-          </a:p>
-          <a:p>
-            <a:r>
-              <a:rPr lang="en-US" dirty="0"/>
-              <a:t>PDDL+</a:t>
+              <a:t>Epistemic Planning</a:t>
             </a:r>
             <a:endParaRPr lang="en-CA" dirty="0"/>
           </a:p>
@@ -9196,6 +9189,34 @@
       </p:grpSpPr>
       <p:sp>
         <p:nvSpPr>
+          <p:cNvPr id="4" name="Title 3">
+            <a:extLst>
+              <a:ext uri="{FF2B5EF4-FFF2-40B4-BE49-F238E27FC236}">
+                <a16:creationId xmlns:a16="http://schemas.microsoft.com/office/drawing/2014/main" id="{80EAC0C6-7B8A-1444-CF6E-AFD7613F9128}"/>
+              </a:ext>
+            </a:extLst>
+          </p:cNvPr>
+          <p:cNvSpPr>
+            <a:spLocks noGrp="1"/>
+          </p:cNvSpPr>
+          <p:nvPr>
+            <p:ph type="title"/>
+          </p:nvPr>
+        </p:nvSpPr>
+        <p:spPr/>
+        <p:txBody>
+          <a:bodyPr/>
+          <a:lstStyle/>
+          <a:p>
+            <a:r>
+              <a:rPr lang="en-CA" dirty="0"/>
+              <a:t>2. Who’s got it?</a:t>
+            </a:r>
+          </a:p>
+        </p:txBody>
+      </p:sp>
+      <p:sp>
+        <p:nvSpPr>
           <p:cNvPr id="5" name="Content Placeholder 4">
             <a:extLst>
               <a:ext uri="{FF2B5EF4-FFF2-40B4-BE49-F238E27FC236}">
@@ -9210,55 +9231,213 @@
             <p:ph idx="1"/>
           </p:nvPr>
         </p:nvSpPr>
-        <p:spPr/>
+        <p:spPr>
+          <a:xfrm>
+            <a:off x="838200" y="1825625"/>
+            <a:ext cx="10890956" cy="4351338"/>
+          </a:xfrm>
+        </p:spPr>
         <p:txBody>
-          <a:bodyPr/>
+          <a:bodyPr>
+            <a:normAutofit/>
+          </a:bodyPr>
           <a:lstStyle/>
+          <a:p>
+            <a:pPr marL="0" indent="0">
+              <a:buNone/>
+            </a:pPr>
+            <a:r>
+              <a:rPr lang="en-CA" dirty="0"/>
+              <a:t>Introduce an </a:t>
+            </a:r>
+            <a:r>
+              <a:rPr lang="en-CA" b="1" dirty="0">
+                <a:solidFill>
+                  <a:schemeClr val="accent4"/>
+                </a:solidFill>
+              </a:rPr>
+              <a:t>ask</a:t>
+            </a:r>
+            <a:r>
+              <a:rPr lang="en-CA" dirty="0"/>
+              <a:t> action letting agent </a:t>
+            </a:r>
+            <a:r>
+              <a:rPr lang="en-CA" b="1" dirty="0"/>
+              <a:t>?a1</a:t>
+            </a:r>
+            <a:r>
+              <a:rPr lang="en-CA" dirty="0"/>
+              <a:t> </a:t>
+            </a:r>
+            <a:r>
+              <a:rPr lang="en-CA" dirty="0">
+                <a:solidFill>
+                  <a:schemeClr val="accent4"/>
+                </a:solidFill>
+              </a:rPr>
+              <a:t>ask</a:t>
+            </a:r>
+            <a:r>
+              <a:rPr lang="en-CA" dirty="0"/>
+              <a:t> </a:t>
+            </a:r>
+            <a:r>
+              <a:rPr lang="en-CA" b="1" dirty="0"/>
+              <a:t>?a2</a:t>
+            </a:r>
+            <a:r>
+              <a:rPr lang="en-CA" dirty="0"/>
+              <a:t> if </a:t>
+            </a:r>
+            <a:r>
+              <a:rPr lang="en-CA" b="1" dirty="0"/>
+              <a:t>?a3</a:t>
+            </a:r>
+            <a:r>
+              <a:rPr lang="en-CA" dirty="0"/>
+              <a:t> </a:t>
+            </a:r>
+            <a:r>
+              <a:rPr lang="en-CA" dirty="0">
+                <a:solidFill>
+                  <a:schemeClr val="accent2"/>
+                </a:solidFill>
+              </a:rPr>
+              <a:t>has the treasure</a:t>
+            </a:r>
+            <a:br>
+              <a:rPr lang="en-CA" dirty="0"/>
+            </a:br>
+            <a:endParaRPr lang="en-CA" dirty="0"/>
+          </a:p>
+          <a:p>
+            <a:r>
+              <a:rPr lang="en-CA" dirty="0"/>
+              <a:t>It should </a:t>
+            </a:r>
+            <a:r>
+              <a:rPr lang="en-CA" i="1" dirty="0"/>
+              <a:t>never</a:t>
+            </a:r>
+            <a:r>
+              <a:rPr lang="en-CA" dirty="0"/>
+              <a:t> have its condition derived.</a:t>
+            </a:r>
+          </a:p>
+          <a:p>
+            <a:r>
+              <a:rPr lang="en-CA" dirty="0"/>
+              <a:t>Precondition is that the agents are co-located.</a:t>
+            </a:r>
+          </a:p>
+          <a:p>
+            <a:r>
+              <a:rPr lang="en-CA" dirty="0"/>
+              <a:t>Effect is that when </a:t>
+            </a:r>
+            <a:r>
+              <a:rPr lang="en-CA" b="1" dirty="0"/>
+              <a:t>?a2</a:t>
+            </a:r>
+            <a:r>
+              <a:rPr lang="en-CA" dirty="0"/>
+              <a:t> believes </a:t>
+            </a:r>
+            <a:r>
+              <a:rPr lang="en-CA" b="1" dirty="0"/>
+              <a:t>?a3</a:t>
+            </a:r>
+            <a:r>
+              <a:rPr lang="en-CA" dirty="0"/>
+              <a:t> has it (or doesn’t), then </a:t>
+            </a:r>
+            <a:r>
+              <a:rPr lang="en-CA" b="1" dirty="0"/>
+              <a:t>?a1</a:t>
+            </a:r>
+            <a:r>
+              <a:rPr lang="en-CA" dirty="0"/>
+              <a:t> will come to believe the same thing.</a:t>
+            </a:r>
+          </a:p>
+          <a:p>
+            <a:r>
+              <a:rPr lang="en-CA" b="1" dirty="0"/>
+              <a:t>Goal</a:t>
+            </a:r>
+            <a:r>
+              <a:rPr lang="en-CA" dirty="0"/>
+              <a:t>: ‘</a:t>
+            </a:r>
+            <a:r>
+              <a:rPr lang="en-CA" b="1" dirty="0"/>
+              <a:t>c</a:t>
+            </a:r>
+            <a:r>
+              <a:rPr lang="en-CA" dirty="0"/>
+              <a:t>’ thinks ‘</a:t>
+            </a:r>
+            <a:r>
+              <a:rPr lang="en-CA" b="1" dirty="0"/>
+              <a:t>a</a:t>
+            </a:r>
+            <a:r>
+              <a:rPr lang="en-CA" dirty="0"/>
+              <a:t>’ has the treasure / ‘</a:t>
+            </a:r>
+            <a:r>
+              <a:rPr lang="en-CA" b="1" dirty="0"/>
+              <a:t>d</a:t>
+            </a:r>
+            <a:r>
+              <a:rPr lang="en-CA" dirty="0"/>
+              <a:t>’ thinks it’s possible ‘</a:t>
+            </a:r>
+            <a:r>
+              <a:rPr lang="en-CA" b="1" dirty="0"/>
+              <a:t>a</a:t>
+            </a:r>
+            <a:r>
+              <a:rPr lang="en-CA" dirty="0"/>
+              <a:t>’ doesn’t</a:t>
+            </a:r>
+          </a:p>
+          <a:p>
+            <a:endParaRPr lang="en-CA" dirty="0"/>
+          </a:p>
+          <a:p>
+            <a:pPr marL="0" indent="0" algn="ctr">
+              <a:buNone/>
+            </a:pPr>
+            <a:r>
+              <a:rPr lang="en-CA" sz="2800" dirty="0"/>
+              <a:t>epistemic / </a:t>
+            </a:r>
+            <a:r>
+              <a:rPr lang="en-CA" sz="2800" dirty="0" err="1"/>
+              <a:t>tellmethis</a:t>
+            </a:r>
+            <a:endParaRPr lang="en-CA" sz="2800" dirty="0"/>
+          </a:p>
           <a:p>
             <a:pPr marL="0" indent="0">
               <a:buNone/>
             </a:pPr>
             <a:endParaRPr lang="en-CA" dirty="0"/>
-          </a:p>
-          <a:p>
-            <a:endParaRPr lang="en-CA" dirty="0"/>
-          </a:p>
-          <a:p>
-            <a:endParaRPr lang="en-CA" dirty="0"/>
-          </a:p>
-          <a:p>
-            <a:pPr marL="0" indent="0" algn="ctr">
-              <a:buNone/>
-            </a:pPr>
-            <a:r>
-              <a:rPr lang="en-CA" sz="2800" dirty="0"/>
-              <a:t>http://editor.planning.domains/planning-course/hybrid/going</a:t>
-            </a:r>
           </a:p>
         </p:txBody>
       </p:sp>
     </p:spTree>
     <p:extLst>
       <p:ext uri="{BB962C8B-B14F-4D97-AF65-F5344CB8AC3E}">
-        <p14:creationId xmlns:p14="http://schemas.microsoft.com/office/powerpoint/2010/main" val="4031490244"/>
+        <p14:creationId xmlns:p14="http://schemas.microsoft.com/office/powerpoint/2010/main" val="1445019752"/>
       </p:ext>
     </p:extLst>
   </p:cSld>
   <p:clrMapOvr>
     <a:masterClrMapping/>
   </p:clrMapOvr>
-  <mc:AlternateContent xmlns:mc="http://schemas.openxmlformats.org/markup-compatibility/2006" xmlns:p14="http://schemas.microsoft.com/office/powerpoint/2010/main">
-    <mc:Choice Requires="p14">
-      <p:transition spd="med" p14:dur="700">
-        <p:fade/>
-      </p:transition>
-    </mc:Choice>
-    <mc:Fallback xmlns="">
-      <p:transition spd="med">
-        <p:fade/>
-      </p:transition>
-    </mc:Fallback>
-  </mc:AlternateContent>
 </p:sld>
 </file>
 
@@ -9281,39 +9460,6 @@
       </p:grpSpPr>
       <p:sp>
         <p:nvSpPr>
-          <p:cNvPr id="4" name="Title 3">
-            <a:extLst>
-              <a:ext uri="{FF2B5EF4-FFF2-40B4-BE49-F238E27FC236}">
-                <a16:creationId xmlns:a16="http://schemas.microsoft.com/office/drawing/2014/main" id="{80EAC0C6-7B8A-1444-CF6E-AFD7613F9128}"/>
-              </a:ext>
-            </a:extLst>
-          </p:cNvPr>
-          <p:cNvSpPr>
-            <a:spLocks noGrp="1"/>
-          </p:cNvSpPr>
-          <p:nvPr>
-            <p:ph type="title"/>
-          </p:nvPr>
-        </p:nvSpPr>
-        <p:spPr/>
-        <p:txBody>
-          <a:bodyPr/>
-          <a:lstStyle/>
-          <a:p>
-            <a:r>
-              <a:rPr lang="en-CA" dirty="0"/>
-              <a:t>2. </a:t>
-            </a:r>
-            <a:r>
-              <a:rPr lang="en-US" dirty="0"/>
-              <a:t>Round and round we go</a:t>
-            </a:r>
-            <a:endParaRPr lang="en-CA" dirty="0"/>
-          </a:p>
-        </p:txBody>
-      </p:sp>
-      <p:sp>
-        <p:nvSpPr>
           <p:cNvPr id="5" name="Content Placeholder 4">
             <a:extLst>
               <a:ext uri="{FF2B5EF4-FFF2-40B4-BE49-F238E27FC236}">
@@ -9333,114 +9479,11 @@
           <a:bodyPr/>
           <a:lstStyle/>
           <a:p>
-            <a:r>
-              <a:rPr lang="en-CA" dirty="0"/>
-              <a:t>Introduce a </a:t>
-            </a:r>
-            <a:r>
-              <a:rPr lang="en-CA" b="1" dirty="0">
-                <a:solidFill>
-                  <a:schemeClr val="accent1"/>
-                </a:solidFill>
-              </a:rPr>
-              <a:t>loop</a:t>
-            </a:r>
-            <a:r>
-              <a:rPr lang="en-CA" dirty="0"/>
-              <a:t> event, along with counters, so we can make sure the </a:t>
-            </a:r>
-            <a:r>
-              <a:rPr lang="en-CA" dirty="0">
-                <a:solidFill>
-                  <a:schemeClr val="accent3"/>
-                </a:solidFill>
-              </a:rPr>
-              <a:t>shuttles</a:t>
-            </a:r>
-            <a:r>
-              <a:rPr lang="en-CA" dirty="0"/>
-              <a:t> can go round and round and …</a:t>
-            </a:r>
-          </a:p>
-          <a:p>
-            <a:endParaRPr lang="en-CA" dirty="0"/>
-          </a:p>
-          <a:p>
-            <a:endParaRPr lang="en-CA" dirty="0"/>
-          </a:p>
-          <a:p>
-            <a:pPr marL="0" indent="0" algn="ctr">
-              <a:buNone/>
-            </a:pPr>
-            <a:r>
-              <a:rPr lang="en-CA" sz="2800" dirty="0"/>
-              <a:t>http://editor.planning.domains/planning-course/hybrid/loop</a:t>
-            </a:r>
-          </a:p>
-          <a:p>
             <a:pPr marL="0" indent="0">
               <a:buNone/>
             </a:pPr>
             <a:endParaRPr lang="en-CA" dirty="0"/>
           </a:p>
-        </p:txBody>
-      </p:sp>
-    </p:spTree>
-    <p:extLst>
-      <p:ext uri="{BB962C8B-B14F-4D97-AF65-F5344CB8AC3E}">
-        <p14:creationId xmlns:p14="http://schemas.microsoft.com/office/powerpoint/2010/main" val="1445019752"/>
-      </p:ext>
-    </p:extLst>
-  </p:cSld>
-  <p:clrMapOvr>
-    <a:masterClrMapping/>
-  </p:clrMapOvr>
-</p:sld>
-</file>
-
-<file path=ppt/slides/slide12.xml><?xml version="1.0" encoding="utf-8"?>
-<p:sld xmlns:a="http://schemas.openxmlformats.org/drawingml/2006/main" xmlns:r="http://schemas.openxmlformats.org/officeDocument/2006/relationships" xmlns:p="http://schemas.openxmlformats.org/presentationml/2006/main" showMasterSp="0">
-  <p:cSld>
-    <p:spTree>
-      <p:nvGrpSpPr>
-        <p:cNvPr id="1" name=""/>
-        <p:cNvGrpSpPr/>
-        <p:nvPr/>
-      </p:nvGrpSpPr>
-      <p:grpSpPr>
-        <a:xfrm>
-          <a:off x="0" y="0"/>
-          <a:ext cx="0" cy="0"/>
-          <a:chOff x="0" y="0"/>
-          <a:chExt cx="0" cy="0"/>
-        </a:xfrm>
-      </p:grpSpPr>
-      <p:sp>
-        <p:nvSpPr>
-          <p:cNvPr id="5" name="Content Placeholder 4">
-            <a:extLst>
-              <a:ext uri="{FF2B5EF4-FFF2-40B4-BE49-F238E27FC236}">
-                <a16:creationId xmlns:a16="http://schemas.microsoft.com/office/drawing/2014/main" id="{916B2140-6178-6477-FAC2-4FC081B9C2C5}"/>
-              </a:ext>
-            </a:extLst>
-          </p:cNvPr>
-          <p:cNvSpPr>
-            <a:spLocks noGrp="1"/>
-          </p:cNvSpPr>
-          <p:nvPr>
-            <p:ph idx="1"/>
-          </p:nvPr>
-        </p:nvSpPr>
-        <p:spPr/>
-        <p:txBody>
-          <a:bodyPr/>
-          <a:lstStyle/>
-          <a:p>
-            <a:pPr marL="0" indent="0">
-              <a:buNone/>
-            </a:pPr>
-            <a:endParaRPr lang="en-CA" dirty="0"/>
-          </a:p>
           <a:p>
             <a:endParaRPr lang="en-CA" dirty="0"/>
           </a:p>
@@ -9453,7 +9496,15 @@
             </a:pPr>
             <a:r>
               <a:rPr lang="en-CA" sz="2800" dirty="0"/>
-              <a:t>http://editor.planning.domains/planning-course/hybrid/loopy</a:t>
+              <a:t>epistemic / </a:t>
+            </a:r>
+            <a:r>
+              <a:rPr lang="en-CA" sz="2800" dirty="0" err="1"/>
+              <a:t>youllneverguesswhatiheard</a:t>
+            </a:r>
+            <a:r>
+              <a:rPr lang="en-CA" sz="2800" dirty="0"/>
+              <a:t> </a:t>
             </a:r>
           </a:p>
         </p:txBody>
@@ -9483,7 +9534,7 @@
 </p:sld>
 </file>
 
-<file path=ppt/slides/slide13.xml><?xml version="1.0" encoding="utf-8"?>
+<file path=ppt/slides/slide12.xml><?xml version="1.0" encoding="utf-8"?>
 <p:sld xmlns:a="http://schemas.openxmlformats.org/drawingml/2006/main" xmlns:r="http://schemas.openxmlformats.org/officeDocument/2006/relationships" xmlns:p="http://schemas.openxmlformats.org/presentationml/2006/main" showMasterSp="0">
   <p:cSld>
     <p:spTree>
@@ -9523,7 +9574,7 @@
           <a:p>
             <a:r>
               <a:rPr lang="en-CA" dirty="0"/>
-              <a:t>3. Start, stop, crash!</a:t>
+              <a:t>3. Nosy neighbours.</a:t>
             </a:r>
           </a:p>
         </p:txBody>
@@ -9544,44 +9595,92 @@
             <p:ph idx="1"/>
           </p:nvPr>
         </p:nvSpPr>
-        <p:spPr/>
+        <p:spPr>
+          <a:xfrm>
+            <a:off x="838200" y="1825625"/>
+            <a:ext cx="10515600" cy="4667250"/>
+          </a:xfrm>
+        </p:spPr>
         <p:txBody>
-          <a:bodyPr/>
+          <a:bodyPr>
+            <a:normAutofit fontScale="85000" lnSpcReduction="20000"/>
+          </a:bodyPr>
           <a:lstStyle/>
           <a:p>
+            <a:pPr marL="0" indent="0">
+              <a:buNone/>
+            </a:pPr>
             <a:r>
               <a:rPr lang="en-CA" dirty="0"/>
-              <a:t>Add a crash </a:t>
+              <a:t>Modify </a:t>
             </a:r>
             <a:r>
               <a:rPr lang="en-CA" b="1" dirty="0">
                 <a:solidFill>
-                  <a:schemeClr val="accent1"/>
+                  <a:schemeClr val="accent4"/>
                 </a:solidFill>
               </a:rPr>
-              <a:t>event</a:t>
+              <a:t>ask</a:t>
             </a:r>
             <a:r>
               <a:rPr lang="en-CA" dirty="0"/>
-              <a:t> that will smash the two </a:t>
-            </a:r>
-            <a:r>
-              <a:rPr lang="en-CA" dirty="0">
-                <a:solidFill>
-                  <a:schemeClr val="accent3"/>
-                </a:solidFill>
-              </a:rPr>
-              <a:t>shuttles</a:t>
-            </a:r>
-            <a:r>
+              <a:t> so others can eavesdrop</a:t>
+            </a:r>
+            <a:br>
               <a:rPr lang="en-CA" dirty="0"/>
-              <a:t> together.</a:t>
-            </a:r>
+            </a:br>
+            <a:endParaRPr lang="en-CA" dirty="0"/>
           </a:p>
           <a:p>
             <a:r>
               <a:rPr lang="en-CA" dirty="0"/>
-              <a:t>To make sure it works, let’s set the goal to include </a:t>
+              <a:t>Change the derive-condition to capture agents in the room</a:t>
+            </a:r>
+            <a:br>
+              <a:rPr lang="en-CA" dirty="0"/>
+            </a:br>
+            <a:endParaRPr lang="en-CA" dirty="0"/>
+          </a:p>
+          <a:p>
+            <a:r>
+              <a:rPr lang="en-CA" dirty="0"/>
+              <a:t>Precondition stays the same, but the effect now includes the asking agent to believe the telling agent believes what they say</a:t>
+            </a:r>
+          </a:p>
+          <a:p>
+            <a:pPr lvl="1"/>
+            <a:r>
+              <a:rPr lang="en-CA" dirty="0"/>
+              <a:t>Wasn’t it weird that we didn’t consider this before?</a:t>
+            </a:r>
+            <a:br>
+              <a:rPr lang="en-CA" dirty="0"/>
+            </a:br>
+            <a:endParaRPr lang="en-CA" dirty="0"/>
+          </a:p>
+          <a:p>
+            <a:r>
+              <a:rPr lang="en-CA" b="1" dirty="0"/>
+              <a:t>Goal</a:t>
+            </a:r>
+            <a:r>
+              <a:rPr lang="en-CA" dirty="0"/>
+              <a:t>:</a:t>
+            </a:r>
+          </a:p>
+          <a:p>
+            <a:pPr lvl="1"/>
+            <a:r>
+              <a:rPr lang="en-CA" dirty="0"/>
+              <a:t>‘</a:t>
+            </a:r>
+            <a:r>
+              <a:rPr lang="en-CA" b="1" dirty="0"/>
+              <a:t>a</a:t>
+            </a:r>
+            <a:r>
+              <a:rPr lang="en-CA" dirty="0"/>
+              <a:t>’ </a:t>
             </a:r>
             <a:r>
               <a:rPr lang="en-CA" dirty="0">
@@ -9589,41 +9688,38 @@
                   <a:schemeClr val="accent2"/>
                 </a:solidFill>
               </a:rPr>
-              <a:t>crash</a:t>
-            </a:r>
+              <a:t>has the treasure</a:t>
+            </a:r>
+          </a:p>
+          <a:p>
+            <a:pPr lvl="1"/>
             <a:r>
               <a:rPr lang="en-CA" dirty="0"/>
-              <a:t>ing</a:t>
-            </a:r>
-          </a:p>
-          <a:p>
+              <a:t>‘</a:t>
+            </a:r>
+            <a:r>
+              <a:rPr lang="en-CA" b="1" dirty="0"/>
+              <a:t>b</a:t>
+            </a:r>
             <a:r>
               <a:rPr lang="en-CA" dirty="0"/>
-              <a:t>To let the planner control things, have </a:t>
-            </a:r>
-            <a:r>
-              <a:rPr lang="en-CA" b="1" dirty="0">
-                <a:solidFill>
-                  <a:schemeClr val="accent4"/>
-                </a:solidFill>
-              </a:rPr>
-              <a:t>start-driving</a:t>
+              <a:t>’ and ‘</a:t>
+            </a:r>
+            <a:r>
+              <a:rPr lang="en-CA" b="1" dirty="0"/>
+              <a:t>c</a:t>
             </a:r>
             <a:r>
               <a:rPr lang="en-CA" dirty="0"/>
-              <a:t> and </a:t>
-            </a:r>
-            <a:r>
-              <a:rPr lang="en-CA" b="1" dirty="0">
-                <a:solidFill>
-                  <a:schemeClr val="accent4"/>
-                </a:solidFill>
-              </a:rPr>
-              <a:t>stop-driving</a:t>
+              <a:t>’  both think ‘</a:t>
+            </a:r>
+            <a:r>
+              <a:rPr lang="en-CA" b="1" dirty="0"/>
+              <a:t>a</a:t>
             </a:r>
             <a:r>
               <a:rPr lang="en-CA" dirty="0"/>
-              <a:t> actions that just change the </a:t>
+              <a:t>’ </a:t>
             </a:r>
             <a:r>
               <a:rPr lang="en-CA" dirty="0">
@@ -9631,15 +9727,75 @@
                   <a:schemeClr val="accent2"/>
                 </a:solidFill>
               </a:rPr>
-              <a:t>driving</a:t>
-            </a:r>
+              <a:t>has the treasure</a:t>
+            </a:r>
+          </a:p>
+          <a:p>
+            <a:pPr lvl="1"/>
             <a:r>
               <a:rPr lang="en-CA" dirty="0"/>
-              <a:t> status</a:t>
-            </a:r>
-          </a:p>
-          <a:p>
-            <a:endParaRPr lang="en-CA" dirty="0"/>
+              <a:t>‘</a:t>
+            </a:r>
+            <a:r>
+              <a:rPr lang="en-CA" b="1" dirty="0"/>
+              <a:t>c</a:t>
+            </a:r>
+            <a:r>
+              <a:rPr lang="en-CA" dirty="0"/>
+              <a:t>’ thinks ‘</a:t>
+            </a:r>
+            <a:r>
+              <a:rPr lang="en-CA" b="1" dirty="0"/>
+              <a:t>b</a:t>
+            </a:r>
+            <a:r>
+              <a:rPr lang="en-CA" dirty="0"/>
+              <a:t>’ thinks ‘</a:t>
+            </a:r>
+            <a:r>
+              <a:rPr lang="en-CA" b="1" dirty="0"/>
+              <a:t>a</a:t>
+            </a:r>
+            <a:r>
+              <a:rPr lang="en-CA" dirty="0"/>
+              <a:t>’ </a:t>
+            </a:r>
+            <a:r>
+              <a:rPr lang="en-CA" i="1" dirty="0"/>
+              <a:t>doesn’t</a:t>
+            </a:r>
+            <a:r>
+              <a:rPr lang="en-CA" dirty="0"/>
+              <a:t> </a:t>
+            </a:r>
+            <a:r>
+              <a:rPr lang="en-CA" dirty="0">
+                <a:solidFill>
+                  <a:schemeClr val="accent2"/>
+                </a:solidFill>
+              </a:rPr>
+              <a:t>have the treasure</a:t>
+            </a:r>
+            <a:r>
+              <a:rPr lang="en-CA" dirty="0"/>
+              <a:t> (similar for ‘</a:t>
+            </a:r>
+            <a:r>
+              <a:rPr lang="en-CA" b="1" dirty="0"/>
+              <a:t>b</a:t>
+            </a:r>
+            <a:r>
+              <a:rPr lang="en-CA" dirty="0"/>
+              <a:t>’ and ‘</a:t>
+            </a:r>
+            <a:r>
+              <a:rPr lang="en-CA" b="1" dirty="0"/>
+              <a:t>c</a:t>
+            </a:r>
+            <a:r>
+              <a:rPr lang="en-CA" dirty="0"/>
+              <a:t>’)</a:t>
+            </a:r>
           </a:p>
           <a:p>
             <a:endParaRPr lang="en-CA" dirty="0"/>
@@ -9649,8 +9805,12 @@
               <a:buNone/>
             </a:pPr>
             <a:r>
-              <a:rPr lang="en-CA" sz="2800" dirty="0"/>
-              <a:t>http://editor.planning.domains/planning-course/hybrid/crash</a:t>
+              <a:rPr lang="en-CA" dirty="0"/>
+              <a:t>epistemic / </a:t>
+            </a:r>
+            <a:r>
+              <a:rPr lang="en-CA" dirty="0" err="1"/>
+              <a:t>whatsthatnow</a:t>
             </a:r>
             <a:endParaRPr lang="en-CA" dirty="0"/>
           </a:p>
@@ -9669,7 +9829,7 @@
 </p:sld>
 </file>
 
-<file path=ppt/slides/slide14.xml><?xml version="1.0" encoding="utf-8"?>
+<file path=ppt/slides/slide13.xml><?xml version="1.0" encoding="utf-8"?>
 <p:sld xmlns:a="http://schemas.openxmlformats.org/drawingml/2006/main" xmlns:r="http://schemas.openxmlformats.org/officeDocument/2006/relationships" xmlns:p="http://schemas.openxmlformats.org/presentationml/2006/main" showMasterSp="0">
   <p:cSld>
     <p:spTree>
@@ -9723,9 +9883,14 @@
               <a:buNone/>
             </a:pPr>
             <a:r>
-              <a:rPr lang="en-CA" sz="2800" dirty="0"/>
-              <a:t>http://editor.planning.domains/planning-course/hybrid/kablooey</a:t>
-            </a:r>
+              <a:rPr lang="en-CA" dirty="0"/>
+              <a:t>epistemic / </a:t>
+            </a:r>
+            <a:r>
+              <a:rPr lang="en-CA" dirty="0" err="1"/>
+              <a:t>mindyourbusiness</a:t>
+            </a:r>
+            <a:endParaRPr lang="en-CA" dirty="0"/>
           </a:p>
         </p:txBody>
       </p:sp>
@@ -9754,7 +9919,7 @@
 </p:sld>
 </file>
 
-<file path=ppt/slides/slide15.xml><?xml version="1.0" encoding="utf-8"?>
+<file path=ppt/slides/slide14.xml><?xml version="1.0" encoding="utf-8"?>
 <p:sld xmlns:a="http://schemas.openxmlformats.org/drawingml/2006/main" xmlns:r="http://schemas.openxmlformats.org/officeDocument/2006/relationships" xmlns:p="http://schemas.openxmlformats.org/presentationml/2006/main" showMasterSp="0">
   <p:cSld>
     <p:spTree>
@@ -9794,11 +9959,11 @@
           <a:p>
             <a:r>
               <a:rPr lang="en-CA" dirty="0"/>
-              <a:t>4. </a:t>
+              <a:t>4. The art of suspicion</a:t>
             </a:r>
             <a:r>
               <a:rPr lang="en-US" dirty="0"/>
-              <a:t>Rules of the road.</a:t>
+              <a:t>.</a:t>
             </a:r>
             <a:endParaRPr lang="en-CA" dirty="0"/>
           </a:p>
@@ -9822,7 +9987,9 @@
         </p:nvSpPr>
         <p:spPr/>
         <p:txBody>
-          <a:bodyPr/>
+          <a:bodyPr>
+            <a:normAutofit fontScale="92500" lnSpcReduction="10000"/>
+          </a:bodyPr>
           <a:lstStyle/>
           <a:p>
             <a:pPr marL="0" indent="0">
@@ -9830,13 +9997,111 @@
             </a:pPr>
             <a:r>
               <a:rPr lang="en-CA" dirty="0"/>
-              <a:t>Let’s go back to letting the cars loose</a:t>
-            </a:r>
-          </a:p>
-          <a:p>
+              <a:t>Let’s harden up the beliefs on these </a:t>
+            </a:r>
+            <a:r>
+              <a:rPr lang="en-CA" dirty="0">
+                <a:solidFill>
+                  <a:schemeClr val="accent3"/>
+                </a:solidFill>
+              </a:rPr>
+              <a:t>agents</a:t>
+            </a:r>
             <a:r>
               <a:rPr lang="en-CA" dirty="0"/>
-              <a:t>Remove the </a:t>
+              <a:t> (</a:t>
+            </a:r>
+            <a:r>
+              <a:rPr lang="en-CA" i="1" dirty="0"/>
+              <a:t>they’ll believe anything</a:t>
+            </a:r>
+            <a:r>
+              <a:rPr lang="en-CA" dirty="0"/>
+              <a:t>!)</a:t>
+            </a:r>
+            <a:br>
+              <a:rPr lang="en-CA" dirty="0"/>
+            </a:br>
+            <a:endParaRPr lang="en-CA" dirty="0"/>
+          </a:p>
+          <a:p>
+            <a:r>
+              <a:rPr lang="en-CA" dirty="0"/>
+              <a:t>Start with a goal of ‘</a:t>
+            </a:r>
+            <a:r>
+              <a:rPr lang="en-CA" b="1" dirty="0"/>
+              <a:t>a</a:t>
+            </a:r>
+            <a:r>
+              <a:rPr lang="en-CA" dirty="0"/>
+              <a:t>’ </a:t>
+            </a:r>
+            <a:r>
+              <a:rPr lang="en-CA" dirty="0">
+                <a:solidFill>
+                  <a:schemeClr val="accent2"/>
+                </a:solidFill>
+              </a:rPr>
+              <a:t>having the treasure</a:t>
+            </a:r>
+            <a:r>
+              <a:rPr lang="en-CA" dirty="0"/>
+              <a:t>, and both ‘</a:t>
+            </a:r>
+            <a:r>
+              <a:rPr lang="en-CA" b="1" dirty="0"/>
+              <a:t>b</a:t>
+            </a:r>
+            <a:r>
+              <a:rPr lang="en-CA" dirty="0"/>
+              <a:t>’ and ‘</a:t>
+            </a:r>
+            <a:r>
+              <a:rPr lang="en-CA" b="1" dirty="0"/>
+              <a:t>c</a:t>
+            </a:r>
+            <a:r>
+              <a:rPr lang="en-CA" dirty="0"/>
+              <a:t>’ thinking it’s </a:t>
+            </a:r>
+            <a:r>
+              <a:rPr lang="en-CA" dirty="0">
+                <a:solidFill>
+                  <a:schemeClr val="accent2"/>
+                </a:solidFill>
+              </a:rPr>
+              <a:t>at</a:t>
+            </a:r>
+            <a:r>
+              <a:rPr lang="en-CA" dirty="0"/>
+              <a:t> ‘</a:t>
+            </a:r>
+            <a:r>
+              <a:rPr lang="en-CA" b="1" dirty="0"/>
+              <a:t>l0</a:t>
+            </a:r>
+            <a:r>
+              <a:rPr lang="en-CA" dirty="0"/>
+              <a:t>’ and ‘</a:t>
+            </a:r>
+            <a:r>
+              <a:rPr lang="en-CA" b="1" dirty="0"/>
+              <a:t>l1</a:t>
+            </a:r>
+            <a:r>
+              <a:rPr lang="en-CA" dirty="0"/>
+              <a:t>’ respectively.</a:t>
+            </a:r>
+            <a:br>
+              <a:rPr lang="en-CA" dirty="0"/>
+            </a:br>
+            <a:endParaRPr lang="en-CA" dirty="0"/>
+          </a:p>
+          <a:p>
+            <a:r>
+              <a:rPr lang="en-CA" dirty="0"/>
+              <a:t>Modify </a:t>
             </a:r>
             <a:r>
               <a:rPr lang="en-CA" dirty="0">
@@ -9844,91 +10109,69 @@
                   <a:schemeClr val="accent4"/>
                 </a:solidFill>
               </a:rPr>
-              <a:t>start</a:t>
+              <a:t>move</a:t>
             </a:r>
             <a:r>
               <a:rPr lang="en-CA" dirty="0"/>
-              <a:t>/</a:t>
+              <a:t> so that the moving agent thinks:</a:t>
+            </a:r>
+          </a:p>
+          <a:p>
+            <a:pPr lvl="1"/>
+            <a:r>
+              <a:rPr lang="en-CA" dirty="0"/>
+              <a:t>it’s possible for the treasure to either be (or not) </a:t>
             </a:r>
             <a:r>
               <a:rPr lang="en-CA" dirty="0">
                 <a:solidFill>
-                  <a:schemeClr val="accent4"/>
+                  <a:schemeClr val="accent2"/>
                 </a:solidFill>
               </a:rPr>
-              <a:t>stop</a:t>
+              <a:t>at</a:t>
             </a:r>
             <a:r>
               <a:rPr lang="en-CA" dirty="0"/>
-              <a:t> actions</a:t>
-            </a:r>
-          </a:p>
-          <a:p>
+              <a:t> the source location</a:t>
+            </a:r>
+          </a:p>
+          <a:p>
+            <a:pPr lvl="1"/>
             <a:r>
               <a:rPr lang="en-CA" dirty="0"/>
-              <a:t>Add a </a:t>
-            </a:r>
-            <a:r>
-              <a:rPr lang="en-CA" b="1" dirty="0">
+              <a:t>when the treasure is </a:t>
+            </a:r>
+            <a:r>
+              <a:rPr lang="en-CA" dirty="0">
                 <a:solidFill>
-                  <a:schemeClr val="accent1"/>
+                  <a:schemeClr val="accent2"/>
                 </a:solidFill>
               </a:rPr>
-              <a:t>light-change</a:t>
+              <a:t>at</a:t>
             </a:r>
             <a:r>
               <a:rPr lang="en-CA" dirty="0"/>
-              <a:t> event that alternates which </a:t>
-            </a:r>
-            <a:r>
-              <a:rPr lang="en-CA" dirty="0">
-                <a:solidFill>
-                  <a:schemeClr val="accent3"/>
-                </a:solidFill>
-              </a:rPr>
-              <a:t>circuit</a:t>
-            </a:r>
-            <a:r>
+              <a:t> (or not) the destination, the agent believes this</a:t>
+            </a:r>
+            <a:br>
               <a:rPr lang="en-CA" dirty="0"/>
-              <a:t> is going.</a:t>
-            </a:r>
+            </a:br>
+            <a:endParaRPr lang="en-CA" dirty="0"/>
           </a:p>
           <a:p>
             <a:r>
               <a:rPr lang="en-CA" dirty="0"/>
-              <a:t>Include a </a:t>
-            </a:r>
-            <a:r>
-              <a:rPr lang="en-CA" b="1" dirty="0">
-                <a:solidFill>
-                  <a:schemeClr val="accent6">
-                    <a:lumMod val="60000"/>
-                    <a:lumOff val="40000"/>
-                  </a:schemeClr>
-                </a:solidFill>
-              </a:rPr>
-              <a:t>light-timer</a:t>
-            </a:r>
-            <a:r>
-              <a:rPr lang="en-CA" dirty="0"/>
-              <a:t> process that counts down the red light.</a:t>
-            </a:r>
-          </a:p>
-          <a:p>
-            <a:endParaRPr lang="en-CA" dirty="0"/>
-          </a:p>
-          <a:p>
-            <a:endParaRPr lang="en-CA" dirty="0"/>
+              <a:t>Try solving it again.</a:t>
+            </a:r>
           </a:p>
           <a:p>
             <a:pPr marL="0" indent="0" algn="ctr">
               <a:buNone/>
             </a:pPr>
             <a:r>
-              <a:rPr lang="en-CA" sz="2800" dirty="0"/>
-              <a:t>http://editor.planning.domains/planning-course/hybrid/bythebook</a:t>
-            </a:r>
-            <a:endParaRPr lang="en-CA" dirty="0"/>
+              <a:rPr lang="en-CA" dirty="0"/>
+              <a:t>epistemic / sus</a:t>
+            </a:r>
           </a:p>
         </p:txBody>
       </p:sp>
@@ -9945,7 +10188,7 @@
 </p:sld>
 </file>
 
-<file path=ppt/slides/slide16.xml><?xml version="1.0" encoding="utf-8"?>
+<file path=ppt/slides/slide15.xml><?xml version="1.0" encoding="utf-8"?>
 <p:sld xmlns:a="http://schemas.openxmlformats.org/drawingml/2006/main" xmlns:r="http://schemas.openxmlformats.org/officeDocument/2006/relationships" xmlns:p="http://schemas.openxmlformats.org/presentationml/2006/main" showMasterSp="0">
   <p:cSld>
     <p:spTree>
@@ -9999,9 +10242,14 @@
               <a:buNone/>
             </a:pPr>
             <a:r>
-              <a:rPr lang="en-CA" sz="2800" dirty="0"/>
-              <a:t>http://editor.planning.domains/planning-course/hybrid/goonred</a:t>
-            </a:r>
+              <a:rPr lang="en-CA" dirty="0"/>
+              <a:t>epistemic / </a:t>
+            </a:r>
+            <a:r>
+              <a:rPr lang="en-CA" dirty="0" err="1"/>
+              <a:t>idontbelieveawordyousay</a:t>
+            </a:r>
+            <a:endParaRPr lang="en-CA" dirty="0"/>
           </a:p>
         </p:txBody>
       </p:sp>
@@ -10030,7 +10278,7 @@
 </p:sld>
 </file>
 
-<file path=ppt/slides/slide17.xml><?xml version="1.0" encoding="utf-8"?>
+<file path=ppt/slides/slide16.xml><?xml version="1.0" encoding="utf-8"?>
 <p:sld xmlns:a="http://schemas.openxmlformats.org/drawingml/2006/main" xmlns:r="http://schemas.openxmlformats.org/officeDocument/2006/relationships" xmlns:p="http://schemas.openxmlformats.org/presentationml/2006/main" showMasterSp="0">
   <p:cSld>
     <p:spTree>
@@ -10070,15 +10318,7 @@
           <a:p>
             <a:r>
               <a:rPr lang="en-CA" dirty="0"/>
-              <a:t>5. Bring ‘</a:t>
-            </a:r>
-            <a:r>
-              <a:rPr lang="en-CA" dirty="0" err="1"/>
-              <a:t>em</a:t>
-            </a:r>
-            <a:r>
-              <a:rPr lang="en-CA" dirty="0"/>
-              <a:t> all home</a:t>
+              <a:t>5. The perfect logician.</a:t>
             </a:r>
           </a:p>
         </p:txBody>
@@ -10101,13 +10341,13 @@
         </p:nvSpPr>
         <p:spPr>
           <a:xfrm>
-            <a:off x="838200" y="1825625"/>
-            <a:ext cx="10515600" cy="4761988"/>
+            <a:off x="838200" y="1690688"/>
+            <a:ext cx="10515600" cy="4896925"/>
           </a:xfrm>
         </p:spPr>
         <p:txBody>
           <a:bodyPr>
-            <a:normAutofit/>
+            <a:normAutofit fontScale="92500" lnSpcReduction="10000"/>
           </a:bodyPr>
           <a:lstStyle/>
           <a:p>
@@ -10116,13 +10356,111 @@
             </a:pPr>
             <a:r>
               <a:rPr lang="en-CA" dirty="0"/>
-              <a:t>Time to go get them peeps!</a:t>
-            </a:r>
-          </a:p>
-          <a:p>
+              <a:t>We know RP-MEP can’t handle disjunction natively. But what if we </a:t>
+            </a:r>
+            <a:r>
+              <a:rPr lang="en-CA" i="1" dirty="0"/>
+              <a:t>encode the notion of logical reasoning</a:t>
+            </a:r>
             <a:r>
               <a:rPr lang="en-CA" dirty="0"/>
-              <a:t>Allow the </a:t>
+              <a:t>?</a:t>
+            </a:r>
+            <a:br>
+              <a:rPr lang="en-CA" dirty="0"/>
+            </a:br>
+            <a:endParaRPr lang="en-CA" dirty="0"/>
+          </a:p>
+          <a:p>
+            <a:r>
+              <a:rPr lang="en-CA" dirty="0"/>
+              <a:t>Add a </a:t>
+            </a:r>
+            <a:r>
+              <a:rPr lang="en-CA" b="1" dirty="0">
+                <a:solidFill>
+                  <a:schemeClr val="accent2"/>
+                </a:solidFill>
+              </a:rPr>
+              <a:t>diff</a:t>
+            </a:r>
+            <a:r>
+              <a:rPr lang="en-CA" dirty="0"/>
+              <a:t> predicate (always known) to indicate if agents differ</a:t>
+            </a:r>
+          </a:p>
+          <a:p>
+            <a:r>
+              <a:rPr lang="en-CA" dirty="0"/>
+              <a:t>Add a </a:t>
+            </a:r>
+            <a:r>
+              <a:rPr lang="en-CA" b="1" dirty="0">
+                <a:solidFill>
+                  <a:schemeClr val="accent2"/>
+                </a:solidFill>
+              </a:rPr>
+              <a:t>can-infer</a:t>
+            </a:r>
+            <a:r>
+              <a:rPr lang="en-CA" dirty="0"/>
+              <a:t> predicate to let us </a:t>
+            </a:r>
+            <a:r>
+              <a:rPr lang="en-CA" dirty="0">
+                <a:solidFill>
+                  <a:schemeClr val="accent4"/>
+                </a:solidFill>
+              </a:rPr>
+              <a:t>infer</a:t>
+            </a:r>
+            <a:r>
+              <a:rPr lang="en-CA" dirty="0"/>
+              <a:t> just once.</a:t>
+            </a:r>
+          </a:p>
+          <a:p>
+            <a:r>
+              <a:rPr lang="en-CA" dirty="0"/>
+              <a:t>Add the </a:t>
+            </a:r>
+            <a:r>
+              <a:rPr lang="en-CA" b="1" dirty="0">
+                <a:solidFill>
+                  <a:schemeClr val="accent4"/>
+                </a:solidFill>
+              </a:rPr>
+              <a:t>infer</a:t>
+            </a:r>
+            <a:r>
+              <a:rPr lang="en-CA" dirty="0"/>
+              <a:t> action:</a:t>
+            </a:r>
+          </a:p>
+          <a:p>
+            <a:pPr lvl="1"/>
+            <a:r>
+              <a:rPr lang="en-CA" dirty="0"/>
+              <a:t>Should have a derive condition of </a:t>
+            </a:r>
+            <a:r>
+              <a:rPr lang="en-CA" i="1" dirty="0"/>
+              <a:t>always</a:t>
+            </a:r>
+            <a:r>
+              <a:rPr lang="en-CA" dirty="0"/>
+              <a:t>.</a:t>
+            </a:r>
+          </a:p>
+          <a:p>
+            <a:pPr lvl="1"/>
+            <a:r>
+              <a:rPr lang="en-CA" b="1" dirty="0"/>
+              <a:t>Parameters</a:t>
+            </a:r>
+            <a:r>
+              <a:rPr lang="en-CA" dirty="0"/>
+              <a:t>: 3 </a:t>
             </a:r>
             <a:r>
               <a:rPr lang="en-CA" dirty="0">
@@ -10130,44 +10468,11 @@
                   <a:schemeClr val="accent3"/>
                 </a:solidFill>
               </a:rPr>
-              <a:t>shuttle</a:t>
+              <a:t>agents</a:t>
             </a:r>
             <a:r>
               <a:rPr lang="en-CA" dirty="0"/>
-              <a:t> to </a:t>
-            </a:r>
-            <a:r>
-              <a:rPr lang="en-CA" b="1" dirty="0">
-                <a:solidFill>
-                  <a:schemeClr val="accent4"/>
-                </a:solidFill>
-              </a:rPr>
-              <a:t>stop</a:t>
-            </a:r>
-            <a:r>
-              <a:rPr lang="en-CA" dirty="0"/>
-              <a:t>, but then stay stopped until the </a:t>
-            </a:r>
-            <a:r>
-              <a:rPr lang="en-CA" b="1" dirty="0">
-                <a:solidFill>
-                  <a:schemeClr val="accent6">
-                    <a:lumMod val="60000"/>
-                    <a:lumOff val="40000"/>
-                  </a:schemeClr>
-                </a:solidFill>
-              </a:rPr>
-              <a:t>idle-timer</a:t>
-            </a:r>
-            <a:r>
-              <a:rPr lang="en-CA" dirty="0"/>
-              <a:t> process completes</a:t>
-            </a:r>
-          </a:p>
-          <a:p>
-            <a:r>
-              <a:rPr lang="en-CA" dirty="0"/>
-              <a:t>Let</a:t>
+              <a:t> and a </a:t>
             </a:r>
             <a:r>
               <a:rPr lang="en-CA" dirty="0">
@@ -10175,35 +10480,18 @@
                   <a:schemeClr val="accent3"/>
                 </a:solidFill>
               </a:rPr>
-              <a:t> people</a:t>
+              <a:t>location</a:t>
+            </a:r>
+          </a:p>
+          <a:p>
+            <a:pPr lvl="1"/>
+            <a:r>
+              <a:rPr lang="en-CA" b="1" dirty="0"/>
+              <a:t>Precondition</a:t>
             </a:r>
             <a:r>
               <a:rPr lang="en-CA" dirty="0"/>
-              <a:t> </a:t>
-            </a:r>
-            <a:r>
-              <a:rPr lang="en-CA" b="1" dirty="0">
-                <a:solidFill>
-                  <a:schemeClr val="accent4"/>
-                </a:solidFill>
-              </a:rPr>
-              <a:t>board</a:t>
-            </a:r>
-            <a:r>
-              <a:rPr lang="en-CA" dirty="0"/>
-              <a:t> or </a:t>
-            </a:r>
-            <a:r>
-              <a:rPr lang="en-CA" b="1" dirty="0" err="1">
-                <a:solidFill>
-                  <a:schemeClr val="accent4"/>
-                </a:solidFill>
-              </a:rPr>
-              <a:t>unboard</a:t>
-            </a:r>
-            <a:r>
-              <a:rPr lang="en-CA" dirty="0"/>
-              <a:t> depending on if they are close enough to an idling </a:t>
+              <a:t>: the </a:t>
             </a:r>
             <a:r>
               <a:rPr lang="en-CA" dirty="0">
@@ -10211,25 +10499,66 @@
                   <a:schemeClr val="accent3"/>
                 </a:solidFill>
               </a:rPr>
-              <a:t>shuttle</a:t>
-            </a:r>
-          </a:p>
-          <a:p>
+              <a:t>agents</a:t>
+            </a:r>
             <a:r>
               <a:rPr lang="en-CA" dirty="0"/>
-              <a:t>Actions to </a:t>
-            </a:r>
-            <a:r>
-              <a:rPr lang="en-CA" b="1" dirty="0">
+              <a:t> all </a:t>
+            </a:r>
+            <a:r>
+              <a:rPr lang="en-CA" dirty="0">
                 <a:solidFill>
-                  <a:schemeClr val="accent4"/>
+                  <a:schemeClr val="accent2"/>
                 </a:solidFill>
               </a:rPr>
-              <a:t>serve</a:t>
+              <a:t>differ</a:t>
             </a:r>
             <a:r>
               <a:rPr lang="en-CA" dirty="0"/>
-              <a:t> a </a:t>
+              <a:t>, are all </a:t>
+            </a:r>
+            <a:r>
+              <a:rPr lang="en-CA" dirty="0">
+                <a:solidFill>
+                  <a:schemeClr val="accent2"/>
+                </a:solidFill>
+              </a:rPr>
+              <a:t>at</a:t>
+            </a:r>
+            <a:r>
+              <a:rPr lang="en-CA" dirty="0"/>
+              <a:t> the location, and </a:t>
+            </a:r>
+            <a:r>
+              <a:rPr lang="en-CA" dirty="0">
+                <a:solidFill>
+                  <a:schemeClr val="accent2"/>
+                </a:solidFill>
+              </a:rPr>
+              <a:t>can-infer</a:t>
+            </a:r>
+          </a:p>
+          <a:p>
+            <a:pPr lvl="1"/>
+            <a:r>
+              <a:rPr lang="en-CA" b="1" dirty="0"/>
+              <a:t>Effect</a:t>
+            </a:r>
+            <a:r>
+              <a:rPr lang="en-CA" dirty="0"/>
+              <a:t>: (1) we </a:t>
+            </a:r>
+            <a:r>
+              <a:rPr lang="en-CA" dirty="0">
+                <a:solidFill>
+                  <a:schemeClr val="accent2"/>
+                </a:solidFill>
+              </a:rPr>
+              <a:t>can’t infer</a:t>
+            </a:r>
+            <a:r>
+              <a:rPr lang="en-CA" dirty="0"/>
+              <a:t>; and (2) when all the </a:t>
             </a:r>
             <a:r>
               <a:rPr lang="en-CA" dirty="0">
@@ -10237,68 +10566,94 @@
                   <a:schemeClr val="accent3"/>
                 </a:solidFill>
               </a:rPr>
-              <a:t>person</a:t>
+              <a:t>locations</a:t>
             </a:r>
             <a:r>
               <a:rPr lang="en-CA" dirty="0"/>
-              <a:t> or have them </a:t>
-            </a:r>
-            <a:r>
-              <a:rPr lang="en-CA" b="1" dirty="0">
-                <a:solidFill>
-                  <a:schemeClr val="accent4"/>
-                </a:solidFill>
-              </a:rPr>
-              <a:t>switch</a:t>
-            </a:r>
-            <a:r>
-              <a:rPr lang="en-CA" dirty="0"/>
-              <a:t> </a:t>
+              <a:t> don’t </a:t>
             </a:r>
             <a:r>
               <a:rPr lang="en-CA" dirty="0">
-                <a:solidFill>
-                  <a:schemeClr val="accent3"/>
-                </a:solidFill>
-              </a:rPr>
-              <a:t>circuits</a:t>
-            </a:r>
-          </a:p>
-          <a:p>
-            <a:r>
-              <a:rPr lang="en-CA" dirty="0"/>
-              <a:t>Include a </a:t>
-            </a:r>
-            <a:r>
-              <a:rPr lang="en-CA" b="1" dirty="0">
                 <a:solidFill>
                   <a:schemeClr val="accent2"/>
                 </a:solidFill>
               </a:rPr>
-              <a:t>destination</a:t>
+              <a:t>have</a:t>
             </a:r>
             <a:r>
               <a:rPr lang="en-CA" dirty="0"/>
-              <a:t> for </a:t>
+              <a:t> the treasure, plus </a:t>
+            </a:r>
+            <a:r>
+              <a:rPr lang="en-CA" b="1" dirty="0"/>
+              <a:t>?a1</a:t>
+            </a:r>
+            <a:r>
+              <a:rPr lang="en-CA" dirty="0"/>
+              <a:t> and </a:t>
+            </a:r>
+            <a:r>
+              <a:rPr lang="en-CA" b="1" dirty="0"/>
+              <a:t>?a2</a:t>
+            </a:r>
+            <a:r>
+              <a:rPr lang="en-CA" dirty="0"/>
+              <a:t> don’t </a:t>
             </a:r>
             <a:r>
               <a:rPr lang="en-CA" dirty="0">
                 <a:solidFill>
-                  <a:schemeClr val="accent3"/>
+                  <a:schemeClr val="accent2"/>
                 </a:solidFill>
               </a:rPr>
-              <a:t>people</a:t>
-            </a:r>
-          </a:p>
-          <a:p>
+              <a:t>have</a:t>
+            </a:r>
+            <a:r>
+              <a:rPr lang="en-CA" dirty="0"/>
+              <a:t> it, then </a:t>
+            </a:r>
+            <a:r>
+              <a:rPr lang="en-CA" b="1" dirty="0"/>
+              <a:t>?a3</a:t>
+            </a:r>
+            <a:r>
+              <a:rPr lang="en-CA" dirty="0"/>
+              <a:t> must </a:t>
+            </a:r>
+            <a:r>
+              <a:rPr lang="en-CA" dirty="0">
+                <a:solidFill>
+                  <a:schemeClr val="accent2"/>
+                </a:solidFill>
+              </a:rPr>
+              <a:t>have</a:t>
+            </a:r>
+            <a:r>
+              <a:rPr lang="en-CA" dirty="0"/>
+              <a:t> it.</a:t>
+            </a:r>
+            <a:br>
+              <a:rPr lang="en-CA" dirty="0"/>
+            </a:br>
+            <a:endParaRPr lang="en-CA" dirty="0">
+              <a:solidFill>
+                <a:schemeClr val="accent2"/>
+              </a:solidFill>
+            </a:endParaRPr>
+          </a:p>
+          <a:p>
+            <a:pPr marL="0" indent="0" algn="ctr">
+              <a:buNone/>
+            </a:pPr>
+            <a:r>
+              <a:rPr lang="en-CA" dirty="0"/>
+              <a:t>epistemic / </a:t>
+            </a:r>
             <a:r>
               <a:rPr lang="en-CA" dirty="0" err="1"/>
-              <a:t>Etc</a:t>
-            </a:r>
-            <a:r>
-              <a:rPr lang="en-CA" dirty="0"/>
-              <a:t>…</a:t>
-            </a:r>
+              <a:t>theydontexist</a:t>
+            </a:r>
+            <a:endParaRPr lang="en-CA" dirty="0"/>
           </a:p>
         </p:txBody>
       </p:sp>
@@ -10312,312 +10667,10 @@
   <p:clrMapOvr>
     <a:masterClrMapping/>
   </p:clrMapOvr>
-  <p:timing>
-    <p:tnLst>
-      <p:par>
-        <p:cTn id="1" dur="indefinite" restart="never" nodeType="tmRoot">
-          <p:childTnLst>
-            <p:seq concurrent="1" nextAc="seek">
-              <p:cTn id="2" dur="indefinite" nodeType="mainSeq">
-                <p:childTnLst>
-                  <p:par>
-                    <p:cTn id="3" fill="hold">
-                      <p:stCondLst>
-                        <p:cond delay="indefinite"/>
-                      </p:stCondLst>
-                      <p:childTnLst>
-                        <p:par>
-                          <p:cTn id="4" fill="hold">
-                            <p:stCondLst>
-                              <p:cond delay="0"/>
-                            </p:stCondLst>
-                            <p:childTnLst>
-                              <p:par>
-                                <p:cTn id="5" presetID="10" presetClass="entr" presetSubtype="0" fill="hold" grpId="0" nodeType="clickEffect">
-                                  <p:stCondLst>
-                                    <p:cond delay="0"/>
-                                  </p:stCondLst>
-                                  <p:childTnLst>
-                                    <p:set>
-                                      <p:cBhvr>
-                                        <p:cTn id="6" dur="1" fill="hold">
-                                          <p:stCondLst>
-                                            <p:cond delay="0"/>
-                                          </p:stCondLst>
-                                        </p:cTn>
-                                        <p:tgtEl>
-                                          <p:spTgt spid="5">
-                                            <p:txEl>
-                                              <p:pRg st="1" end="1"/>
-                                            </p:txEl>
-                                          </p:spTgt>
-                                        </p:tgtEl>
-                                        <p:attrNameLst>
-                                          <p:attrName>style.visibility</p:attrName>
-                                        </p:attrNameLst>
-                                      </p:cBhvr>
-                                      <p:to>
-                                        <p:strVal val="visible"/>
-                                      </p:to>
-                                    </p:set>
-                                    <p:animEffect transition="in" filter="fade">
-                                      <p:cBhvr>
-                                        <p:cTn id="7" dur="500"/>
-                                        <p:tgtEl>
-                                          <p:spTgt spid="5">
-                                            <p:txEl>
-                                              <p:pRg st="1" end="1"/>
-                                            </p:txEl>
-                                          </p:spTgt>
-                                        </p:tgtEl>
-                                      </p:cBhvr>
-                                    </p:animEffect>
-                                  </p:childTnLst>
-                                </p:cTn>
-                              </p:par>
-                            </p:childTnLst>
-                          </p:cTn>
-                        </p:par>
-                        <p:par>
-                          <p:cTn id="8" fill="hold">
-                            <p:stCondLst>
-                              <p:cond delay="500"/>
-                            </p:stCondLst>
-                            <p:childTnLst>
-                              <p:par>
-                                <p:cTn id="9" presetID="10" presetClass="entr" presetSubtype="0" fill="hold" grpId="0" nodeType="afterEffect">
-                                  <p:stCondLst>
-                                    <p:cond delay="0"/>
-                                  </p:stCondLst>
-                                  <p:childTnLst>
-                                    <p:set>
-                                      <p:cBhvr>
-                                        <p:cTn id="10" dur="1" fill="hold">
-                                          <p:stCondLst>
-                                            <p:cond delay="0"/>
-                                          </p:stCondLst>
-                                        </p:cTn>
-                                        <p:tgtEl>
-                                          <p:spTgt spid="5">
-                                            <p:txEl>
-                                              <p:pRg st="2" end="2"/>
-                                            </p:txEl>
-                                          </p:spTgt>
-                                        </p:tgtEl>
-                                        <p:attrNameLst>
-                                          <p:attrName>style.visibility</p:attrName>
-                                        </p:attrNameLst>
-                                      </p:cBhvr>
-                                      <p:to>
-                                        <p:strVal val="visible"/>
-                                      </p:to>
-                                    </p:set>
-                                    <p:animEffect transition="in" filter="fade">
-                                      <p:cBhvr>
-                                        <p:cTn id="11" dur="500"/>
-                                        <p:tgtEl>
-                                          <p:spTgt spid="5">
-                                            <p:txEl>
-                                              <p:pRg st="2" end="2"/>
-                                            </p:txEl>
-                                          </p:spTgt>
-                                        </p:tgtEl>
-                                      </p:cBhvr>
-                                    </p:animEffect>
-                                  </p:childTnLst>
-                                </p:cTn>
-                              </p:par>
-                            </p:childTnLst>
-                          </p:cTn>
-                        </p:par>
-                        <p:par>
-                          <p:cTn id="12" fill="hold">
-                            <p:stCondLst>
-                              <p:cond delay="1000"/>
-                            </p:stCondLst>
-                            <p:childTnLst>
-                              <p:par>
-                                <p:cTn id="13" presetID="10" presetClass="entr" presetSubtype="0" fill="hold" grpId="0" nodeType="afterEffect">
-                                  <p:stCondLst>
-                                    <p:cond delay="0"/>
-                                  </p:stCondLst>
-                                  <p:childTnLst>
-                                    <p:set>
-                                      <p:cBhvr>
-                                        <p:cTn id="14" dur="1" fill="hold">
-                                          <p:stCondLst>
-                                            <p:cond delay="0"/>
-                                          </p:stCondLst>
-                                        </p:cTn>
-                                        <p:tgtEl>
-                                          <p:spTgt spid="5">
-                                            <p:txEl>
-                                              <p:pRg st="3" end="3"/>
-                                            </p:txEl>
-                                          </p:spTgt>
-                                        </p:tgtEl>
-                                        <p:attrNameLst>
-                                          <p:attrName>style.visibility</p:attrName>
-                                        </p:attrNameLst>
-                                      </p:cBhvr>
-                                      <p:to>
-                                        <p:strVal val="visible"/>
-                                      </p:to>
-                                    </p:set>
-                                    <p:animEffect transition="in" filter="fade">
-                                      <p:cBhvr>
-                                        <p:cTn id="15" dur="500"/>
-                                        <p:tgtEl>
-                                          <p:spTgt spid="5">
-                                            <p:txEl>
-                                              <p:pRg st="3" end="3"/>
-                                            </p:txEl>
-                                          </p:spTgt>
-                                        </p:tgtEl>
-                                      </p:cBhvr>
-                                    </p:animEffect>
-                                  </p:childTnLst>
-                                </p:cTn>
-                              </p:par>
-                            </p:childTnLst>
-                          </p:cTn>
-                        </p:par>
-                        <p:par>
-                          <p:cTn id="16" fill="hold">
-                            <p:stCondLst>
-                              <p:cond delay="1500"/>
-                            </p:stCondLst>
-                            <p:childTnLst>
-                              <p:par>
-                                <p:cTn id="17" presetID="10" presetClass="entr" presetSubtype="0" fill="hold" grpId="0" nodeType="afterEffect">
-                                  <p:stCondLst>
-                                    <p:cond delay="0"/>
-                                  </p:stCondLst>
-                                  <p:childTnLst>
-                                    <p:set>
-                                      <p:cBhvr>
-                                        <p:cTn id="18" dur="1" fill="hold">
-                                          <p:stCondLst>
-                                            <p:cond delay="0"/>
-                                          </p:stCondLst>
-                                        </p:cTn>
-                                        <p:tgtEl>
-                                          <p:spTgt spid="5">
-                                            <p:txEl>
-                                              <p:pRg st="4" end="4"/>
-                                            </p:txEl>
-                                          </p:spTgt>
-                                        </p:tgtEl>
-                                        <p:attrNameLst>
-                                          <p:attrName>style.visibility</p:attrName>
-                                        </p:attrNameLst>
-                                      </p:cBhvr>
-                                      <p:to>
-                                        <p:strVal val="visible"/>
-                                      </p:to>
-                                    </p:set>
-                                    <p:animEffect transition="in" filter="fade">
-                                      <p:cBhvr>
-                                        <p:cTn id="19" dur="500"/>
-                                        <p:tgtEl>
-                                          <p:spTgt spid="5">
-                                            <p:txEl>
-                                              <p:pRg st="4" end="4"/>
-                                            </p:txEl>
-                                          </p:spTgt>
-                                        </p:tgtEl>
-                                      </p:cBhvr>
-                                    </p:animEffect>
-                                  </p:childTnLst>
-                                </p:cTn>
-                              </p:par>
-                            </p:childTnLst>
-                          </p:cTn>
-                        </p:par>
-                        <p:par>
-                          <p:cTn id="20" fill="hold">
-                            <p:stCondLst>
-                              <p:cond delay="2000"/>
-                            </p:stCondLst>
-                            <p:childTnLst>
-                              <p:par>
-                                <p:cTn id="21" presetID="10" presetClass="entr" presetSubtype="0" fill="hold" grpId="0" nodeType="afterEffect">
-                                  <p:stCondLst>
-                                    <p:cond delay="0"/>
-                                  </p:stCondLst>
-                                  <p:childTnLst>
-                                    <p:set>
-                                      <p:cBhvr>
-                                        <p:cTn id="22" dur="1" fill="hold">
-                                          <p:stCondLst>
-                                            <p:cond delay="0"/>
-                                          </p:stCondLst>
-                                        </p:cTn>
-                                        <p:tgtEl>
-                                          <p:spTgt spid="5">
-                                            <p:txEl>
-                                              <p:pRg st="5" end="5"/>
-                                            </p:txEl>
-                                          </p:spTgt>
-                                        </p:tgtEl>
-                                        <p:attrNameLst>
-                                          <p:attrName>style.visibility</p:attrName>
-                                        </p:attrNameLst>
-                                      </p:cBhvr>
-                                      <p:to>
-                                        <p:strVal val="visible"/>
-                                      </p:to>
-                                    </p:set>
-                                    <p:animEffect transition="in" filter="fade">
-                                      <p:cBhvr>
-                                        <p:cTn id="23" dur="500"/>
-                                        <p:tgtEl>
-                                          <p:spTgt spid="5">
-                                            <p:txEl>
-                                              <p:pRg st="5" end="5"/>
-                                            </p:txEl>
-                                          </p:spTgt>
-                                        </p:tgtEl>
-                                      </p:cBhvr>
-                                    </p:animEffect>
-                                  </p:childTnLst>
-                                </p:cTn>
-                              </p:par>
-                            </p:childTnLst>
-                          </p:cTn>
-                        </p:par>
-                      </p:childTnLst>
-                    </p:cTn>
-                  </p:par>
-                </p:childTnLst>
-              </p:cTn>
-              <p:prevCondLst>
-                <p:cond evt="onPrev" delay="0">
-                  <p:tgtEl>
-                    <p:sldTgt/>
-                  </p:tgtEl>
-                </p:cond>
-              </p:prevCondLst>
-              <p:nextCondLst>
-                <p:cond evt="onNext" delay="0">
-                  <p:tgtEl>
-                    <p:sldTgt/>
-                  </p:tgtEl>
-                </p:cond>
-              </p:nextCondLst>
-            </p:seq>
-          </p:childTnLst>
-        </p:cTn>
-      </p:par>
-    </p:tnLst>
-    <p:bldLst>
-      <p:bldP spid="5" grpId="0" uiExpand="1" build="p"/>
-    </p:bldLst>
-  </p:timing>
 </p:sld>
 </file>
 
-<file path=ppt/slides/slide18.xml><?xml version="1.0" encoding="utf-8"?>
+<file path=ppt/slides/slide17.xml><?xml version="1.0" encoding="utf-8"?>
 <p:sld xmlns:a="http://schemas.openxmlformats.org/drawingml/2006/main" xmlns:r="http://schemas.openxmlformats.org/officeDocument/2006/relationships" xmlns:p="http://schemas.openxmlformats.org/presentationml/2006/main" showMasterSp="0">
   <p:cSld>
     <p:spTree>
@@ -10650,25 +10703,15 @@
             <p:ph idx="1"/>
           </p:nvPr>
         </p:nvSpPr>
-        <p:spPr/>
+        <p:spPr>
+          <a:xfrm>
+            <a:off x="838200" y="2627312"/>
+            <a:ext cx="10515600" cy="1603375"/>
+          </a:xfrm>
+        </p:spPr>
         <p:txBody>
           <a:bodyPr/>
           <a:lstStyle/>
-          <a:p>
-            <a:endParaRPr lang="en-CA" dirty="0"/>
-          </a:p>
-          <a:p>
-            <a:endParaRPr lang="en-CA" dirty="0"/>
-          </a:p>
-          <a:p>
-            <a:pPr marL="0" indent="0" algn="ctr">
-              <a:buNone/>
-            </a:pPr>
-            <a:r>
-              <a:rPr lang="en-CA" sz="2800" dirty="0"/>
-              <a:t>http://editor.planning.domains/planning-course/hybrid/dirbyh</a:t>
-            </a:r>
-          </a:p>
           <a:p>
             <a:pPr marL="0" indent="0" algn="ctr">
               <a:buNone/>
@@ -10680,67 +10723,14 @@
               <a:buNone/>
             </a:pPr>
             <a:r>
-              <a:rPr lang="en-CA" sz="2800" dirty="0"/>
-              <a:t>enhsp-2020 --domain domain.5.pddl --problem problem.5.pddl</a:t>
-            </a:r>
-            <a:br>
-              <a:rPr lang="en-CA" sz="2800" dirty="0"/>
-            </a:br>
-            <a:r>
-              <a:rPr lang="en-CA" sz="2800" b="1" dirty="0">
-                <a:solidFill>
-                  <a:schemeClr val="accent2">
-                    <a:lumMod val="40000"/>
-                    <a:lumOff val="60000"/>
-                  </a:schemeClr>
-                </a:solidFill>
-              </a:rPr>
-              <a:t>-ha true    -h </a:t>
-            </a:r>
-            <a:r>
-              <a:rPr lang="en-CA" sz="2800" b="1" dirty="0" err="1">
-                <a:solidFill>
-                  <a:schemeClr val="accent2">
-                    <a:lumMod val="40000"/>
-                    <a:lumOff val="60000"/>
-                  </a:schemeClr>
-                </a:solidFill>
-              </a:rPr>
-              <a:t>hmrp</a:t>
-            </a:r>
-            <a:r>
-              <a:rPr lang="en-CA" sz="2800" b="1" dirty="0">
-                <a:solidFill>
-                  <a:schemeClr val="accent2">
-                    <a:lumMod val="40000"/>
-                    <a:lumOff val="60000"/>
-                  </a:schemeClr>
-                </a:solidFill>
-              </a:rPr>
-              <a:t>    -</a:t>
-            </a:r>
-            <a:r>
-              <a:rPr lang="en-CA" sz="2800" b="1" dirty="0" err="1">
-                <a:solidFill>
-                  <a:schemeClr val="accent2">
-                    <a:lumMod val="40000"/>
-                    <a:lumOff val="60000"/>
-                  </a:schemeClr>
-                </a:solidFill>
-              </a:rPr>
-              <a:t>wh</a:t>
-            </a:r>
-            <a:r>
-              <a:rPr lang="en-CA" sz="2800" b="1" dirty="0">
-                <a:solidFill>
-                  <a:schemeClr val="accent2">
-                    <a:lumMod val="40000"/>
-                    <a:lumOff val="60000"/>
-                  </a:schemeClr>
-                </a:solidFill>
-              </a:rPr>
-              <a:t> 4</a:t>
-            </a:r>
+              <a:rPr lang="en-CA" dirty="0"/>
+              <a:t>epistemic / </a:t>
+            </a:r>
+            <a:r>
+              <a:rPr lang="en-CA" dirty="0" err="1"/>
+              <a:t>mybrainhurts</a:t>
+            </a:r>
+            <a:endParaRPr lang="en-CA" dirty="0"/>
           </a:p>
         </p:txBody>
       </p:sp>
@@ -10769,7 +10759,7 @@
 </p:sld>
 </file>
 
-<file path=ppt/slides/slide19.xml><?xml version="1.0" encoding="utf-8"?>
+<file path=ppt/slides/slide18.xml><?xml version="1.0" encoding="utf-8"?>
 <p:sld xmlns:a="http://schemas.openxmlformats.org/drawingml/2006/main" xmlns:r="http://schemas.openxmlformats.org/officeDocument/2006/relationships" xmlns:p="http://schemas.openxmlformats.org/presentationml/2006/main" showMasterSp="0">
   <p:cSld>
     <p:spTree>
@@ -10873,9 +10863,10 @@
           </a:p>
           <a:p>
             <a:r>
-              <a:rPr lang="en-US" i="1" dirty="0"/>
-              <a:t>enhsp-2020</a:t>
-            </a:r>
+              <a:rPr lang="en-US" i="1" dirty="0" err="1"/>
+              <a:t>rpmep</a:t>
+            </a:r>
+            <a:endParaRPr lang="en-US" i="1" dirty="0"/>
           </a:p>
         </p:txBody>
       </p:sp>
@@ -10889,8 +10880,16 @@
 </file>
 
 <file path=ppt/slides/slide3.xml><?xml version="1.0" encoding="utf-8"?>
-<p:sld xmlns:a="http://schemas.openxmlformats.org/drawingml/2006/main" xmlns:r="http://schemas.openxmlformats.org/officeDocument/2006/relationships" xmlns:p="http://schemas.openxmlformats.org/presentationml/2006/main" showMasterSp="0">
+<p:sld xmlns:a="http://schemas.openxmlformats.org/drawingml/2006/main" xmlns:r="http://schemas.openxmlformats.org/officeDocument/2006/relationships" xmlns:p="http://schemas.openxmlformats.org/presentationml/2006/main">
   <p:cSld>
+    <p:bg>
+      <p:bgPr>
+        <a:solidFill>
+          <a:schemeClr val="bg1"/>
+        </a:solidFill>
+        <a:effectLst/>
+      </p:bgPr>
+    </p:bg>
     <p:spTree>
       <p:nvGrpSpPr>
         <p:cNvPr id="1" name=""/>
@@ -10905,91 +10904,595 @@
           <a:chExt cx="0" cy="0"/>
         </a:xfrm>
       </p:grpSpPr>
-      <p:pic>
-        <p:nvPicPr>
-          <p:cNvPr id="1026" name="Picture 2" descr="i'm here but i'm not here">
+      <p:grpSp>
+        <p:nvGrpSpPr>
+          <p:cNvPr id="12" name="Graphic 185">
             <a:extLst>
               <a:ext uri="{FF2B5EF4-FFF2-40B4-BE49-F238E27FC236}">
-                <a16:creationId xmlns:a16="http://schemas.microsoft.com/office/drawing/2014/main" id="{8BF27172-6895-CEA3-5B32-230EA6342CF2}"/>
+                <a16:creationId xmlns:a16="http://schemas.microsoft.com/office/drawing/2014/main" id="{8A351602-3772-4279-B0D3-A523F6F6EAB3}"/>
+              </a:ext>
+              <a:ext uri="{C183D7F6-B498-43B3-948B-1728B52AA6E4}">
+                <adec:decorative xmlns:adec="http://schemas.microsoft.com/office/drawing/2017/decorative" val="1"/>
               </a:ext>
             </a:extLst>
           </p:cNvPr>
-          <p:cNvPicPr>
-            <a:picLocks noChangeAspect="1" noChangeArrowheads="1"/>
-          </p:cNvPicPr>
-          <p:nvPr/>
-        </p:nvPicPr>
-        <p:blipFill>
-          <a:blip r:embed="rId2">
+          <p:cNvGrpSpPr>
+            <a:grpSpLocks noGrp="1" noUngrp="1" noRot="1" noChangeAspect="1" noMove="1" noResize="1"/>
+          </p:cNvGrpSpPr>
+          <p:nvPr>
+            <p:extLst>
+              <p:ext uri="{386F3935-93C4-4BCD-93E2-E3B085C9AB24}">
+                <p16:designElem xmlns:p16="http://schemas.microsoft.com/office/powerpoint/2015/main" val="1"/>
+              </p:ext>
+            </p:extLst>
+          </p:nvPr>
+        </p:nvGrpSpPr>
+        <p:grpSpPr>
+          <a:xfrm>
+            <a:off x="10999576" y="5987064"/>
+            <a:ext cx="1054466" cy="469689"/>
+            <a:chOff x="9841624" y="4115729"/>
+            <a:chExt cx="602169" cy="268223"/>
+          </a:xfrm>
+          <a:solidFill>
+            <a:schemeClr val="tx1"/>
+          </a:solidFill>
+        </p:grpSpPr>
+        <p:sp>
+          <p:nvSpPr>
+            <p:cNvPr id="13" name="Freeform: Shape 12">
+              <a:extLst>
+                <a:ext uri="{FF2B5EF4-FFF2-40B4-BE49-F238E27FC236}">
+                  <a16:creationId xmlns:a16="http://schemas.microsoft.com/office/drawing/2014/main" id="{A5AAAA75-5FFB-4C07-AD4A-3146773E6CDD}"/>
+                </a:ext>
+                <a:ext uri="{C183D7F6-B498-43B3-948B-1728B52AA6E4}">
+                  <adec:decorative xmlns:adec="http://schemas.microsoft.com/office/drawing/2017/decorative" val="1"/>
+                </a:ext>
+              </a:extLst>
+            </p:cNvPr>
+            <p:cNvSpPr/>
+            <p:nvPr>
+              <p:extLst>
+                <p:ext uri="{386F3935-93C4-4BCD-93E2-E3B085C9AB24}">
+                  <p16:designElem xmlns:p16="http://schemas.microsoft.com/office/powerpoint/2015/main" val="1"/>
+                </p:ext>
+              </p:extLst>
+            </p:nvPr>
+          </p:nvSpPr>
+          <p:spPr>
+            <a:xfrm>
+              <a:off x="9841624" y="4115729"/>
+              <a:ext cx="202882" cy="268223"/>
+            </a:xfrm>
+            <a:custGeom>
+              <a:avLst/>
+              <a:gdLst>
+                <a:gd name="connsiteX0" fmla="*/ 20765 w 202882"/>
+                <a:gd name="connsiteY0" fmla="*/ 268224 h 268223"/>
+                <a:gd name="connsiteX1" fmla="*/ 0 w 202882"/>
+                <a:gd name="connsiteY1" fmla="*/ 268224 h 268223"/>
+                <a:gd name="connsiteX2" fmla="*/ 182118 w 202882"/>
+                <a:gd name="connsiteY2" fmla="*/ 0 h 268223"/>
+                <a:gd name="connsiteX3" fmla="*/ 202883 w 202882"/>
+                <a:gd name="connsiteY3" fmla="*/ 0 h 268223"/>
+              </a:gdLst>
+              <a:ahLst/>
+              <a:cxnLst>
+                <a:cxn ang="0">
+                  <a:pos x="connsiteX0" y="connsiteY0"/>
+                </a:cxn>
+                <a:cxn ang="0">
+                  <a:pos x="connsiteX1" y="connsiteY1"/>
+                </a:cxn>
+                <a:cxn ang="0">
+                  <a:pos x="connsiteX2" y="connsiteY2"/>
+                </a:cxn>
+                <a:cxn ang="0">
+                  <a:pos x="connsiteX3" y="connsiteY3"/>
+                </a:cxn>
+              </a:cxnLst>
+              <a:rect l="l" t="t" r="r" b="b"/>
+              <a:pathLst>
+                <a:path w="202882" h="268223">
+                  <a:moveTo>
+                    <a:pt x="20765" y="268224"/>
+                  </a:moveTo>
+                  <a:lnTo>
+                    <a:pt x="0" y="268224"/>
+                  </a:lnTo>
+                  <a:lnTo>
+                    <a:pt x="182118" y="0"/>
+                  </a:lnTo>
+                  <a:lnTo>
+                    <a:pt x="202883" y="0"/>
+                  </a:lnTo>
+                  <a:close/>
+                </a:path>
+              </a:pathLst>
+            </a:custGeom>
+            <a:grpFill/>
+            <a:ln w="9525" cap="flat">
+              <a:noFill/>
+              <a:prstDash val="solid"/>
+              <a:miter/>
+            </a:ln>
+          </p:spPr>
+          <p:txBody>
+            <a:bodyPr rtlCol="0" anchor="ctr"/>
+            <a:lstStyle/>
+            <a:p>
+              <a:endParaRPr lang="en-US"/>
+            </a:p>
+          </p:txBody>
+        </p:sp>
+        <p:sp>
+          <p:nvSpPr>
+            <p:cNvPr id="14" name="Freeform: Shape 13">
+              <a:extLst>
+                <a:ext uri="{FF2B5EF4-FFF2-40B4-BE49-F238E27FC236}">
+                  <a16:creationId xmlns:a16="http://schemas.microsoft.com/office/drawing/2014/main" id="{1479895E-3847-44BB-8404-28F14219FB70}"/>
+                </a:ext>
+                <a:ext uri="{C183D7F6-B498-43B3-948B-1728B52AA6E4}">
+                  <adec:decorative xmlns:adec="http://schemas.microsoft.com/office/drawing/2017/decorative" val="1"/>
+                </a:ext>
+              </a:extLst>
+            </p:cNvPr>
+            <p:cNvSpPr/>
+            <p:nvPr>
+              <p:extLst>
+                <p:ext uri="{386F3935-93C4-4BCD-93E2-E3B085C9AB24}">
+                  <p16:designElem xmlns:p16="http://schemas.microsoft.com/office/powerpoint/2015/main" val="1"/>
+                </p:ext>
+              </p:extLst>
+            </p:nvPr>
+          </p:nvSpPr>
+          <p:spPr>
+            <a:xfrm>
+              <a:off x="9941445" y="4115729"/>
+              <a:ext cx="202882" cy="268223"/>
+            </a:xfrm>
+            <a:custGeom>
+              <a:avLst/>
+              <a:gdLst>
+                <a:gd name="connsiteX0" fmla="*/ 20765 w 202882"/>
+                <a:gd name="connsiteY0" fmla="*/ 268224 h 268223"/>
+                <a:gd name="connsiteX1" fmla="*/ 0 w 202882"/>
+                <a:gd name="connsiteY1" fmla="*/ 268224 h 268223"/>
+                <a:gd name="connsiteX2" fmla="*/ 182118 w 202882"/>
+                <a:gd name="connsiteY2" fmla="*/ 0 h 268223"/>
+                <a:gd name="connsiteX3" fmla="*/ 202883 w 202882"/>
+                <a:gd name="connsiteY3" fmla="*/ 0 h 268223"/>
+              </a:gdLst>
+              <a:ahLst/>
+              <a:cxnLst>
+                <a:cxn ang="0">
+                  <a:pos x="connsiteX0" y="connsiteY0"/>
+                </a:cxn>
+                <a:cxn ang="0">
+                  <a:pos x="connsiteX1" y="connsiteY1"/>
+                </a:cxn>
+                <a:cxn ang="0">
+                  <a:pos x="connsiteX2" y="connsiteY2"/>
+                </a:cxn>
+                <a:cxn ang="0">
+                  <a:pos x="connsiteX3" y="connsiteY3"/>
+                </a:cxn>
+              </a:cxnLst>
+              <a:rect l="l" t="t" r="r" b="b"/>
+              <a:pathLst>
+                <a:path w="202882" h="268223">
+                  <a:moveTo>
+                    <a:pt x="20765" y="268224"/>
+                  </a:moveTo>
+                  <a:lnTo>
+                    <a:pt x="0" y="268224"/>
+                  </a:lnTo>
+                  <a:lnTo>
+                    <a:pt x="182118" y="0"/>
+                  </a:lnTo>
+                  <a:lnTo>
+                    <a:pt x="202883" y="0"/>
+                  </a:lnTo>
+                  <a:close/>
+                </a:path>
+              </a:pathLst>
+            </a:custGeom>
+            <a:grpFill/>
+            <a:ln w="9525" cap="flat">
+              <a:noFill/>
+              <a:prstDash val="solid"/>
+              <a:miter/>
+            </a:ln>
+          </p:spPr>
+          <p:txBody>
+            <a:bodyPr rtlCol="0" anchor="ctr"/>
+            <a:lstStyle/>
+            <a:p>
+              <a:endParaRPr lang="en-US"/>
+            </a:p>
+          </p:txBody>
+        </p:sp>
+        <p:sp>
+          <p:nvSpPr>
+            <p:cNvPr id="15" name="Freeform: Shape 14">
+              <a:extLst>
+                <a:ext uri="{FF2B5EF4-FFF2-40B4-BE49-F238E27FC236}">
+                  <a16:creationId xmlns:a16="http://schemas.microsoft.com/office/drawing/2014/main" id="{50E02F68-8149-4236-8D9F-6B550F78B932}"/>
+                </a:ext>
+                <a:ext uri="{C183D7F6-B498-43B3-948B-1728B52AA6E4}">
+                  <adec:decorative xmlns:adec="http://schemas.microsoft.com/office/drawing/2017/decorative" val="1"/>
+                </a:ext>
+              </a:extLst>
+            </p:cNvPr>
+            <p:cNvSpPr/>
+            <p:nvPr>
+              <p:extLst>
+                <p:ext uri="{386F3935-93C4-4BCD-93E2-E3B085C9AB24}">
+                  <p16:designElem xmlns:p16="http://schemas.microsoft.com/office/powerpoint/2015/main" val="1"/>
+                </p:ext>
+              </p:extLst>
+            </p:nvPr>
+          </p:nvSpPr>
+          <p:spPr>
+            <a:xfrm>
+              <a:off x="10041267" y="4115729"/>
+              <a:ext cx="202882" cy="268223"/>
+            </a:xfrm>
+            <a:custGeom>
+              <a:avLst/>
+              <a:gdLst>
+                <a:gd name="connsiteX0" fmla="*/ 20669 w 202882"/>
+                <a:gd name="connsiteY0" fmla="*/ 268224 h 268223"/>
+                <a:gd name="connsiteX1" fmla="*/ 0 w 202882"/>
+                <a:gd name="connsiteY1" fmla="*/ 268224 h 268223"/>
+                <a:gd name="connsiteX2" fmla="*/ 182118 w 202882"/>
+                <a:gd name="connsiteY2" fmla="*/ 0 h 268223"/>
+                <a:gd name="connsiteX3" fmla="*/ 202883 w 202882"/>
+                <a:gd name="connsiteY3" fmla="*/ 0 h 268223"/>
+              </a:gdLst>
+              <a:ahLst/>
+              <a:cxnLst>
+                <a:cxn ang="0">
+                  <a:pos x="connsiteX0" y="connsiteY0"/>
+                </a:cxn>
+                <a:cxn ang="0">
+                  <a:pos x="connsiteX1" y="connsiteY1"/>
+                </a:cxn>
+                <a:cxn ang="0">
+                  <a:pos x="connsiteX2" y="connsiteY2"/>
+                </a:cxn>
+                <a:cxn ang="0">
+                  <a:pos x="connsiteX3" y="connsiteY3"/>
+                </a:cxn>
+              </a:cxnLst>
+              <a:rect l="l" t="t" r="r" b="b"/>
+              <a:pathLst>
+                <a:path w="202882" h="268223">
+                  <a:moveTo>
+                    <a:pt x="20669" y="268224"/>
+                  </a:moveTo>
+                  <a:lnTo>
+                    <a:pt x="0" y="268224"/>
+                  </a:lnTo>
+                  <a:lnTo>
+                    <a:pt x="182118" y="0"/>
+                  </a:lnTo>
+                  <a:lnTo>
+                    <a:pt x="202883" y="0"/>
+                  </a:lnTo>
+                  <a:close/>
+                </a:path>
+              </a:pathLst>
+            </a:custGeom>
+            <a:grpFill/>
+            <a:ln w="9525" cap="flat">
+              <a:noFill/>
+              <a:prstDash val="solid"/>
+              <a:miter/>
+            </a:ln>
+          </p:spPr>
+          <p:txBody>
+            <a:bodyPr rtlCol="0" anchor="ctr"/>
+            <a:lstStyle/>
+            <a:p>
+              <a:endParaRPr lang="en-US"/>
+            </a:p>
+          </p:txBody>
+        </p:sp>
+        <p:sp>
+          <p:nvSpPr>
+            <p:cNvPr id="16" name="Freeform: Shape 15">
+              <a:extLst>
+                <a:ext uri="{FF2B5EF4-FFF2-40B4-BE49-F238E27FC236}">
+                  <a16:creationId xmlns:a16="http://schemas.microsoft.com/office/drawing/2014/main" id="{956FCAAB-F073-4561-A484-42C7DD10DC26}"/>
+                </a:ext>
+                <a:ext uri="{C183D7F6-B498-43B3-948B-1728B52AA6E4}">
+                  <adec:decorative xmlns:adec="http://schemas.microsoft.com/office/drawing/2017/decorative" val="1"/>
+                </a:ext>
+              </a:extLst>
+            </p:cNvPr>
+            <p:cNvSpPr/>
+            <p:nvPr>
+              <p:extLst>
+                <p:ext uri="{386F3935-93C4-4BCD-93E2-E3B085C9AB24}">
+                  <p16:designElem xmlns:p16="http://schemas.microsoft.com/office/powerpoint/2015/main" val="1"/>
+                </p:ext>
+              </p:extLst>
+            </p:nvPr>
+          </p:nvSpPr>
+          <p:spPr>
+            <a:xfrm>
+              <a:off x="10141090" y="4115729"/>
+              <a:ext cx="202882" cy="268223"/>
+            </a:xfrm>
+            <a:custGeom>
+              <a:avLst/>
+              <a:gdLst>
+                <a:gd name="connsiteX0" fmla="*/ 20669 w 202882"/>
+                <a:gd name="connsiteY0" fmla="*/ 268224 h 268223"/>
+                <a:gd name="connsiteX1" fmla="*/ 0 w 202882"/>
+                <a:gd name="connsiteY1" fmla="*/ 268224 h 268223"/>
+                <a:gd name="connsiteX2" fmla="*/ 182118 w 202882"/>
+                <a:gd name="connsiteY2" fmla="*/ 0 h 268223"/>
+                <a:gd name="connsiteX3" fmla="*/ 202883 w 202882"/>
+                <a:gd name="connsiteY3" fmla="*/ 0 h 268223"/>
+              </a:gdLst>
+              <a:ahLst/>
+              <a:cxnLst>
+                <a:cxn ang="0">
+                  <a:pos x="connsiteX0" y="connsiteY0"/>
+                </a:cxn>
+                <a:cxn ang="0">
+                  <a:pos x="connsiteX1" y="connsiteY1"/>
+                </a:cxn>
+                <a:cxn ang="0">
+                  <a:pos x="connsiteX2" y="connsiteY2"/>
+                </a:cxn>
+                <a:cxn ang="0">
+                  <a:pos x="connsiteX3" y="connsiteY3"/>
+                </a:cxn>
+              </a:cxnLst>
+              <a:rect l="l" t="t" r="r" b="b"/>
+              <a:pathLst>
+                <a:path w="202882" h="268223">
+                  <a:moveTo>
+                    <a:pt x="20669" y="268224"/>
+                  </a:moveTo>
+                  <a:lnTo>
+                    <a:pt x="0" y="268224"/>
+                  </a:lnTo>
+                  <a:lnTo>
+                    <a:pt x="182118" y="0"/>
+                  </a:lnTo>
+                  <a:lnTo>
+                    <a:pt x="202883" y="0"/>
+                  </a:lnTo>
+                  <a:close/>
+                </a:path>
+              </a:pathLst>
+            </a:custGeom>
+            <a:grpFill/>
+            <a:ln w="9525" cap="flat">
+              <a:noFill/>
+              <a:prstDash val="solid"/>
+              <a:miter/>
+            </a:ln>
+          </p:spPr>
+          <p:txBody>
+            <a:bodyPr rtlCol="0" anchor="ctr"/>
+            <a:lstStyle/>
+            <a:p>
+              <a:endParaRPr lang="en-US"/>
+            </a:p>
+          </p:txBody>
+        </p:sp>
+        <p:sp>
+          <p:nvSpPr>
+            <p:cNvPr id="17" name="Freeform: Shape 16">
+              <a:extLst>
+                <a:ext uri="{FF2B5EF4-FFF2-40B4-BE49-F238E27FC236}">
+                  <a16:creationId xmlns:a16="http://schemas.microsoft.com/office/drawing/2014/main" id="{6CF8DB94-87A3-43E9-9BBB-301CFF0FB05B}"/>
+                </a:ext>
+                <a:ext uri="{C183D7F6-B498-43B3-948B-1728B52AA6E4}">
+                  <adec:decorative xmlns:adec="http://schemas.microsoft.com/office/drawing/2017/decorative" val="1"/>
+                </a:ext>
+              </a:extLst>
+            </p:cNvPr>
+            <p:cNvSpPr/>
+            <p:nvPr>
+              <p:extLst>
+                <p:ext uri="{386F3935-93C4-4BCD-93E2-E3B085C9AB24}">
+                  <p16:designElem xmlns:p16="http://schemas.microsoft.com/office/powerpoint/2015/main" val="1"/>
+                </p:ext>
+              </p:extLst>
+            </p:nvPr>
+          </p:nvSpPr>
+          <p:spPr>
+            <a:xfrm>
+              <a:off x="10240911" y="4115729"/>
+              <a:ext cx="202882" cy="268223"/>
+            </a:xfrm>
+            <a:custGeom>
+              <a:avLst/>
+              <a:gdLst>
+                <a:gd name="connsiteX0" fmla="*/ 20669 w 202882"/>
+                <a:gd name="connsiteY0" fmla="*/ 268224 h 268223"/>
+                <a:gd name="connsiteX1" fmla="*/ 0 w 202882"/>
+                <a:gd name="connsiteY1" fmla="*/ 268224 h 268223"/>
+                <a:gd name="connsiteX2" fmla="*/ 182118 w 202882"/>
+                <a:gd name="connsiteY2" fmla="*/ 0 h 268223"/>
+                <a:gd name="connsiteX3" fmla="*/ 202883 w 202882"/>
+                <a:gd name="connsiteY3" fmla="*/ 0 h 268223"/>
+              </a:gdLst>
+              <a:ahLst/>
+              <a:cxnLst>
+                <a:cxn ang="0">
+                  <a:pos x="connsiteX0" y="connsiteY0"/>
+                </a:cxn>
+                <a:cxn ang="0">
+                  <a:pos x="connsiteX1" y="connsiteY1"/>
+                </a:cxn>
+                <a:cxn ang="0">
+                  <a:pos x="connsiteX2" y="connsiteY2"/>
+                </a:cxn>
+                <a:cxn ang="0">
+                  <a:pos x="connsiteX3" y="connsiteY3"/>
+                </a:cxn>
+              </a:cxnLst>
+              <a:rect l="l" t="t" r="r" b="b"/>
+              <a:pathLst>
+                <a:path w="202882" h="268223">
+                  <a:moveTo>
+                    <a:pt x="20669" y="268224"/>
+                  </a:moveTo>
+                  <a:lnTo>
+                    <a:pt x="0" y="268224"/>
+                  </a:lnTo>
+                  <a:lnTo>
+                    <a:pt x="182118" y="0"/>
+                  </a:lnTo>
+                  <a:lnTo>
+                    <a:pt x="202883" y="0"/>
+                  </a:lnTo>
+                  <a:close/>
+                </a:path>
+              </a:pathLst>
+            </a:custGeom>
+            <a:grpFill/>
+            <a:ln w="9525" cap="flat">
+              <a:noFill/>
+              <a:prstDash val="solid"/>
+              <a:miter/>
+            </a:ln>
+          </p:spPr>
+          <p:txBody>
+            <a:bodyPr rtlCol="0" anchor="ctr"/>
+            <a:lstStyle/>
+            <a:p>
+              <a:endParaRPr lang="en-US"/>
+            </a:p>
+          </p:txBody>
+        </p:sp>
+      </p:grpSp>
+      <p:sp>
+        <p:nvSpPr>
+          <p:cNvPr id="19" name="Oval 18">
             <a:extLst>
-              <a:ext uri="{28A0092B-C50C-407E-A947-70E740481C1C}">
-                <a14:useLocalDpi xmlns:a14="http://schemas.microsoft.com/office/drawing/2010/main" val="0"/>
+              <a:ext uri="{FF2B5EF4-FFF2-40B4-BE49-F238E27FC236}">
+                <a16:creationId xmlns:a16="http://schemas.microsoft.com/office/drawing/2014/main" id="{7D6BF779-0B8C-4CC2-9268-9506AD0C5331}"/>
+              </a:ext>
+              <a:ext uri="{C183D7F6-B498-43B3-948B-1728B52AA6E4}">
+                <adec:decorative xmlns:adec="http://schemas.microsoft.com/office/drawing/2017/decorative" val="1"/>
               </a:ext>
             </a:extLst>
-          </a:blip>
-          <a:srcRect/>
-          <a:stretch>
-            <a:fillRect/>
-          </a:stretch>
-        </p:blipFill>
-        <p:spPr bwMode="auto">
+          </p:cNvPr>
+          <p:cNvSpPr>
+            <a:spLocks noGrp="1" noRot="1" noChangeAspect="1" noMove="1" noResize="1" noEditPoints="1" noAdjustHandles="1" noChangeArrowheads="1" noChangeShapeType="1" noTextEdit="1"/>
+          </p:cNvSpPr>
+          <p:nvPr>
+            <p:extLst>
+              <p:ext uri="{386F3935-93C4-4BCD-93E2-E3B085C9AB24}">
+                <p16:designElem xmlns:p16="http://schemas.microsoft.com/office/powerpoint/2015/main" val="1"/>
+              </p:ext>
+            </p:extLst>
+          </p:nvPr>
+        </p:nvSpPr>
+        <p:spPr>
           <a:xfrm>
-            <a:off x="-267092" y="0"/>
-            <a:ext cx="12726184" cy="6858000"/>
+            <a:off x="320736" y="652894"/>
+            <a:ext cx="319941" cy="319941"/>
+          </a:xfrm>
+          <a:prstGeom prst="ellipse">
+            <a:avLst/>
+          </a:prstGeom>
+          <a:solidFill>
+            <a:schemeClr val="accent3">
+              <a:lumMod val="20000"/>
+              <a:lumOff val="80000"/>
+            </a:schemeClr>
+          </a:solidFill>
+          <a:ln w="28575">
+            <a:solidFill>
+              <a:schemeClr val="tx1"/>
+            </a:solidFill>
+          </a:ln>
+        </p:spPr>
+        <p:style>
+          <a:lnRef idx="2">
+            <a:schemeClr val="accent1">
+              <a:shade val="50000"/>
+            </a:schemeClr>
+          </a:lnRef>
+          <a:fillRef idx="1">
+            <a:schemeClr val="accent1"/>
+          </a:fillRef>
+          <a:effectRef idx="0">
+            <a:schemeClr val="accent1"/>
+          </a:effectRef>
+          <a:fontRef idx="minor">
+            <a:schemeClr val="lt1"/>
+          </a:fontRef>
+        </p:style>
+        <p:txBody>
+          <a:bodyPr rot="0" spcFirstLastPara="0" vertOverflow="overflow" horzOverflow="overflow" vert="horz" wrap="square" lIns="91440" tIns="45720" rIns="91440" bIns="45720" numCol="1" spcCol="0" rtlCol="0" fromWordArt="0" anchor="ctr" anchorCtr="0" forceAA="0" compatLnSpc="1">
+            <a:prstTxWarp prst="textNoShape">
+              <a:avLst/>
+            </a:prstTxWarp>
+            <a:noAutofit/>
+          </a:bodyPr>
+          <a:lstStyle/>
+          <a:p>
+            <a:pPr algn="ctr"/>
+            <a:endParaRPr lang="en-US"/>
+          </a:p>
+        </p:txBody>
+      </p:sp>
+      <p:sp useBgFill="1">
+        <p:nvSpPr>
+          <p:cNvPr id="21" name="Rectangle 20">
+            <a:extLst>
+              <a:ext uri="{FF2B5EF4-FFF2-40B4-BE49-F238E27FC236}">
+                <a16:creationId xmlns:a16="http://schemas.microsoft.com/office/drawing/2014/main" id="{3A397E3E-B90C-4D82-BAAA-36F7AC6A4565}"/>
+              </a:ext>
+              <a:ext uri="{C183D7F6-B498-43B3-948B-1728B52AA6E4}">
+                <adec:decorative xmlns:adec="http://schemas.microsoft.com/office/drawing/2017/decorative" val="1"/>
+              </a:ext>
+            </a:extLst>
+          </p:cNvPr>
+          <p:cNvSpPr>
+            <a:spLocks noGrp="1" noRot="1" noChangeAspect="1" noMove="1" noResize="1" noEditPoints="1" noAdjustHandles="1" noChangeArrowheads="1" noChangeShapeType="1" noTextEdit="1"/>
+          </p:cNvSpPr>
+          <p:nvPr>
+            <p:extLst>
+              <p:ext uri="{386F3935-93C4-4BCD-93E2-E3B085C9AB24}">
+                <p16:designElem xmlns:p16="http://schemas.microsoft.com/office/powerpoint/2015/main" val="1"/>
+              </p:ext>
+            </p:extLst>
+          </p:nvPr>
+        </p:nvSpPr>
+        <p:spPr>
+          <a:xfrm>
+            <a:off x="0" y="0"/>
+            <a:ext cx="12192000" cy="6858000"/>
           </a:xfrm>
           <a:prstGeom prst="rect">
             <a:avLst/>
           </a:prstGeom>
-          <a:noFill/>
-          <a:extLst>
-            <a:ext uri="{909E8E84-426E-40DD-AFC4-6F175D3DCCD1}">
-              <a14:hiddenFill xmlns:a14="http://schemas.microsoft.com/office/drawing/2010/main">
-                <a:solidFill>
-                  <a:srgbClr val="FFFFFF"/>
-                </a:solidFill>
-              </a14:hiddenFill>
-            </a:ext>
-          </a:extLst>
-        </p:spPr>
-      </p:pic>
-      <p:sp>
-        <p:nvSpPr>
-          <p:cNvPr id="2" name="Rectangle: Rounded Corners 1">
-            <a:extLst>
-              <a:ext uri="{FF2B5EF4-FFF2-40B4-BE49-F238E27FC236}">
-                <a16:creationId xmlns:a16="http://schemas.microsoft.com/office/drawing/2014/main" id="{2571D465-20AD-926D-3590-4B9444D0B1DF}"/>
-              </a:ext>
-            </a:extLst>
-          </p:cNvPr>
-          <p:cNvSpPr/>
-          <p:nvPr/>
-        </p:nvSpPr>
-        <p:spPr>
-          <a:xfrm>
-            <a:off x="291993" y="315046"/>
-            <a:ext cx="6615953" cy="1083449"/>
-          </a:xfrm>
-          <a:prstGeom prst="roundRect">
-            <a:avLst/>
-          </a:prstGeom>
-          <a:solidFill>
-            <a:srgbClr val="FFFFFF">
-              <a:alpha val="74118"/>
-            </a:srgbClr>
-          </a:solidFill>
           <a:ln>
             <a:noFill/>
           </a:ln>
         </p:spPr>
         <p:style>
-          <a:lnRef idx="0">
-            <a:scrgbClr r="0" g="0" b="0"/>
+          <a:lnRef idx="2">
+            <a:schemeClr val="accent1">
+              <a:shade val="50000"/>
+            </a:schemeClr>
           </a:lnRef>
-          <a:fillRef idx="0">
-            <a:scrgbClr r="0" g="0" b="0"/>
+          <a:fillRef idx="1">
+            <a:schemeClr val="accent1"/>
           </a:fillRef>
           <a:effectRef idx="0">
-            <a:scrgbClr r="0" g="0" b="0"/>
+            <a:schemeClr val="accent1"/>
           </a:effectRef>
           <a:fontRef idx="minor">
             <a:schemeClr val="lt1"/>
@@ -11000,11 +11503,759 @@
           <a:lstStyle/>
           <a:p>
             <a:pPr algn="ctr"/>
-            <a:r>
-              <a:rPr lang="en-US" sz="4000" b="1" dirty="0"/>
-              <a:t>Traffic Revisited!!</a:t>
-            </a:r>
-            <a:endParaRPr lang="en-CA" sz="4000" b="1" dirty="0"/>
+            <a:endParaRPr lang="en-US" dirty="0"/>
+          </a:p>
+        </p:txBody>
+      </p:sp>
+      <p:pic>
+        <p:nvPicPr>
+          <p:cNvPr id="6" name="Picture 5" descr="A picture containing wall, indoor, toy&#10;&#10;Description automatically generated">
+            <a:extLst>
+              <a:ext uri="{FF2B5EF4-FFF2-40B4-BE49-F238E27FC236}">
+                <a16:creationId xmlns:a16="http://schemas.microsoft.com/office/drawing/2014/main" id="{4C4C60D3-E328-1B9B-CEC1-14BCCCA9C82E}"/>
+              </a:ext>
+            </a:extLst>
+          </p:cNvPr>
+          <p:cNvPicPr>
+            <a:picLocks noChangeAspect="1"/>
+          </p:cNvPicPr>
+          <p:nvPr/>
+        </p:nvPicPr>
+        <p:blipFill rotWithShape="1">
+          <a:blip r:embed="rId2">
+            <a:extLst>
+              <a:ext uri="{28A0092B-C50C-407E-A947-70E740481C1C}">
+                <a14:useLocalDpi xmlns:a14="http://schemas.microsoft.com/office/drawing/2010/main" val="0"/>
+              </a:ext>
+            </a:extLst>
+          </a:blip>
+          <a:srcRect t="20273" b="2672"/>
+          <a:stretch/>
+        </p:blipFill>
+        <p:spPr>
+          <a:xfrm>
+            <a:off x="20" y="10"/>
+            <a:ext cx="12191977" cy="6857990"/>
+          </a:xfrm>
+          <a:prstGeom prst="rect">
+            <a:avLst/>
+          </a:prstGeom>
+        </p:spPr>
+      </p:pic>
+      <p:sp>
+        <p:nvSpPr>
+          <p:cNvPr id="23" name="Rectangle 22">
+            <a:extLst>
+              <a:ext uri="{FF2B5EF4-FFF2-40B4-BE49-F238E27FC236}">
+                <a16:creationId xmlns:a16="http://schemas.microsoft.com/office/drawing/2014/main" id="{6F2D470B-AC21-457A-973A-2C52575779A7}"/>
+              </a:ext>
+              <a:ext uri="{C183D7F6-B498-43B3-948B-1728B52AA6E4}">
+                <adec:decorative xmlns:adec="http://schemas.microsoft.com/office/drawing/2017/decorative" val="1"/>
+              </a:ext>
+            </a:extLst>
+          </p:cNvPr>
+          <p:cNvSpPr>
+            <a:spLocks noGrp="1" noRot="1" noChangeAspect="1" noMove="1" noResize="1" noEditPoints="1" noAdjustHandles="1" noChangeArrowheads="1" noChangeShapeType="1" noTextEdit="1"/>
+          </p:cNvSpPr>
+          <p:nvPr>
+            <p:extLst>
+              <p:ext uri="{386F3935-93C4-4BCD-93E2-E3B085C9AB24}">
+                <p16:designElem xmlns:p16="http://schemas.microsoft.com/office/powerpoint/2015/main" val="1"/>
+              </p:ext>
+            </p:extLst>
+          </p:nvPr>
+        </p:nvSpPr>
+        <p:spPr>
+          <a:xfrm>
+            <a:off x="2" y="0"/>
+            <a:ext cx="7603955" cy="6858000"/>
+          </a:xfrm>
+          <a:prstGeom prst="rect">
+            <a:avLst/>
+          </a:prstGeom>
+          <a:gradFill>
+            <a:gsLst>
+              <a:gs pos="0">
+                <a:schemeClr val="bg1">
+                  <a:alpha val="0"/>
+                </a:schemeClr>
+              </a:gs>
+              <a:gs pos="100000">
+                <a:schemeClr val="bg1">
+                  <a:alpha val="30000"/>
+                </a:schemeClr>
+              </a:gs>
+            </a:gsLst>
+            <a:lin ang="10800000" scaled="0"/>
+          </a:gradFill>
+          <a:ln>
+            <a:noFill/>
+          </a:ln>
+        </p:spPr>
+        <p:style>
+          <a:lnRef idx="2">
+            <a:schemeClr val="accent1">
+              <a:shade val="50000"/>
+            </a:schemeClr>
+          </a:lnRef>
+          <a:fillRef idx="1">
+            <a:schemeClr val="accent1"/>
+          </a:fillRef>
+          <a:effectRef idx="0">
+            <a:schemeClr val="accent1"/>
+          </a:effectRef>
+          <a:fontRef idx="minor">
+            <a:schemeClr val="lt1"/>
+          </a:fontRef>
+        </p:style>
+        <p:txBody>
+          <a:bodyPr rtlCol="0" anchor="ctr"/>
+          <a:lstStyle/>
+          <a:p>
+            <a:pPr algn="ctr"/>
+            <a:endParaRPr lang="en-US" dirty="0"/>
+          </a:p>
+        </p:txBody>
+      </p:sp>
+      <p:sp>
+        <p:nvSpPr>
+          <p:cNvPr id="25" name="Freeform: Shape 24">
+            <a:extLst>
+              <a:ext uri="{FF2B5EF4-FFF2-40B4-BE49-F238E27FC236}">
+                <a16:creationId xmlns:a16="http://schemas.microsoft.com/office/drawing/2014/main" id="{C66D63E6-0ECD-4AC2-8C8E-C6EFA54A3B64}"/>
+              </a:ext>
+              <a:ext uri="{C183D7F6-B498-43B3-948B-1728B52AA6E4}">
+                <adec:decorative xmlns:adec="http://schemas.microsoft.com/office/drawing/2017/decorative" val="1"/>
+              </a:ext>
+            </a:extLst>
+          </p:cNvPr>
+          <p:cNvSpPr>
+            <a:spLocks noGrp="1" noRot="1" noChangeAspect="1" noMove="1" noResize="1" noEditPoints="1" noAdjustHandles="1" noChangeArrowheads="1" noChangeShapeType="1" noTextEdit="1"/>
+          </p:cNvSpPr>
+          <p:nvPr>
+            <p:extLst>
+              <p:ext uri="{386F3935-93C4-4BCD-93E2-E3B085C9AB24}">
+                <p16:designElem xmlns:p16="http://schemas.microsoft.com/office/powerpoint/2015/main" val="1"/>
+              </p:ext>
+            </p:extLst>
+          </p:nvPr>
+        </p:nvSpPr>
+        <p:spPr>
+          <a:xfrm>
+            <a:off x="0" y="1396898"/>
+            <a:ext cx="1861854" cy="277779"/>
+          </a:xfrm>
+          <a:custGeom>
+            <a:avLst/>
+            <a:gdLst>
+              <a:gd name="connsiteX0" fmla="*/ 180458 w 1861854"/>
+              <a:gd name="connsiteY0" fmla="*/ 0 h 277779"/>
+              <a:gd name="connsiteX1" fmla="*/ 419222 w 1861854"/>
+              <a:gd name="connsiteY1" fmla="*/ 238761 h 277779"/>
+              <a:gd name="connsiteX2" fmla="*/ 657984 w 1861854"/>
+              <a:gd name="connsiteY2" fmla="*/ 0 h 277779"/>
+              <a:gd name="connsiteX3" fmla="*/ 896745 w 1861854"/>
+              <a:gd name="connsiteY3" fmla="*/ 238761 h 277779"/>
+              <a:gd name="connsiteX4" fmla="*/ 1135754 w 1861854"/>
+              <a:gd name="connsiteY4" fmla="*/ 0 h 277779"/>
+              <a:gd name="connsiteX5" fmla="*/ 1374516 w 1861854"/>
+              <a:gd name="connsiteY5" fmla="*/ 238761 h 277779"/>
+              <a:gd name="connsiteX6" fmla="*/ 1613277 w 1861854"/>
+              <a:gd name="connsiteY6" fmla="*/ 0 h 277779"/>
+              <a:gd name="connsiteX7" fmla="*/ 1861854 w 1861854"/>
+              <a:gd name="connsiteY7" fmla="*/ 248577 h 277779"/>
+              <a:gd name="connsiteX8" fmla="*/ 1842470 w 1861854"/>
+              <a:gd name="connsiteY8" fmla="*/ 267963 h 277779"/>
+              <a:gd name="connsiteX9" fmla="*/ 1613277 w 1861854"/>
+              <a:gd name="connsiteY9" fmla="*/ 39017 h 277779"/>
+              <a:gd name="connsiteX10" fmla="*/ 1374516 w 1861854"/>
+              <a:gd name="connsiteY10" fmla="*/ 277779 h 277779"/>
+              <a:gd name="connsiteX11" fmla="*/ 1135754 w 1861854"/>
+              <a:gd name="connsiteY11" fmla="*/ 39017 h 277779"/>
+              <a:gd name="connsiteX12" fmla="*/ 896745 w 1861854"/>
+              <a:gd name="connsiteY12" fmla="*/ 277779 h 277779"/>
+              <a:gd name="connsiteX13" fmla="*/ 657984 w 1861854"/>
+              <a:gd name="connsiteY13" fmla="*/ 39017 h 277779"/>
+              <a:gd name="connsiteX14" fmla="*/ 419222 w 1861854"/>
+              <a:gd name="connsiteY14" fmla="*/ 277779 h 277779"/>
+              <a:gd name="connsiteX15" fmla="*/ 180458 w 1861854"/>
+              <a:gd name="connsiteY15" fmla="*/ 39017 h 277779"/>
+              <a:gd name="connsiteX16" fmla="*/ 0 w 1861854"/>
+              <a:gd name="connsiteY16" fmla="*/ 219283 h 277779"/>
+              <a:gd name="connsiteX17" fmla="*/ 0 w 1861854"/>
+              <a:gd name="connsiteY17" fmla="*/ 180458 h 277779"/>
+            </a:gdLst>
+            <a:ahLst/>
+            <a:cxnLst>
+              <a:cxn ang="0">
+                <a:pos x="connsiteX0" y="connsiteY0"/>
+              </a:cxn>
+              <a:cxn ang="0">
+                <a:pos x="connsiteX1" y="connsiteY1"/>
+              </a:cxn>
+              <a:cxn ang="0">
+                <a:pos x="connsiteX2" y="connsiteY2"/>
+              </a:cxn>
+              <a:cxn ang="0">
+                <a:pos x="connsiteX3" y="connsiteY3"/>
+              </a:cxn>
+              <a:cxn ang="0">
+                <a:pos x="connsiteX4" y="connsiteY4"/>
+              </a:cxn>
+              <a:cxn ang="0">
+                <a:pos x="connsiteX5" y="connsiteY5"/>
+              </a:cxn>
+              <a:cxn ang="0">
+                <a:pos x="connsiteX6" y="connsiteY6"/>
+              </a:cxn>
+              <a:cxn ang="0">
+                <a:pos x="connsiteX7" y="connsiteY7"/>
+              </a:cxn>
+              <a:cxn ang="0">
+                <a:pos x="connsiteX8" y="connsiteY8"/>
+              </a:cxn>
+              <a:cxn ang="0">
+                <a:pos x="connsiteX9" y="connsiteY9"/>
+              </a:cxn>
+              <a:cxn ang="0">
+                <a:pos x="connsiteX10" y="connsiteY10"/>
+              </a:cxn>
+              <a:cxn ang="0">
+                <a:pos x="connsiteX11" y="connsiteY11"/>
+              </a:cxn>
+              <a:cxn ang="0">
+                <a:pos x="connsiteX12" y="connsiteY12"/>
+              </a:cxn>
+              <a:cxn ang="0">
+                <a:pos x="connsiteX13" y="connsiteY13"/>
+              </a:cxn>
+              <a:cxn ang="0">
+                <a:pos x="connsiteX14" y="connsiteY14"/>
+              </a:cxn>
+              <a:cxn ang="0">
+                <a:pos x="connsiteX15" y="connsiteY15"/>
+              </a:cxn>
+              <a:cxn ang="0">
+                <a:pos x="connsiteX16" y="connsiteY16"/>
+              </a:cxn>
+              <a:cxn ang="0">
+                <a:pos x="connsiteX17" y="connsiteY17"/>
+              </a:cxn>
+            </a:cxnLst>
+            <a:rect l="l" t="t" r="r" b="b"/>
+            <a:pathLst>
+              <a:path w="1861854" h="277779">
+                <a:moveTo>
+                  <a:pt x="180458" y="0"/>
+                </a:moveTo>
+                <a:lnTo>
+                  <a:pt x="419222" y="238761"/>
+                </a:lnTo>
+                <a:lnTo>
+                  <a:pt x="657984" y="0"/>
+                </a:lnTo>
+                <a:lnTo>
+                  <a:pt x="896745" y="238761"/>
+                </a:lnTo>
+                <a:lnTo>
+                  <a:pt x="1135754" y="0"/>
+                </a:lnTo>
+                <a:lnTo>
+                  <a:pt x="1374516" y="238761"/>
+                </a:lnTo>
+                <a:lnTo>
+                  <a:pt x="1613277" y="0"/>
+                </a:lnTo>
+                <a:lnTo>
+                  <a:pt x="1861854" y="248577"/>
+                </a:lnTo>
+                <a:lnTo>
+                  <a:pt x="1842470" y="267963"/>
+                </a:lnTo>
+                <a:lnTo>
+                  <a:pt x="1613277" y="39017"/>
+                </a:lnTo>
+                <a:lnTo>
+                  <a:pt x="1374516" y="277779"/>
+                </a:lnTo>
+                <a:lnTo>
+                  <a:pt x="1135754" y="39017"/>
+                </a:lnTo>
+                <a:lnTo>
+                  <a:pt x="896745" y="277779"/>
+                </a:lnTo>
+                <a:lnTo>
+                  <a:pt x="657984" y="39017"/>
+                </a:lnTo>
+                <a:lnTo>
+                  <a:pt x="419222" y="277779"/>
+                </a:lnTo>
+                <a:lnTo>
+                  <a:pt x="180458" y="39017"/>
+                </a:lnTo>
+                <a:lnTo>
+                  <a:pt x="0" y="219283"/>
+                </a:lnTo>
+                <a:lnTo>
+                  <a:pt x="0" y="180458"/>
+                </a:lnTo>
+                <a:close/>
+              </a:path>
+            </a:pathLst>
+          </a:custGeom>
+          <a:solidFill>
+            <a:schemeClr val="tx1"/>
+          </a:solidFill>
+          <a:ln w="9525" cap="flat">
+            <a:noFill/>
+            <a:prstDash val="solid"/>
+            <a:miter/>
+          </a:ln>
+        </p:spPr>
+        <p:txBody>
+          <a:bodyPr wrap="square" rtlCol="0" anchor="ctr">
+            <a:noAutofit/>
+          </a:bodyPr>
+          <a:lstStyle/>
+          <a:p>
+            <a:endParaRPr lang="en-US" dirty="0"/>
+          </a:p>
+        </p:txBody>
+      </p:sp>
+      <p:sp>
+        <p:nvSpPr>
+          <p:cNvPr id="27" name="Freeform: Shape 26">
+            <a:extLst>
+              <a:ext uri="{FF2B5EF4-FFF2-40B4-BE49-F238E27FC236}">
+                <a16:creationId xmlns:a16="http://schemas.microsoft.com/office/drawing/2014/main" id="{2C49298F-FE84-4637-A2D4-B110A65356E8}"/>
+              </a:ext>
+              <a:ext uri="{C183D7F6-B498-43B3-948B-1728B52AA6E4}">
+                <adec:decorative xmlns:adec="http://schemas.microsoft.com/office/drawing/2017/decorative" val="1"/>
+              </a:ext>
+            </a:extLst>
+          </p:cNvPr>
+          <p:cNvSpPr>
+            <a:spLocks noGrp="1" noRot="1" noChangeAspect="1" noMove="1" noResize="1" noEditPoints="1" noAdjustHandles="1" noChangeArrowheads="1" noChangeShapeType="1" noTextEdit="1"/>
+          </p:cNvSpPr>
+          <p:nvPr>
+            <p:extLst>
+              <p:ext uri="{386F3935-93C4-4BCD-93E2-E3B085C9AB24}">
+                <p16:designElem xmlns:p16="http://schemas.microsoft.com/office/powerpoint/2015/main" val="1"/>
+              </p:ext>
+            </p:extLst>
+          </p:nvPr>
+        </p:nvSpPr>
+        <p:spPr>
+          <a:xfrm>
+            <a:off x="0" y="1836633"/>
+            <a:ext cx="1861854" cy="277779"/>
+          </a:xfrm>
+          <a:custGeom>
+            <a:avLst/>
+            <a:gdLst>
+              <a:gd name="connsiteX0" fmla="*/ 180458 w 1861854"/>
+              <a:gd name="connsiteY0" fmla="*/ 0 h 277779"/>
+              <a:gd name="connsiteX1" fmla="*/ 419222 w 1861854"/>
+              <a:gd name="connsiteY1" fmla="*/ 238761 h 277779"/>
+              <a:gd name="connsiteX2" fmla="*/ 657984 w 1861854"/>
+              <a:gd name="connsiteY2" fmla="*/ 0 h 277779"/>
+              <a:gd name="connsiteX3" fmla="*/ 896745 w 1861854"/>
+              <a:gd name="connsiteY3" fmla="*/ 238761 h 277779"/>
+              <a:gd name="connsiteX4" fmla="*/ 1135754 w 1861854"/>
+              <a:gd name="connsiteY4" fmla="*/ 0 h 277779"/>
+              <a:gd name="connsiteX5" fmla="*/ 1374516 w 1861854"/>
+              <a:gd name="connsiteY5" fmla="*/ 238761 h 277779"/>
+              <a:gd name="connsiteX6" fmla="*/ 1613277 w 1861854"/>
+              <a:gd name="connsiteY6" fmla="*/ 0 h 277779"/>
+              <a:gd name="connsiteX7" fmla="*/ 1861854 w 1861854"/>
+              <a:gd name="connsiteY7" fmla="*/ 248577 h 277779"/>
+              <a:gd name="connsiteX8" fmla="*/ 1842470 w 1861854"/>
+              <a:gd name="connsiteY8" fmla="*/ 268208 h 277779"/>
+              <a:gd name="connsiteX9" fmla="*/ 1613277 w 1861854"/>
+              <a:gd name="connsiteY9" fmla="*/ 39017 h 277779"/>
+              <a:gd name="connsiteX10" fmla="*/ 1374516 w 1861854"/>
+              <a:gd name="connsiteY10" fmla="*/ 277779 h 277779"/>
+              <a:gd name="connsiteX11" fmla="*/ 1135754 w 1861854"/>
+              <a:gd name="connsiteY11" fmla="*/ 39017 h 277779"/>
+              <a:gd name="connsiteX12" fmla="*/ 896745 w 1861854"/>
+              <a:gd name="connsiteY12" fmla="*/ 277779 h 277779"/>
+              <a:gd name="connsiteX13" fmla="*/ 657984 w 1861854"/>
+              <a:gd name="connsiteY13" fmla="*/ 39017 h 277779"/>
+              <a:gd name="connsiteX14" fmla="*/ 419222 w 1861854"/>
+              <a:gd name="connsiteY14" fmla="*/ 277779 h 277779"/>
+              <a:gd name="connsiteX15" fmla="*/ 180458 w 1861854"/>
+              <a:gd name="connsiteY15" fmla="*/ 39017 h 277779"/>
+              <a:gd name="connsiteX16" fmla="*/ 0 w 1861854"/>
+              <a:gd name="connsiteY16" fmla="*/ 219475 h 277779"/>
+              <a:gd name="connsiteX17" fmla="*/ 0 w 1861854"/>
+              <a:gd name="connsiteY17" fmla="*/ 180458 h 277779"/>
+            </a:gdLst>
+            <a:ahLst/>
+            <a:cxnLst>
+              <a:cxn ang="0">
+                <a:pos x="connsiteX0" y="connsiteY0"/>
+              </a:cxn>
+              <a:cxn ang="0">
+                <a:pos x="connsiteX1" y="connsiteY1"/>
+              </a:cxn>
+              <a:cxn ang="0">
+                <a:pos x="connsiteX2" y="connsiteY2"/>
+              </a:cxn>
+              <a:cxn ang="0">
+                <a:pos x="connsiteX3" y="connsiteY3"/>
+              </a:cxn>
+              <a:cxn ang="0">
+                <a:pos x="connsiteX4" y="connsiteY4"/>
+              </a:cxn>
+              <a:cxn ang="0">
+                <a:pos x="connsiteX5" y="connsiteY5"/>
+              </a:cxn>
+              <a:cxn ang="0">
+                <a:pos x="connsiteX6" y="connsiteY6"/>
+              </a:cxn>
+              <a:cxn ang="0">
+                <a:pos x="connsiteX7" y="connsiteY7"/>
+              </a:cxn>
+              <a:cxn ang="0">
+                <a:pos x="connsiteX8" y="connsiteY8"/>
+              </a:cxn>
+              <a:cxn ang="0">
+                <a:pos x="connsiteX9" y="connsiteY9"/>
+              </a:cxn>
+              <a:cxn ang="0">
+                <a:pos x="connsiteX10" y="connsiteY10"/>
+              </a:cxn>
+              <a:cxn ang="0">
+                <a:pos x="connsiteX11" y="connsiteY11"/>
+              </a:cxn>
+              <a:cxn ang="0">
+                <a:pos x="connsiteX12" y="connsiteY12"/>
+              </a:cxn>
+              <a:cxn ang="0">
+                <a:pos x="connsiteX13" y="connsiteY13"/>
+              </a:cxn>
+              <a:cxn ang="0">
+                <a:pos x="connsiteX14" y="connsiteY14"/>
+              </a:cxn>
+              <a:cxn ang="0">
+                <a:pos x="connsiteX15" y="connsiteY15"/>
+              </a:cxn>
+              <a:cxn ang="0">
+                <a:pos x="connsiteX16" y="connsiteY16"/>
+              </a:cxn>
+              <a:cxn ang="0">
+                <a:pos x="connsiteX17" y="connsiteY17"/>
+              </a:cxn>
+            </a:cxnLst>
+            <a:rect l="l" t="t" r="r" b="b"/>
+            <a:pathLst>
+              <a:path w="1861854" h="277779">
+                <a:moveTo>
+                  <a:pt x="180458" y="0"/>
+                </a:moveTo>
+                <a:lnTo>
+                  <a:pt x="419222" y="238761"/>
+                </a:lnTo>
+                <a:lnTo>
+                  <a:pt x="657984" y="0"/>
+                </a:lnTo>
+                <a:lnTo>
+                  <a:pt x="896745" y="238761"/>
+                </a:lnTo>
+                <a:lnTo>
+                  <a:pt x="1135754" y="0"/>
+                </a:lnTo>
+                <a:lnTo>
+                  <a:pt x="1374516" y="238761"/>
+                </a:lnTo>
+                <a:lnTo>
+                  <a:pt x="1613277" y="0"/>
+                </a:lnTo>
+                <a:lnTo>
+                  <a:pt x="1861854" y="248577"/>
+                </a:lnTo>
+                <a:lnTo>
+                  <a:pt x="1842470" y="268208"/>
+                </a:lnTo>
+                <a:lnTo>
+                  <a:pt x="1613277" y="39017"/>
+                </a:lnTo>
+                <a:lnTo>
+                  <a:pt x="1374516" y="277779"/>
+                </a:lnTo>
+                <a:lnTo>
+                  <a:pt x="1135754" y="39017"/>
+                </a:lnTo>
+                <a:lnTo>
+                  <a:pt x="896745" y="277779"/>
+                </a:lnTo>
+                <a:lnTo>
+                  <a:pt x="657984" y="39017"/>
+                </a:lnTo>
+                <a:lnTo>
+                  <a:pt x="419222" y="277779"/>
+                </a:lnTo>
+                <a:lnTo>
+                  <a:pt x="180458" y="39017"/>
+                </a:lnTo>
+                <a:lnTo>
+                  <a:pt x="0" y="219475"/>
+                </a:lnTo>
+                <a:lnTo>
+                  <a:pt x="0" y="180458"/>
+                </a:lnTo>
+                <a:close/>
+              </a:path>
+            </a:pathLst>
+          </a:custGeom>
+          <a:solidFill>
+            <a:schemeClr val="tx1"/>
+          </a:solidFill>
+          <a:ln w="9525" cap="flat">
+            <a:noFill/>
+            <a:prstDash val="solid"/>
+            <a:miter/>
+          </a:ln>
+        </p:spPr>
+        <p:txBody>
+          <a:bodyPr wrap="square" rtlCol="0" anchor="ctr">
+            <a:noAutofit/>
+          </a:bodyPr>
+          <a:lstStyle/>
+          <a:p>
+            <a:endParaRPr lang="en-US" dirty="0"/>
+          </a:p>
+        </p:txBody>
+      </p:sp>
+      <p:sp>
+        <p:nvSpPr>
+          <p:cNvPr id="29" name="Rectangle 28">
+            <a:extLst>
+              <a:ext uri="{FF2B5EF4-FFF2-40B4-BE49-F238E27FC236}">
+                <a16:creationId xmlns:a16="http://schemas.microsoft.com/office/drawing/2014/main" id="{2C1D3151-5F97-4860-B56C-C98BD62CC255}"/>
+              </a:ext>
+              <a:ext uri="{C183D7F6-B498-43B3-948B-1728B52AA6E4}">
+                <adec:decorative xmlns:adec="http://schemas.microsoft.com/office/drawing/2017/decorative" val="1"/>
+              </a:ext>
+            </a:extLst>
+          </p:cNvPr>
+          <p:cNvSpPr>
+            <a:spLocks noGrp="1" noRot="1" noChangeAspect="1" noMove="1" noResize="1" noEditPoints="1" noAdjustHandles="1" noChangeArrowheads="1" noChangeShapeType="1" noTextEdit="1"/>
+          </p:cNvSpPr>
+          <p:nvPr>
+            <p:extLst>
+              <p:ext uri="{386F3935-93C4-4BCD-93E2-E3B085C9AB24}">
+                <p16:designElem xmlns:p16="http://schemas.microsoft.com/office/powerpoint/2015/main" val="1"/>
+              </p:ext>
+            </p:extLst>
+          </p:nvPr>
+        </p:nvSpPr>
+        <p:spPr>
+          <a:xfrm>
+            <a:off x="683973" y="901769"/>
+            <a:ext cx="4970256" cy="3855397"/>
+          </a:xfrm>
+          <a:prstGeom prst="rect">
+            <a:avLst/>
+          </a:prstGeom>
+          <a:solidFill>
+            <a:srgbClr val="FFFFFF"/>
+          </a:solidFill>
+          <a:ln w="28575">
+            <a:solidFill>
+              <a:srgbClr val="FFFFFF"/>
+            </a:solidFill>
+          </a:ln>
+        </p:spPr>
+        <p:style>
+          <a:lnRef idx="2">
+            <a:schemeClr val="accent1">
+              <a:shade val="50000"/>
+            </a:schemeClr>
+          </a:lnRef>
+          <a:fillRef idx="1">
+            <a:schemeClr val="accent1"/>
+          </a:fillRef>
+          <a:effectRef idx="0">
+            <a:schemeClr val="accent1"/>
+          </a:effectRef>
+          <a:fontRef idx="minor">
+            <a:schemeClr val="lt1"/>
+          </a:fontRef>
+        </p:style>
+        <p:txBody>
+          <a:bodyPr rtlCol="0" anchor="ctr"/>
+          <a:lstStyle/>
+          <a:p>
+            <a:pPr algn="ctr"/>
+            <a:endParaRPr lang="en-US" dirty="0"/>
+          </a:p>
+        </p:txBody>
+      </p:sp>
+      <p:sp>
+        <p:nvSpPr>
+          <p:cNvPr id="31" name="Rectangle 30">
+            <a:extLst>
+              <a:ext uri="{FF2B5EF4-FFF2-40B4-BE49-F238E27FC236}">
+                <a16:creationId xmlns:a16="http://schemas.microsoft.com/office/drawing/2014/main" id="{287DFBF2-49F6-42E9-A0A3-263E1B29EEA2}"/>
+              </a:ext>
+              <a:ext uri="{C183D7F6-B498-43B3-948B-1728B52AA6E4}">
+                <adec:decorative xmlns:adec="http://schemas.microsoft.com/office/drawing/2017/decorative" val="1"/>
+              </a:ext>
+            </a:extLst>
+          </p:cNvPr>
+          <p:cNvSpPr>
+            <a:spLocks noGrp="1" noRot="1" noChangeAspect="1" noMove="1" noResize="1" noEditPoints="1" noAdjustHandles="1" noChangeArrowheads="1" noChangeShapeType="1" noTextEdit="1"/>
+          </p:cNvSpPr>
+          <p:nvPr>
+            <p:extLst>
+              <p:ext uri="{386F3935-93C4-4BCD-93E2-E3B085C9AB24}">
+                <p16:designElem xmlns:p16="http://schemas.microsoft.com/office/powerpoint/2015/main" val="1"/>
+              </p:ext>
+            </p:extLst>
+          </p:nvPr>
+        </p:nvSpPr>
+        <p:spPr>
+          <a:xfrm>
+            <a:off x="683973" y="901769"/>
+            <a:ext cx="4970256" cy="3855397"/>
+          </a:xfrm>
+          <a:prstGeom prst="rect">
+            <a:avLst/>
+          </a:prstGeom>
+          <a:solidFill>
+            <a:schemeClr val="accent3">
+              <a:alpha val="20000"/>
+            </a:schemeClr>
+          </a:solidFill>
+          <a:ln w="28575">
+            <a:solidFill>
+              <a:schemeClr val="tx1"/>
+            </a:solidFill>
+          </a:ln>
+        </p:spPr>
+        <p:style>
+          <a:lnRef idx="2">
+            <a:schemeClr val="accent1">
+              <a:shade val="50000"/>
+            </a:schemeClr>
+          </a:lnRef>
+          <a:fillRef idx="1">
+            <a:schemeClr val="accent1"/>
+          </a:fillRef>
+          <a:effectRef idx="0">
+            <a:schemeClr val="accent1"/>
+          </a:effectRef>
+          <a:fontRef idx="minor">
+            <a:schemeClr val="lt1"/>
+          </a:fontRef>
+        </p:style>
+        <p:txBody>
+          <a:bodyPr rtlCol="0" anchor="ctr"/>
+          <a:lstStyle/>
+          <a:p>
+            <a:pPr algn="ctr"/>
+            <a:endParaRPr lang="en-US" dirty="0"/>
+          </a:p>
+        </p:txBody>
+      </p:sp>
+      <p:sp useBgFill="1">
+        <p:nvSpPr>
+          <p:cNvPr id="33" name="Rectangle 32">
+            <a:extLst>
+              <a:ext uri="{FF2B5EF4-FFF2-40B4-BE49-F238E27FC236}">
+                <a16:creationId xmlns:a16="http://schemas.microsoft.com/office/drawing/2014/main" id="{8DE96824-E506-4448-8704-5EC7BF7BC51B}"/>
+              </a:ext>
+              <a:ext uri="{C183D7F6-B498-43B3-948B-1728B52AA6E4}">
+                <adec:decorative xmlns:adec="http://schemas.microsoft.com/office/drawing/2017/decorative" val="1"/>
+              </a:ext>
+            </a:extLst>
+          </p:cNvPr>
+          <p:cNvSpPr>
+            <a:spLocks noGrp="1" noRot="1" noChangeAspect="1" noMove="1" noResize="1" noEditPoints="1" noAdjustHandles="1" noChangeArrowheads="1" noChangeShapeType="1" noTextEdit="1"/>
+          </p:cNvSpPr>
+          <p:nvPr>
+            <p:extLst>
+              <p:ext uri="{386F3935-93C4-4BCD-93E2-E3B085C9AB24}">
+                <p16:designElem xmlns:p16="http://schemas.microsoft.com/office/powerpoint/2015/main" val="1"/>
+              </p:ext>
+            </p:extLst>
+          </p:nvPr>
+        </p:nvSpPr>
+        <p:spPr>
+          <a:xfrm>
+            <a:off x="576578" y="798986"/>
+            <a:ext cx="4970256" cy="3855397"/>
+          </a:xfrm>
+          <a:prstGeom prst="rect">
+            <a:avLst/>
+          </a:prstGeom>
+          <a:ln w="28575">
+            <a:solidFill>
+              <a:schemeClr val="tx1"/>
+            </a:solidFill>
+          </a:ln>
+        </p:spPr>
+        <p:style>
+          <a:lnRef idx="2">
+            <a:schemeClr val="accent1">
+              <a:shade val="50000"/>
+            </a:schemeClr>
+          </a:lnRef>
+          <a:fillRef idx="1">
+            <a:schemeClr val="accent1"/>
+          </a:fillRef>
+          <a:effectRef idx="0">
+            <a:schemeClr val="accent1"/>
+          </a:effectRef>
+          <a:fontRef idx="minor">
+            <a:schemeClr val="lt1"/>
+          </a:fontRef>
+        </p:style>
+        <p:txBody>
+          <a:bodyPr rtlCol="0" anchor="ctr"/>
+          <a:lstStyle/>
+          <a:p>
+            <a:pPr algn="ctr"/>
+            <a:endParaRPr lang="en-US" dirty="0"/>
+          </a:p>
+        </p:txBody>
+      </p:sp>
+      <p:sp>
+        <p:nvSpPr>
+          <p:cNvPr id="7" name="Title 6">
+            <a:extLst>
+              <a:ext uri="{FF2B5EF4-FFF2-40B4-BE49-F238E27FC236}">
+                <a16:creationId xmlns:a16="http://schemas.microsoft.com/office/drawing/2014/main" id="{4C86DE7A-E344-0FF2-A4CC-D8B3D0B8B694}"/>
+              </a:ext>
+            </a:extLst>
+          </p:cNvPr>
+          <p:cNvSpPr>
+            <a:spLocks noGrp="1"/>
+          </p:cNvSpPr>
+          <p:nvPr>
+            <p:ph type="title"/>
+          </p:nvPr>
+        </p:nvSpPr>
+        <p:spPr>
+          <a:xfrm>
+            <a:off x="1069928" y="1006404"/>
+            <a:ext cx="4184101" cy="2577893"/>
+          </a:xfrm>
+        </p:spPr>
+        <p:txBody>
+          <a:bodyPr vert="horz" lIns="91440" tIns="45720" rIns="91440" bIns="45720" rtlCol="0" anchor="b">
+            <a:normAutofit/>
+          </a:bodyPr>
+          <a:lstStyle/>
+          <a:p>
+            <a:pPr algn="ctr"/>
+            <a:r>
+              <a:rPr lang="en-US" sz="3400" b="1" cap="all" spc="1500" dirty="0">
+                <a:ea typeface="Source Sans Pro SemiBold" panose="020B0603030403020204" pitchFamily="34" charset="0"/>
+              </a:rPr>
+              <a:t>Deceptive Robots Rushing for Rubies</a:t>
+            </a:r>
           </a:p>
         </p:txBody>
       </p:sp>
@@ -11069,7 +12320,7 @@
             </a:pPr>
             <a:r>
               <a:rPr lang="en-US" dirty="0"/>
-              <a:t>Go, shuttle, go!</a:t>
+              <a:t>Get that treasure!</a:t>
             </a:r>
             <a:br>
               <a:rPr lang="en-US" dirty="0"/>
@@ -11083,7 +12334,7 @@
             </a:pPr>
             <a:r>
               <a:rPr lang="en-US" dirty="0"/>
-              <a:t>Round and round we go.</a:t>
+              <a:t>Who’s got it?</a:t>
             </a:r>
             <a:br>
               <a:rPr lang="en-US" dirty="0"/>
@@ -11097,7 +12348,15 @@
             </a:pPr>
             <a:r>
               <a:rPr lang="en-US" dirty="0"/>
-              <a:t>Start, stop, crash!</a:t>
+              <a:t>Nosy </a:t>
+            </a:r>
+            <a:r>
+              <a:rPr lang="en-US" dirty="0" err="1"/>
+              <a:t>neighbours</a:t>
+            </a:r>
+            <a:r>
+              <a:rPr lang="en-US" dirty="0"/>
+              <a:t>.</a:t>
             </a:r>
             <a:br>
               <a:rPr lang="en-US" dirty="0"/>
@@ -11111,7 +12370,7 @@
             </a:pPr>
             <a:r>
               <a:rPr lang="en-US" dirty="0"/>
-              <a:t>Rules of the road.</a:t>
+              <a:t>The art of suspicion.</a:t>
             </a:r>
             <a:br>
               <a:rPr lang="en-US" dirty="0"/>
@@ -11125,15 +12384,7 @@
             </a:pPr>
             <a:r>
               <a:rPr lang="en-US" dirty="0"/>
-              <a:t>Bring ‘</a:t>
-            </a:r>
-            <a:r>
-              <a:rPr lang="en-US" dirty="0" err="1"/>
-              <a:t>em</a:t>
-            </a:r>
-            <a:r>
-              <a:rPr lang="en-US" dirty="0"/>
-              <a:t> all home.</a:t>
+              <a:t>The perfect logician.</a:t>
             </a:r>
           </a:p>
         </p:txBody>
@@ -11208,7 +12459,7 @@
         </p:spPr>
         <p:txBody>
           <a:bodyPr>
-            <a:normAutofit fontScale="92500" lnSpcReduction="10000"/>
+            <a:normAutofit/>
           </a:bodyPr>
           <a:lstStyle/>
           <a:p>
@@ -11269,11 +12520,19 @@
                   <a:schemeClr val="accent3"/>
                 </a:solidFill>
               </a:rPr>
-              <a:t>locatable</a:t>
+              <a:t>loc</a:t>
             </a:r>
             <a:r>
               <a:rPr b="0" dirty="0"/>
               <a:t>, </a:t>
+            </a:r>
+            <a:r>
+              <a:rPr lang="en-US" b="1" dirty="0">
+                <a:solidFill>
+                  <a:schemeClr val="accent3"/>
+                </a:solidFill>
+              </a:rPr>
+              <a:t>agent</a:t>
             </a:r>
             <a:r>
               <a:rPr lang="en-US" b="0" dirty="0">
@@ -11281,31 +12540,7 @@
                   <a:schemeClr val="accent3"/>
                 </a:solidFill>
               </a:rPr>
-              <a:t>circuit</a:t>
-            </a:r>
-            <a:r>
-              <a:rPr lang="en-CA" b="0" dirty="0"/>
-              <a:t>, </a:t>
-            </a:r>
-            <a:r>
-              <a:rPr lang="en-US" b="0" dirty="0">
-                <a:solidFill>
-                  <a:schemeClr val="accent3"/>
-                </a:solidFill>
-              </a:rPr>
-              <a:t>shuttle</a:t>
-            </a:r>
-            <a:r>
-              <a:rPr lang="en-CA" b="0" dirty="0"/>
-              <a:t>, </a:t>
-            </a:r>
-            <a:r>
-              <a:rPr lang="en-US" b="0" dirty="0">
-                <a:solidFill>
-                  <a:schemeClr val="accent3"/>
-                </a:solidFill>
-              </a:rPr>
-              <a:t>person</a:t>
+              <a:t>*</a:t>
             </a:r>
             <a:endParaRPr lang="fr-FR" b="0" dirty="0">
               <a:solidFill>
@@ -11334,11 +12569,27 @@
                   <a:schemeClr val="accent2"/>
                 </a:solidFill>
               </a:rPr>
-              <a:t>at-intersection</a:t>
+              <a:t>has-</a:t>
+            </a:r>
+            <a:r>
+              <a:rPr lang="fr-FR" b="0" dirty="0" err="1">
+                <a:solidFill>
+                  <a:schemeClr val="accent2"/>
+                </a:solidFill>
+              </a:rPr>
+              <a:t>treasure</a:t>
             </a:r>
             <a:r>
               <a:rPr lang="fr-FR" b="0" dirty="0"/>
               <a:t>, </a:t>
+            </a:r>
+            <a:r>
+              <a:rPr lang="fr-FR" b="0" dirty="0" err="1">
+                <a:solidFill>
+                  <a:schemeClr val="accent2"/>
+                </a:solidFill>
+              </a:rPr>
+              <a:t>treasure</a:t>
             </a:r>
             <a:r>
               <a:rPr lang="fr-FR" b="0" dirty="0">
@@ -11346,7 +12597,19 @@
                   <a:schemeClr val="accent2"/>
                 </a:solidFill>
               </a:rPr>
-              <a:t>on</a:t>
+              <a:t>-at</a:t>
+            </a:r>
+            <a:r>
+              <a:rPr lang="fr-FR" b="0" dirty="0"/>
+              <a:t>, </a:t>
+            </a:r>
+            <a:r>
+              <a:rPr lang="fr-FR" b="0" dirty="0">
+                <a:solidFill>
+                  <a:schemeClr val="accent2"/>
+                </a:solidFill>
+              </a:rPr>
+              <a:t>at</a:t>
             </a:r>
             <a:r>
               <a:rPr lang="fr-FR" b="0" dirty="0"/>
@@ -11358,31 +12621,7 @@
                   <a:schemeClr val="accent2"/>
                 </a:solidFill>
               </a:rPr>
-              <a:t>driving</a:t>
-            </a:r>
-            <a:r>
-              <a:rPr lang="fr-FR" b="0" dirty="0"/>
-              <a:t>, </a:t>
-            </a:r>
-            <a:r>
-              <a:rPr lang="fr-FR" b="0" dirty="0" err="1">
-                <a:solidFill>
-                  <a:schemeClr val="accent2"/>
-                </a:solidFill>
-              </a:rPr>
-              <a:t>served</a:t>
-            </a:r>
-            <a:r>
-              <a:rPr lang="fr-FR" b="0" dirty="0"/>
-              <a:t>, </a:t>
-            </a:r>
-            <a:r>
-              <a:rPr lang="fr-FR" b="0" dirty="0" err="1">
-                <a:solidFill>
-                  <a:schemeClr val="accent2"/>
-                </a:solidFill>
-              </a:rPr>
-              <a:t>crashed</a:t>
+              <a:t>connected</a:t>
             </a:r>
             <a:r>
               <a:rPr lang="fr-FR" b="0" dirty="0"/>
@@ -11423,7 +12662,7 @@
                   <a:schemeClr val="accent4"/>
                 </a:solidFill>
               </a:rPr>
-              <a:t>start</a:t>
+              <a:t>move</a:t>
             </a:r>
             <a:r>
               <a:rPr b="0" dirty="0"/>
@@ -11435,7 +12674,7 @@
                   <a:schemeClr val="accent4"/>
                 </a:solidFill>
               </a:rPr>
-              <a:t>stop</a:t>
+              <a:t>take</a:t>
             </a:r>
             <a:r>
               <a:rPr lang="en-CA" b="0" dirty="0"/>
@@ -11447,19 +12686,19 @@
                   <a:schemeClr val="accent4"/>
                 </a:solidFill>
               </a:rPr>
-              <a:t>board</a:t>
+              <a:t>drop</a:t>
             </a:r>
             <a:r>
               <a:rPr b="0" dirty="0"/>
               <a:t>, </a:t>
             </a:r>
             <a:r>
-              <a:rPr lang="en-US" b="0" dirty="0" err="1">
+              <a:rPr lang="en-US" b="0" dirty="0">
                 <a:solidFill>
                   <a:schemeClr val="accent4"/>
                 </a:solidFill>
               </a:rPr>
-              <a:t>unboard</a:t>
+              <a:t>ask</a:t>
             </a:r>
             <a:r>
               <a:rPr lang="en-CA" b="0" dirty="0"/>
@@ -11471,7 +12710,7 @@
                   <a:schemeClr val="accent4"/>
                 </a:solidFill>
               </a:rPr>
-              <a:t>serve</a:t>
+              <a:t>infer</a:t>
             </a:r>
             <a:r>
               <a:rPr lang="en-CA" b="0" dirty="0"/>
@@ -11484,114 +12723,6 @@
                 </a:solidFill>
               </a:rPr>
               <a:t>…</a:t>
-            </a:r>
-          </a:p>
-          <a:p>
-            <a:pPr>
-              <a:defRPr b="1"/>
-            </a:pPr>
-            <a:r>
-              <a:rPr lang="en-US" dirty="0"/>
-              <a:t>Events</a:t>
-            </a:r>
-            <a:r>
-              <a:rPr lang="en-US" b="0" dirty="0"/>
-              <a:t>: </a:t>
-            </a:r>
-            <a:r>
-              <a:rPr lang="en-US" b="0" dirty="0">
-                <a:solidFill>
-                  <a:schemeClr val="accent1"/>
-                </a:solidFill>
-              </a:rPr>
-              <a:t>loop</a:t>
-            </a:r>
-            <a:r>
-              <a:rPr lang="en-US" b="0" dirty="0"/>
-              <a:t>, </a:t>
-            </a:r>
-            <a:r>
-              <a:rPr lang="en-US" b="0" dirty="0">
-                <a:solidFill>
-                  <a:schemeClr val="accent1"/>
-                </a:solidFill>
-              </a:rPr>
-              <a:t>crash</a:t>
-            </a:r>
-            <a:r>
-              <a:rPr lang="en-US" b="0" dirty="0"/>
-              <a:t>, </a:t>
-            </a:r>
-            <a:r>
-              <a:rPr lang="en-US" b="0" dirty="0">
-                <a:solidFill>
-                  <a:schemeClr val="accent1"/>
-                </a:solidFill>
-              </a:rPr>
-              <a:t>light-change</a:t>
-            </a:r>
-            <a:r>
-              <a:rPr lang="en-US" b="0" dirty="0"/>
-              <a:t>, …</a:t>
-            </a:r>
-            <a:endParaRPr lang="en-US" dirty="0">
-              <a:solidFill>
-                <a:schemeClr val="accent4"/>
-              </a:solidFill>
-            </a:endParaRPr>
-          </a:p>
-          <a:p>
-            <a:pPr>
-              <a:defRPr b="1"/>
-            </a:pPr>
-            <a:r>
-              <a:rPr lang="en-US" dirty="0"/>
-              <a:t>Processes</a:t>
-            </a:r>
-            <a:r>
-              <a:rPr lang="en-US" b="0" dirty="0"/>
-              <a:t>: </a:t>
-            </a:r>
-            <a:r>
-              <a:rPr lang="en-US" b="0" dirty="0">
-                <a:solidFill>
-                  <a:schemeClr val="accent6">
-                    <a:lumMod val="60000"/>
-                    <a:lumOff val="40000"/>
-                  </a:schemeClr>
-                </a:solidFill>
-              </a:rPr>
-              <a:t>light-timer</a:t>
-            </a:r>
-            <a:r>
-              <a:rPr lang="en-US" b="0" dirty="0"/>
-              <a:t>, </a:t>
-            </a:r>
-            <a:r>
-              <a:rPr lang="en-US" b="0" dirty="0">
-                <a:solidFill>
-                  <a:schemeClr val="accent6">
-                    <a:lumMod val="60000"/>
-                    <a:lumOff val="40000"/>
-                  </a:schemeClr>
-                </a:solidFill>
-              </a:rPr>
-              <a:t>idle-timer</a:t>
-            </a:r>
-            <a:r>
-              <a:rPr lang="en-US" b="0" dirty="0"/>
-              <a:t>, </a:t>
-            </a:r>
-            <a:r>
-              <a:rPr lang="en-US" b="0" dirty="0">
-                <a:solidFill>
-                  <a:schemeClr val="accent6">
-                    <a:lumMod val="60000"/>
-                    <a:lumOff val="40000"/>
-                  </a:schemeClr>
-                </a:solidFill>
-              </a:rPr>
-              <a:t>drive</a:t>
             </a:r>
             <a:endParaRPr lang="en-US" dirty="0">
               <a:solidFill>
@@ -11610,18 +12741,13 @@
               <a:defRPr b="1"/>
             </a:pPr>
             <a:r>
-              <a:rPr dirty="0"/>
+              <a:rPr lang="en-US" dirty="0"/>
               <a:t>Initial State / Goal</a:t>
             </a:r>
             <a:r>
-              <a:rPr b="0" dirty="0"/>
-              <a:t>: </a:t>
-            </a:r>
-            <a:r>
               <a:rPr lang="en-US" b="0" dirty="0"/>
-              <a:t>Everything located where it should be</a:t>
-            </a:r>
-            <a:endParaRPr b="0" dirty="0"/>
+              <a:t>: Initial belief, and goal of deception</a:t>
+            </a:r>
           </a:p>
         </p:txBody>
       </p:sp>
@@ -11665,7 +12791,7 @@
         </p:nvSpPr>
         <p:spPr>
           <a:xfrm>
-            <a:off x="5777643" y="3136612"/>
+            <a:off x="5674222" y="4864852"/>
             <a:ext cx="636713" cy="584775"/>
           </a:xfrm>
           <a:prstGeom prst="rect">
@@ -11707,7 +12833,7 @@
         </p:nvSpPr>
         <p:spPr>
           <a:xfrm>
-            <a:off x="7332763" y="4184683"/>
+            <a:off x="5674224" y="3220942"/>
             <a:ext cx="636713" cy="584775"/>
           </a:xfrm>
           <a:prstGeom prst="rect">
@@ -11726,7 +12852,7 @@
                 <a:latin typeface="Consolas" panose="020B0609020204030204" pitchFamily="49" charset="0"/>
                 <a:cs typeface="Aharoni" panose="020B0604020202020204" pitchFamily="2" charset="-79"/>
               </a:rPr>
-              <a:t>l5</a:t>
+              <a:t>l0</a:t>
             </a:r>
             <a:endParaRPr lang="en-CA" sz="3200" b="1" dirty="0">
               <a:latin typeface="Consolas" panose="020B0609020204030204" pitchFamily="49" charset="0"/>
@@ -11749,7 +12875,7 @@
         </p:nvSpPr>
         <p:spPr>
           <a:xfrm>
-            <a:off x="7332764" y="2088542"/>
+            <a:off x="7367927" y="3220940"/>
             <a:ext cx="636713" cy="584775"/>
           </a:xfrm>
           <a:prstGeom prst="rect">
@@ -11791,7 +12917,7 @@
         </p:nvSpPr>
         <p:spPr>
           <a:xfrm>
-            <a:off x="3904168" y="2088542"/>
+            <a:off x="4054072" y="3220941"/>
             <a:ext cx="636713" cy="584775"/>
           </a:xfrm>
           <a:prstGeom prst="rect">
@@ -11833,7 +12959,7 @@
         </p:nvSpPr>
         <p:spPr>
           <a:xfrm>
-            <a:off x="3904168" y="4184684"/>
+            <a:off x="5674222" y="1753261"/>
             <a:ext cx="636713" cy="584775"/>
           </a:xfrm>
           <a:prstGeom prst="rect">
@@ -11863,27 +12989,29 @@
       </p:sp>
       <p:cxnSp>
         <p:nvCxnSpPr>
-          <p:cNvPr id="10" name="Connector: Curved 9">
+          <p:cNvPr id="11" name="Connector: Curved 10">
             <a:extLst>
               <a:ext uri="{FF2B5EF4-FFF2-40B4-BE49-F238E27FC236}">
-                <a16:creationId xmlns:a16="http://schemas.microsoft.com/office/drawing/2014/main" id="{CBCE71C7-32D6-E752-98C0-7C75681D5AA0}"/>
+                <a16:creationId xmlns:a16="http://schemas.microsoft.com/office/drawing/2014/main" id="{F703C8DD-BCFF-1F14-BB71-72DA209FE0BD}"/>
               </a:ext>
             </a:extLst>
           </p:cNvPr>
           <p:cNvCxnSpPr>
             <a:cxnSpLocks/>
-            <a:stCxn id="4" idx="0"/>
-            <a:endCxn id="7" idx="3"/>
+            <a:stCxn id="7" idx="3"/>
+            <a:endCxn id="5" idx="1"/>
           </p:cNvCxnSpPr>
           <p:nvPr/>
         </p:nvCxnSpPr>
         <p:spPr>
-          <a:xfrm rot="16200000" flipV="1">
-            <a:off x="4940600" y="1981211"/>
-            <a:ext cx="755682" cy="1555119"/>
+          <a:xfrm>
+            <a:off x="4690785" y="3513329"/>
+            <a:ext cx="983439" cy="1"/>
           </a:xfrm>
-          <a:prstGeom prst="curvedConnector2">
-            <a:avLst/>
+          <a:prstGeom prst="curvedConnector3">
+            <a:avLst>
+              <a:gd name="adj1" fmla="val 50000"/>
+            </a:avLst>
           </a:prstGeom>
           <a:ln w="57150">
             <a:solidFill>
@@ -11891,103 +13019,8 @@
                 <a:lumMod val="90000"/>
               </a:schemeClr>
             </a:solidFill>
-            <a:tailEnd type="triangle"/>
-          </a:ln>
-        </p:spPr>
-        <p:style>
-          <a:lnRef idx="1">
-            <a:schemeClr val="accent1"/>
-          </a:lnRef>
-          <a:fillRef idx="0">
-            <a:schemeClr val="accent1"/>
-          </a:fillRef>
-          <a:effectRef idx="0">
-            <a:schemeClr val="accent1"/>
-          </a:effectRef>
-          <a:fontRef idx="minor">
-            <a:schemeClr val="tx1"/>
-          </a:fontRef>
-        </p:style>
-      </p:cxnSp>
-      <p:cxnSp>
-        <p:nvCxnSpPr>
-          <p:cNvPr id="11" name="Connector: Curved 10">
-            <a:extLst>
-              <a:ext uri="{FF2B5EF4-FFF2-40B4-BE49-F238E27FC236}">
-                <a16:creationId xmlns:a16="http://schemas.microsoft.com/office/drawing/2014/main" id="{F703C8DD-BCFF-1F14-BB71-72DA209FE0BD}"/>
-              </a:ext>
-            </a:extLst>
-          </p:cNvPr>
-          <p:cNvCxnSpPr>
-            <a:cxnSpLocks/>
-            <a:stCxn id="7" idx="2"/>
-            <a:endCxn id="8" idx="0"/>
-          </p:cNvCxnSpPr>
-          <p:nvPr/>
-        </p:nvCxnSpPr>
-        <p:spPr>
-          <a:xfrm rot="5400000">
-            <a:off x="3466842" y="3429000"/>
-            <a:ext cx="1511367" cy="12700"/>
-          </a:xfrm>
-          <a:prstGeom prst="curvedConnector3">
-            <a:avLst/>
-          </a:prstGeom>
-          <a:ln w="57150">
-            <a:solidFill>
-              <a:schemeClr val="tx2">
-                <a:lumMod val="90000"/>
-              </a:schemeClr>
-            </a:solidFill>
-            <a:tailEnd type="triangle"/>
-          </a:ln>
-        </p:spPr>
-        <p:style>
-          <a:lnRef idx="1">
-            <a:schemeClr val="accent1"/>
-          </a:lnRef>
-          <a:fillRef idx="0">
-            <a:schemeClr val="accent1"/>
-          </a:fillRef>
-          <a:effectRef idx="0">
-            <a:schemeClr val="accent1"/>
-          </a:effectRef>
-          <a:fontRef idx="minor">
-            <a:schemeClr val="tx1"/>
-          </a:fontRef>
-        </p:style>
-      </p:cxnSp>
-      <p:cxnSp>
-        <p:nvCxnSpPr>
-          <p:cNvPr id="12" name="Connector: Curved 11">
-            <a:extLst>
-              <a:ext uri="{FF2B5EF4-FFF2-40B4-BE49-F238E27FC236}">
-                <a16:creationId xmlns:a16="http://schemas.microsoft.com/office/drawing/2014/main" id="{5014F027-4B8B-F6A1-93E9-11707228A624}"/>
-              </a:ext>
-            </a:extLst>
-          </p:cNvPr>
-          <p:cNvCxnSpPr>
-            <a:cxnSpLocks/>
-            <a:stCxn id="5" idx="1"/>
-            <a:endCxn id="4" idx="2"/>
-          </p:cNvCxnSpPr>
-          <p:nvPr/>
-        </p:nvCxnSpPr>
-        <p:spPr>
-          <a:xfrm rot="10800000">
-            <a:off x="6096001" y="3721387"/>
-            <a:ext cx="1236763" cy="755684"/>
-          </a:xfrm>
-          <a:prstGeom prst="curvedConnector2">
-            <a:avLst/>
-          </a:prstGeom>
-          <a:ln w="57150">
-            <a:solidFill>
-              <a:schemeClr val="tx2">
-                <a:lumMod val="90000"/>
-              </a:schemeClr>
-            </a:solidFill>
-            <a:tailEnd type="triangle"/>
+            <a:headEnd type="triangle" w="med" len="med"/>
+            <a:tailEnd type="triangle" w="med" len="med"/>
           </a:ln>
         </p:spPr>
         <p:style>
@@ -12016,15 +13049,15 @@
           </p:cNvPr>
           <p:cNvCxnSpPr>
             <a:cxnSpLocks/>
-            <a:stCxn id="6" idx="2"/>
-            <a:endCxn id="5" idx="0"/>
+            <a:stCxn id="6" idx="1"/>
+            <a:endCxn id="5" idx="3"/>
           </p:cNvCxnSpPr>
           <p:nvPr/>
         </p:nvCxnSpPr>
         <p:spPr>
-          <a:xfrm rot="5400000">
-            <a:off x="6895438" y="3429000"/>
-            <a:ext cx="1511366" cy="1"/>
+          <a:xfrm rot="10800000" flipV="1">
+            <a:off x="6310937" y="3513328"/>
+            <a:ext cx="1056990" cy="2"/>
           </a:xfrm>
           <a:prstGeom prst="curvedConnector3">
             <a:avLst>
@@ -12037,7 +13070,8 @@
                 <a:lumMod val="90000"/>
               </a:schemeClr>
             </a:solidFill>
-            <a:tailEnd type="triangle"/>
+            <a:headEnd type="triangle" w="med" len="med"/>
+            <a:tailEnd type="triangle" w="med" len="med"/>
           </a:ln>
         </p:spPr>
         <p:style>
@@ -12067,17 +13101,19 @@
           <p:cNvCxnSpPr>
             <a:cxnSpLocks/>
             <a:stCxn id="4" idx="0"/>
-            <a:endCxn id="6" idx="1"/>
+            <a:endCxn id="5" idx="2"/>
           </p:cNvCxnSpPr>
           <p:nvPr/>
         </p:nvCxnSpPr>
         <p:spPr>
           <a:xfrm rot="5400000" flipH="1" flipV="1">
-            <a:off x="6336541" y="2140389"/>
-            <a:ext cx="755682" cy="1236764"/>
+            <a:off x="5463013" y="4335284"/>
+            <a:ext cx="1059135" cy="2"/>
           </a:xfrm>
-          <a:prstGeom prst="curvedConnector2">
-            <a:avLst/>
+          <a:prstGeom prst="curvedConnector3">
+            <a:avLst>
+              <a:gd name="adj1" fmla="val 50000"/>
+            </a:avLst>
           </a:prstGeom>
           <a:ln w="57150">
             <a:solidFill>
@@ -12085,7 +13121,8 @@
                 <a:lumMod val="90000"/>
               </a:schemeClr>
             </a:solidFill>
-            <a:tailEnd type="triangle"/>
+            <a:headEnd type="triangle" w="med" len="med"/>
+            <a:tailEnd type="triangle" w="med" len="med"/>
           </a:ln>
         </p:spPr>
         <p:style>
@@ -12114,18 +13151,20 @@
           </p:cNvPr>
           <p:cNvCxnSpPr>
             <a:cxnSpLocks/>
-            <a:stCxn id="8" idx="3"/>
-            <a:endCxn id="4" idx="2"/>
+            <a:stCxn id="8" idx="2"/>
+            <a:endCxn id="5" idx="0"/>
           </p:cNvCxnSpPr>
           <p:nvPr/>
         </p:nvCxnSpPr>
         <p:spPr>
-          <a:xfrm flipV="1">
-            <a:off x="4540881" y="3721387"/>
-            <a:ext cx="1555119" cy="755685"/>
+          <a:xfrm rot="16200000" flipH="1">
+            <a:off x="5551127" y="2779488"/>
+            <a:ext cx="882906" cy="2"/>
           </a:xfrm>
-          <a:prstGeom prst="curvedConnector2">
-            <a:avLst/>
+          <a:prstGeom prst="curvedConnector3">
+            <a:avLst>
+              <a:gd name="adj1" fmla="val 50000"/>
+            </a:avLst>
           </a:prstGeom>
           <a:ln w="57150">
             <a:solidFill>
@@ -12133,7 +13172,8 @@
                 <a:lumMod val="90000"/>
               </a:schemeClr>
             </a:solidFill>
-            <a:tailEnd type="triangle"/>
+            <a:headEnd type="triangle" w="med" len="med"/>
+            <a:tailEnd type="triangle" w="med" len="med"/>
           </a:ln>
         </p:spPr>
         <p:style>
@@ -12153,10 +13193,10 @@
       </p:cxnSp>
       <p:pic>
         <p:nvPicPr>
-          <p:cNvPr id="9" name="Graphic 8">
+          <p:cNvPr id="20" name="Graphic 19">
             <a:extLst>
               <a:ext uri="{FF2B5EF4-FFF2-40B4-BE49-F238E27FC236}">
-                <a16:creationId xmlns:a16="http://schemas.microsoft.com/office/drawing/2014/main" id="{286439E9-D16F-3552-36B4-307E7AF4455A}"/>
+                <a16:creationId xmlns:a16="http://schemas.microsoft.com/office/drawing/2014/main" id="{1733C52A-0358-20EA-6BA7-40B0F88A2118}"/>
               </a:ext>
             </a:extLst>
           </p:cNvPr>
@@ -12182,163 +13222,7 @@
         </p:blipFill>
         <p:spPr>
           <a:xfrm>
-            <a:off x="5206364" y="2921362"/>
-            <a:ext cx="593092" cy="593092"/>
-          </a:xfrm>
-          <a:prstGeom prst="rect">
-            <a:avLst/>
-          </a:prstGeom>
-        </p:spPr>
-      </p:pic>
-      <p:pic>
-        <p:nvPicPr>
-          <p:cNvPr id="16" name="Graphic 15">
-            <a:extLst>
-              <a:ext uri="{FF2B5EF4-FFF2-40B4-BE49-F238E27FC236}">
-                <a16:creationId xmlns:a16="http://schemas.microsoft.com/office/drawing/2014/main" id="{4A5D7947-EDFB-C212-2F80-6D7DC6ED85AC}"/>
-              </a:ext>
-            </a:extLst>
-          </p:cNvPr>
-          <p:cNvPicPr>
-            <a:picLocks noChangeAspect="1"/>
-          </p:cNvPicPr>
-          <p:nvPr/>
-        </p:nvPicPr>
-        <p:blipFill>
-          <a:blip r:embed="rId2">
-            <a:extLst>
-              <a:ext uri="{28A0092B-C50C-407E-A947-70E740481C1C}">
-                <a14:useLocalDpi xmlns:a14="http://schemas.microsoft.com/office/drawing/2010/main" val="0"/>
-              </a:ext>
-              <a:ext uri="{96DAC541-7B7A-43D3-8B79-37D633B846F1}">
-                <asvg:svgBlip xmlns:asvg="http://schemas.microsoft.com/office/drawing/2016/SVG/main" r:embed="rId3"/>
-              </a:ext>
-            </a:extLst>
-          </a:blip>
-          <a:stretch>
-            <a:fillRect/>
-          </a:stretch>
-        </p:blipFill>
-        <p:spPr>
-          <a:xfrm>
-            <a:off x="7856158" y="1625247"/>
-            <a:ext cx="593092" cy="593092"/>
-          </a:xfrm>
-          <a:prstGeom prst="rect">
-            <a:avLst/>
-          </a:prstGeom>
-        </p:spPr>
-      </p:pic>
-      <p:pic>
-        <p:nvPicPr>
-          <p:cNvPr id="18" name="Graphic 17">
-            <a:extLst>
-              <a:ext uri="{FF2B5EF4-FFF2-40B4-BE49-F238E27FC236}">
-                <a16:creationId xmlns:a16="http://schemas.microsoft.com/office/drawing/2014/main" id="{B7FA8230-4EE7-F1D2-3A3B-3724F13E50D2}"/>
-              </a:ext>
-            </a:extLst>
-          </p:cNvPr>
-          <p:cNvPicPr>
-            <a:picLocks noChangeAspect="1"/>
-          </p:cNvPicPr>
-          <p:nvPr/>
-        </p:nvPicPr>
-        <p:blipFill>
-          <a:blip r:embed="rId4">
-            <a:extLst>
-              <a:ext uri="{28A0092B-C50C-407E-A947-70E740481C1C}">
-                <a14:useLocalDpi xmlns:a14="http://schemas.microsoft.com/office/drawing/2010/main" val="0"/>
-              </a:ext>
-              <a:ext uri="{96DAC541-7B7A-43D3-8B79-37D633B846F1}">
-                <asvg:svgBlip xmlns:asvg="http://schemas.microsoft.com/office/drawing/2016/SVG/main" r:embed="rId5"/>
-              </a:ext>
-            </a:extLst>
-          </a:blip>
-          <a:stretch>
-            <a:fillRect/>
-          </a:stretch>
-        </p:blipFill>
-        <p:spPr>
-          <a:xfrm>
-            <a:off x="3671226" y="1732055"/>
-            <a:ext cx="379476" cy="379476"/>
-          </a:xfrm>
-          <a:prstGeom prst="rect">
-            <a:avLst/>
-          </a:prstGeom>
-        </p:spPr>
-      </p:pic>
-      <p:pic>
-        <p:nvPicPr>
-          <p:cNvPr id="19" name="Graphic 18">
-            <a:extLst>
-              <a:ext uri="{FF2B5EF4-FFF2-40B4-BE49-F238E27FC236}">
-                <a16:creationId xmlns:a16="http://schemas.microsoft.com/office/drawing/2014/main" id="{519157AC-7A45-21A6-5C13-7F3A9FA06132}"/>
-              </a:ext>
-            </a:extLst>
-          </p:cNvPr>
-          <p:cNvPicPr>
-            <a:picLocks noChangeAspect="1"/>
-          </p:cNvPicPr>
-          <p:nvPr/>
-        </p:nvPicPr>
-        <p:blipFill>
-          <a:blip r:embed="rId4">
-            <a:extLst>
-              <a:ext uri="{28A0092B-C50C-407E-A947-70E740481C1C}">
-                <a14:useLocalDpi xmlns:a14="http://schemas.microsoft.com/office/drawing/2010/main" val="0"/>
-              </a:ext>
-              <a:ext uri="{96DAC541-7B7A-43D3-8B79-37D633B846F1}">
-                <asvg:svgBlip xmlns:asvg="http://schemas.microsoft.com/office/drawing/2016/SVG/main" r:embed="rId5"/>
-              </a:ext>
-            </a:extLst>
-          </a:blip>
-          <a:stretch>
-            <a:fillRect/>
-          </a:stretch>
-        </p:blipFill>
-        <p:spPr>
-          <a:xfrm>
-            <a:off x="3956367" y="1625247"/>
-            <a:ext cx="379476" cy="379476"/>
-          </a:xfrm>
-          <a:prstGeom prst="rect">
-            <a:avLst/>
-          </a:prstGeom>
-        </p:spPr>
-      </p:pic>
-      <p:pic>
-        <p:nvPicPr>
-          <p:cNvPr id="20" name="Graphic 19">
-            <a:extLst>
-              <a:ext uri="{FF2B5EF4-FFF2-40B4-BE49-F238E27FC236}">
-                <a16:creationId xmlns:a16="http://schemas.microsoft.com/office/drawing/2014/main" id="{1733C52A-0358-20EA-6BA7-40B0F88A2118}"/>
-              </a:ext>
-            </a:extLst>
-          </p:cNvPr>
-          <p:cNvPicPr>
-            <a:picLocks noChangeAspect="1"/>
-          </p:cNvPicPr>
-          <p:nvPr/>
-        </p:nvPicPr>
-        <p:blipFill>
-          <a:blip r:embed="rId4">
-            <a:extLst>
-              <a:ext uri="{28A0092B-C50C-407E-A947-70E740481C1C}">
-                <a14:useLocalDpi xmlns:a14="http://schemas.microsoft.com/office/drawing/2010/main" val="0"/>
-              </a:ext>
-              <a:ext uri="{96DAC541-7B7A-43D3-8B79-37D633B846F1}">
-                <asvg:svgBlip xmlns:asvg="http://schemas.microsoft.com/office/drawing/2016/SVG/main" r:embed="rId5"/>
-              </a:ext>
-            </a:extLst>
-          </a:blip>
-          <a:stretch>
-            <a:fillRect/>
-          </a:stretch>
-        </p:blipFill>
-        <p:spPr>
-          <a:xfrm>
-            <a:off x="7186647" y="1796155"/>
+            <a:off x="6060080" y="2945751"/>
             <a:ext cx="379476" cy="379476"/>
           </a:xfrm>
           <a:prstGeom prst="rect">
@@ -12361,13 +13245,13 @@
           <p:nvPr/>
         </p:nvPicPr>
         <p:blipFill>
-          <a:blip r:embed="rId4">
+          <a:blip r:embed="rId2">
             <a:extLst>
               <a:ext uri="{28A0092B-C50C-407E-A947-70E740481C1C}">
                 <a14:useLocalDpi xmlns:a14="http://schemas.microsoft.com/office/drawing/2010/main" val="0"/>
               </a:ext>
               <a:ext uri="{96DAC541-7B7A-43D3-8B79-37D633B846F1}">
-                <asvg:svgBlip xmlns:asvg="http://schemas.microsoft.com/office/drawing/2016/SVG/main" r:embed="rId5"/>
+                <asvg:svgBlip xmlns:asvg="http://schemas.microsoft.com/office/drawing/2016/SVG/main" r:embed="rId3"/>
               </a:ext>
             </a:extLst>
           </a:blip>
@@ -12377,7 +13261,7 @@
         </p:blipFill>
         <p:spPr>
           <a:xfrm>
-            <a:off x="7773228" y="4579721"/>
+            <a:off x="6108318" y="3665056"/>
             <a:ext cx="379476" cy="379476"/>
           </a:xfrm>
           <a:prstGeom prst="rect">
@@ -12400,13 +13284,13 @@
           <p:nvPr/>
         </p:nvPicPr>
         <p:blipFill>
-          <a:blip r:embed="rId4">
+          <a:blip r:embed="rId2">
             <a:extLst>
               <a:ext uri="{28A0092B-C50C-407E-A947-70E740481C1C}">
                 <a14:useLocalDpi xmlns:a14="http://schemas.microsoft.com/office/drawing/2010/main" val="0"/>
               </a:ext>
               <a:ext uri="{96DAC541-7B7A-43D3-8B79-37D633B846F1}">
-                <asvg:svgBlip xmlns:asvg="http://schemas.microsoft.com/office/drawing/2016/SVG/main" r:embed="rId5"/>
+                <asvg:svgBlip xmlns:asvg="http://schemas.microsoft.com/office/drawing/2016/SVG/main" r:embed="rId3"/>
               </a:ext>
             </a:extLst>
           </a:blip>
@@ -12416,7 +13300,7 @@
         </p:blipFill>
         <p:spPr>
           <a:xfrm>
-            <a:off x="3714429" y="4675486"/>
+            <a:off x="5484484" y="2945751"/>
             <a:ext cx="379476" cy="379476"/>
           </a:xfrm>
           <a:prstGeom prst="rect">
@@ -12426,10 +13310,10 @@
       </p:pic>
       <p:pic>
         <p:nvPicPr>
-          <p:cNvPr id="24" name="Graphic 23">
+          <p:cNvPr id="44" name="Graphic 43">
             <a:extLst>
               <a:ext uri="{FF2B5EF4-FFF2-40B4-BE49-F238E27FC236}">
-                <a16:creationId xmlns:a16="http://schemas.microsoft.com/office/drawing/2014/main" id="{13F17CE6-1EB0-11AF-578B-F3D20E0D91F5}"/>
+                <a16:creationId xmlns:a16="http://schemas.microsoft.com/office/drawing/2014/main" id="{8B3CC69F-7E98-81E0-ADA3-911A4DEB1169}"/>
               </a:ext>
             </a:extLst>
           </p:cNvPr>
@@ -12439,13 +13323,13 @@
           <p:nvPr/>
         </p:nvPicPr>
         <p:blipFill>
-          <a:blip r:embed="rId6">
+          <a:blip r:embed="rId2">
             <a:extLst>
               <a:ext uri="{28A0092B-C50C-407E-A947-70E740481C1C}">
                 <a14:useLocalDpi xmlns:a14="http://schemas.microsoft.com/office/drawing/2010/main" val="0"/>
               </a:ext>
               <a:ext uri="{96DAC541-7B7A-43D3-8B79-37D633B846F1}">
-                <asvg:svgBlip xmlns:asvg="http://schemas.microsoft.com/office/drawing/2016/SVG/main" r:embed="rId7"/>
+                <asvg:svgBlip xmlns:asvg="http://schemas.microsoft.com/office/drawing/2016/SVG/main" r:embed="rId3"/>
               </a:ext>
             </a:extLst>
           </a:blip>
@@ -12455,8 +13339,47 @@
         </p:blipFill>
         <p:spPr>
           <a:xfrm>
-            <a:off x="5262455" y="3445383"/>
-            <a:ext cx="653845" cy="653845"/>
+            <a:off x="5481236" y="3628680"/>
+            <a:ext cx="379476" cy="379476"/>
+          </a:xfrm>
+          <a:prstGeom prst="rect">
+            <a:avLst/>
+          </a:prstGeom>
+        </p:spPr>
+      </p:pic>
+      <p:pic>
+        <p:nvPicPr>
+          <p:cNvPr id="46" name="Graphic 45" descr="Treasure chest with solid fill">
+            <a:extLst>
+              <a:ext uri="{FF2B5EF4-FFF2-40B4-BE49-F238E27FC236}">
+                <a16:creationId xmlns:a16="http://schemas.microsoft.com/office/drawing/2014/main" id="{4E92F9C3-FDD6-7C04-54CA-A57F3BAEB1BF}"/>
+              </a:ext>
+            </a:extLst>
+          </p:cNvPr>
+          <p:cNvPicPr>
+            <a:picLocks noChangeAspect="1"/>
+          </p:cNvPicPr>
+          <p:nvPr/>
+        </p:nvPicPr>
+        <p:blipFill>
+          <a:blip r:embed="rId4">
+            <a:extLst>
+              <a:ext uri="{28A0092B-C50C-407E-A947-70E740481C1C}">
+                <a14:useLocalDpi xmlns:a14="http://schemas.microsoft.com/office/drawing/2010/main" val="0"/>
+              </a:ext>
+              <a:ext uri="{96DAC541-7B7A-43D3-8B79-37D633B846F1}">
+                <asvg:svgBlip xmlns:asvg="http://schemas.microsoft.com/office/drawing/2016/SVG/main" r:embed="rId5"/>
+              </a:ext>
+            </a:extLst>
+          </a:blip>
+          <a:stretch>
+            <a:fillRect/>
+          </a:stretch>
+        </p:blipFill>
+        <p:spPr>
+          <a:xfrm>
+            <a:off x="7827783" y="2860045"/>
+            <a:ext cx="550888" cy="550888"/>
           </a:xfrm>
           <a:prstGeom prst="rect">
             <a:avLst/>
@@ -12478,7 +13401,7 @@
 </file>
 
 <file path=ppt/slides/slide7.xml><?xml version="1.0" encoding="utf-8"?>
-<p:sld xmlns:a="http://schemas.openxmlformats.org/drawingml/2006/main" xmlns:r="http://schemas.openxmlformats.org/officeDocument/2006/relationships" xmlns:p="http://schemas.openxmlformats.org/presentationml/2006/main">
+<p:sld xmlns:a="http://schemas.openxmlformats.org/drawingml/2006/main" xmlns:r="http://schemas.openxmlformats.org/officeDocument/2006/relationships" xmlns:p="http://schemas.openxmlformats.org/presentationml/2006/main" showMasterSp="0">
   <p:cSld>
     <p:spTree>
       <p:nvGrpSpPr>
@@ -12494,559 +13417,209 @@
           <a:chExt cx="0" cy="0"/>
         </a:xfrm>
       </p:grpSpPr>
-      <p:cxnSp>
-        <p:nvCxnSpPr>
-          <p:cNvPr id="10" name="Connector: Curved 9">
+      <p:sp>
+        <p:nvSpPr>
+          <p:cNvPr id="4" name="Title 3">
             <a:extLst>
               <a:ext uri="{FF2B5EF4-FFF2-40B4-BE49-F238E27FC236}">
-                <a16:creationId xmlns:a16="http://schemas.microsoft.com/office/drawing/2014/main" id="{CBCE71C7-32D6-E752-98C0-7C75681D5AA0}"/>
+                <a16:creationId xmlns:a16="http://schemas.microsoft.com/office/drawing/2014/main" id="{30B7E21D-5603-5750-AC1E-A363C0F5AA15}"/>
               </a:ext>
             </a:extLst>
           </p:cNvPr>
-          <p:cNvCxnSpPr>
-            <a:cxnSpLocks/>
-          </p:cNvCxnSpPr>
-          <p:nvPr/>
-        </p:nvCxnSpPr>
-        <p:spPr>
-          <a:xfrm rot="10800000" flipH="1" flipV="1">
-            <a:off x="5777642" y="3428999"/>
-            <a:ext cx="318357" cy="292387"/>
-          </a:xfrm>
-          <a:prstGeom prst="curvedConnector4">
-            <a:avLst>
-              <a:gd name="adj1" fmla="val -405981"/>
-              <a:gd name="adj2" fmla="val 527005"/>
-            </a:avLst>
-          </a:prstGeom>
-          <a:ln w="57150">
-            <a:solidFill>
-              <a:schemeClr val="tx2">
-                <a:lumMod val="90000"/>
-              </a:schemeClr>
-            </a:solidFill>
-            <a:tailEnd type="triangle"/>
-          </a:ln>
-        </p:spPr>
-        <p:style>
-          <a:lnRef idx="1">
-            <a:schemeClr val="accent1"/>
-          </a:lnRef>
-          <a:fillRef idx="0">
-            <a:schemeClr val="accent1"/>
-          </a:fillRef>
-          <a:effectRef idx="0">
-            <a:schemeClr val="accent1"/>
-          </a:effectRef>
-          <a:fontRef idx="minor">
-            <a:schemeClr val="tx1"/>
-          </a:fontRef>
-        </p:style>
-      </p:cxnSp>
-      <p:cxnSp>
-        <p:nvCxnSpPr>
-          <p:cNvPr id="14" name="Connector: Curved 13">
+          <p:cNvSpPr>
+            <a:spLocks noGrp="1"/>
+          </p:cNvSpPr>
+          <p:nvPr>
+            <p:ph type="title"/>
+          </p:nvPr>
+        </p:nvSpPr>
+        <p:spPr/>
+        <p:txBody>
+          <a:bodyPr/>
+          <a:lstStyle/>
+          <a:p>
+            <a:r>
+              <a:rPr lang="en-US" dirty="0"/>
+              <a:t>Running Tips</a:t>
+            </a:r>
+            <a:endParaRPr lang="en-CA" dirty="0"/>
+          </a:p>
+        </p:txBody>
+      </p:sp>
+      <p:sp>
+        <p:nvSpPr>
+          <p:cNvPr id="5" name="Content Placeholder 4">
             <a:extLst>
               <a:ext uri="{FF2B5EF4-FFF2-40B4-BE49-F238E27FC236}">
-                <a16:creationId xmlns:a16="http://schemas.microsoft.com/office/drawing/2014/main" id="{A5F862B4-E228-4A23-88C0-F7F0F193E1F0}"/>
+                <a16:creationId xmlns:a16="http://schemas.microsoft.com/office/drawing/2014/main" id="{DD74ED63-F4F6-B5B8-C18E-87C31016481D}"/>
               </a:ext>
             </a:extLst>
           </p:cNvPr>
-          <p:cNvCxnSpPr>
-            <a:cxnSpLocks/>
-          </p:cNvCxnSpPr>
-          <p:nvPr/>
-        </p:nvCxnSpPr>
-        <p:spPr>
-          <a:xfrm rot="16200000" flipH="1">
-            <a:off x="6108984" y="3123628"/>
-            <a:ext cx="292388" cy="318356"/>
-          </a:xfrm>
-          <a:prstGeom prst="curvedConnector4">
-            <a:avLst>
-              <a:gd name="adj1" fmla="val -402947"/>
-              <a:gd name="adj2" fmla="val 483888"/>
-            </a:avLst>
-          </a:prstGeom>
-          <a:ln w="57150">
-            <a:solidFill>
-              <a:schemeClr val="tx2">
-                <a:lumMod val="90000"/>
-              </a:schemeClr>
-            </a:solidFill>
-            <a:tailEnd type="triangle"/>
-          </a:ln>
-        </p:spPr>
-        <p:style>
-          <a:lnRef idx="1">
-            <a:schemeClr val="accent1"/>
-          </a:lnRef>
-          <a:fillRef idx="0">
-            <a:schemeClr val="accent1"/>
-          </a:fillRef>
-          <a:effectRef idx="0">
-            <a:schemeClr val="accent1"/>
-          </a:effectRef>
-          <a:fontRef idx="minor">
-            <a:schemeClr val="tx1"/>
-          </a:fontRef>
-        </p:style>
-      </p:cxnSp>
-      <p:pic>
-        <p:nvPicPr>
-          <p:cNvPr id="9" name="Graphic 8">
-            <a:extLst>
-              <a:ext uri="{FF2B5EF4-FFF2-40B4-BE49-F238E27FC236}">
-                <a16:creationId xmlns:a16="http://schemas.microsoft.com/office/drawing/2014/main" id="{286439E9-D16F-3552-36B4-307E7AF4455A}"/>
-              </a:ext>
-            </a:extLst>
-          </p:cNvPr>
-          <p:cNvPicPr>
-            <a:picLocks noChangeAspect="1"/>
-          </p:cNvPicPr>
-          <p:nvPr/>
-        </p:nvPicPr>
-        <p:blipFill>
-          <a:blip r:embed="rId2">
-            <a:extLst>
-              <a:ext uri="{28A0092B-C50C-407E-A947-70E740481C1C}">
-                <a14:useLocalDpi xmlns:a14="http://schemas.microsoft.com/office/drawing/2010/main" val="0"/>
-              </a:ext>
-              <a:ext uri="{96DAC541-7B7A-43D3-8B79-37D633B846F1}">
-                <asvg:svgBlip xmlns:asvg="http://schemas.microsoft.com/office/drawing/2016/SVG/main" r:embed="rId3"/>
-              </a:ext>
-            </a:extLst>
-          </a:blip>
-          <a:stretch>
-            <a:fillRect/>
-          </a:stretch>
-        </p:blipFill>
+          <p:cNvSpPr>
+            <a:spLocks noGrp="1"/>
+          </p:cNvSpPr>
+          <p:nvPr>
+            <p:ph idx="1"/>
+          </p:nvPr>
+        </p:nvSpPr>
         <p:spPr>
           <a:xfrm>
-            <a:off x="5038640" y="4769459"/>
-            <a:ext cx="593092" cy="593092"/>
+            <a:off x="838200" y="1825624"/>
+            <a:ext cx="10515600" cy="4858955"/>
           </a:xfrm>
-          <a:prstGeom prst="rect">
-            <a:avLst/>
-          </a:prstGeom>
         </p:spPr>
-      </p:pic>
-      <p:pic>
-        <p:nvPicPr>
-          <p:cNvPr id="16" name="Graphic 15">
-            <a:extLst>
-              <a:ext uri="{FF2B5EF4-FFF2-40B4-BE49-F238E27FC236}">
-                <a16:creationId xmlns:a16="http://schemas.microsoft.com/office/drawing/2014/main" id="{4A5D7947-EDFB-C212-2F80-6D7DC6ED85AC}"/>
-              </a:ext>
-            </a:extLst>
-          </p:cNvPr>
-          <p:cNvPicPr>
-            <a:picLocks noChangeAspect="1"/>
-          </p:cNvPicPr>
-          <p:nvPr/>
-        </p:nvPicPr>
-        <p:blipFill>
-          <a:blip r:embed="rId2">
-            <a:extLst>
-              <a:ext uri="{28A0092B-C50C-407E-A947-70E740481C1C}">
-                <a14:useLocalDpi xmlns:a14="http://schemas.microsoft.com/office/drawing/2010/main" val="0"/>
-              </a:ext>
-              <a:ext uri="{96DAC541-7B7A-43D3-8B79-37D633B846F1}">
-                <asvg:svgBlip xmlns:asvg="http://schemas.microsoft.com/office/drawing/2016/SVG/main" r:embed="rId3"/>
-              </a:ext>
-            </a:extLst>
-          </a:blip>
-          <a:stretch>
-            <a:fillRect/>
-          </a:stretch>
-        </p:blipFill>
-        <p:spPr>
-          <a:xfrm>
-            <a:off x="7476682" y="1981733"/>
-            <a:ext cx="593092" cy="593092"/>
-          </a:xfrm>
-          <a:prstGeom prst="rect">
-            <a:avLst/>
-          </a:prstGeom>
-        </p:spPr>
-      </p:pic>
-      <p:pic>
-        <p:nvPicPr>
-          <p:cNvPr id="18" name="Graphic 17">
-            <a:extLst>
-              <a:ext uri="{FF2B5EF4-FFF2-40B4-BE49-F238E27FC236}">
-                <a16:creationId xmlns:a16="http://schemas.microsoft.com/office/drawing/2014/main" id="{B7FA8230-4EE7-F1D2-3A3B-3724F13E50D2}"/>
-              </a:ext>
-            </a:extLst>
-          </p:cNvPr>
-          <p:cNvPicPr>
-            <a:picLocks noChangeAspect="1"/>
-          </p:cNvPicPr>
-          <p:nvPr/>
-        </p:nvPicPr>
-        <p:blipFill>
-          <a:blip r:embed="rId4">
-            <a:extLst>
-              <a:ext uri="{28A0092B-C50C-407E-A947-70E740481C1C}">
-                <a14:useLocalDpi xmlns:a14="http://schemas.microsoft.com/office/drawing/2010/main" val="0"/>
-              </a:ext>
-              <a:ext uri="{96DAC541-7B7A-43D3-8B79-37D633B846F1}">
-                <asvg:svgBlip xmlns:asvg="http://schemas.microsoft.com/office/drawing/2016/SVG/main" r:embed="rId5"/>
-              </a:ext>
-            </a:extLst>
-          </a:blip>
-          <a:stretch>
-            <a:fillRect/>
-          </a:stretch>
-        </p:blipFill>
-        <p:spPr>
-          <a:xfrm>
-            <a:off x="4533230" y="3195716"/>
-            <a:ext cx="379476" cy="379476"/>
-          </a:xfrm>
-          <a:prstGeom prst="rect">
-            <a:avLst/>
-          </a:prstGeom>
-        </p:spPr>
-      </p:pic>
-      <p:pic>
-        <p:nvPicPr>
-          <p:cNvPr id="19" name="Graphic 18">
-            <a:extLst>
-              <a:ext uri="{FF2B5EF4-FFF2-40B4-BE49-F238E27FC236}">
-                <a16:creationId xmlns:a16="http://schemas.microsoft.com/office/drawing/2014/main" id="{519157AC-7A45-21A6-5C13-7F3A9FA06132}"/>
-              </a:ext>
-            </a:extLst>
-          </p:cNvPr>
-          <p:cNvPicPr>
-            <a:picLocks noChangeAspect="1"/>
-          </p:cNvPicPr>
-          <p:nvPr/>
-        </p:nvPicPr>
-        <p:blipFill>
-          <a:blip r:embed="rId4">
-            <a:extLst>
-              <a:ext uri="{28A0092B-C50C-407E-A947-70E740481C1C}">
-                <a14:useLocalDpi xmlns:a14="http://schemas.microsoft.com/office/drawing/2010/main" val="0"/>
-              </a:ext>
-              <a:ext uri="{96DAC541-7B7A-43D3-8B79-37D633B846F1}">
-                <asvg:svgBlip xmlns:asvg="http://schemas.microsoft.com/office/drawing/2016/SVG/main" r:embed="rId5"/>
-              </a:ext>
-            </a:extLst>
-          </a:blip>
-          <a:stretch>
-            <a:fillRect/>
-          </a:stretch>
-        </p:blipFill>
-        <p:spPr>
-          <a:xfrm>
-            <a:off x="6885251" y="2757135"/>
-            <a:ext cx="379476" cy="379476"/>
-          </a:xfrm>
-          <a:prstGeom prst="rect">
-            <a:avLst/>
-          </a:prstGeom>
-        </p:spPr>
-      </p:pic>
-      <p:pic>
-        <p:nvPicPr>
-          <p:cNvPr id="20" name="Graphic 19">
-            <a:extLst>
-              <a:ext uri="{FF2B5EF4-FFF2-40B4-BE49-F238E27FC236}">
-                <a16:creationId xmlns:a16="http://schemas.microsoft.com/office/drawing/2014/main" id="{1733C52A-0358-20EA-6BA7-40B0F88A2118}"/>
-              </a:ext>
-            </a:extLst>
-          </p:cNvPr>
-          <p:cNvPicPr>
-            <a:picLocks noChangeAspect="1"/>
-          </p:cNvPicPr>
-          <p:nvPr/>
-        </p:nvPicPr>
-        <p:blipFill>
-          <a:blip r:embed="rId4">
-            <a:extLst>
-              <a:ext uri="{28A0092B-C50C-407E-A947-70E740481C1C}">
-                <a14:useLocalDpi xmlns:a14="http://schemas.microsoft.com/office/drawing/2010/main" val="0"/>
-              </a:ext>
-              <a:ext uri="{96DAC541-7B7A-43D3-8B79-37D633B846F1}">
-                <asvg:svgBlip xmlns:asvg="http://schemas.microsoft.com/office/drawing/2016/SVG/main" r:embed="rId5"/>
-              </a:ext>
-            </a:extLst>
-          </a:blip>
-          <a:stretch>
-            <a:fillRect/>
-          </a:stretch>
-        </p:blipFill>
-        <p:spPr>
-          <a:xfrm>
-            <a:off x="6500847" y="1466956"/>
-            <a:ext cx="379476" cy="379476"/>
-          </a:xfrm>
-          <a:prstGeom prst="rect">
-            <a:avLst/>
-          </a:prstGeom>
-        </p:spPr>
-      </p:pic>
-      <p:pic>
-        <p:nvPicPr>
-          <p:cNvPr id="21" name="Graphic 20">
-            <a:extLst>
-              <a:ext uri="{FF2B5EF4-FFF2-40B4-BE49-F238E27FC236}">
-                <a16:creationId xmlns:a16="http://schemas.microsoft.com/office/drawing/2014/main" id="{9F926BF8-F7C0-5DD6-A6CC-CCB4A7318B93}"/>
-              </a:ext>
-            </a:extLst>
-          </p:cNvPr>
-          <p:cNvPicPr>
-            <a:picLocks noChangeAspect="1"/>
-          </p:cNvPicPr>
-          <p:nvPr/>
-        </p:nvPicPr>
-        <p:blipFill>
-          <a:blip r:embed="rId4">
-            <a:extLst>
-              <a:ext uri="{28A0092B-C50C-407E-A947-70E740481C1C}">
-                <a14:useLocalDpi xmlns:a14="http://schemas.microsoft.com/office/drawing/2010/main" val="0"/>
-              </a:ext>
-              <a:ext uri="{96DAC541-7B7A-43D3-8B79-37D633B846F1}">
-                <asvg:svgBlip xmlns:asvg="http://schemas.microsoft.com/office/drawing/2016/SVG/main" r:embed="rId5"/>
-              </a:ext>
-            </a:extLst>
-          </a:blip>
-          <a:stretch>
-            <a:fillRect/>
-          </a:stretch>
-        </p:blipFill>
-        <p:spPr>
-          <a:xfrm>
-            <a:off x="5906261" y="4389983"/>
-            <a:ext cx="379476" cy="379476"/>
-          </a:xfrm>
-          <a:prstGeom prst="rect">
-            <a:avLst/>
-          </a:prstGeom>
-        </p:spPr>
-      </p:pic>
-      <p:pic>
-        <p:nvPicPr>
-          <p:cNvPr id="22" name="Graphic 21">
-            <a:extLst>
-              <a:ext uri="{FF2B5EF4-FFF2-40B4-BE49-F238E27FC236}">
-                <a16:creationId xmlns:a16="http://schemas.microsoft.com/office/drawing/2014/main" id="{AB454400-4A4D-758D-D44E-5C9D00DA144F}"/>
-              </a:ext>
-            </a:extLst>
-          </p:cNvPr>
-          <p:cNvPicPr>
-            <a:picLocks noChangeAspect="1"/>
-          </p:cNvPicPr>
-          <p:nvPr/>
-        </p:nvPicPr>
-        <p:blipFill>
-          <a:blip r:embed="rId4">
-            <a:extLst>
-              <a:ext uri="{28A0092B-C50C-407E-A947-70E740481C1C}">
-                <a14:useLocalDpi xmlns:a14="http://schemas.microsoft.com/office/drawing/2010/main" val="0"/>
-              </a:ext>
-              <a:ext uri="{96DAC541-7B7A-43D3-8B79-37D633B846F1}">
-                <asvg:svgBlip xmlns:asvg="http://schemas.microsoft.com/office/drawing/2016/SVG/main" r:embed="rId5"/>
-              </a:ext>
-            </a:extLst>
-          </a:blip>
-          <a:stretch>
-            <a:fillRect/>
-          </a:stretch>
-        </p:blipFill>
-        <p:spPr>
-          <a:xfrm>
-            <a:off x="4153754" y="4283175"/>
-            <a:ext cx="379476" cy="379476"/>
-          </a:xfrm>
-          <a:prstGeom prst="rect">
-            <a:avLst/>
-          </a:prstGeom>
-        </p:spPr>
-      </p:pic>
-      <p:pic>
-        <p:nvPicPr>
-          <p:cNvPr id="39" name="Graphic 38" descr="Traffic light with solid fill">
-            <a:extLst>
-              <a:ext uri="{FF2B5EF4-FFF2-40B4-BE49-F238E27FC236}">
-                <a16:creationId xmlns:a16="http://schemas.microsoft.com/office/drawing/2014/main" id="{E6DE5A60-8F69-E94C-E26F-DB24DDBD2275}"/>
-              </a:ext>
-            </a:extLst>
-          </p:cNvPr>
-          <p:cNvPicPr>
-            <a:picLocks noChangeAspect="1"/>
-          </p:cNvPicPr>
-          <p:nvPr/>
-        </p:nvPicPr>
-        <p:blipFill>
-          <a:blip r:embed="rId6">
-            <a:extLst>
-              <a:ext uri="{28A0092B-C50C-407E-A947-70E740481C1C}">
-                <a14:useLocalDpi xmlns:a14="http://schemas.microsoft.com/office/drawing/2010/main" val="0"/>
-              </a:ext>
-              <a:ext uri="{96DAC541-7B7A-43D3-8B79-37D633B846F1}">
-                <asvg:svgBlip xmlns:asvg="http://schemas.microsoft.com/office/drawing/2016/SVG/main" r:embed="rId7"/>
-              </a:ext>
-            </a:extLst>
-          </a:blip>
-          <a:stretch>
-            <a:fillRect/>
-          </a:stretch>
-        </p:blipFill>
-        <p:spPr>
-          <a:xfrm>
-            <a:off x="5721204" y="3054204"/>
-            <a:ext cx="749589" cy="749589"/>
-          </a:xfrm>
-          <a:prstGeom prst="rect">
-            <a:avLst/>
-          </a:prstGeom>
-        </p:spPr>
-      </p:pic>
+        <p:txBody>
+          <a:bodyPr>
+            <a:normAutofit/>
+          </a:bodyPr>
+          <a:lstStyle/>
+          <a:p>
+            <a:r>
+              <a:rPr lang="en-US" dirty="0"/>
+              <a:t>Regular run:</a:t>
+            </a:r>
+            <a:br>
+              <a:rPr lang="en-CA" dirty="0"/>
+            </a:br>
+            <a:r>
+              <a:rPr lang="en-CA" dirty="0"/>
+              <a:t>	</a:t>
+            </a:r>
+            <a:r>
+              <a:rPr lang="en-CA" dirty="0" err="1">
+                <a:solidFill>
+                  <a:schemeClr val="tx2">
+                    <a:lumMod val="75000"/>
+                  </a:schemeClr>
+                </a:solidFill>
+              </a:rPr>
+              <a:t>rpmep</a:t>
+            </a:r>
+            <a:r>
+              <a:rPr lang="en-CA" dirty="0">
+                <a:solidFill>
+                  <a:schemeClr val="tx2">
+                    <a:lumMod val="75000"/>
+                  </a:schemeClr>
+                </a:solidFill>
+              </a:rPr>
+              <a:t> </a:t>
+            </a:r>
+            <a:r>
+              <a:rPr lang="en-CA" dirty="0" err="1">
+                <a:solidFill>
+                  <a:schemeClr val="tx2">
+                    <a:lumMod val="75000"/>
+                  </a:schemeClr>
+                </a:solidFill>
+              </a:rPr>
+              <a:t>problem.pdkddl</a:t>
+            </a:r>
+            <a:br>
+              <a:rPr lang="en-CA" dirty="0"/>
+            </a:br>
+            <a:endParaRPr lang="en-CA" dirty="0"/>
+          </a:p>
+          <a:p>
+            <a:r>
+              <a:rPr lang="en-CA" dirty="0"/>
+              <a:t>To keep the generated files:</a:t>
+            </a:r>
+            <a:br>
+              <a:rPr lang="en-US" dirty="0"/>
+            </a:br>
+            <a:r>
+              <a:rPr lang="en-US" dirty="0"/>
+              <a:t>	… </a:t>
+            </a:r>
+            <a:r>
+              <a:rPr lang="en-US" dirty="0">
+                <a:solidFill>
+                  <a:schemeClr val="tx2">
+                    <a:lumMod val="75000"/>
+                  </a:schemeClr>
+                </a:solidFill>
+              </a:rPr>
+              <a:t>--keep-files</a:t>
+            </a:r>
+            <a:br>
+              <a:rPr lang="en-US" dirty="0"/>
+            </a:br>
+            <a:endParaRPr lang="en-US" dirty="0"/>
+          </a:p>
+          <a:p>
+            <a:r>
+              <a:rPr lang="en-US" dirty="0"/>
+              <a:t>To find an optimal plan afterwards:</a:t>
+            </a:r>
+            <a:br>
+              <a:rPr lang="en-CA" dirty="0"/>
+            </a:br>
+            <a:r>
+              <a:rPr lang="en-CA" dirty="0"/>
+              <a:t>	</a:t>
+            </a:r>
+            <a:r>
+              <a:rPr lang="en-CA" dirty="0">
+                <a:solidFill>
+                  <a:schemeClr val="tx2">
+                    <a:lumMod val="75000"/>
+                  </a:schemeClr>
+                </a:solidFill>
+              </a:rPr>
+              <a:t>lama </a:t>
+            </a:r>
+            <a:r>
+              <a:rPr lang="en-CA" dirty="0" err="1">
+                <a:solidFill>
+                  <a:schemeClr val="tx2">
+                    <a:lumMod val="75000"/>
+                  </a:schemeClr>
+                </a:solidFill>
+              </a:rPr>
+              <a:t>pdkb-domain.pddl</a:t>
+            </a:r>
+            <a:r>
+              <a:rPr lang="en-CA" dirty="0">
+                <a:solidFill>
+                  <a:schemeClr val="tx2">
+                    <a:lumMod val="75000"/>
+                  </a:schemeClr>
+                </a:solidFill>
+              </a:rPr>
+              <a:t> </a:t>
+            </a:r>
+            <a:r>
+              <a:rPr lang="en-CA" dirty="0" err="1">
+                <a:solidFill>
+                  <a:schemeClr val="tx2">
+                    <a:lumMod val="75000"/>
+                  </a:schemeClr>
+                </a:solidFill>
+              </a:rPr>
+              <a:t>pdkb-problem.pddl</a:t>
+            </a:r>
+            <a:endParaRPr lang="en-US" dirty="0">
+              <a:solidFill>
+                <a:schemeClr val="accent6">
+                  <a:lumMod val="40000"/>
+                  <a:lumOff val="60000"/>
+                </a:schemeClr>
+              </a:solidFill>
+            </a:endParaRPr>
+          </a:p>
+        </p:txBody>
+      </p:sp>
     </p:spTree>
     <p:extLst>
       <p:ext uri="{BB962C8B-B14F-4D97-AF65-F5344CB8AC3E}">
-        <p14:creationId xmlns:p14="http://schemas.microsoft.com/office/powerpoint/2010/main" val="2666513796"/>
+        <p14:creationId xmlns:p14="http://schemas.microsoft.com/office/powerpoint/2010/main" val="2423189185"/>
       </p:ext>
     </p:extLst>
   </p:cSld>
   <p:clrMapOvr>
     <a:masterClrMapping/>
   </p:clrMapOvr>
-  <mc:AlternateContent xmlns:mc="http://schemas.openxmlformats.org/markup-compatibility/2006" xmlns:p159="http://schemas.microsoft.com/office/powerpoint/2015/09/main">
-    <mc:Choice Requires="p159">
-      <p:transition xmlns:p14="http://schemas.microsoft.com/office/powerpoint/2010/main" spd="slow" p14:dur="2000">
-        <p159:morph option="byObject"/>
-      </p:transition>
-    </mc:Choice>
-    <mc:Fallback xmlns="">
-      <p:transition spd="slow">
-        <p:fade/>
-      </p:transition>
-    </mc:Fallback>
-  </mc:AlternateContent>
-  <p:timing>
-    <p:tnLst>
-      <p:par>
-        <p:cTn id="1" dur="indefinite" restart="never" nodeType="tmRoot">
-          <p:childTnLst>
-            <p:seq concurrent="1" nextAc="seek">
-              <p:cTn id="2" dur="indefinite" nodeType="mainSeq">
-                <p:childTnLst>
-                  <p:par>
-                    <p:cTn id="3" fill="hold">
-                      <p:stCondLst>
-                        <p:cond delay="indefinite"/>
-                        <p:cond evt="onBegin" delay="0">
-                          <p:tn val="2"/>
-                        </p:cond>
-                      </p:stCondLst>
-                      <p:childTnLst>
-                        <p:par>
-                          <p:cTn id="4" fill="hold">
-                            <p:stCondLst>
-                              <p:cond delay="0"/>
-                            </p:stCondLst>
-                            <p:childTnLst>
-                              <p:par>
-                                <p:cTn id="5" presetID="21" presetClass="entr" presetSubtype="1" fill="hold" nodeType="afterEffect">
-                                  <p:stCondLst>
-                                    <p:cond delay="0"/>
-                                  </p:stCondLst>
-                                  <p:childTnLst>
-                                    <p:set>
-                                      <p:cBhvr>
-                                        <p:cTn id="6" dur="1" fill="hold">
-                                          <p:stCondLst>
-                                            <p:cond delay="0"/>
-                                          </p:stCondLst>
-                                        </p:cTn>
-                                        <p:tgtEl>
-                                          <p:spTgt spid="10"/>
-                                        </p:tgtEl>
-                                        <p:attrNameLst>
-                                          <p:attrName>style.visibility</p:attrName>
-                                        </p:attrNameLst>
-                                      </p:cBhvr>
-                                      <p:to>
-                                        <p:strVal val="visible"/>
-                                      </p:to>
-                                    </p:set>
-                                    <p:animEffect transition="in" filter="wheel(1)">
-                                      <p:cBhvr>
-                                        <p:cTn id="7" dur="2000"/>
-                                        <p:tgtEl>
-                                          <p:spTgt spid="10"/>
-                                        </p:tgtEl>
-                                      </p:cBhvr>
-                                    </p:animEffect>
-                                  </p:childTnLst>
-                                </p:cTn>
-                              </p:par>
-                              <p:par>
-                                <p:cTn id="8" presetID="21" presetClass="entr" presetSubtype="1" fill="hold" nodeType="withEffect">
-                                  <p:stCondLst>
-                                    <p:cond delay="0"/>
-                                  </p:stCondLst>
-                                  <p:childTnLst>
-                                    <p:set>
-                                      <p:cBhvr>
-                                        <p:cTn id="9" dur="1" fill="hold">
-                                          <p:stCondLst>
-                                            <p:cond delay="0"/>
-                                          </p:stCondLst>
-                                        </p:cTn>
-                                        <p:tgtEl>
-                                          <p:spTgt spid="14"/>
-                                        </p:tgtEl>
-                                        <p:attrNameLst>
-                                          <p:attrName>style.visibility</p:attrName>
-                                        </p:attrNameLst>
-                                      </p:cBhvr>
-                                      <p:to>
-                                        <p:strVal val="visible"/>
-                                      </p:to>
-                                    </p:set>
-                                    <p:animEffect transition="in" filter="wheel(1)">
-                                      <p:cBhvr>
-                                        <p:cTn id="10" dur="2000"/>
-                                        <p:tgtEl>
-                                          <p:spTgt spid="14"/>
-                                        </p:tgtEl>
-                                      </p:cBhvr>
-                                    </p:animEffect>
-                                  </p:childTnLst>
-                                </p:cTn>
-                              </p:par>
-                            </p:childTnLst>
-                          </p:cTn>
-                        </p:par>
-                      </p:childTnLst>
-                    </p:cTn>
-                  </p:par>
-                </p:childTnLst>
-              </p:cTn>
-              <p:prevCondLst>
-                <p:cond evt="onPrev" delay="0">
-                  <p:tgtEl>
-                    <p:sldTgt/>
-                  </p:tgtEl>
-                </p:cond>
-              </p:prevCondLst>
-              <p:nextCondLst>
-                <p:cond evt="onNext" delay="0">
-                  <p:tgtEl>
-                    <p:sldTgt/>
-                  </p:tgtEl>
-                </p:cond>
-              </p:nextCondLst>
-            </p:seq>
-          </p:childTnLst>
-        </p:cTn>
-      </p:par>
-    </p:tnLst>
-  </p:timing>
 </p:sld>
 </file>
 
@@ -13072,7 +13645,7 @@
           <p:cNvPr id="4" name="Title 3">
             <a:extLst>
               <a:ext uri="{FF2B5EF4-FFF2-40B4-BE49-F238E27FC236}">
-                <a16:creationId xmlns:a16="http://schemas.microsoft.com/office/drawing/2014/main" id="{30B7E21D-5603-5750-AC1E-A363C0F5AA15}"/>
+                <a16:creationId xmlns:a16="http://schemas.microsoft.com/office/drawing/2014/main" id="{80EAC0C6-7B8A-1444-CF6E-AFD7613F9128}"/>
               </a:ext>
             </a:extLst>
           </p:cNvPr>
@@ -13089,10 +13662,9 @@
           <a:lstStyle/>
           <a:p>
             <a:r>
-              <a:rPr lang="en-US" dirty="0"/>
-              <a:t>Running Tips</a:t>
-            </a:r>
-            <a:endParaRPr lang="en-CA" dirty="0"/>
+              <a:rPr lang="en-CA" dirty="0"/>
+              <a:t>1. Get the treasure!</a:t>
+            </a:r>
           </a:p>
         </p:txBody>
       </p:sp>
@@ -13101,7 +13673,7 @@
           <p:cNvPr id="5" name="Content Placeholder 4">
             <a:extLst>
               <a:ext uri="{FF2B5EF4-FFF2-40B4-BE49-F238E27FC236}">
-                <a16:creationId xmlns:a16="http://schemas.microsoft.com/office/drawing/2014/main" id="{DD74ED63-F4F6-B5B8-C18E-87C31016481D}"/>
+                <a16:creationId xmlns:a16="http://schemas.microsoft.com/office/drawing/2014/main" id="{916B2140-6178-6477-FAC2-4FC081B9C2C5}"/>
               </a:ext>
             </a:extLst>
           </p:cNvPr>
@@ -13114,66 +13686,68 @@
         </p:nvSpPr>
         <p:spPr>
           <a:xfrm>
-            <a:off x="838200" y="1825624"/>
-            <a:ext cx="10515600" cy="4858955"/>
+            <a:off x="838199" y="1825625"/>
+            <a:ext cx="10645877" cy="4351338"/>
           </a:xfrm>
         </p:spPr>
         <p:txBody>
-          <a:bodyPr>
-            <a:normAutofit lnSpcReduction="10000"/>
-          </a:bodyPr>
+          <a:bodyPr/>
           <a:lstStyle/>
           <a:p>
-            <a:r>
-              <a:rPr lang="en-US" dirty="0"/>
-              <a:t>Regular run:</a:t>
-            </a:r>
-            <a:br>
+            <a:pPr marL="0" indent="0">
+              <a:buNone/>
+            </a:pPr>
+            <a:r>
               <a:rPr lang="en-CA" dirty="0"/>
-            </a:br>
-            <a:r>
-              <a:rPr lang="en-CA" dirty="0"/>
-              <a:t>	</a:t>
+              <a:t>Warm-up: let’s have </a:t>
             </a:r>
             <a:r>
               <a:rPr lang="en-CA" dirty="0">
                 <a:solidFill>
-                  <a:schemeClr val="tx2">
-                    <a:lumMod val="75000"/>
-                  </a:schemeClr>
+                  <a:schemeClr val="accent3"/>
                 </a:solidFill>
               </a:rPr>
-              <a:t>enhsp-2020 –domain </a:t>
-            </a:r>
-            <a:r>
-              <a:rPr lang="en-CA" dirty="0" err="1">
+              <a:t>agents</a:t>
+            </a:r>
+            <a:r>
+              <a:rPr lang="en-CA" dirty="0"/>
+              <a:t> </a:t>
+            </a:r>
+            <a:r>
+              <a:rPr lang="en-CA" b="1" dirty="0">
                 <a:solidFill>
-                  <a:schemeClr val="tx2">
-                    <a:lumMod val="75000"/>
-                  </a:schemeClr>
+                  <a:schemeClr val="accent4"/>
                 </a:solidFill>
               </a:rPr>
-              <a:t>d.pddl</a:t>
-            </a:r>
-            <a:r>
-              <a:rPr lang="en-CA" dirty="0">
+              <a:t>move</a:t>
+            </a:r>
+            <a:r>
+              <a:rPr lang="en-CA" dirty="0"/>
+              <a:t> around and </a:t>
+            </a:r>
+            <a:r>
+              <a:rPr lang="en-CA" b="1" dirty="0">
                 <a:solidFill>
-                  <a:schemeClr val="tx2">
-                    <a:lumMod val="75000"/>
-                  </a:schemeClr>
+                  <a:schemeClr val="accent4"/>
                 </a:solidFill>
               </a:rPr>
-              <a:t> –problem </a:t>
-            </a:r>
-            <a:r>
-              <a:rPr lang="en-CA" dirty="0" err="1">
+              <a:t>take</a:t>
+            </a:r>
+            <a:r>
+              <a:rPr lang="en-CA" dirty="0"/>
+              <a:t>/</a:t>
+            </a:r>
+            <a:r>
+              <a:rPr lang="en-CA" b="1" dirty="0">
                 <a:solidFill>
-                  <a:schemeClr val="tx2">
-                    <a:lumMod val="75000"/>
-                  </a:schemeClr>
+                  <a:schemeClr val="accent4"/>
                 </a:solidFill>
               </a:rPr>
-              <a:t>p.pddl</a:t>
+              <a:t>drop</a:t>
+            </a:r>
+            <a:r>
+              <a:rPr lang="en-CA" dirty="0"/>
+              <a:t> the treasure.</a:t>
             </a:r>
             <a:br>
               <a:rPr lang="en-CA" dirty="0"/>
@@ -13182,312 +13756,106 @@
           </a:p>
           <a:p>
             <a:r>
-              <a:rPr lang="en-CA" dirty="0"/>
-              <a:t>To see the events:</a:t>
-            </a:r>
-            <a:br>
-              <a:rPr lang="en-US" dirty="0"/>
-            </a:br>
-            <a:r>
-              <a:rPr lang="en-US" dirty="0"/>
-              <a:t>	… </a:t>
-            </a:r>
-            <a:r>
-              <a:rPr lang="en-US" dirty="0">
+              <a:rPr lang="en-CA" b="1" dirty="0">
                 <a:solidFill>
-                  <a:schemeClr val="tx2">
-                    <a:lumMod val="75000"/>
-                  </a:schemeClr>
+                  <a:schemeClr val="accent4"/>
                 </a:solidFill>
               </a:rPr>
-              <a:t>-pe</a:t>
-            </a:r>
-            <a:br>
-              <a:rPr lang="en-US" dirty="0"/>
-            </a:br>
-            <a:endParaRPr lang="en-US" dirty="0"/>
-          </a:p>
-          <a:p>
-            <a:r>
-              <a:rPr lang="en-US" dirty="0"/>
-              <a:t>To save the plan:</a:t>
-            </a:r>
-            <a:br>
+              <a:t>move</a:t>
+            </a:r>
+            <a:r>
               <a:rPr lang="en-CA" dirty="0"/>
-            </a:br>
-            <a:r>
-              <a:rPr lang="en-CA" dirty="0"/>
-              <a:t>	… </a:t>
-            </a:r>
-            <a:r>
-              <a:rPr lang="en-CA" dirty="0">
+              <a:t>: (always known) Moves agent from one loc to another</a:t>
+            </a:r>
+          </a:p>
+          <a:p>
+            <a:r>
+              <a:rPr lang="en-CA" b="1" dirty="0">
                 <a:solidFill>
-                  <a:schemeClr val="tx2">
-                    <a:lumMod val="75000"/>
-                  </a:schemeClr>
+                  <a:schemeClr val="accent4"/>
                 </a:solidFill>
               </a:rPr>
-              <a:t>-</a:t>
-            </a:r>
-            <a:r>
-              <a:rPr lang="en-CA" dirty="0" err="1">
+              <a:t>take</a:t>
+            </a:r>
+            <a:r>
+              <a:rPr lang="en-CA" dirty="0"/>
+              <a:t>: (seen in room) Agent takes the treasure</a:t>
+            </a:r>
+          </a:p>
+          <a:p>
+            <a:r>
+              <a:rPr lang="en-CA" b="1" dirty="0">
                 <a:solidFill>
-                  <a:schemeClr val="tx2">
-                    <a:lumMod val="75000"/>
-                  </a:schemeClr>
+                  <a:schemeClr val="accent4"/>
                 </a:solidFill>
               </a:rPr>
-              <a:t>sp</a:t>
-            </a:r>
-            <a:r>
-              <a:rPr lang="en-CA" dirty="0">
-                <a:solidFill>
-                  <a:schemeClr val="tx2">
-                    <a:lumMod val="75000"/>
-                  </a:schemeClr>
-                </a:solidFill>
-              </a:rPr>
-              <a:t> </a:t>
-            </a:r>
-            <a:r>
-              <a:rPr lang="en-CA" dirty="0" err="1">
-                <a:solidFill>
-                  <a:schemeClr val="tx2">
-                    <a:lumMod val="75000"/>
-                  </a:schemeClr>
-                </a:solidFill>
-              </a:rPr>
-              <a:t>out.plan</a:t>
-            </a:r>
-            <a:br>
+              <a:t>drop</a:t>
+            </a:r>
+            <a:r>
               <a:rPr lang="en-CA" dirty="0"/>
-            </a:br>
+              <a:t>: (seen in room) Agent drops the treasure</a:t>
+            </a:r>
+          </a:p>
+          <a:p>
+            <a:r>
+              <a:rPr lang="en-CA" b="1" dirty="0"/>
+              <a:t>Goal</a:t>
+            </a:r>
+            <a:r>
+              <a:rPr lang="en-CA" dirty="0"/>
+              <a:t>: ‘</a:t>
+            </a:r>
+            <a:r>
+              <a:rPr lang="en-CA" b="1" dirty="0"/>
+              <a:t>a</a:t>
+            </a:r>
+            <a:r>
+              <a:rPr lang="en-CA" dirty="0"/>
+              <a:t>’ thinks ‘</a:t>
+            </a:r>
+            <a:r>
+              <a:rPr lang="en-CA" b="1" dirty="0"/>
+              <a:t>b</a:t>
+            </a:r>
+            <a:r>
+              <a:rPr lang="en-CA" dirty="0"/>
+              <a:t>’ has it, and ‘</a:t>
+            </a:r>
+            <a:r>
+              <a:rPr lang="en-CA" b="1" dirty="0"/>
+              <a:t>c</a:t>
+            </a:r>
+            <a:r>
+              <a:rPr lang="en-CA" dirty="0"/>
+              <a:t>’ thinks ‘</a:t>
+            </a:r>
+            <a:r>
+              <a:rPr lang="en-CA" b="1" dirty="0"/>
+              <a:t>d</a:t>
+            </a:r>
+            <a:r>
+              <a:rPr lang="en-CA" dirty="0"/>
+              <a:t>’ has it</a:t>
+            </a:r>
+          </a:p>
+          <a:p>
             <a:endParaRPr lang="en-CA" dirty="0"/>
           </a:p>
           <a:p>
+            <a:pPr marL="0" indent="0" algn="ctr">
+              <a:buNone/>
+            </a:pPr>
             <a:r>
               <a:rPr lang="en-CA" dirty="0"/>
-              <a:t>To validate:</a:t>
-            </a:r>
-            <a:br>
-              <a:rPr lang="en-CA" dirty="0"/>
-            </a:br>
-            <a:r>
-              <a:rPr lang="en-CA" dirty="0"/>
-              <a:t>	</a:t>
-            </a:r>
-            <a:r>
-              <a:rPr lang="en-CA" dirty="0" err="1">
-                <a:solidFill>
-                  <a:schemeClr val="accent6">
-                    <a:lumMod val="40000"/>
-                    <a:lumOff val="60000"/>
-                  </a:schemeClr>
-                </a:solidFill>
-              </a:rPr>
-              <a:t>val</a:t>
-            </a:r>
-            <a:r>
-              <a:rPr lang="en-CA" dirty="0">
-                <a:solidFill>
-                  <a:schemeClr val="accent6">
-                    <a:lumMod val="40000"/>
-                    <a:lumOff val="60000"/>
-                  </a:schemeClr>
-                </a:solidFill>
-              </a:rPr>
-              <a:t> Validate -v </a:t>
-            </a:r>
-            <a:r>
-              <a:rPr lang="en-CA" dirty="0" err="1">
-                <a:solidFill>
-                  <a:schemeClr val="accent6">
-                    <a:lumMod val="40000"/>
-                    <a:lumOff val="60000"/>
-                  </a:schemeClr>
-                </a:solidFill>
-              </a:rPr>
-              <a:t>d.pddl</a:t>
-            </a:r>
-            <a:r>
-              <a:rPr lang="en-CA" dirty="0">
-                <a:solidFill>
-                  <a:schemeClr val="accent6">
-                    <a:lumMod val="40000"/>
-                    <a:lumOff val="60000"/>
-                  </a:schemeClr>
-                </a:solidFill>
-              </a:rPr>
-              <a:t> </a:t>
-            </a:r>
-            <a:r>
-              <a:rPr lang="en-CA" dirty="0" err="1">
-                <a:solidFill>
-                  <a:schemeClr val="accent6">
-                    <a:lumMod val="40000"/>
-                    <a:lumOff val="60000"/>
-                  </a:schemeClr>
-                </a:solidFill>
-              </a:rPr>
-              <a:t>p.pddl</a:t>
-            </a:r>
-            <a:r>
-              <a:rPr lang="en-CA" dirty="0">
-                <a:solidFill>
-                  <a:schemeClr val="accent6">
-                    <a:lumMod val="40000"/>
-                    <a:lumOff val="60000"/>
-                  </a:schemeClr>
-                </a:solidFill>
-              </a:rPr>
-              <a:t> </a:t>
-            </a:r>
-            <a:r>
-              <a:rPr lang="en-CA" dirty="0" err="1">
-                <a:solidFill>
-                  <a:schemeClr val="accent6">
-                    <a:lumMod val="40000"/>
-                    <a:lumOff val="60000"/>
-                  </a:schemeClr>
-                </a:solidFill>
-              </a:rPr>
-              <a:t>out.plan</a:t>
-            </a:r>
-            <a:br>
-              <a:rPr lang="en-CA" dirty="0">
-                <a:solidFill>
-                  <a:schemeClr val="accent6">
-                    <a:lumMod val="40000"/>
-                    <a:lumOff val="60000"/>
-                  </a:schemeClr>
-                </a:solidFill>
-              </a:rPr>
-            </a:br>
-            <a:r>
-              <a:rPr lang="en-CA" dirty="0">
-                <a:solidFill>
-                  <a:schemeClr val="accent6">
-                    <a:lumMod val="40000"/>
-                    <a:lumOff val="60000"/>
-                  </a:schemeClr>
-                </a:solidFill>
-              </a:rPr>
-              <a:t>	</a:t>
-            </a:r>
-            <a:r>
-              <a:rPr lang="en-CA" dirty="0" err="1">
-                <a:solidFill>
-                  <a:schemeClr val="accent6">
-                    <a:lumMod val="40000"/>
-                    <a:lumOff val="60000"/>
-                  </a:schemeClr>
-                </a:solidFill>
-              </a:rPr>
-              <a:t>val</a:t>
-            </a:r>
-            <a:r>
-              <a:rPr lang="en-CA" dirty="0">
-                <a:solidFill>
-                  <a:schemeClr val="accent6">
-                    <a:lumMod val="40000"/>
-                    <a:lumOff val="60000"/>
-                  </a:schemeClr>
-                </a:solidFill>
-              </a:rPr>
-              <a:t> Validate -l </a:t>
-            </a:r>
-            <a:r>
-              <a:rPr lang="en-CA" dirty="0" err="1">
-                <a:solidFill>
-                  <a:schemeClr val="accent6">
-                    <a:lumMod val="40000"/>
-                    <a:lumOff val="60000"/>
-                  </a:schemeClr>
-                </a:solidFill>
-              </a:rPr>
-              <a:t>d.pddl</a:t>
-            </a:r>
-            <a:r>
-              <a:rPr lang="en-CA" dirty="0">
-                <a:solidFill>
-                  <a:schemeClr val="accent6">
-                    <a:lumMod val="40000"/>
-                    <a:lumOff val="60000"/>
-                  </a:schemeClr>
-                </a:solidFill>
-              </a:rPr>
-              <a:t> </a:t>
-            </a:r>
-            <a:r>
-              <a:rPr lang="en-CA" dirty="0" err="1">
-                <a:solidFill>
-                  <a:schemeClr val="accent6">
-                    <a:lumMod val="40000"/>
-                    <a:lumOff val="60000"/>
-                  </a:schemeClr>
-                </a:solidFill>
-              </a:rPr>
-              <a:t>p.pddl</a:t>
-            </a:r>
-            <a:r>
-              <a:rPr lang="en-CA" dirty="0">
-                <a:solidFill>
-                  <a:schemeClr val="accent6">
-                    <a:lumMod val="40000"/>
-                    <a:lumOff val="60000"/>
-                  </a:schemeClr>
-                </a:solidFill>
-              </a:rPr>
-              <a:t> </a:t>
-            </a:r>
-            <a:r>
-              <a:rPr lang="en-CA" dirty="0" err="1">
-                <a:solidFill>
-                  <a:schemeClr val="accent6">
-                    <a:lumMod val="40000"/>
-                    <a:lumOff val="60000"/>
-                  </a:schemeClr>
-                </a:solidFill>
-              </a:rPr>
-              <a:t>out.plan</a:t>
-            </a:r>
-            <a:r>
-              <a:rPr lang="en-CA" dirty="0">
-                <a:solidFill>
-                  <a:schemeClr val="accent6">
-                    <a:lumMod val="40000"/>
-                    <a:lumOff val="60000"/>
-                  </a:schemeClr>
-                </a:solidFill>
-              </a:rPr>
-              <a:t> &gt; </a:t>
-            </a:r>
-            <a:r>
-              <a:rPr lang="en-CA" dirty="0" err="1">
-                <a:solidFill>
-                  <a:schemeClr val="accent6">
-                    <a:lumMod val="40000"/>
-                    <a:lumOff val="60000"/>
-                  </a:schemeClr>
-                </a:solidFill>
-              </a:rPr>
-              <a:t>out.tex</a:t>
-            </a:r>
-            <a:endParaRPr lang="en-US" dirty="0">
-              <a:solidFill>
-                <a:schemeClr val="accent6">
-                  <a:lumMod val="40000"/>
-                  <a:lumOff val="60000"/>
-                </a:schemeClr>
-              </a:solidFill>
-            </a:endParaRPr>
+              <a:t>epistemic / treasure</a:t>
+            </a:r>
           </a:p>
         </p:txBody>
       </p:sp>
     </p:spTree>
     <p:extLst>
       <p:ext uri="{BB962C8B-B14F-4D97-AF65-F5344CB8AC3E}">
-        <p14:creationId xmlns:p14="http://schemas.microsoft.com/office/powerpoint/2010/main" val="2423189185"/>
+        <p14:creationId xmlns:p14="http://schemas.microsoft.com/office/powerpoint/2010/main" val="1315833981"/>
       </p:ext>
     </p:extLst>
   </p:cSld>
@@ -13516,34 +13884,6 @@
       </p:grpSpPr>
       <p:sp>
         <p:nvSpPr>
-          <p:cNvPr id="4" name="Title 3">
-            <a:extLst>
-              <a:ext uri="{FF2B5EF4-FFF2-40B4-BE49-F238E27FC236}">
-                <a16:creationId xmlns:a16="http://schemas.microsoft.com/office/drawing/2014/main" id="{80EAC0C6-7B8A-1444-CF6E-AFD7613F9128}"/>
-              </a:ext>
-            </a:extLst>
-          </p:cNvPr>
-          <p:cNvSpPr>
-            <a:spLocks noGrp="1"/>
-          </p:cNvSpPr>
-          <p:nvPr>
-            <p:ph type="title"/>
-          </p:nvPr>
-        </p:nvSpPr>
-        <p:spPr/>
-        <p:txBody>
-          <a:bodyPr/>
-          <a:lstStyle/>
-          <a:p>
-            <a:r>
-              <a:rPr lang="en-CA" dirty="0"/>
-              <a:t>1. Go, shuttle, go!</a:t>
-            </a:r>
-          </a:p>
-        </p:txBody>
-      </p:sp>
-      <p:sp>
-        <p:nvSpPr>
           <p:cNvPr id="5" name="Content Placeholder 4">
             <a:extLst>
               <a:ext uri="{FF2B5EF4-FFF2-40B4-BE49-F238E27FC236}">
@@ -13558,12 +13898,7 @@
             <p:ph idx="1"/>
           </p:nvPr>
         </p:nvSpPr>
-        <p:spPr>
-          <a:xfrm>
-            <a:off x="838199" y="1825625"/>
-            <a:ext cx="10645877" cy="4351338"/>
-          </a:xfrm>
-        </p:spPr>
+        <p:spPr/>
         <p:txBody>
           <a:bodyPr/>
           <a:lstStyle/>
@@ -13571,107 +13906,10 @@
             <a:pPr marL="0" indent="0">
               <a:buNone/>
             </a:pPr>
-            <a:r>
-              <a:rPr lang="en-CA" dirty="0"/>
-              <a:t>Warm-up: let’s have </a:t>
-            </a:r>
-            <a:r>
-              <a:rPr lang="en-CA" dirty="0">
-                <a:solidFill>
-                  <a:schemeClr val="accent3"/>
-                </a:solidFill>
-              </a:rPr>
-              <a:t>shuttles</a:t>
-            </a:r>
-            <a:r>
-              <a:rPr lang="en-CA" dirty="0"/>
-              <a:t> drive when their (infinite) </a:t>
-            </a:r>
-            <a:r>
-              <a:rPr lang="en-CA" dirty="0">
-                <a:solidFill>
-                  <a:schemeClr val="accent3"/>
-                </a:solidFill>
-              </a:rPr>
-              <a:t>circuit</a:t>
-            </a:r>
-            <a:r>
-              <a:rPr lang="en-CA" dirty="0"/>
-              <a:t> is going.</a:t>
-            </a:r>
-            <a:br>
-              <a:rPr lang="en-CA" dirty="0"/>
-            </a:br>
             <a:endParaRPr lang="en-CA" dirty="0"/>
           </a:p>
           <a:p>
-            <a:r>
-              <a:rPr lang="en-CA" b="1" dirty="0">
-                <a:solidFill>
-                  <a:schemeClr val="accent4"/>
-                </a:solidFill>
-              </a:rPr>
-              <a:t>light-change</a:t>
-            </a:r>
-            <a:r>
-              <a:rPr lang="en-CA" dirty="0"/>
-              <a:t>: Action to switch which </a:t>
-            </a:r>
-            <a:r>
-              <a:rPr lang="en-CA" dirty="0">
-                <a:solidFill>
-                  <a:schemeClr val="accent3"/>
-                </a:solidFill>
-              </a:rPr>
-              <a:t>circuit</a:t>
-            </a:r>
-            <a:r>
-              <a:rPr lang="en-CA" dirty="0"/>
-              <a:t> is going</a:t>
-            </a:r>
-          </a:p>
-          <a:p>
-            <a:r>
-              <a:rPr lang="en-CA" b="1" dirty="0">
-                <a:solidFill>
-                  <a:schemeClr val="accent6">
-                    <a:lumMod val="60000"/>
-                    <a:lumOff val="40000"/>
-                  </a:schemeClr>
-                </a:solidFill>
-              </a:rPr>
-              <a:t>drive</a:t>
-            </a:r>
-            <a:r>
-              <a:rPr lang="en-CA" dirty="0"/>
-              <a:t>: Process to move the “going” </a:t>
-            </a:r>
-            <a:r>
-              <a:rPr lang="en-CA" dirty="0">
-                <a:solidFill>
-                  <a:schemeClr val="accent3"/>
-                </a:solidFill>
-              </a:rPr>
-              <a:t>shuttles</a:t>
-            </a:r>
-            <a:r>
-              <a:rPr lang="en-CA" dirty="0"/>
-              <a:t> along</a:t>
-            </a:r>
-          </a:p>
-          <a:p>
-            <a:r>
-              <a:rPr lang="en-CA" b="1" dirty="0">
-                <a:solidFill>
-                  <a:schemeClr val="accent4"/>
-                </a:solidFill>
-              </a:rPr>
-              <a:t>finish</a:t>
-            </a:r>
-            <a:r>
-              <a:rPr lang="en-CA" dirty="0"/>
-              <a:t>: Action that captures what we want to have happen</a:t>
-            </a:r>
+            <a:endParaRPr lang="en-CA" dirty="0"/>
           </a:p>
           <a:p>
             <a:endParaRPr lang="en-CA" dirty="0"/>
@@ -13681,22 +13919,39 @@
               <a:buNone/>
             </a:pPr>
             <a:r>
-              <a:rPr lang="en-CA" dirty="0"/>
-              <a:t>http://editor.planning.domains/planning-course/hybrid/gogogo</a:t>
-            </a:r>
+              <a:rPr lang="en-CA" sz="2800" dirty="0"/>
+              <a:t>epistemic / </a:t>
+            </a:r>
+            <a:r>
+              <a:rPr lang="en-CA" sz="2800" dirty="0" err="1"/>
+              <a:t>wererich</a:t>
+            </a:r>
+            <a:endParaRPr lang="en-CA" sz="2800" dirty="0"/>
           </a:p>
         </p:txBody>
       </p:sp>
     </p:spTree>
     <p:extLst>
       <p:ext uri="{BB962C8B-B14F-4D97-AF65-F5344CB8AC3E}">
-        <p14:creationId xmlns:p14="http://schemas.microsoft.com/office/powerpoint/2010/main" val="1315833981"/>
+        <p14:creationId xmlns:p14="http://schemas.microsoft.com/office/powerpoint/2010/main" val="4031490244"/>
       </p:ext>
     </p:extLst>
   </p:cSld>
   <p:clrMapOvr>
     <a:masterClrMapping/>
   </p:clrMapOvr>
+  <mc:AlternateContent xmlns:mc="http://schemas.openxmlformats.org/markup-compatibility/2006" xmlns:p14="http://schemas.microsoft.com/office/powerpoint/2010/main">
+    <mc:Choice Requires="p14">
+      <p:transition spd="med" p14:dur="700">
+        <p:fade/>
+      </p:transition>
+    </mc:Choice>
+    <mc:Fallback xmlns="">
+      <p:transition spd="med">
+        <p:fade/>
+      </p:transition>
+    </mc:Fallback>
+  </mc:AlternateContent>
 </p:sld>
 </file>
 

--- a/exercises/cisc-813/epistemic/slides.pptx
+++ b/exercises/cisc-813/epistemic/slides.pptx
@@ -3,26 +3,31 @@
 <p:presentation xmlns:a="http://schemas.openxmlformats.org/drawingml/2006/main" xmlns:r="http://schemas.openxmlformats.org/officeDocument/2006/relationships" xmlns:p="http://schemas.openxmlformats.org/presentationml/2006/main" saveSubsetFonts="1">
   <p:sldMasterIdLst>
     <p:sldMasterId id="2147483660" r:id="rId1"/>
+    <p:sldMasterId id="2147483675" r:id="rId2"/>
   </p:sldMasterIdLst>
   <p:sldIdLst>
-    <p:sldId id="1685" r:id="rId2"/>
-    <p:sldId id="258" r:id="rId3"/>
-    <p:sldId id="1690" r:id="rId4"/>
-    <p:sldId id="257" r:id="rId5"/>
-    <p:sldId id="261" r:id="rId6"/>
-    <p:sldId id="1693" r:id="rId7"/>
-    <p:sldId id="1706" r:id="rId8"/>
-    <p:sldId id="1694" r:id="rId9"/>
-    <p:sldId id="1700" r:id="rId10"/>
-    <p:sldId id="1695" r:id="rId11"/>
-    <p:sldId id="1701" r:id="rId12"/>
-    <p:sldId id="1696" r:id="rId13"/>
-    <p:sldId id="1702" r:id="rId14"/>
-    <p:sldId id="1697" r:id="rId15"/>
-    <p:sldId id="1703" r:id="rId16"/>
-    <p:sldId id="1698" r:id="rId17"/>
-    <p:sldId id="1704" r:id="rId18"/>
-    <p:sldId id="1684" r:id="rId19"/>
+    <p:sldId id="1685" r:id="rId3"/>
+    <p:sldId id="258" r:id="rId4"/>
+    <p:sldId id="1690" r:id="rId5"/>
+    <p:sldId id="257" r:id="rId6"/>
+    <p:sldId id="261" r:id="rId7"/>
+    <p:sldId id="1693" r:id="rId8"/>
+    <p:sldId id="1706" r:id="rId9"/>
+    <p:sldId id="1694" r:id="rId10"/>
+    <p:sldId id="1700" r:id="rId11"/>
+    <p:sldId id="1695" r:id="rId12"/>
+    <p:sldId id="1701" r:id="rId13"/>
+    <p:sldId id="1696" r:id="rId14"/>
+    <p:sldId id="1702" r:id="rId15"/>
+    <p:sldId id="1697" r:id="rId16"/>
+    <p:sldId id="1703" r:id="rId17"/>
+    <p:sldId id="1698" r:id="rId18"/>
+    <p:sldId id="1704" r:id="rId19"/>
+    <p:sldId id="1684" r:id="rId20"/>
+    <p:sldId id="1800" r:id="rId21"/>
+    <p:sldId id="1809" r:id="rId22"/>
+    <p:sldId id="1812" r:id="rId23"/>
+    <p:sldId id="1811" r:id="rId24"/>
   </p:sldIdLst>
   <p:sldSz cx="12192000" cy="6858000"/>
   <p:notesSz cx="6858000" cy="9144000"/>
@@ -122,6 +127,40 @@
     </a:lvl9pPr>
   </p:defaultTextStyle>
   <p:extLst>
+    <p:ext uri="{521415D9-36F7-43E2-AB2F-B90AF26B5E84}">
+      <p14:sectionLst xmlns:p14="http://schemas.microsoft.com/office/powerpoint/2010/main">
+        <p14:section name="Default Section" id="{9BABB65C-38E1-41C5-8E71-4E149509449A}">
+          <p14:sldIdLst>
+            <p14:sldId id="1685"/>
+            <p14:sldId id="258"/>
+            <p14:sldId id="1690"/>
+            <p14:sldId id="257"/>
+            <p14:sldId id="261"/>
+            <p14:sldId id="1693"/>
+            <p14:sldId id="1706"/>
+            <p14:sldId id="1694"/>
+            <p14:sldId id="1700"/>
+            <p14:sldId id="1695"/>
+            <p14:sldId id="1701"/>
+            <p14:sldId id="1696"/>
+            <p14:sldId id="1702"/>
+            <p14:sldId id="1697"/>
+            <p14:sldId id="1703"/>
+            <p14:sldId id="1698"/>
+            <p14:sldId id="1704"/>
+            <p14:sldId id="1684"/>
+          </p14:sldIdLst>
+        </p14:section>
+        <p14:section name="PDKBDDL" id="{1EFE5D0B-A186-4E91-838F-C3914F8F8900}">
+          <p14:sldIdLst>
+            <p14:sldId id="1800"/>
+            <p14:sldId id="1809"/>
+            <p14:sldId id="1812"/>
+            <p14:sldId id="1811"/>
+          </p14:sldIdLst>
+        </p14:section>
+      </p14:sectionLst>
+    </p:ext>
     <p:ext uri="{EFAFB233-063F-42B5-8137-9DF3F51BA10A}">
       <p15:sldGuideLst xmlns:p15="http://schemas.microsoft.com/office/powerpoint/2012/main"/>
     </p:ext>
@@ -2642,6 +2681,1672 @@
 </p:sldLayout>
 </file>
 
+<file path=ppt/slideLayouts/slideLayout15.xml><?xml version="1.0" encoding="utf-8"?>
+<p:sldLayout xmlns:a="http://schemas.openxmlformats.org/drawingml/2006/main" xmlns:r="http://schemas.openxmlformats.org/officeDocument/2006/relationships" xmlns:p="http://schemas.openxmlformats.org/presentationml/2006/main" matchingName="Section header" type="secHead">
+  <p:cSld name="Section header">
+    <p:spTree>
+      <p:nvGrpSpPr>
+        <p:cNvPr id="1" name="Shape 13"/>
+        <p:cNvGrpSpPr/>
+        <p:nvPr/>
+      </p:nvGrpSpPr>
+      <p:grpSpPr>
+        <a:xfrm>
+          <a:off x="0" y="0"/>
+          <a:ext cx="0" cy="0"/>
+          <a:chOff x="0" y="0"/>
+          <a:chExt cx="0" cy="0"/>
+        </a:xfrm>
+      </p:grpSpPr>
+      <p:sp>
+        <p:nvSpPr>
+          <p:cNvPr id="14" name="Google Shape;14;p3"/>
+          <p:cNvSpPr txBox="1">
+            <a:spLocks noGrp="1"/>
+          </p:cNvSpPr>
+          <p:nvPr>
+            <p:ph type="title"/>
+          </p:nvPr>
+        </p:nvSpPr>
+        <p:spPr>
+          <a:xfrm>
+            <a:off x="415600" y="2867800"/>
+            <a:ext cx="11360800" cy="1122400"/>
+          </a:xfrm>
+          <a:prstGeom prst="rect">
+            <a:avLst/>
+          </a:prstGeom>
+        </p:spPr>
+        <p:txBody>
+          <a:bodyPr spcFirstLastPara="1" wrap="square" lIns="91425" tIns="91425" rIns="91425" bIns="91425" anchor="ctr" anchorCtr="0">
+            <a:normAutofit/>
+          </a:bodyPr>
+          <a:lstStyle>
+            <a:lvl1pPr lvl="0" algn="ctr">
+              <a:spcBef>
+                <a:spcPts val="0"/>
+              </a:spcBef>
+              <a:spcAft>
+                <a:spcPts val="0"/>
+              </a:spcAft>
+              <a:buSzPts val="3600"/>
+              <a:buNone/>
+              <a:defRPr sz="4800"/>
+            </a:lvl1pPr>
+            <a:lvl2pPr lvl="1" algn="ctr">
+              <a:spcBef>
+                <a:spcPts val="0"/>
+              </a:spcBef>
+              <a:spcAft>
+                <a:spcPts val="0"/>
+              </a:spcAft>
+              <a:buSzPts val="3600"/>
+              <a:buNone/>
+              <a:defRPr sz="4800"/>
+            </a:lvl2pPr>
+            <a:lvl3pPr lvl="2" algn="ctr">
+              <a:spcBef>
+                <a:spcPts val="0"/>
+              </a:spcBef>
+              <a:spcAft>
+                <a:spcPts val="0"/>
+              </a:spcAft>
+              <a:buSzPts val="3600"/>
+              <a:buNone/>
+              <a:defRPr sz="4800"/>
+            </a:lvl3pPr>
+            <a:lvl4pPr lvl="3" algn="ctr">
+              <a:spcBef>
+                <a:spcPts val="0"/>
+              </a:spcBef>
+              <a:spcAft>
+                <a:spcPts val="0"/>
+              </a:spcAft>
+              <a:buSzPts val="3600"/>
+              <a:buNone/>
+              <a:defRPr sz="4800"/>
+            </a:lvl4pPr>
+            <a:lvl5pPr lvl="4" algn="ctr">
+              <a:spcBef>
+                <a:spcPts val="0"/>
+              </a:spcBef>
+              <a:spcAft>
+                <a:spcPts val="0"/>
+              </a:spcAft>
+              <a:buSzPts val="3600"/>
+              <a:buNone/>
+              <a:defRPr sz="4800"/>
+            </a:lvl5pPr>
+            <a:lvl6pPr lvl="5" algn="ctr">
+              <a:spcBef>
+                <a:spcPts val="0"/>
+              </a:spcBef>
+              <a:spcAft>
+                <a:spcPts val="0"/>
+              </a:spcAft>
+              <a:buSzPts val="3600"/>
+              <a:buNone/>
+              <a:defRPr sz="4800"/>
+            </a:lvl6pPr>
+            <a:lvl7pPr lvl="6" algn="ctr">
+              <a:spcBef>
+                <a:spcPts val="0"/>
+              </a:spcBef>
+              <a:spcAft>
+                <a:spcPts val="0"/>
+              </a:spcAft>
+              <a:buSzPts val="3600"/>
+              <a:buNone/>
+              <a:defRPr sz="4800"/>
+            </a:lvl7pPr>
+            <a:lvl8pPr lvl="7" algn="ctr">
+              <a:spcBef>
+                <a:spcPts val="0"/>
+              </a:spcBef>
+              <a:spcAft>
+                <a:spcPts val="0"/>
+              </a:spcAft>
+              <a:buSzPts val="3600"/>
+              <a:buNone/>
+              <a:defRPr sz="4800"/>
+            </a:lvl8pPr>
+            <a:lvl9pPr lvl="8" algn="ctr">
+              <a:spcBef>
+                <a:spcPts val="0"/>
+              </a:spcBef>
+              <a:spcAft>
+                <a:spcPts val="0"/>
+              </a:spcAft>
+              <a:buSzPts val="3600"/>
+              <a:buNone/>
+              <a:defRPr sz="4800"/>
+            </a:lvl9pPr>
+          </a:lstStyle>
+          <a:p>
+            <a:endParaRPr/>
+          </a:p>
+        </p:txBody>
+      </p:sp>
+      <p:sp>
+        <p:nvSpPr>
+          <p:cNvPr id="15" name="Google Shape;15;p3"/>
+          <p:cNvSpPr txBox="1">
+            <a:spLocks noGrp="1"/>
+          </p:cNvSpPr>
+          <p:nvPr>
+            <p:ph type="sldNum" idx="12"/>
+          </p:nvPr>
+        </p:nvSpPr>
+        <p:spPr>
+          <a:xfrm>
+            <a:off x="11296611" y="6217623"/>
+            <a:ext cx="731600" cy="524800"/>
+          </a:xfrm>
+          <a:prstGeom prst="rect">
+            <a:avLst/>
+          </a:prstGeom>
+        </p:spPr>
+        <p:txBody>
+          <a:bodyPr spcFirstLastPara="1" wrap="square" lIns="91425" tIns="91425" rIns="91425" bIns="91425" anchor="ctr" anchorCtr="0">
+            <a:normAutofit/>
+          </a:bodyPr>
+          <a:lstStyle>
+            <a:lvl1pPr lvl="0">
+              <a:buNone/>
+              <a:defRPr/>
+            </a:lvl1pPr>
+            <a:lvl2pPr lvl="1">
+              <a:buNone/>
+              <a:defRPr/>
+            </a:lvl2pPr>
+            <a:lvl3pPr lvl="2">
+              <a:buNone/>
+              <a:defRPr/>
+            </a:lvl3pPr>
+            <a:lvl4pPr lvl="3">
+              <a:buNone/>
+              <a:defRPr/>
+            </a:lvl4pPr>
+            <a:lvl5pPr lvl="4">
+              <a:buNone/>
+              <a:defRPr/>
+            </a:lvl5pPr>
+            <a:lvl6pPr lvl="5">
+              <a:buNone/>
+              <a:defRPr/>
+            </a:lvl6pPr>
+            <a:lvl7pPr lvl="6">
+              <a:buNone/>
+              <a:defRPr/>
+            </a:lvl7pPr>
+            <a:lvl8pPr lvl="7">
+              <a:buNone/>
+              <a:defRPr/>
+            </a:lvl8pPr>
+            <a:lvl9pPr lvl="8">
+              <a:buNone/>
+              <a:defRPr/>
+            </a:lvl9pPr>
+          </a:lstStyle>
+          <a:p>
+            <a:fld id="{00000000-1234-1234-1234-123412341234}" type="slidenum">
+              <a:rPr lang="en" smtClean="0"/>
+              <a:pPr/>
+              <a:t>‹#›</a:t>
+            </a:fld>
+            <a:endParaRPr lang="en"/>
+          </a:p>
+        </p:txBody>
+      </p:sp>
+    </p:spTree>
+    <p:extLst>
+      <p:ext uri="{BB962C8B-B14F-4D97-AF65-F5344CB8AC3E}">
+        <p14:creationId xmlns:p14="http://schemas.microsoft.com/office/powerpoint/2010/main" val="3690123023"/>
+      </p:ext>
+    </p:extLst>
+  </p:cSld>
+  <p:clrMapOvr>
+    <a:masterClrMapping/>
+  </p:clrMapOvr>
+</p:sldLayout>
+</file>
+
+<file path=ppt/slideLayouts/slideLayout16.xml><?xml version="1.0" encoding="utf-8"?>
+<p:sldLayout xmlns:a="http://schemas.openxmlformats.org/drawingml/2006/main" xmlns:r="http://schemas.openxmlformats.org/officeDocument/2006/relationships" xmlns:p="http://schemas.openxmlformats.org/presentationml/2006/main" matchingName="Title and body" type="tx">
+  <p:cSld name="Title and body">
+    <p:spTree>
+      <p:nvGrpSpPr>
+        <p:cNvPr id="1" name="Shape 16"/>
+        <p:cNvGrpSpPr/>
+        <p:nvPr/>
+      </p:nvGrpSpPr>
+      <p:grpSpPr>
+        <a:xfrm>
+          <a:off x="0" y="0"/>
+          <a:ext cx="0" cy="0"/>
+          <a:chOff x="0" y="0"/>
+          <a:chExt cx="0" cy="0"/>
+        </a:xfrm>
+      </p:grpSpPr>
+      <p:sp>
+        <p:nvSpPr>
+          <p:cNvPr id="17" name="Google Shape;17;p4"/>
+          <p:cNvSpPr txBox="1">
+            <a:spLocks noGrp="1"/>
+          </p:cNvSpPr>
+          <p:nvPr>
+            <p:ph type="title"/>
+          </p:nvPr>
+        </p:nvSpPr>
+        <p:spPr>
+          <a:xfrm>
+            <a:off x="415600" y="593367"/>
+            <a:ext cx="11360800" cy="763600"/>
+          </a:xfrm>
+          <a:prstGeom prst="rect">
+            <a:avLst/>
+          </a:prstGeom>
+        </p:spPr>
+        <p:txBody>
+          <a:bodyPr spcFirstLastPara="1" wrap="square" lIns="91425" tIns="91425" rIns="91425" bIns="91425" anchor="t" anchorCtr="0">
+            <a:normAutofit/>
+          </a:bodyPr>
+          <a:lstStyle>
+            <a:lvl1pPr lvl="0">
+              <a:spcBef>
+                <a:spcPts val="0"/>
+              </a:spcBef>
+              <a:spcAft>
+                <a:spcPts val="0"/>
+              </a:spcAft>
+              <a:buSzPts val="2800"/>
+              <a:buNone/>
+              <a:defRPr/>
+            </a:lvl1pPr>
+            <a:lvl2pPr lvl="1">
+              <a:spcBef>
+                <a:spcPts val="0"/>
+              </a:spcBef>
+              <a:spcAft>
+                <a:spcPts val="0"/>
+              </a:spcAft>
+              <a:buSzPts val="2800"/>
+              <a:buNone/>
+              <a:defRPr/>
+            </a:lvl2pPr>
+            <a:lvl3pPr lvl="2">
+              <a:spcBef>
+                <a:spcPts val="0"/>
+              </a:spcBef>
+              <a:spcAft>
+                <a:spcPts val="0"/>
+              </a:spcAft>
+              <a:buSzPts val="2800"/>
+              <a:buNone/>
+              <a:defRPr/>
+            </a:lvl3pPr>
+            <a:lvl4pPr lvl="3">
+              <a:spcBef>
+                <a:spcPts val="0"/>
+              </a:spcBef>
+              <a:spcAft>
+                <a:spcPts val="0"/>
+              </a:spcAft>
+              <a:buSzPts val="2800"/>
+              <a:buNone/>
+              <a:defRPr/>
+            </a:lvl4pPr>
+            <a:lvl5pPr lvl="4">
+              <a:spcBef>
+                <a:spcPts val="0"/>
+              </a:spcBef>
+              <a:spcAft>
+                <a:spcPts val="0"/>
+              </a:spcAft>
+              <a:buSzPts val="2800"/>
+              <a:buNone/>
+              <a:defRPr/>
+            </a:lvl5pPr>
+            <a:lvl6pPr lvl="5">
+              <a:spcBef>
+                <a:spcPts val="0"/>
+              </a:spcBef>
+              <a:spcAft>
+                <a:spcPts val="0"/>
+              </a:spcAft>
+              <a:buSzPts val="2800"/>
+              <a:buNone/>
+              <a:defRPr/>
+            </a:lvl6pPr>
+            <a:lvl7pPr lvl="6">
+              <a:spcBef>
+                <a:spcPts val="0"/>
+              </a:spcBef>
+              <a:spcAft>
+                <a:spcPts val="0"/>
+              </a:spcAft>
+              <a:buSzPts val="2800"/>
+              <a:buNone/>
+              <a:defRPr/>
+            </a:lvl7pPr>
+            <a:lvl8pPr lvl="7">
+              <a:spcBef>
+                <a:spcPts val="0"/>
+              </a:spcBef>
+              <a:spcAft>
+                <a:spcPts val="0"/>
+              </a:spcAft>
+              <a:buSzPts val="2800"/>
+              <a:buNone/>
+              <a:defRPr/>
+            </a:lvl8pPr>
+            <a:lvl9pPr lvl="8">
+              <a:spcBef>
+                <a:spcPts val="0"/>
+              </a:spcBef>
+              <a:spcAft>
+                <a:spcPts val="0"/>
+              </a:spcAft>
+              <a:buSzPts val="2800"/>
+              <a:buNone/>
+              <a:defRPr/>
+            </a:lvl9pPr>
+          </a:lstStyle>
+          <a:p>
+            <a:endParaRPr/>
+          </a:p>
+        </p:txBody>
+      </p:sp>
+      <p:sp>
+        <p:nvSpPr>
+          <p:cNvPr id="18" name="Google Shape;18;p4"/>
+          <p:cNvSpPr txBox="1">
+            <a:spLocks noGrp="1"/>
+          </p:cNvSpPr>
+          <p:nvPr>
+            <p:ph type="body" idx="1"/>
+          </p:nvPr>
+        </p:nvSpPr>
+        <p:spPr>
+          <a:xfrm>
+            <a:off x="415600" y="1536633"/>
+            <a:ext cx="11360800" cy="4555200"/>
+          </a:xfrm>
+          <a:prstGeom prst="rect">
+            <a:avLst/>
+          </a:prstGeom>
+        </p:spPr>
+        <p:txBody>
+          <a:bodyPr spcFirstLastPara="1" wrap="square" lIns="91425" tIns="91425" rIns="91425" bIns="91425" anchor="t" anchorCtr="0">
+            <a:normAutofit/>
+          </a:bodyPr>
+          <a:lstStyle>
+            <a:lvl1pPr marL="609585" lvl="0" indent="-457189">
+              <a:spcBef>
+                <a:spcPts val="0"/>
+              </a:spcBef>
+              <a:spcAft>
+                <a:spcPts val="0"/>
+              </a:spcAft>
+              <a:buSzPts val="1800"/>
+              <a:buChar char="●"/>
+              <a:defRPr/>
+            </a:lvl1pPr>
+            <a:lvl2pPr marL="1219170" lvl="1" indent="-423323">
+              <a:spcBef>
+                <a:spcPts val="0"/>
+              </a:spcBef>
+              <a:spcAft>
+                <a:spcPts val="0"/>
+              </a:spcAft>
+              <a:buSzPts val="1400"/>
+              <a:buChar char="○"/>
+              <a:defRPr/>
+            </a:lvl2pPr>
+            <a:lvl3pPr marL="1828754" lvl="2" indent="-423323">
+              <a:spcBef>
+                <a:spcPts val="0"/>
+              </a:spcBef>
+              <a:spcAft>
+                <a:spcPts val="0"/>
+              </a:spcAft>
+              <a:buSzPts val="1400"/>
+              <a:buChar char="■"/>
+              <a:defRPr/>
+            </a:lvl3pPr>
+            <a:lvl4pPr marL="2438339" lvl="3" indent="-423323">
+              <a:spcBef>
+                <a:spcPts val="0"/>
+              </a:spcBef>
+              <a:spcAft>
+                <a:spcPts val="0"/>
+              </a:spcAft>
+              <a:buSzPts val="1400"/>
+              <a:buChar char="●"/>
+              <a:defRPr/>
+            </a:lvl4pPr>
+            <a:lvl5pPr marL="3047924" lvl="4" indent="-423323">
+              <a:spcBef>
+                <a:spcPts val="0"/>
+              </a:spcBef>
+              <a:spcAft>
+                <a:spcPts val="0"/>
+              </a:spcAft>
+              <a:buSzPts val="1400"/>
+              <a:buChar char="○"/>
+              <a:defRPr/>
+            </a:lvl5pPr>
+            <a:lvl6pPr marL="3657509" lvl="5" indent="-423323">
+              <a:spcBef>
+                <a:spcPts val="0"/>
+              </a:spcBef>
+              <a:spcAft>
+                <a:spcPts val="0"/>
+              </a:spcAft>
+              <a:buSzPts val="1400"/>
+              <a:buChar char="■"/>
+              <a:defRPr/>
+            </a:lvl6pPr>
+            <a:lvl7pPr marL="4267093" lvl="6" indent="-423323">
+              <a:spcBef>
+                <a:spcPts val="0"/>
+              </a:spcBef>
+              <a:spcAft>
+                <a:spcPts val="0"/>
+              </a:spcAft>
+              <a:buSzPts val="1400"/>
+              <a:buChar char="●"/>
+              <a:defRPr/>
+            </a:lvl7pPr>
+            <a:lvl8pPr marL="4876678" lvl="7" indent="-423323">
+              <a:spcBef>
+                <a:spcPts val="0"/>
+              </a:spcBef>
+              <a:spcAft>
+                <a:spcPts val="0"/>
+              </a:spcAft>
+              <a:buSzPts val="1400"/>
+              <a:buChar char="○"/>
+              <a:defRPr/>
+            </a:lvl8pPr>
+            <a:lvl9pPr marL="5486263" lvl="8" indent="-423323">
+              <a:spcBef>
+                <a:spcPts val="0"/>
+              </a:spcBef>
+              <a:spcAft>
+                <a:spcPts val="0"/>
+              </a:spcAft>
+              <a:buSzPts val="1400"/>
+              <a:buChar char="■"/>
+              <a:defRPr/>
+            </a:lvl9pPr>
+          </a:lstStyle>
+          <a:p>
+            <a:endParaRPr/>
+          </a:p>
+        </p:txBody>
+      </p:sp>
+      <p:sp>
+        <p:nvSpPr>
+          <p:cNvPr id="19" name="Google Shape;19;p4"/>
+          <p:cNvSpPr txBox="1">
+            <a:spLocks noGrp="1"/>
+          </p:cNvSpPr>
+          <p:nvPr>
+            <p:ph type="sldNum" idx="12"/>
+          </p:nvPr>
+        </p:nvSpPr>
+        <p:spPr>
+          <a:xfrm>
+            <a:off x="11296611" y="6217623"/>
+            <a:ext cx="731600" cy="524800"/>
+          </a:xfrm>
+          <a:prstGeom prst="rect">
+            <a:avLst/>
+          </a:prstGeom>
+        </p:spPr>
+        <p:txBody>
+          <a:bodyPr spcFirstLastPara="1" wrap="square" lIns="91425" tIns="91425" rIns="91425" bIns="91425" anchor="ctr" anchorCtr="0">
+            <a:normAutofit/>
+          </a:bodyPr>
+          <a:lstStyle>
+            <a:lvl1pPr lvl="0">
+              <a:buNone/>
+              <a:defRPr/>
+            </a:lvl1pPr>
+            <a:lvl2pPr lvl="1">
+              <a:buNone/>
+              <a:defRPr/>
+            </a:lvl2pPr>
+            <a:lvl3pPr lvl="2">
+              <a:buNone/>
+              <a:defRPr/>
+            </a:lvl3pPr>
+            <a:lvl4pPr lvl="3">
+              <a:buNone/>
+              <a:defRPr/>
+            </a:lvl4pPr>
+            <a:lvl5pPr lvl="4">
+              <a:buNone/>
+              <a:defRPr/>
+            </a:lvl5pPr>
+            <a:lvl6pPr lvl="5">
+              <a:buNone/>
+              <a:defRPr/>
+            </a:lvl6pPr>
+            <a:lvl7pPr lvl="6">
+              <a:buNone/>
+              <a:defRPr/>
+            </a:lvl7pPr>
+            <a:lvl8pPr lvl="7">
+              <a:buNone/>
+              <a:defRPr/>
+            </a:lvl8pPr>
+            <a:lvl9pPr lvl="8">
+              <a:buNone/>
+              <a:defRPr/>
+            </a:lvl9pPr>
+          </a:lstStyle>
+          <a:p>
+            <a:fld id="{00000000-1234-1234-1234-123412341234}" type="slidenum">
+              <a:rPr lang="en" smtClean="0"/>
+              <a:pPr/>
+              <a:t>‹#›</a:t>
+            </a:fld>
+            <a:endParaRPr lang="en"/>
+          </a:p>
+        </p:txBody>
+      </p:sp>
+    </p:spTree>
+    <p:extLst>
+      <p:ext uri="{BB962C8B-B14F-4D97-AF65-F5344CB8AC3E}">
+        <p14:creationId xmlns:p14="http://schemas.microsoft.com/office/powerpoint/2010/main" val="1938953426"/>
+      </p:ext>
+    </p:extLst>
+  </p:cSld>
+  <p:clrMapOvr>
+    <a:masterClrMapping/>
+  </p:clrMapOvr>
+</p:sldLayout>
+</file>
+
+<file path=ppt/slideLayouts/slideLayout17.xml><?xml version="1.0" encoding="utf-8"?>
+<p:sldLayout xmlns:a="http://schemas.openxmlformats.org/drawingml/2006/main" xmlns:r="http://schemas.openxmlformats.org/officeDocument/2006/relationships" xmlns:p="http://schemas.openxmlformats.org/presentationml/2006/main" matchingName="Title and two columns" type="twoColTx">
+  <p:cSld name="Title and two columns">
+    <p:spTree>
+      <p:nvGrpSpPr>
+        <p:cNvPr id="1" name="Shape 20"/>
+        <p:cNvGrpSpPr/>
+        <p:nvPr/>
+      </p:nvGrpSpPr>
+      <p:grpSpPr>
+        <a:xfrm>
+          <a:off x="0" y="0"/>
+          <a:ext cx="0" cy="0"/>
+          <a:chOff x="0" y="0"/>
+          <a:chExt cx="0" cy="0"/>
+        </a:xfrm>
+      </p:grpSpPr>
+      <p:sp>
+        <p:nvSpPr>
+          <p:cNvPr id="21" name="Google Shape;21;p5"/>
+          <p:cNvSpPr txBox="1">
+            <a:spLocks noGrp="1"/>
+          </p:cNvSpPr>
+          <p:nvPr>
+            <p:ph type="title"/>
+          </p:nvPr>
+        </p:nvSpPr>
+        <p:spPr>
+          <a:xfrm>
+            <a:off x="415600" y="593367"/>
+            <a:ext cx="11360800" cy="763600"/>
+          </a:xfrm>
+          <a:prstGeom prst="rect">
+            <a:avLst/>
+          </a:prstGeom>
+        </p:spPr>
+        <p:txBody>
+          <a:bodyPr spcFirstLastPara="1" wrap="square" lIns="91425" tIns="91425" rIns="91425" bIns="91425" anchor="t" anchorCtr="0">
+            <a:normAutofit/>
+          </a:bodyPr>
+          <a:lstStyle>
+            <a:lvl1pPr lvl="0">
+              <a:spcBef>
+                <a:spcPts val="0"/>
+              </a:spcBef>
+              <a:spcAft>
+                <a:spcPts val="0"/>
+              </a:spcAft>
+              <a:buSzPts val="2800"/>
+              <a:buNone/>
+              <a:defRPr/>
+            </a:lvl1pPr>
+            <a:lvl2pPr lvl="1">
+              <a:spcBef>
+                <a:spcPts val="0"/>
+              </a:spcBef>
+              <a:spcAft>
+                <a:spcPts val="0"/>
+              </a:spcAft>
+              <a:buSzPts val="2800"/>
+              <a:buNone/>
+              <a:defRPr/>
+            </a:lvl2pPr>
+            <a:lvl3pPr lvl="2">
+              <a:spcBef>
+                <a:spcPts val="0"/>
+              </a:spcBef>
+              <a:spcAft>
+                <a:spcPts val="0"/>
+              </a:spcAft>
+              <a:buSzPts val="2800"/>
+              <a:buNone/>
+              <a:defRPr/>
+            </a:lvl3pPr>
+            <a:lvl4pPr lvl="3">
+              <a:spcBef>
+                <a:spcPts val="0"/>
+              </a:spcBef>
+              <a:spcAft>
+                <a:spcPts val="0"/>
+              </a:spcAft>
+              <a:buSzPts val="2800"/>
+              <a:buNone/>
+              <a:defRPr/>
+            </a:lvl4pPr>
+            <a:lvl5pPr lvl="4">
+              <a:spcBef>
+                <a:spcPts val="0"/>
+              </a:spcBef>
+              <a:spcAft>
+                <a:spcPts val="0"/>
+              </a:spcAft>
+              <a:buSzPts val="2800"/>
+              <a:buNone/>
+              <a:defRPr/>
+            </a:lvl5pPr>
+            <a:lvl6pPr lvl="5">
+              <a:spcBef>
+                <a:spcPts val="0"/>
+              </a:spcBef>
+              <a:spcAft>
+                <a:spcPts val="0"/>
+              </a:spcAft>
+              <a:buSzPts val="2800"/>
+              <a:buNone/>
+              <a:defRPr/>
+            </a:lvl6pPr>
+            <a:lvl7pPr lvl="6">
+              <a:spcBef>
+                <a:spcPts val="0"/>
+              </a:spcBef>
+              <a:spcAft>
+                <a:spcPts val="0"/>
+              </a:spcAft>
+              <a:buSzPts val="2800"/>
+              <a:buNone/>
+              <a:defRPr/>
+            </a:lvl7pPr>
+            <a:lvl8pPr lvl="7">
+              <a:spcBef>
+                <a:spcPts val="0"/>
+              </a:spcBef>
+              <a:spcAft>
+                <a:spcPts val="0"/>
+              </a:spcAft>
+              <a:buSzPts val="2800"/>
+              <a:buNone/>
+              <a:defRPr/>
+            </a:lvl8pPr>
+            <a:lvl9pPr lvl="8">
+              <a:spcBef>
+                <a:spcPts val="0"/>
+              </a:spcBef>
+              <a:spcAft>
+                <a:spcPts val="0"/>
+              </a:spcAft>
+              <a:buSzPts val="2800"/>
+              <a:buNone/>
+              <a:defRPr/>
+            </a:lvl9pPr>
+          </a:lstStyle>
+          <a:p>
+            <a:endParaRPr/>
+          </a:p>
+        </p:txBody>
+      </p:sp>
+      <p:sp>
+        <p:nvSpPr>
+          <p:cNvPr id="22" name="Google Shape;22;p5"/>
+          <p:cNvSpPr txBox="1">
+            <a:spLocks noGrp="1"/>
+          </p:cNvSpPr>
+          <p:nvPr>
+            <p:ph type="body" idx="1"/>
+          </p:nvPr>
+        </p:nvSpPr>
+        <p:spPr>
+          <a:xfrm>
+            <a:off x="415600" y="1536633"/>
+            <a:ext cx="5333200" cy="4555200"/>
+          </a:xfrm>
+          <a:prstGeom prst="rect">
+            <a:avLst/>
+          </a:prstGeom>
+        </p:spPr>
+        <p:txBody>
+          <a:bodyPr spcFirstLastPara="1" wrap="square" lIns="91425" tIns="91425" rIns="91425" bIns="91425" anchor="t" anchorCtr="0">
+            <a:normAutofit/>
+          </a:bodyPr>
+          <a:lstStyle>
+            <a:lvl1pPr marL="609585" lvl="0" indent="-423323">
+              <a:spcBef>
+                <a:spcPts val="0"/>
+              </a:spcBef>
+              <a:spcAft>
+                <a:spcPts val="0"/>
+              </a:spcAft>
+              <a:buSzPts val="1400"/>
+              <a:buChar char="●"/>
+              <a:defRPr sz="1867"/>
+            </a:lvl1pPr>
+            <a:lvl2pPr marL="1219170" lvl="1" indent="-406390">
+              <a:spcBef>
+                <a:spcPts val="0"/>
+              </a:spcBef>
+              <a:spcAft>
+                <a:spcPts val="0"/>
+              </a:spcAft>
+              <a:buSzPts val="1200"/>
+              <a:buChar char="○"/>
+              <a:defRPr sz="1600"/>
+            </a:lvl2pPr>
+            <a:lvl3pPr marL="1828754" lvl="2" indent="-406390">
+              <a:spcBef>
+                <a:spcPts val="0"/>
+              </a:spcBef>
+              <a:spcAft>
+                <a:spcPts val="0"/>
+              </a:spcAft>
+              <a:buSzPts val="1200"/>
+              <a:buChar char="■"/>
+              <a:defRPr sz="1600"/>
+            </a:lvl3pPr>
+            <a:lvl4pPr marL="2438339" lvl="3" indent="-406390">
+              <a:spcBef>
+                <a:spcPts val="0"/>
+              </a:spcBef>
+              <a:spcAft>
+                <a:spcPts val="0"/>
+              </a:spcAft>
+              <a:buSzPts val="1200"/>
+              <a:buChar char="●"/>
+              <a:defRPr sz="1600"/>
+            </a:lvl4pPr>
+            <a:lvl5pPr marL="3047924" lvl="4" indent="-406390">
+              <a:spcBef>
+                <a:spcPts val="0"/>
+              </a:spcBef>
+              <a:spcAft>
+                <a:spcPts val="0"/>
+              </a:spcAft>
+              <a:buSzPts val="1200"/>
+              <a:buChar char="○"/>
+              <a:defRPr sz="1600"/>
+            </a:lvl5pPr>
+            <a:lvl6pPr marL="3657509" lvl="5" indent="-406390">
+              <a:spcBef>
+                <a:spcPts val="0"/>
+              </a:spcBef>
+              <a:spcAft>
+                <a:spcPts val="0"/>
+              </a:spcAft>
+              <a:buSzPts val="1200"/>
+              <a:buChar char="■"/>
+              <a:defRPr sz="1600"/>
+            </a:lvl6pPr>
+            <a:lvl7pPr marL="4267093" lvl="6" indent="-406390">
+              <a:spcBef>
+                <a:spcPts val="0"/>
+              </a:spcBef>
+              <a:spcAft>
+                <a:spcPts val="0"/>
+              </a:spcAft>
+              <a:buSzPts val="1200"/>
+              <a:buChar char="●"/>
+              <a:defRPr sz="1600"/>
+            </a:lvl7pPr>
+            <a:lvl8pPr marL="4876678" lvl="7" indent="-406390">
+              <a:spcBef>
+                <a:spcPts val="0"/>
+              </a:spcBef>
+              <a:spcAft>
+                <a:spcPts val="0"/>
+              </a:spcAft>
+              <a:buSzPts val="1200"/>
+              <a:buChar char="○"/>
+              <a:defRPr sz="1600"/>
+            </a:lvl8pPr>
+            <a:lvl9pPr marL="5486263" lvl="8" indent="-406390">
+              <a:spcBef>
+                <a:spcPts val="0"/>
+              </a:spcBef>
+              <a:spcAft>
+                <a:spcPts val="0"/>
+              </a:spcAft>
+              <a:buSzPts val="1200"/>
+              <a:buChar char="■"/>
+              <a:defRPr sz="1600"/>
+            </a:lvl9pPr>
+          </a:lstStyle>
+          <a:p>
+            <a:endParaRPr/>
+          </a:p>
+        </p:txBody>
+      </p:sp>
+      <p:sp>
+        <p:nvSpPr>
+          <p:cNvPr id="23" name="Google Shape;23;p5"/>
+          <p:cNvSpPr txBox="1">
+            <a:spLocks noGrp="1"/>
+          </p:cNvSpPr>
+          <p:nvPr>
+            <p:ph type="body" idx="2"/>
+          </p:nvPr>
+        </p:nvSpPr>
+        <p:spPr>
+          <a:xfrm>
+            <a:off x="6443200" y="1536633"/>
+            <a:ext cx="5333200" cy="4555200"/>
+          </a:xfrm>
+          <a:prstGeom prst="rect">
+            <a:avLst/>
+          </a:prstGeom>
+        </p:spPr>
+        <p:txBody>
+          <a:bodyPr spcFirstLastPara="1" wrap="square" lIns="91425" tIns="91425" rIns="91425" bIns="91425" anchor="t" anchorCtr="0">
+            <a:normAutofit/>
+          </a:bodyPr>
+          <a:lstStyle>
+            <a:lvl1pPr marL="609585" lvl="0" indent="-423323">
+              <a:spcBef>
+                <a:spcPts val="0"/>
+              </a:spcBef>
+              <a:spcAft>
+                <a:spcPts val="0"/>
+              </a:spcAft>
+              <a:buSzPts val="1400"/>
+              <a:buChar char="●"/>
+              <a:defRPr sz="1867"/>
+            </a:lvl1pPr>
+            <a:lvl2pPr marL="1219170" lvl="1" indent="-406390">
+              <a:spcBef>
+                <a:spcPts val="0"/>
+              </a:spcBef>
+              <a:spcAft>
+                <a:spcPts val="0"/>
+              </a:spcAft>
+              <a:buSzPts val="1200"/>
+              <a:buChar char="○"/>
+              <a:defRPr sz="1600"/>
+            </a:lvl2pPr>
+            <a:lvl3pPr marL="1828754" lvl="2" indent="-406390">
+              <a:spcBef>
+                <a:spcPts val="0"/>
+              </a:spcBef>
+              <a:spcAft>
+                <a:spcPts val="0"/>
+              </a:spcAft>
+              <a:buSzPts val="1200"/>
+              <a:buChar char="■"/>
+              <a:defRPr sz="1600"/>
+            </a:lvl3pPr>
+            <a:lvl4pPr marL="2438339" lvl="3" indent="-406390">
+              <a:spcBef>
+                <a:spcPts val="0"/>
+              </a:spcBef>
+              <a:spcAft>
+                <a:spcPts val="0"/>
+              </a:spcAft>
+              <a:buSzPts val="1200"/>
+              <a:buChar char="●"/>
+              <a:defRPr sz="1600"/>
+            </a:lvl4pPr>
+            <a:lvl5pPr marL="3047924" lvl="4" indent="-406390">
+              <a:spcBef>
+                <a:spcPts val="0"/>
+              </a:spcBef>
+              <a:spcAft>
+                <a:spcPts val="0"/>
+              </a:spcAft>
+              <a:buSzPts val="1200"/>
+              <a:buChar char="○"/>
+              <a:defRPr sz="1600"/>
+            </a:lvl5pPr>
+            <a:lvl6pPr marL="3657509" lvl="5" indent="-406390">
+              <a:spcBef>
+                <a:spcPts val="0"/>
+              </a:spcBef>
+              <a:spcAft>
+                <a:spcPts val="0"/>
+              </a:spcAft>
+              <a:buSzPts val="1200"/>
+              <a:buChar char="■"/>
+              <a:defRPr sz="1600"/>
+            </a:lvl6pPr>
+            <a:lvl7pPr marL="4267093" lvl="6" indent="-406390">
+              <a:spcBef>
+                <a:spcPts val="0"/>
+              </a:spcBef>
+              <a:spcAft>
+                <a:spcPts val="0"/>
+              </a:spcAft>
+              <a:buSzPts val="1200"/>
+              <a:buChar char="●"/>
+              <a:defRPr sz="1600"/>
+            </a:lvl7pPr>
+            <a:lvl8pPr marL="4876678" lvl="7" indent="-406390">
+              <a:spcBef>
+                <a:spcPts val="0"/>
+              </a:spcBef>
+              <a:spcAft>
+                <a:spcPts val="0"/>
+              </a:spcAft>
+              <a:buSzPts val="1200"/>
+              <a:buChar char="○"/>
+              <a:defRPr sz="1600"/>
+            </a:lvl8pPr>
+            <a:lvl9pPr marL="5486263" lvl="8" indent="-406390">
+              <a:spcBef>
+                <a:spcPts val="0"/>
+              </a:spcBef>
+              <a:spcAft>
+                <a:spcPts val="0"/>
+              </a:spcAft>
+              <a:buSzPts val="1200"/>
+              <a:buChar char="■"/>
+              <a:defRPr sz="1600"/>
+            </a:lvl9pPr>
+          </a:lstStyle>
+          <a:p>
+            <a:endParaRPr/>
+          </a:p>
+        </p:txBody>
+      </p:sp>
+      <p:sp>
+        <p:nvSpPr>
+          <p:cNvPr id="24" name="Google Shape;24;p5"/>
+          <p:cNvSpPr txBox="1">
+            <a:spLocks noGrp="1"/>
+          </p:cNvSpPr>
+          <p:nvPr>
+            <p:ph type="sldNum" idx="12"/>
+          </p:nvPr>
+        </p:nvSpPr>
+        <p:spPr>
+          <a:xfrm>
+            <a:off x="11296611" y="6217623"/>
+            <a:ext cx="731600" cy="524800"/>
+          </a:xfrm>
+          <a:prstGeom prst="rect">
+            <a:avLst/>
+          </a:prstGeom>
+        </p:spPr>
+        <p:txBody>
+          <a:bodyPr spcFirstLastPara="1" wrap="square" lIns="91425" tIns="91425" rIns="91425" bIns="91425" anchor="ctr" anchorCtr="0">
+            <a:normAutofit/>
+          </a:bodyPr>
+          <a:lstStyle>
+            <a:lvl1pPr lvl="0">
+              <a:buNone/>
+              <a:defRPr/>
+            </a:lvl1pPr>
+            <a:lvl2pPr lvl="1">
+              <a:buNone/>
+              <a:defRPr/>
+            </a:lvl2pPr>
+            <a:lvl3pPr lvl="2">
+              <a:buNone/>
+              <a:defRPr/>
+            </a:lvl3pPr>
+            <a:lvl4pPr lvl="3">
+              <a:buNone/>
+              <a:defRPr/>
+            </a:lvl4pPr>
+            <a:lvl5pPr lvl="4">
+              <a:buNone/>
+              <a:defRPr/>
+            </a:lvl5pPr>
+            <a:lvl6pPr lvl="5">
+              <a:buNone/>
+              <a:defRPr/>
+            </a:lvl6pPr>
+            <a:lvl7pPr lvl="6">
+              <a:buNone/>
+              <a:defRPr/>
+            </a:lvl7pPr>
+            <a:lvl8pPr lvl="7">
+              <a:buNone/>
+              <a:defRPr/>
+            </a:lvl8pPr>
+            <a:lvl9pPr lvl="8">
+              <a:buNone/>
+              <a:defRPr/>
+            </a:lvl9pPr>
+          </a:lstStyle>
+          <a:p>
+            <a:fld id="{00000000-1234-1234-1234-123412341234}" type="slidenum">
+              <a:rPr lang="en" smtClean="0"/>
+              <a:pPr/>
+              <a:t>‹#›</a:t>
+            </a:fld>
+            <a:endParaRPr lang="en"/>
+          </a:p>
+        </p:txBody>
+      </p:sp>
+    </p:spTree>
+    <p:extLst>
+      <p:ext uri="{BB962C8B-B14F-4D97-AF65-F5344CB8AC3E}">
+        <p14:creationId xmlns:p14="http://schemas.microsoft.com/office/powerpoint/2010/main" val="2063303908"/>
+      </p:ext>
+    </p:extLst>
+  </p:cSld>
+  <p:clrMapOvr>
+    <a:masterClrMapping/>
+  </p:clrMapOvr>
+</p:sldLayout>
+</file>
+
+<file path=ppt/slideLayouts/slideLayout18.xml><?xml version="1.0" encoding="utf-8"?>
+<p:sldLayout xmlns:a="http://schemas.openxmlformats.org/drawingml/2006/main" xmlns:r="http://schemas.openxmlformats.org/officeDocument/2006/relationships" xmlns:p="http://schemas.openxmlformats.org/presentationml/2006/main" matchingName="Title only" type="titleOnly">
+  <p:cSld name="Title only">
+    <p:spTree>
+      <p:nvGrpSpPr>
+        <p:cNvPr id="1" name="Shape 25"/>
+        <p:cNvGrpSpPr/>
+        <p:nvPr/>
+      </p:nvGrpSpPr>
+      <p:grpSpPr>
+        <a:xfrm>
+          <a:off x="0" y="0"/>
+          <a:ext cx="0" cy="0"/>
+          <a:chOff x="0" y="0"/>
+          <a:chExt cx="0" cy="0"/>
+        </a:xfrm>
+      </p:grpSpPr>
+      <p:sp>
+        <p:nvSpPr>
+          <p:cNvPr id="26" name="Google Shape;26;p6"/>
+          <p:cNvSpPr txBox="1">
+            <a:spLocks noGrp="1"/>
+          </p:cNvSpPr>
+          <p:nvPr>
+            <p:ph type="title"/>
+          </p:nvPr>
+        </p:nvSpPr>
+        <p:spPr>
+          <a:xfrm>
+            <a:off x="415600" y="593367"/>
+            <a:ext cx="11360800" cy="763600"/>
+          </a:xfrm>
+          <a:prstGeom prst="rect">
+            <a:avLst/>
+          </a:prstGeom>
+        </p:spPr>
+        <p:txBody>
+          <a:bodyPr spcFirstLastPara="1" wrap="square" lIns="91425" tIns="91425" rIns="91425" bIns="91425" anchor="t" anchorCtr="0">
+            <a:normAutofit/>
+          </a:bodyPr>
+          <a:lstStyle>
+            <a:lvl1pPr lvl="0">
+              <a:spcBef>
+                <a:spcPts val="0"/>
+              </a:spcBef>
+              <a:spcAft>
+                <a:spcPts val="0"/>
+              </a:spcAft>
+              <a:buSzPts val="2800"/>
+              <a:buNone/>
+              <a:defRPr/>
+            </a:lvl1pPr>
+            <a:lvl2pPr lvl="1">
+              <a:spcBef>
+                <a:spcPts val="0"/>
+              </a:spcBef>
+              <a:spcAft>
+                <a:spcPts val="0"/>
+              </a:spcAft>
+              <a:buSzPts val="2800"/>
+              <a:buNone/>
+              <a:defRPr/>
+            </a:lvl2pPr>
+            <a:lvl3pPr lvl="2">
+              <a:spcBef>
+                <a:spcPts val="0"/>
+              </a:spcBef>
+              <a:spcAft>
+                <a:spcPts val="0"/>
+              </a:spcAft>
+              <a:buSzPts val="2800"/>
+              <a:buNone/>
+              <a:defRPr/>
+            </a:lvl3pPr>
+            <a:lvl4pPr lvl="3">
+              <a:spcBef>
+                <a:spcPts val="0"/>
+              </a:spcBef>
+              <a:spcAft>
+                <a:spcPts val="0"/>
+              </a:spcAft>
+              <a:buSzPts val="2800"/>
+              <a:buNone/>
+              <a:defRPr/>
+            </a:lvl4pPr>
+            <a:lvl5pPr lvl="4">
+              <a:spcBef>
+                <a:spcPts val="0"/>
+              </a:spcBef>
+              <a:spcAft>
+                <a:spcPts val="0"/>
+              </a:spcAft>
+              <a:buSzPts val="2800"/>
+              <a:buNone/>
+              <a:defRPr/>
+            </a:lvl5pPr>
+            <a:lvl6pPr lvl="5">
+              <a:spcBef>
+                <a:spcPts val="0"/>
+              </a:spcBef>
+              <a:spcAft>
+                <a:spcPts val="0"/>
+              </a:spcAft>
+              <a:buSzPts val="2800"/>
+              <a:buNone/>
+              <a:defRPr/>
+            </a:lvl6pPr>
+            <a:lvl7pPr lvl="6">
+              <a:spcBef>
+                <a:spcPts val="0"/>
+              </a:spcBef>
+              <a:spcAft>
+                <a:spcPts val="0"/>
+              </a:spcAft>
+              <a:buSzPts val="2800"/>
+              <a:buNone/>
+              <a:defRPr/>
+            </a:lvl7pPr>
+            <a:lvl8pPr lvl="7">
+              <a:spcBef>
+                <a:spcPts val="0"/>
+              </a:spcBef>
+              <a:spcAft>
+                <a:spcPts val="0"/>
+              </a:spcAft>
+              <a:buSzPts val="2800"/>
+              <a:buNone/>
+              <a:defRPr/>
+            </a:lvl8pPr>
+            <a:lvl9pPr lvl="8">
+              <a:spcBef>
+                <a:spcPts val="0"/>
+              </a:spcBef>
+              <a:spcAft>
+                <a:spcPts val="0"/>
+              </a:spcAft>
+              <a:buSzPts val="2800"/>
+              <a:buNone/>
+              <a:defRPr/>
+            </a:lvl9pPr>
+          </a:lstStyle>
+          <a:p>
+            <a:endParaRPr/>
+          </a:p>
+        </p:txBody>
+      </p:sp>
+      <p:sp>
+        <p:nvSpPr>
+          <p:cNvPr id="27" name="Google Shape;27;p6"/>
+          <p:cNvSpPr txBox="1">
+            <a:spLocks noGrp="1"/>
+          </p:cNvSpPr>
+          <p:nvPr>
+            <p:ph type="sldNum" idx="12"/>
+          </p:nvPr>
+        </p:nvSpPr>
+        <p:spPr>
+          <a:xfrm>
+            <a:off x="11296611" y="6217623"/>
+            <a:ext cx="731600" cy="524800"/>
+          </a:xfrm>
+          <a:prstGeom prst="rect">
+            <a:avLst/>
+          </a:prstGeom>
+        </p:spPr>
+        <p:txBody>
+          <a:bodyPr spcFirstLastPara="1" wrap="square" lIns="91425" tIns="91425" rIns="91425" bIns="91425" anchor="ctr" anchorCtr="0">
+            <a:normAutofit/>
+          </a:bodyPr>
+          <a:lstStyle>
+            <a:lvl1pPr lvl="0">
+              <a:buNone/>
+              <a:defRPr/>
+            </a:lvl1pPr>
+            <a:lvl2pPr lvl="1">
+              <a:buNone/>
+              <a:defRPr/>
+            </a:lvl2pPr>
+            <a:lvl3pPr lvl="2">
+              <a:buNone/>
+              <a:defRPr/>
+            </a:lvl3pPr>
+            <a:lvl4pPr lvl="3">
+              <a:buNone/>
+              <a:defRPr/>
+            </a:lvl4pPr>
+            <a:lvl5pPr lvl="4">
+              <a:buNone/>
+              <a:defRPr/>
+            </a:lvl5pPr>
+            <a:lvl6pPr lvl="5">
+              <a:buNone/>
+              <a:defRPr/>
+            </a:lvl6pPr>
+            <a:lvl7pPr lvl="6">
+              <a:buNone/>
+              <a:defRPr/>
+            </a:lvl7pPr>
+            <a:lvl8pPr lvl="7">
+              <a:buNone/>
+              <a:defRPr/>
+            </a:lvl8pPr>
+            <a:lvl9pPr lvl="8">
+              <a:buNone/>
+              <a:defRPr/>
+            </a:lvl9pPr>
+          </a:lstStyle>
+          <a:p>
+            <a:fld id="{00000000-1234-1234-1234-123412341234}" type="slidenum">
+              <a:rPr lang="en" smtClean="0"/>
+              <a:pPr/>
+              <a:t>‹#›</a:t>
+            </a:fld>
+            <a:endParaRPr lang="en"/>
+          </a:p>
+        </p:txBody>
+      </p:sp>
+    </p:spTree>
+    <p:extLst>
+      <p:ext uri="{BB962C8B-B14F-4D97-AF65-F5344CB8AC3E}">
+        <p14:creationId xmlns:p14="http://schemas.microsoft.com/office/powerpoint/2010/main" val="2130949801"/>
+      </p:ext>
+    </p:extLst>
+  </p:cSld>
+  <p:clrMapOvr>
+    <a:masterClrMapping/>
+  </p:clrMapOvr>
+</p:sldLayout>
+</file>
+
+<file path=ppt/slideLayouts/slideLayout19.xml><?xml version="1.0" encoding="utf-8"?>
+<p:sldLayout xmlns:a="http://schemas.openxmlformats.org/drawingml/2006/main" xmlns:r="http://schemas.openxmlformats.org/officeDocument/2006/relationships" xmlns:p="http://schemas.openxmlformats.org/presentationml/2006/main" matchingName="One column text">
+  <p:cSld name="One column text">
+    <p:spTree>
+      <p:nvGrpSpPr>
+        <p:cNvPr id="1" name="Shape 28"/>
+        <p:cNvGrpSpPr/>
+        <p:nvPr/>
+      </p:nvGrpSpPr>
+      <p:grpSpPr>
+        <a:xfrm>
+          <a:off x="0" y="0"/>
+          <a:ext cx="0" cy="0"/>
+          <a:chOff x="0" y="0"/>
+          <a:chExt cx="0" cy="0"/>
+        </a:xfrm>
+      </p:grpSpPr>
+      <p:sp>
+        <p:nvSpPr>
+          <p:cNvPr id="29" name="Google Shape;29;p7"/>
+          <p:cNvSpPr txBox="1">
+            <a:spLocks noGrp="1"/>
+          </p:cNvSpPr>
+          <p:nvPr>
+            <p:ph type="title"/>
+          </p:nvPr>
+        </p:nvSpPr>
+        <p:spPr>
+          <a:xfrm>
+            <a:off x="415600" y="740800"/>
+            <a:ext cx="3744000" cy="1007600"/>
+          </a:xfrm>
+          <a:prstGeom prst="rect">
+            <a:avLst/>
+          </a:prstGeom>
+        </p:spPr>
+        <p:txBody>
+          <a:bodyPr spcFirstLastPara="1" wrap="square" lIns="91425" tIns="91425" rIns="91425" bIns="91425" anchor="b" anchorCtr="0">
+            <a:normAutofit/>
+          </a:bodyPr>
+          <a:lstStyle>
+            <a:lvl1pPr lvl="0">
+              <a:spcBef>
+                <a:spcPts val="0"/>
+              </a:spcBef>
+              <a:spcAft>
+                <a:spcPts val="0"/>
+              </a:spcAft>
+              <a:buSzPts val="2400"/>
+              <a:buNone/>
+              <a:defRPr sz="3200"/>
+            </a:lvl1pPr>
+            <a:lvl2pPr lvl="1">
+              <a:spcBef>
+                <a:spcPts val="0"/>
+              </a:spcBef>
+              <a:spcAft>
+                <a:spcPts val="0"/>
+              </a:spcAft>
+              <a:buSzPts val="2400"/>
+              <a:buNone/>
+              <a:defRPr sz="3200"/>
+            </a:lvl2pPr>
+            <a:lvl3pPr lvl="2">
+              <a:spcBef>
+                <a:spcPts val="0"/>
+              </a:spcBef>
+              <a:spcAft>
+                <a:spcPts val="0"/>
+              </a:spcAft>
+              <a:buSzPts val="2400"/>
+              <a:buNone/>
+              <a:defRPr sz="3200"/>
+            </a:lvl3pPr>
+            <a:lvl4pPr lvl="3">
+              <a:spcBef>
+                <a:spcPts val="0"/>
+              </a:spcBef>
+              <a:spcAft>
+                <a:spcPts val="0"/>
+              </a:spcAft>
+              <a:buSzPts val="2400"/>
+              <a:buNone/>
+              <a:defRPr sz="3200"/>
+            </a:lvl4pPr>
+            <a:lvl5pPr lvl="4">
+              <a:spcBef>
+                <a:spcPts val="0"/>
+              </a:spcBef>
+              <a:spcAft>
+                <a:spcPts val="0"/>
+              </a:spcAft>
+              <a:buSzPts val="2400"/>
+              <a:buNone/>
+              <a:defRPr sz="3200"/>
+            </a:lvl5pPr>
+            <a:lvl6pPr lvl="5">
+              <a:spcBef>
+                <a:spcPts val="0"/>
+              </a:spcBef>
+              <a:spcAft>
+                <a:spcPts val="0"/>
+              </a:spcAft>
+              <a:buSzPts val="2400"/>
+              <a:buNone/>
+              <a:defRPr sz="3200"/>
+            </a:lvl6pPr>
+            <a:lvl7pPr lvl="6">
+              <a:spcBef>
+                <a:spcPts val="0"/>
+              </a:spcBef>
+              <a:spcAft>
+                <a:spcPts val="0"/>
+              </a:spcAft>
+              <a:buSzPts val="2400"/>
+              <a:buNone/>
+              <a:defRPr sz="3200"/>
+            </a:lvl7pPr>
+            <a:lvl8pPr lvl="7">
+              <a:spcBef>
+                <a:spcPts val="0"/>
+              </a:spcBef>
+              <a:spcAft>
+                <a:spcPts val="0"/>
+              </a:spcAft>
+              <a:buSzPts val="2400"/>
+              <a:buNone/>
+              <a:defRPr sz="3200"/>
+            </a:lvl8pPr>
+            <a:lvl9pPr lvl="8">
+              <a:spcBef>
+                <a:spcPts val="0"/>
+              </a:spcBef>
+              <a:spcAft>
+                <a:spcPts val="0"/>
+              </a:spcAft>
+              <a:buSzPts val="2400"/>
+              <a:buNone/>
+              <a:defRPr sz="3200"/>
+            </a:lvl9pPr>
+          </a:lstStyle>
+          <a:p>
+            <a:endParaRPr/>
+          </a:p>
+        </p:txBody>
+      </p:sp>
+      <p:sp>
+        <p:nvSpPr>
+          <p:cNvPr id="30" name="Google Shape;30;p7"/>
+          <p:cNvSpPr txBox="1">
+            <a:spLocks noGrp="1"/>
+          </p:cNvSpPr>
+          <p:nvPr>
+            <p:ph type="body" idx="1"/>
+          </p:nvPr>
+        </p:nvSpPr>
+        <p:spPr>
+          <a:xfrm>
+            <a:off x="415600" y="1852800"/>
+            <a:ext cx="3744000" cy="4239200"/>
+          </a:xfrm>
+          <a:prstGeom prst="rect">
+            <a:avLst/>
+          </a:prstGeom>
+        </p:spPr>
+        <p:txBody>
+          <a:bodyPr spcFirstLastPara="1" wrap="square" lIns="91425" tIns="91425" rIns="91425" bIns="91425" anchor="t" anchorCtr="0">
+            <a:normAutofit/>
+          </a:bodyPr>
+          <a:lstStyle>
+            <a:lvl1pPr marL="609585" lvl="0" indent="-406390">
+              <a:spcBef>
+                <a:spcPts val="0"/>
+              </a:spcBef>
+              <a:spcAft>
+                <a:spcPts val="0"/>
+              </a:spcAft>
+              <a:buSzPts val="1200"/>
+              <a:buChar char="●"/>
+              <a:defRPr sz="1600"/>
+            </a:lvl1pPr>
+            <a:lvl2pPr marL="1219170" lvl="1" indent="-406390">
+              <a:spcBef>
+                <a:spcPts val="0"/>
+              </a:spcBef>
+              <a:spcAft>
+                <a:spcPts val="0"/>
+              </a:spcAft>
+              <a:buSzPts val="1200"/>
+              <a:buChar char="○"/>
+              <a:defRPr sz="1600"/>
+            </a:lvl2pPr>
+            <a:lvl3pPr marL="1828754" lvl="2" indent="-406390">
+              <a:spcBef>
+                <a:spcPts val="0"/>
+              </a:spcBef>
+              <a:spcAft>
+                <a:spcPts val="0"/>
+              </a:spcAft>
+              <a:buSzPts val="1200"/>
+              <a:buChar char="■"/>
+              <a:defRPr sz="1600"/>
+            </a:lvl3pPr>
+            <a:lvl4pPr marL="2438339" lvl="3" indent="-406390">
+              <a:spcBef>
+                <a:spcPts val="0"/>
+              </a:spcBef>
+              <a:spcAft>
+                <a:spcPts val="0"/>
+              </a:spcAft>
+              <a:buSzPts val="1200"/>
+              <a:buChar char="●"/>
+              <a:defRPr sz="1600"/>
+            </a:lvl4pPr>
+            <a:lvl5pPr marL="3047924" lvl="4" indent="-406390">
+              <a:spcBef>
+                <a:spcPts val="0"/>
+              </a:spcBef>
+              <a:spcAft>
+                <a:spcPts val="0"/>
+              </a:spcAft>
+              <a:buSzPts val="1200"/>
+              <a:buChar char="○"/>
+              <a:defRPr sz="1600"/>
+            </a:lvl5pPr>
+            <a:lvl6pPr marL="3657509" lvl="5" indent="-406390">
+              <a:spcBef>
+                <a:spcPts val="0"/>
+              </a:spcBef>
+              <a:spcAft>
+                <a:spcPts val="0"/>
+              </a:spcAft>
+              <a:buSzPts val="1200"/>
+              <a:buChar char="■"/>
+              <a:defRPr sz="1600"/>
+            </a:lvl6pPr>
+            <a:lvl7pPr marL="4267093" lvl="6" indent="-406390">
+              <a:spcBef>
+                <a:spcPts val="0"/>
+              </a:spcBef>
+              <a:spcAft>
+                <a:spcPts val="0"/>
+              </a:spcAft>
+              <a:buSzPts val="1200"/>
+              <a:buChar char="●"/>
+              <a:defRPr sz="1600"/>
+            </a:lvl7pPr>
+            <a:lvl8pPr marL="4876678" lvl="7" indent="-406390">
+              <a:spcBef>
+                <a:spcPts val="0"/>
+              </a:spcBef>
+              <a:spcAft>
+                <a:spcPts val="0"/>
+              </a:spcAft>
+              <a:buSzPts val="1200"/>
+              <a:buChar char="○"/>
+              <a:defRPr sz="1600"/>
+            </a:lvl8pPr>
+            <a:lvl9pPr marL="5486263" lvl="8" indent="-406390">
+              <a:spcBef>
+                <a:spcPts val="0"/>
+              </a:spcBef>
+              <a:spcAft>
+                <a:spcPts val="0"/>
+              </a:spcAft>
+              <a:buSzPts val="1200"/>
+              <a:buChar char="■"/>
+              <a:defRPr sz="1600"/>
+            </a:lvl9pPr>
+          </a:lstStyle>
+          <a:p>
+            <a:endParaRPr/>
+          </a:p>
+        </p:txBody>
+      </p:sp>
+      <p:sp>
+        <p:nvSpPr>
+          <p:cNvPr id="31" name="Google Shape;31;p7"/>
+          <p:cNvSpPr txBox="1">
+            <a:spLocks noGrp="1"/>
+          </p:cNvSpPr>
+          <p:nvPr>
+            <p:ph type="sldNum" idx="12"/>
+          </p:nvPr>
+        </p:nvSpPr>
+        <p:spPr>
+          <a:xfrm>
+            <a:off x="11296611" y="6217623"/>
+            <a:ext cx="731600" cy="524800"/>
+          </a:xfrm>
+          <a:prstGeom prst="rect">
+            <a:avLst/>
+          </a:prstGeom>
+        </p:spPr>
+        <p:txBody>
+          <a:bodyPr spcFirstLastPara="1" wrap="square" lIns="91425" tIns="91425" rIns="91425" bIns="91425" anchor="ctr" anchorCtr="0">
+            <a:normAutofit/>
+          </a:bodyPr>
+          <a:lstStyle>
+            <a:lvl1pPr lvl="0">
+              <a:buNone/>
+              <a:defRPr/>
+            </a:lvl1pPr>
+            <a:lvl2pPr lvl="1">
+              <a:buNone/>
+              <a:defRPr/>
+            </a:lvl2pPr>
+            <a:lvl3pPr lvl="2">
+              <a:buNone/>
+              <a:defRPr/>
+            </a:lvl3pPr>
+            <a:lvl4pPr lvl="3">
+              <a:buNone/>
+              <a:defRPr/>
+            </a:lvl4pPr>
+            <a:lvl5pPr lvl="4">
+              <a:buNone/>
+              <a:defRPr/>
+            </a:lvl5pPr>
+            <a:lvl6pPr lvl="5">
+              <a:buNone/>
+              <a:defRPr/>
+            </a:lvl6pPr>
+            <a:lvl7pPr lvl="6">
+              <a:buNone/>
+              <a:defRPr/>
+            </a:lvl7pPr>
+            <a:lvl8pPr lvl="7">
+              <a:buNone/>
+              <a:defRPr/>
+            </a:lvl8pPr>
+            <a:lvl9pPr lvl="8">
+              <a:buNone/>
+              <a:defRPr/>
+            </a:lvl9pPr>
+          </a:lstStyle>
+          <a:p>
+            <a:fld id="{00000000-1234-1234-1234-123412341234}" type="slidenum">
+              <a:rPr lang="en" smtClean="0"/>
+              <a:pPr/>
+              <a:t>‹#›</a:t>
+            </a:fld>
+            <a:endParaRPr lang="en"/>
+          </a:p>
+        </p:txBody>
+      </p:sp>
+    </p:spTree>
+    <p:extLst>
+      <p:ext uri="{BB962C8B-B14F-4D97-AF65-F5344CB8AC3E}">
+        <p14:creationId xmlns:p14="http://schemas.microsoft.com/office/powerpoint/2010/main" val="1012782433"/>
+      </p:ext>
+    </p:extLst>
+  </p:cSld>
+  <p:clrMapOvr>
+    <a:masterClrMapping/>
+  </p:clrMapOvr>
+</p:sldLayout>
+</file>
+
 <file path=ppt/slideLayouts/slideLayout2.xml><?xml version="1.0" encoding="utf-8"?>
 <p:sldLayout xmlns:a="http://schemas.openxmlformats.org/drawingml/2006/main" xmlns:r="http://schemas.openxmlformats.org/officeDocument/2006/relationships" xmlns:p="http://schemas.openxmlformats.org/presentationml/2006/main" type="obj" preserve="1">
   <p:cSld name="Title and Content">
@@ -3315,6 +5020,1398 @@
     <p:extLst>
       <p:ext uri="{BB962C8B-B14F-4D97-AF65-F5344CB8AC3E}">
         <p14:creationId xmlns:p14="http://schemas.microsoft.com/office/powerpoint/2010/main" val="2241607999"/>
+      </p:ext>
+    </p:extLst>
+  </p:cSld>
+  <p:clrMapOvr>
+    <a:masterClrMapping/>
+  </p:clrMapOvr>
+</p:sldLayout>
+</file>
+
+<file path=ppt/slideLayouts/slideLayout20.xml><?xml version="1.0" encoding="utf-8"?>
+<p:sldLayout xmlns:a="http://schemas.openxmlformats.org/drawingml/2006/main" xmlns:r="http://schemas.openxmlformats.org/officeDocument/2006/relationships" xmlns:p="http://schemas.openxmlformats.org/presentationml/2006/main" matchingName="Main point">
+  <p:cSld name="Main point">
+    <p:spTree>
+      <p:nvGrpSpPr>
+        <p:cNvPr id="1" name="Shape 32"/>
+        <p:cNvGrpSpPr/>
+        <p:nvPr/>
+      </p:nvGrpSpPr>
+      <p:grpSpPr>
+        <a:xfrm>
+          <a:off x="0" y="0"/>
+          <a:ext cx="0" cy="0"/>
+          <a:chOff x="0" y="0"/>
+          <a:chExt cx="0" cy="0"/>
+        </a:xfrm>
+      </p:grpSpPr>
+      <p:sp>
+        <p:nvSpPr>
+          <p:cNvPr id="33" name="Google Shape;33;p8"/>
+          <p:cNvSpPr txBox="1">
+            <a:spLocks noGrp="1"/>
+          </p:cNvSpPr>
+          <p:nvPr>
+            <p:ph type="title"/>
+          </p:nvPr>
+        </p:nvSpPr>
+        <p:spPr>
+          <a:xfrm>
+            <a:off x="653667" y="600200"/>
+            <a:ext cx="8490400" cy="5454400"/>
+          </a:xfrm>
+          <a:prstGeom prst="rect">
+            <a:avLst/>
+          </a:prstGeom>
+        </p:spPr>
+        <p:txBody>
+          <a:bodyPr spcFirstLastPara="1" wrap="square" lIns="91425" tIns="91425" rIns="91425" bIns="91425" anchor="ctr" anchorCtr="0">
+            <a:normAutofit/>
+          </a:bodyPr>
+          <a:lstStyle>
+            <a:lvl1pPr lvl="0">
+              <a:spcBef>
+                <a:spcPts val="0"/>
+              </a:spcBef>
+              <a:spcAft>
+                <a:spcPts val="0"/>
+              </a:spcAft>
+              <a:buSzPts val="4800"/>
+              <a:buNone/>
+              <a:defRPr sz="6400"/>
+            </a:lvl1pPr>
+            <a:lvl2pPr lvl="1">
+              <a:spcBef>
+                <a:spcPts val="0"/>
+              </a:spcBef>
+              <a:spcAft>
+                <a:spcPts val="0"/>
+              </a:spcAft>
+              <a:buSzPts val="4800"/>
+              <a:buNone/>
+              <a:defRPr sz="6400"/>
+            </a:lvl2pPr>
+            <a:lvl3pPr lvl="2">
+              <a:spcBef>
+                <a:spcPts val="0"/>
+              </a:spcBef>
+              <a:spcAft>
+                <a:spcPts val="0"/>
+              </a:spcAft>
+              <a:buSzPts val="4800"/>
+              <a:buNone/>
+              <a:defRPr sz="6400"/>
+            </a:lvl3pPr>
+            <a:lvl4pPr lvl="3">
+              <a:spcBef>
+                <a:spcPts val="0"/>
+              </a:spcBef>
+              <a:spcAft>
+                <a:spcPts val="0"/>
+              </a:spcAft>
+              <a:buSzPts val="4800"/>
+              <a:buNone/>
+              <a:defRPr sz="6400"/>
+            </a:lvl4pPr>
+            <a:lvl5pPr lvl="4">
+              <a:spcBef>
+                <a:spcPts val="0"/>
+              </a:spcBef>
+              <a:spcAft>
+                <a:spcPts val="0"/>
+              </a:spcAft>
+              <a:buSzPts val="4800"/>
+              <a:buNone/>
+              <a:defRPr sz="6400"/>
+            </a:lvl5pPr>
+            <a:lvl6pPr lvl="5">
+              <a:spcBef>
+                <a:spcPts val="0"/>
+              </a:spcBef>
+              <a:spcAft>
+                <a:spcPts val="0"/>
+              </a:spcAft>
+              <a:buSzPts val="4800"/>
+              <a:buNone/>
+              <a:defRPr sz="6400"/>
+            </a:lvl6pPr>
+            <a:lvl7pPr lvl="6">
+              <a:spcBef>
+                <a:spcPts val="0"/>
+              </a:spcBef>
+              <a:spcAft>
+                <a:spcPts val="0"/>
+              </a:spcAft>
+              <a:buSzPts val="4800"/>
+              <a:buNone/>
+              <a:defRPr sz="6400"/>
+            </a:lvl7pPr>
+            <a:lvl8pPr lvl="7">
+              <a:spcBef>
+                <a:spcPts val="0"/>
+              </a:spcBef>
+              <a:spcAft>
+                <a:spcPts val="0"/>
+              </a:spcAft>
+              <a:buSzPts val="4800"/>
+              <a:buNone/>
+              <a:defRPr sz="6400"/>
+            </a:lvl8pPr>
+            <a:lvl9pPr lvl="8">
+              <a:spcBef>
+                <a:spcPts val="0"/>
+              </a:spcBef>
+              <a:spcAft>
+                <a:spcPts val="0"/>
+              </a:spcAft>
+              <a:buSzPts val="4800"/>
+              <a:buNone/>
+              <a:defRPr sz="6400"/>
+            </a:lvl9pPr>
+          </a:lstStyle>
+          <a:p>
+            <a:endParaRPr/>
+          </a:p>
+        </p:txBody>
+      </p:sp>
+      <p:sp>
+        <p:nvSpPr>
+          <p:cNvPr id="34" name="Google Shape;34;p8"/>
+          <p:cNvSpPr txBox="1">
+            <a:spLocks noGrp="1"/>
+          </p:cNvSpPr>
+          <p:nvPr>
+            <p:ph type="sldNum" idx="12"/>
+          </p:nvPr>
+        </p:nvSpPr>
+        <p:spPr>
+          <a:xfrm>
+            <a:off x="11296611" y="6217623"/>
+            <a:ext cx="731600" cy="524800"/>
+          </a:xfrm>
+          <a:prstGeom prst="rect">
+            <a:avLst/>
+          </a:prstGeom>
+        </p:spPr>
+        <p:txBody>
+          <a:bodyPr spcFirstLastPara="1" wrap="square" lIns="91425" tIns="91425" rIns="91425" bIns="91425" anchor="ctr" anchorCtr="0">
+            <a:normAutofit/>
+          </a:bodyPr>
+          <a:lstStyle>
+            <a:lvl1pPr lvl="0">
+              <a:buNone/>
+              <a:defRPr/>
+            </a:lvl1pPr>
+            <a:lvl2pPr lvl="1">
+              <a:buNone/>
+              <a:defRPr/>
+            </a:lvl2pPr>
+            <a:lvl3pPr lvl="2">
+              <a:buNone/>
+              <a:defRPr/>
+            </a:lvl3pPr>
+            <a:lvl4pPr lvl="3">
+              <a:buNone/>
+              <a:defRPr/>
+            </a:lvl4pPr>
+            <a:lvl5pPr lvl="4">
+              <a:buNone/>
+              <a:defRPr/>
+            </a:lvl5pPr>
+            <a:lvl6pPr lvl="5">
+              <a:buNone/>
+              <a:defRPr/>
+            </a:lvl6pPr>
+            <a:lvl7pPr lvl="6">
+              <a:buNone/>
+              <a:defRPr/>
+            </a:lvl7pPr>
+            <a:lvl8pPr lvl="7">
+              <a:buNone/>
+              <a:defRPr/>
+            </a:lvl8pPr>
+            <a:lvl9pPr lvl="8">
+              <a:buNone/>
+              <a:defRPr/>
+            </a:lvl9pPr>
+          </a:lstStyle>
+          <a:p>
+            <a:fld id="{00000000-1234-1234-1234-123412341234}" type="slidenum">
+              <a:rPr lang="en" smtClean="0"/>
+              <a:pPr/>
+              <a:t>‹#›</a:t>
+            </a:fld>
+            <a:endParaRPr lang="en"/>
+          </a:p>
+        </p:txBody>
+      </p:sp>
+    </p:spTree>
+    <p:extLst>
+      <p:ext uri="{BB962C8B-B14F-4D97-AF65-F5344CB8AC3E}">
+        <p14:creationId xmlns:p14="http://schemas.microsoft.com/office/powerpoint/2010/main" val="1100185178"/>
+      </p:ext>
+    </p:extLst>
+  </p:cSld>
+  <p:clrMapOvr>
+    <a:masterClrMapping/>
+  </p:clrMapOvr>
+</p:sldLayout>
+</file>
+
+<file path=ppt/slideLayouts/slideLayout21.xml><?xml version="1.0" encoding="utf-8"?>
+<p:sldLayout xmlns:a="http://schemas.openxmlformats.org/drawingml/2006/main" xmlns:r="http://schemas.openxmlformats.org/officeDocument/2006/relationships" xmlns:p="http://schemas.openxmlformats.org/presentationml/2006/main" matchingName="Section title and description">
+  <p:cSld name="Section title and description">
+    <p:spTree>
+      <p:nvGrpSpPr>
+        <p:cNvPr id="1" name="Shape 35"/>
+        <p:cNvGrpSpPr/>
+        <p:nvPr/>
+      </p:nvGrpSpPr>
+      <p:grpSpPr>
+        <a:xfrm>
+          <a:off x="0" y="0"/>
+          <a:ext cx="0" cy="0"/>
+          <a:chOff x="0" y="0"/>
+          <a:chExt cx="0" cy="0"/>
+        </a:xfrm>
+      </p:grpSpPr>
+      <p:sp>
+        <p:nvSpPr>
+          <p:cNvPr id="36" name="Google Shape;36;p9"/>
+          <p:cNvSpPr/>
+          <p:nvPr/>
+        </p:nvSpPr>
+        <p:spPr>
+          <a:xfrm>
+            <a:off x="6096000" y="-167"/>
+            <a:ext cx="6096000" cy="6858000"/>
+          </a:xfrm>
+          <a:prstGeom prst="rect">
+            <a:avLst/>
+          </a:prstGeom>
+          <a:solidFill>
+            <a:schemeClr val="lt2"/>
+          </a:solidFill>
+          <a:ln>
+            <a:noFill/>
+          </a:ln>
+        </p:spPr>
+        <p:txBody>
+          <a:bodyPr spcFirstLastPara="1" wrap="square" lIns="121900" tIns="121900" rIns="121900" bIns="121900" anchor="ctr" anchorCtr="0">
+            <a:noAutofit/>
+          </a:bodyPr>
+          <a:lstStyle/>
+          <a:p>
+            <a:pPr marL="0" lvl="0" indent="0" algn="l" rtl="0">
+              <a:spcBef>
+                <a:spcPts val="0"/>
+              </a:spcBef>
+              <a:spcAft>
+                <a:spcPts val="0"/>
+              </a:spcAft>
+              <a:buNone/>
+            </a:pPr>
+            <a:endParaRPr sz="2400"/>
+          </a:p>
+        </p:txBody>
+      </p:sp>
+      <p:sp>
+        <p:nvSpPr>
+          <p:cNvPr id="37" name="Google Shape;37;p9"/>
+          <p:cNvSpPr txBox="1">
+            <a:spLocks noGrp="1"/>
+          </p:cNvSpPr>
+          <p:nvPr>
+            <p:ph type="title"/>
+          </p:nvPr>
+        </p:nvSpPr>
+        <p:spPr>
+          <a:xfrm>
+            <a:off x="354000" y="1644233"/>
+            <a:ext cx="5393600" cy="1976400"/>
+          </a:xfrm>
+          <a:prstGeom prst="rect">
+            <a:avLst/>
+          </a:prstGeom>
+        </p:spPr>
+        <p:txBody>
+          <a:bodyPr spcFirstLastPara="1" wrap="square" lIns="91425" tIns="91425" rIns="91425" bIns="91425" anchor="b" anchorCtr="0">
+            <a:normAutofit/>
+          </a:bodyPr>
+          <a:lstStyle>
+            <a:lvl1pPr lvl="0" algn="ctr">
+              <a:spcBef>
+                <a:spcPts val="0"/>
+              </a:spcBef>
+              <a:spcAft>
+                <a:spcPts val="0"/>
+              </a:spcAft>
+              <a:buSzPts val="4200"/>
+              <a:buNone/>
+              <a:defRPr sz="5600"/>
+            </a:lvl1pPr>
+            <a:lvl2pPr lvl="1" algn="ctr">
+              <a:spcBef>
+                <a:spcPts val="0"/>
+              </a:spcBef>
+              <a:spcAft>
+                <a:spcPts val="0"/>
+              </a:spcAft>
+              <a:buSzPts val="4200"/>
+              <a:buNone/>
+              <a:defRPr sz="5600"/>
+            </a:lvl2pPr>
+            <a:lvl3pPr lvl="2" algn="ctr">
+              <a:spcBef>
+                <a:spcPts val="0"/>
+              </a:spcBef>
+              <a:spcAft>
+                <a:spcPts val="0"/>
+              </a:spcAft>
+              <a:buSzPts val="4200"/>
+              <a:buNone/>
+              <a:defRPr sz="5600"/>
+            </a:lvl3pPr>
+            <a:lvl4pPr lvl="3" algn="ctr">
+              <a:spcBef>
+                <a:spcPts val="0"/>
+              </a:spcBef>
+              <a:spcAft>
+                <a:spcPts val="0"/>
+              </a:spcAft>
+              <a:buSzPts val="4200"/>
+              <a:buNone/>
+              <a:defRPr sz="5600"/>
+            </a:lvl4pPr>
+            <a:lvl5pPr lvl="4" algn="ctr">
+              <a:spcBef>
+                <a:spcPts val="0"/>
+              </a:spcBef>
+              <a:spcAft>
+                <a:spcPts val="0"/>
+              </a:spcAft>
+              <a:buSzPts val="4200"/>
+              <a:buNone/>
+              <a:defRPr sz="5600"/>
+            </a:lvl5pPr>
+            <a:lvl6pPr lvl="5" algn="ctr">
+              <a:spcBef>
+                <a:spcPts val="0"/>
+              </a:spcBef>
+              <a:spcAft>
+                <a:spcPts val="0"/>
+              </a:spcAft>
+              <a:buSzPts val="4200"/>
+              <a:buNone/>
+              <a:defRPr sz="5600"/>
+            </a:lvl6pPr>
+            <a:lvl7pPr lvl="6" algn="ctr">
+              <a:spcBef>
+                <a:spcPts val="0"/>
+              </a:spcBef>
+              <a:spcAft>
+                <a:spcPts val="0"/>
+              </a:spcAft>
+              <a:buSzPts val="4200"/>
+              <a:buNone/>
+              <a:defRPr sz="5600"/>
+            </a:lvl7pPr>
+            <a:lvl8pPr lvl="7" algn="ctr">
+              <a:spcBef>
+                <a:spcPts val="0"/>
+              </a:spcBef>
+              <a:spcAft>
+                <a:spcPts val="0"/>
+              </a:spcAft>
+              <a:buSzPts val="4200"/>
+              <a:buNone/>
+              <a:defRPr sz="5600"/>
+            </a:lvl8pPr>
+            <a:lvl9pPr lvl="8" algn="ctr">
+              <a:spcBef>
+                <a:spcPts val="0"/>
+              </a:spcBef>
+              <a:spcAft>
+                <a:spcPts val="0"/>
+              </a:spcAft>
+              <a:buSzPts val="4200"/>
+              <a:buNone/>
+              <a:defRPr sz="5600"/>
+            </a:lvl9pPr>
+          </a:lstStyle>
+          <a:p>
+            <a:endParaRPr/>
+          </a:p>
+        </p:txBody>
+      </p:sp>
+      <p:sp>
+        <p:nvSpPr>
+          <p:cNvPr id="38" name="Google Shape;38;p9"/>
+          <p:cNvSpPr txBox="1">
+            <a:spLocks noGrp="1"/>
+          </p:cNvSpPr>
+          <p:nvPr>
+            <p:ph type="subTitle" idx="1"/>
+          </p:nvPr>
+        </p:nvSpPr>
+        <p:spPr>
+          <a:xfrm>
+            <a:off x="354000" y="3737433"/>
+            <a:ext cx="5393600" cy="1646800"/>
+          </a:xfrm>
+          <a:prstGeom prst="rect">
+            <a:avLst/>
+          </a:prstGeom>
+        </p:spPr>
+        <p:txBody>
+          <a:bodyPr spcFirstLastPara="1" wrap="square" lIns="91425" tIns="91425" rIns="91425" bIns="91425" anchor="t" anchorCtr="0">
+            <a:normAutofit/>
+          </a:bodyPr>
+          <a:lstStyle>
+            <a:lvl1pPr lvl="0" algn="ctr">
+              <a:lnSpc>
+                <a:spcPct val="100000"/>
+              </a:lnSpc>
+              <a:spcBef>
+                <a:spcPts val="0"/>
+              </a:spcBef>
+              <a:spcAft>
+                <a:spcPts val="0"/>
+              </a:spcAft>
+              <a:buSzPts val="2100"/>
+              <a:buNone/>
+              <a:defRPr sz="2800"/>
+            </a:lvl1pPr>
+            <a:lvl2pPr lvl="1" algn="ctr">
+              <a:lnSpc>
+                <a:spcPct val="100000"/>
+              </a:lnSpc>
+              <a:spcBef>
+                <a:spcPts val="0"/>
+              </a:spcBef>
+              <a:spcAft>
+                <a:spcPts val="0"/>
+              </a:spcAft>
+              <a:buSzPts val="2100"/>
+              <a:buNone/>
+              <a:defRPr sz="2800"/>
+            </a:lvl2pPr>
+            <a:lvl3pPr lvl="2" algn="ctr">
+              <a:lnSpc>
+                <a:spcPct val="100000"/>
+              </a:lnSpc>
+              <a:spcBef>
+                <a:spcPts val="0"/>
+              </a:spcBef>
+              <a:spcAft>
+                <a:spcPts val="0"/>
+              </a:spcAft>
+              <a:buSzPts val="2100"/>
+              <a:buNone/>
+              <a:defRPr sz="2800"/>
+            </a:lvl3pPr>
+            <a:lvl4pPr lvl="3" algn="ctr">
+              <a:lnSpc>
+                <a:spcPct val="100000"/>
+              </a:lnSpc>
+              <a:spcBef>
+                <a:spcPts val="0"/>
+              </a:spcBef>
+              <a:spcAft>
+                <a:spcPts val="0"/>
+              </a:spcAft>
+              <a:buSzPts val="2100"/>
+              <a:buNone/>
+              <a:defRPr sz="2800"/>
+            </a:lvl4pPr>
+            <a:lvl5pPr lvl="4" algn="ctr">
+              <a:lnSpc>
+                <a:spcPct val="100000"/>
+              </a:lnSpc>
+              <a:spcBef>
+                <a:spcPts val="0"/>
+              </a:spcBef>
+              <a:spcAft>
+                <a:spcPts val="0"/>
+              </a:spcAft>
+              <a:buSzPts val="2100"/>
+              <a:buNone/>
+              <a:defRPr sz="2800"/>
+            </a:lvl5pPr>
+            <a:lvl6pPr lvl="5" algn="ctr">
+              <a:lnSpc>
+                <a:spcPct val="100000"/>
+              </a:lnSpc>
+              <a:spcBef>
+                <a:spcPts val="0"/>
+              </a:spcBef>
+              <a:spcAft>
+                <a:spcPts val="0"/>
+              </a:spcAft>
+              <a:buSzPts val="2100"/>
+              <a:buNone/>
+              <a:defRPr sz="2800"/>
+            </a:lvl6pPr>
+            <a:lvl7pPr lvl="6" algn="ctr">
+              <a:lnSpc>
+                <a:spcPct val="100000"/>
+              </a:lnSpc>
+              <a:spcBef>
+                <a:spcPts val="0"/>
+              </a:spcBef>
+              <a:spcAft>
+                <a:spcPts val="0"/>
+              </a:spcAft>
+              <a:buSzPts val="2100"/>
+              <a:buNone/>
+              <a:defRPr sz="2800"/>
+            </a:lvl7pPr>
+            <a:lvl8pPr lvl="7" algn="ctr">
+              <a:lnSpc>
+                <a:spcPct val="100000"/>
+              </a:lnSpc>
+              <a:spcBef>
+                <a:spcPts val="0"/>
+              </a:spcBef>
+              <a:spcAft>
+                <a:spcPts val="0"/>
+              </a:spcAft>
+              <a:buSzPts val="2100"/>
+              <a:buNone/>
+              <a:defRPr sz="2800"/>
+            </a:lvl8pPr>
+            <a:lvl9pPr lvl="8" algn="ctr">
+              <a:lnSpc>
+                <a:spcPct val="100000"/>
+              </a:lnSpc>
+              <a:spcBef>
+                <a:spcPts val="0"/>
+              </a:spcBef>
+              <a:spcAft>
+                <a:spcPts val="0"/>
+              </a:spcAft>
+              <a:buSzPts val="2100"/>
+              <a:buNone/>
+              <a:defRPr sz="2800"/>
+            </a:lvl9pPr>
+          </a:lstStyle>
+          <a:p>
+            <a:endParaRPr/>
+          </a:p>
+        </p:txBody>
+      </p:sp>
+      <p:sp>
+        <p:nvSpPr>
+          <p:cNvPr id="39" name="Google Shape;39;p9"/>
+          <p:cNvSpPr txBox="1">
+            <a:spLocks noGrp="1"/>
+          </p:cNvSpPr>
+          <p:nvPr>
+            <p:ph type="body" idx="2"/>
+          </p:nvPr>
+        </p:nvSpPr>
+        <p:spPr>
+          <a:xfrm>
+            <a:off x="6586000" y="965433"/>
+            <a:ext cx="5116000" cy="4926800"/>
+          </a:xfrm>
+          <a:prstGeom prst="rect">
+            <a:avLst/>
+          </a:prstGeom>
+        </p:spPr>
+        <p:txBody>
+          <a:bodyPr spcFirstLastPara="1" wrap="square" lIns="91425" tIns="91425" rIns="91425" bIns="91425" anchor="ctr" anchorCtr="0">
+            <a:normAutofit/>
+          </a:bodyPr>
+          <a:lstStyle>
+            <a:lvl1pPr marL="609585" lvl="0" indent="-457189">
+              <a:spcBef>
+                <a:spcPts val="0"/>
+              </a:spcBef>
+              <a:spcAft>
+                <a:spcPts val="0"/>
+              </a:spcAft>
+              <a:buSzPts val="1800"/>
+              <a:buChar char="●"/>
+              <a:defRPr/>
+            </a:lvl1pPr>
+            <a:lvl2pPr marL="1219170" lvl="1" indent="-423323">
+              <a:spcBef>
+                <a:spcPts val="0"/>
+              </a:spcBef>
+              <a:spcAft>
+                <a:spcPts val="0"/>
+              </a:spcAft>
+              <a:buSzPts val="1400"/>
+              <a:buChar char="○"/>
+              <a:defRPr/>
+            </a:lvl2pPr>
+            <a:lvl3pPr marL="1828754" lvl="2" indent="-423323">
+              <a:spcBef>
+                <a:spcPts val="0"/>
+              </a:spcBef>
+              <a:spcAft>
+                <a:spcPts val="0"/>
+              </a:spcAft>
+              <a:buSzPts val="1400"/>
+              <a:buChar char="■"/>
+              <a:defRPr/>
+            </a:lvl3pPr>
+            <a:lvl4pPr marL="2438339" lvl="3" indent="-423323">
+              <a:spcBef>
+                <a:spcPts val="0"/>
+              </a:spcBef>
+              <a:spcAft>
+                <a:spcPts val="0"/>
+              </a:spcAft>
+              <a:buSzPts val="1400"/>
+              <a:buChar char="●"/>
+              <a:defRPr/>
+            </a:lvl4pPr>
+            <a:lvl5pPr marL="3047924" lvl="4" indent="-423323">
+              <a:spcBef>
+                <a:spcPts val="0"/>
+              </a:spcBef>
+              <a:spcAft>
+                <a:spcPts val="0"/>
+              </a:spcAft>
+              <a:buSzPts val="1400"/>
+              <a:buChar char="○"/>
+              <a:defRPr/>
+            </a:lvl5pPr>
+            <a:lvl6pPr marL="3657509" lvl="5" indent="-423323">
+              <a:spcBef>
+                <a:spcPts val="0"/>
+              </a:spcBef>
+              <a:spcAft>
+                <a:spcPts val="0"/>
+              </a:spcAft>
+              <a:buSzPts val="1400"/>
+              <a:buChar char="■"/>
+              <a:defRPr/>
+            </a:lvl6pPr>
+            <a:lvl7pPr marL="4267093" lvl="6" indent="-423323">
+              <a:spcBef>
+                <a:spcPts val="0"/>
+              </a:spcBef>
+              <a:spcAft>
+                <a:spcPts val="0"/>
+              </a:spcAft>
+              <a:buSzPts val="1400"/>
+              <a:buChar char="●"/>
+              <a:defRPr/>
+            </a:lvl7pPr>
+            <a:lvl8pPr marL="4876678" lvl="7" indent="-423323">
+              <a:spcBef>
+                <a:spcPts val="0"/>
+              </a:spcBef>
+              <a:spcAft>
+                <a:spcPts val="0"/>
+              </a:spcAft>
+              <a:buSzPts val="1400"/>
+              <a:buChar char="○"/>
+              <a:defRPr/>
+            </a:lvl8pPr>
+            <a:lvl9pPr marL="5486263" lvl="8" indent="-423323">
+              <a:spcBef>
+                <a:spcPts val="0"/>
+              </a:spcBef>
+              <a:spcAft>
+                <a:spcPts val="0"/>
+              </a:spcAft>
+              <a:buSzPts val="1400"/>
+              <a:buChar char="■"/>
+              <a:defRPr/>
+            </a:lvl9pPr>
+          </a:lstStyle>
+          <a:p>
+            <a:endParaRPr/>
+          </a:p>
+        </p:txBody>
+      </p:sp>
+      <p:sp>
+        <p:nvSpPr>
+          <p:cNvPr id="40" name="Google Shape;40;p9"/>
+          <p:cNvSpPr txBox="1">
+            <a:spLocks noGrp="1"/>
+          </p:cNvSpPr>
+          <p:nvPr>
+            <p:ph type="sldNum" idx="12"/>
+          </p:nvPr>
+        </p:nvSpPr>
+        <p:spPr>
+          <a:xfrm>
+            <a:off x="11296611" y="6217623"/>
+            <a:ext cx="731600" cy="524800"/>
+          </a:xfrm>
+          <a:prstGeom prst="rect">
+            <a:avLst/>
+          </a:prstGeom>
+        </p:spPr>
+        <p:txBody>
+          <a:bodyPr spcFirstLastPara="1" wrap="square" lIns="91425" tIns="91425" rIns="91425" bIns="91425" anchor="ctr" anchorCtr="0">
+            <a:normAutofit/>
+          </a:bodyPr>
+          <a:lstStyle>
+            <a:lvl1pPr lvl="0">
+              <a:buNone/>
+              <a:defRPr/>
+            </a:lvl1pPr>
+            <a:lvl2pPr lvl="1">
+              <a:buNone/>
+              <a:defRPr/>
+            </a:lvl2pPr>
+            <a:lvl3pPr lvl="2">
+              <a:buNone/>
+              <a:defRPr/>
+            </a:lvl3pPr>
+            <a:lvl4pPr lvl="3">
+              <a:buNone/>
+              <a:defRPr/>
+            </a:lvl4pPr>
+            <a:lvl5pPr lvl="4">
+              <a:buNone/>
+              <a:defRPr/>
+            </a:lvl5pPr>
+            <a:lvl6pPr lvl="5">
+              <a:buNone/>
+              <a:defRPr/>
+            </a:lvl6pPr>
+            <a:lvl7pPr lvl="6">
+              <a:buNone/>
+              <a:defRPr/>
+            </a:lvl7pPr>
+            <a:lvl8pPr lvl="7">
+              <a:buNone/>
+              <a:defRPr/>
+            </a:lvl8pPr>
+            <a:lvl9pPr lvl="8">
+              <a:buNone/>
+              <a:defRPr/>
+            </a:lvl9pPr>
+          </a:lstStyle>
+          <a:p>
+            <a:fld id="{00000000-1234-1234-1234-123412341234}" type="slidenum">
+              <a:rPr lang="en" smtClean="0"/>
+              <a:pPr/>
+              <a:t>‹#›</a:t>
+            </a:fld>
+            <a:endParaRPr lang="en"/>
+          </a:p>
+        </p:txBody>
+      </p:sp>
+    </p:spTree>
+    <p:extLst>
+      <p:ext uri="{BB962C8B-B14F-4D97-AF65-F5344CB8AC3E}">
+        <p14:creationId xmlns:p14="http://schemas.microsoft.com/office/powerpoint/2010/main" val="4137566461"/>
+      </p:ext>
+    </p:extLst>
+  </p:cSld>
+  <p:clrMapOvr>
+    <a:masterClrMapping/>
+  </p:clrMapOvr>
+</p:sldLayout>
+</file>
+
+<file path=ppt/slideLayouts/slideLayout22.xml><?xml version="1.0" encoding="utf-8"?>
+<p:sldLayout xmlns:a="http://schemas.openxmlformats.org/drawingml/2006/main" xmlns:r="http://schemas.openxmlformats.org/officeDocument/2006/relationships" xmlns:p="http://schemas.openxmlformats.org/presentationml/2006/main" matchingName="Caption">
+  <p:cSld name="Caption">
+    <p:spTree>
+      <p:nvGrpSpPr>
+        <p:cNvPr id="1" name="Shape 41"/>
+        <p:cNvGrpSpPr/>
+        <p:nvPr/>
+      </p:nvGrpSpPr>
+      <p:grpSpPr>
+        <a:xfrm>
+          <a:off x="0" y="0"/>
+          <a:ext cx="0" cy="0"/>
+          <a:chOff x="0" y="0"/>
+          <a:chExt cx="0" cy="0"/>
+        </a:xfrm>
+      </p:grpSpPr>
+      <p:sp>
+        <p:nvSpPr>
+          <p:cNvPr id="42" name="Google Shape;42;p10"/>
+          <p:cNvSpPr txBox="1">
+            <a:spLocks noGrp="1"/>
+          </p:cNvSpPr>
+          <p:nvPr>
+            <p:ph type="body" idx="1"/>
+          </p:nvPr>
+        </p:nvSpPr>
+        <p:spPr>
+          <a:xfrm>
+            <a:off x="415600" y="5640767"/>
+            <a:ext cx="7998400" cy="806800"/>
+          </a:xfrm>
+          <a:prstGeom prst="rect">
+            <a:avLst/>
+          </a:prstGeom>
+        </p:spPr>
+        <p:txBody>
+          <a:bodyPr spcFirstLastPara="1" wrap="square" lIns="91425" tIns="91425" rIns="91425" bIns="91425" anchor="ctr" anchorCtr="0">
+            <a:normAutofit/>
+          </a:bodyPr>
+          <a:lstStyle>
+            <a:lvl1pPr marL="609585" lvl="0" indent="-304792">
+              <a:lnSpc>
+                <a:spcPct val="100000"/>
+              </a:lnSpc>
+              <a:spcBef>
+                <a:spcPts val="0"/>
+              </a:spcBef>
+              <a:spcAft>
+                <a:spcPts val="0"/>
+              </a:spcAft>
+              <a:buSzPts val="1800"/>
+              <a:buNone/>
+              <a:defRPr/>
+            </a:lvl1pPr>
+          </a:lstStyle>
+          <a:p>
+            <a:endParaRPr/>
+          </a:p>
+        </p:txBody>
+      </p:sp>
+      <p:sp>
+        <p:nvSpPr>
+          <p:cNvPr id="43" name="Google Shape;43;p10"/>
+          <p:cNvSpPr txBox="1">
+            <a:spLocks noGrp="1"/>
+          </p:cNvSpPr>
+          <p:nvPr>
+            <p:ph type="sldNum" idx="12"/>
+          </p:nvPr>
+        </p:nvSpPr>
+        <p:spPr>
+          <a:xfrm>
+            <a:off x="11296611" y="6217623"/>
+            <a:ext cx="731600" cy="524800"/>
+          </a:xfrm>
+          <a:prstGeom prst="rect">
+            <a:avLst/>
+          </a:prstGeom>
+        </p:spPr>
+        <p:txBody>
+          <a:bodyPr spcFirstLastPara="1" wrap="square" lIns="91425" tIns="91425" rIns="91425" bIns="91425" anchor="ctr" anchorCtr="0">
+            <a:normAutofit/>
+          </a:bodyPr>
+          <a:lstStyle>
+            <a:lvl1pPr lvl="0">
+              <a:buNone/>
+              <a:defRPr/>
+            </a:lvl1pPr>
+            <a:lvl2pPr lvl="1">
+              <a:buNone/>
+              <a:defRPr/>
+            </a:lvl2pPr>
+            <a:lvl3pPr lvl="2">
+              <a:buNone/>
+              <a:defRPr/>
+            </a:lvl3pPr>
+            <a:lvl4pPr lvl="3">
+              <a:buNone/>
+              <a:defRPr/>
+            </a:lvl4pPr>
+            <a:lvl5pPr lvl="4">
+              <a:buNone/>
+              <a:defRPr/>
+            </a:lvl5pPr>
+            <a:lvl6pPr lvl="5">
+              <a:buNone/>
+              <a:defRPr/>
+            </a:lvl6pPr>
+            <a:lvl7pPr lvl="6">
+              <a:buNone/>
+              <a:defRPr/>
+            </a:lvl7pPr>
+            <a:lvl8pPr lvl="7">
+              <a:buNone/>
+              <a:defRPr/>
+            </a:lvl8pPr>
+            <a:lvl9pPr lvl="8">
+              <a:buNone/>
+              <a:defRPr/>
+            </a:lvl9pPr>
+          </a:lstStyle>
+          <a:p>
+            <a:fld id="{00000000-1234-1234-1234-123412341234}" type="slidenum">
+              <a:rPr lang="en" smtClean="0"/>
+              <a:pPr/>
+              <a:t>‹#›</a:t>
+            </a:fld>
+            <a:endParaRPr lang="en"/>
+          </a:p>
+        </p:txBody>
+      </p:sp>
+    </p:spTree>
+    <p:extLst>
+      <p:ext uri="{BB962C8B-B14F-4D97-AF65-F5344CB8AC3E}">
+        <p14:creationId xmlns:p14="http://schemas.microsoft.com/office/powerpoint/2010/main" val="1507937786"/>
+      </p:ext>
+    </p:extLst>
+  </p:cSld>
+  <p:clrMapOvr>
+    <a:masterClrMapping/>
+  </p:clrMapOvr>
+</p:sldLayout>
+</file>
+
+<file path=ppt/slideLayouts/slideLayout23.xml><?xml version="1.0" encoding="utf-8"?>
+<p:sldLayout xmlns:a="http://schemas.openxmlformats.org/drawingml/2006/main" xmlns:r="http://schemas.openxmlformats.org/officeDocument/2006/relationships" xmlns:p="http://schemas.openxmlformats.org/presentationml/2006/main" matchingName="Big number">
+  <p:cSld name="Big number">
+    <p:spTree>
+      <p:nvGrpSpPr>
+        <p:cNvPr id="1" name="Shape 44"/>
+        <p:cNvGrpSpPr/>
+        <p:nvPr/>
+      </p:nvGrpSpPr>
+      <p:grpSpPr>
+        <a:xfrm>
+          <a:off x="0" y="0"/>
+          <a:ext cx="0" cy="0"/>
+          <a:chOff x="0" y="0"/>
+          <a:chExt cx="0" cy="0"/>
+        </a:xfrm>
+      </p:grpSpPr>
+      <p:sp>
+        <p:nvSpPr>
+          <p:cNvPr id="45" name="Google Shape;45;p11"/>
+          <p:cNvSpPr txBox="1">
+            <a:spLocks noGrp="1"/>
+          </p:cNvSpPr>
+          <p:nvPr>
+            <p:ph type="title" hasCustomPrompt="1"/>
+          </p:nvPr>
+        </p:nvSpPr>
+        <p:spPr>
+          <a:xfrm>
+            <a:off x="415600" y="1474833"/>
+            <a:ext cx="11360800" cy="2618000"/>
+          </a:xfrm>
+          <a:prstGeom prst="rect">
+            <a:avLst/>
+          </a:prstGeom>
+        </p:spPr>
+        <p:txBody>
+          <a:bodyPr spcFirstLastPara="1" wrap="square" lIns="91425" tIns="91425" rIns="91425" bIns="91425" anchor="b" anchorCtr="0">
+            <a:normAutofit/>
+          </a:bodyPr>
+          <a:lstStyle>
+            <a:lvl1pPr lvl="0" algn="ctr">
+              <a:spcBef>
+                <a:spcPts val="0"/>
+              </a:spcBef>
+              <a:spcAft>
+                <a:spcPts val="0"/>
+              </a:spcAft>
+              <a:buSzPts val="12000"/>
+              <a:buNone/>
+              <a:defRPr sz="16000"/>
+            </a:lvl1pPr>
+            <a:lvl2pPr lvl="1" algn="ctr">
+              <a:spcBef>
+                <a:spcPts val="0"/>
+              </a:spcBef>
+              <a:spcAft>
+                <a:spcPts val="0"/>
+              </a:spcAft>
+              <a:buSzPts val="12000"/>
+              <a:buNone/>
+              <a:defRPr sz="16000"/>
+            </a:lvl2pPr>
+            <a:lvl3pPr lvl="2" algn="ctr">
+              <a:spcBef>
+                <a:spcPts val="0"/>
+              </a:spcBef>
+              <a:spcAft>
+                <a:spcPts val="0"/>
+              </a:spcAft>
+              <a:buSzPts val="12000"/>
+              <a:buNone/>
+              <a:defRPr sz="16000"/>
+            </a:lvl3pPr>
+            <a:lvl4pPr lvl="3" algn="ctr">
+              <a:spcBef>
+                <a:spcPts val="0"/>
+              </a:spcBef>
+              <a:spcAft>
+                <a:spcPts val="0"/>
+              </a:spcAft>
+              <a:buSzPts val="12000"/>
+              <a:buNone/>
+              <a:defRPr sz="16000"/>
+            </a:lvl4pPr>
+            <a:lvl5pPr lvl="4" algn="ctr">
+              <a:spcBef>
+                <a:spcPts val="0"/>
+              </a:spcBef>
+              <a:spcAft>
+                <a:spcPts val="0"/>
+              </a:spcAft>
+              <a:buSzPts val="12000"/>
+              <a:buNone/>
+              <a:defRPr sz="16000"/>
+            </a:lvl5pPr>
+            <a:lvl6pPr lvl="5" algn="ctr">
+              <a:spcBef>
+                <a:spcPts val="0"/>
+              </a:spcBef>
+              <a:spcAft>
+                <a:spcPts val="0"/>
+              </a:spcAft>
+              <a:buSzPts val="12000"/>
+              <a:buNone/>
+              <a:defRPr sz="16000"/>
+            </a:lvl6pPr>
+            <a:lvl7pPr lvl="6" algn="ctr">
+              <a:spcBef>
+                <a:spcPts val="0"/>
+              </a:spcBef>
+              <a:spcAft>
+                <a:spcPts val="0"/>
+              </a:spcAft>
+              <a:buSzPts val="12000"/>
+              <a:buNone/>
+              <a:defRPr sz="16000"/>
+            </a:lvl7pPr>
+            <a:lvl8pPr lvl="7" algn="ctr">
+              <a:spcBef>
+                <a:spcPts val="0"/>
+              </a:spcBef>
+              <a:spcAft>
+                <a:spcPts val="0"/>
+              </a:spcAft>
+              <a:buSzPts val="12000"/>
+              <a:buNone/>
+              <a:defRPr sz="16000"/>
+            </a:lvl8pPr>
+            <a:lvl9pPr lvl="8" algn="ctr">
+              <a:spcBef>
+                <a:spcPts val="0"/>
+              </a:spcBef>
+              <a:spcAft>
+                <a:spcPts val="0"/>
+              </a:spcAft>
+              <a:buSzPts val="12000"/>
+              <a:buNone/>
+              <a:defRPr sz="16000"/>
+            </a:lvl9pPr>
+          </a:lstStyle>
+          <a:p>
+            <a:r>
+              <a:t>xx%</a:t>
+            </a:r>
+          </a:p>
+        </p:txBody>
+      </p:sp>
+      <p:sp>
+        <p:nvSpPr>
+          <p:cNvPr id="46" name="Google Shape;46;p11"/>
+          <p:cNvSpPr txBox="1">
+            <a:spLocks noGrp="1"/>
+          </p:cNvSpPr>
+          <p:nvPr>
+            <p:ph type="body" idx="1"/>
+          </p:nvPr>
+        </p:nvSpPr>
+        <p:spPr>
+          <a:xfrm>
+            <a:off x="415600" y="4202967"/>
+            <a:ext cx="11360800" cy="1734400"/>
+          </a:xfrm>
+          <a:prstGeom prst="rect">
+            <a:avLst/>
+          </a:prstGeom>
+        </p:spPr>
+        <p:txBody>
+          <a:bodyPr spcFirstLastPara="1" wrap="square" lIns="91425" tIns="91425" rIns="91425" bIns="91425" anchor="t" anchorCtr="0">
+            <a:normAutofit/>
+          </a:bodyPr>
+          <a:lstStyle>
+            <a:lvl1pPr marL="609585" lvl="0" indent="-457189" algn="ctr">
+              <a:spcBef>
+                <a:spcPts val="0"/>
+              </a:spcBef>
+              <a:spcAft>
+                <a:spcPts val="0"/>
+              </a:spcAft>
+              <a:buSzPts val="1800"/>
+              <a:buChar char="●"/>
+              <a:defRPr/>
+            </a:lvl1pPr>
+            <a:lvl2pPr marL="1219170" lvl="1" indent="-423323" algn="ctr">
+              <a:spcBef>
+                <a:spcPts val="0"/>
+              </a:spcBef>
+              <a:spcAft>
+                <a:spcPts val="0"/>
+              </a:spcAft>
+              <a:buSzPts val="1400"/>
+              <a:buChar char="○"/>
+              <a:defRPr/>
+            </a:lvl2pPr>
+            <a:lvl3pPr marL="1828754" lvl="2" indent="-423323" algn="ctr">
+              <a:spcBef>
+                <a:spcPts val="0"/>
+              </a:spcBef>
+              <a:spcAft>
+                <a:spcPts val="0"/>
+              </a:spcAft>
+              <a:buSzPts val="1400"/>
+              <a:buChar char="■"/>
+              <a:defRPr/>
+            </a:lvl3pPr>
+            <a:lvl4pPr marL="2438339" lvl="3" indent="-423323" algn="ctr">
+              <a:spcBef>
+                <a:spcPts val="0"/>
+              </a:spcBef>
+              <a:spcAft>
+                <a:spcPts val="0"/>
+              </a:spcAft>
+              <a:buSzPts val="1400"/>
+              <a:buChar char="●"/>
+              <a:defRPr/>
+            </a:lvl4pPr>
+            <a:lvl5pPr marL="3047924" lvl="4" indent="-423323" algn="ctr">
+              <a:spcBef>
+                <a:spcPts val="0"/>
+              </a:spcBef>
+              <a:spcAft>
+                <a:spcPts val="0"/>
+              </a:spcAft>
+              <a:buSzPts val="1400"/>
+              <a:buChar char="○"/>
+              <a:defRPr/>
+            </a:lvl5pPr>
+            <a:lvl6pPr marL="3657509" lvl="5" indent="-423323" algn="ctr">
+              <a:spcBef>
+                <a:spcPts val="0"/>
+              </a:spcBef>
+              <a:spcAft>
+                <a:spcPts val="0"/>
+              </a:spcAft>
+              <a:buSzPts val="1400"/>
+              <a:buChar char="■"/>
+              <a:defRPr/>
+            </a:lvl6pPr>
+            <a:lvl7pPr marL="4267093" lvl="6" indent="-423323" algn="ctr">
+              <a:spcBef>
+                <a:spcPts val="0"/>
+              </a:spcBef>
+              <a:spcAft>
+                <a:spcPts val="0"/>
+              </a:spcAft>
+              <a:buSzPts val="1400"/>
+              <a:buChar char="●"/>
+              <a:defRPr/>
+            </a:lvl7pPr>
+            <a:lvl8pPr marL="4876678" lvl="7" indent="-423323" algn="ctr">
+              <a:spcBef>
+                <a:spcPts val="0"/>
+              </a:spcBef>
+              <a:spcAft>
+                <a:spcPts val="0"/>
+              </a:spcAft>
+              <a:buSzPts val="1400"/>
+              <a:buChar char="○"/>
+              <a:defRPr/>
+            </a:lvl8pPr>
+            <a:lvl9pPr marL="5486263" lvl="8" indent="-423323" algn="ctr">
+              <a:spcBef>
+                <a:spcPts val="0"/>
+              </a:spcBef>
+              <a:spcAft>
+                <a:spcPts val="0"/>
+              </a:spcAft>
+              <a:buSzPts val="1400"/>
+              <a:buChar char="■"/>
+              <a:defRPr/>
+            </a:lvl9pPr>
+          </a:lstStyle>
+          <a:p>
+            <a:endParaRPr/>
+          </a:p>
+        </p:txBody>
+      </p:sp>
+      <p:sp>
+        <p:nvSpPr>
+          <p:cNvPr id="47" name="Google Shape;47;p11"/>
+          <p:cNvSpPr txBox="1">
+            <a:spLocks noGrp="1"/>
+          </p:cNvSpPr>
+          <p:nvPr>
+            <p:ph type="sldNum" idx="12"/>
+          </p:nvPr>
+        </p:nvSpPr>
+        <p:spPr>
+          <a:xfrm>
+            <a:off x="11296611" y="6217623"/>
+            <a:ext cx="731600" cy="524800"/>
+          </a:xfrm>
+          <a:prstGeom prst="rect">
+            <a:avLst/>
+          </a:prstGeom>
+        </p:spPr>
+        <p:txBody>
+          <a:bodyPr spcFirstLastPara="1" wrap="square" lIns="91425" tIns="91425" rIns="91425" bIns="91425" anchor="ctr" anchorCtr="0">
+            <a:normAutofit/>
+          </a:bodyPr>
+          <a:lstStyle>
+            <a:lvl1pPr lvl="0">
+              <a:buNone/>
+              <a:defRPr/>
+            </a:lvl1pPr>
+            <a:lvl2pPr lvl="1">
+              <a:buNone/>
+              <a:defRPr/>
+            </a:lvl2pPr>
+            <a:lvl3pPr lvl="2">
+              <a:buNone/>
+              <a:defRPr/>
+            </a:lvl3pPr>
+            <a:lvl4pPr lvl="3">
+              <a:buNone/>
+              <a:defRPr/>
+            </a:lvl4pPr>
+            <a:lvl5pPr lvl="4">
+              <a:buNone/>
+              <a:defRPr/>
+            </a:lvl5pPr>
+            <a:lvl6pPr lvl="5">
+              <a:buNone/>
+              <a:defRPr/>
+            </a:lvl6pPr>
+            <a:lvl7pPr lvl="6">
+              <a:buNone/>
+              <a:defRPr/>
+            </a:lvl7pPr>
+            <a:lvl8pPr lvl="7">
+              <a:buNone/>
+              <a:defRPr/>
+            </a:lvl8pPr>
+            <a:lvl9pPr lvl="8">
+              <a:buNone/>
+              <a:defRPr/>
+            </a:lvl9pPr>
+          </a:lstStyle>
+          <a:p>
+            <a:fld id="{00000000-1234-1234-1234-123412341234}" type="slidenum">
+              <a:rPr lang="en" smtClean="0"/>
+              <a:pPr/>
+              <a:t>‹#›</a:t>
+            </a:fld>
+            <a:endParaRPr lang="en"/>
+          </a:p>
+        </p:txBody>
+      </p:sp>
+    </p:spTree>
+    <p:extLst>
+      <p:ext uri="{BB962C8B-B14F-4D97-AF65-F5344CB8AC3E}">
+        <p14:creationId xmlns:p14="http://schemas.microsoft.com/office/powerpoint/2010/main" val="881779702"/>
+      </p:ext>
+    </p:extLst>
+  </p:cSld>
+  <p:clrMapOvr>
+    <a:masterClrMapping/>
+  </p:clrMapOvr>
+</p:sldLayout>
+</file>
+
+<file path=ppt/slideLayouts/slideLayout24.xml><?xml version="1.0" encoding="utf-8"?>
+<p:sldLayout xmlns:a="http://schemas.openxmlformats.org/drawingml/2006/main" xmlns:r="http://schemas.openxmlformats.org/officeDocument/2006/relationships" xmlns:p="http://schemas.openxmlformats.org/presentationml/2006/main" matchingName="Blank" type="blank">
+  <p:cSld name="Blank">
+    <p:spTree>
+      <p:nvGrpSpPr>
+        <p:cNvPr id="1" name="Shape 48"/>
+        <p:cNvGrpSpPr/>
+        <p:nvPr/>
+      </p:nvGrpSpPr>
+      <p:grpSpPr>
+        <a:xfrm>
+          <a:off x="0" y="0"/>
+          <a:ext cx="0" cy="0"/>
+          <a:chOff x="0" y="0"/>
+          <a:chExt cx="0" cy="0"/>
+        </a:xfrm>
+      </p:grpSpPr>
+      <p:sp>
+        <p:nvSpPr>
+          <p:cNvPr id="49" name="Google Shape;49;p12"/>
+          <p:cNvSpPr txBox="1">
+            <a:spLocks noGrp="1"/>
+          </p:cNvSpPr>
+          <p:nvPr>
+            <p:ph type="sldNum" idx="12"/>
+          </p:nvPr>
+        </p:nvSpPr>
+        <p:spPr>
+          <a:xfrm>
+            <a:off x="11296611" y="6217623"/>
+            <a:ext cx="731600" cy="524800"/>
+          </a:xfrm>
+          <a:prstGeom prst="rect">
+            <a:avLst/>
+          </a:prstGeom>
+        </p:spPr>
+        <p:txBody>
+          <a:bodyPr spcFirstLastPara="1" wrap="square" lIns="91425" tIns="91425" rIns="91425" bIns="91425" anchor="ctr" anchorCtr="0">
+            <a:normAutofit/>
+          </a:bodyPr>
+          <a:lstStyle>
+            <a:lvl1pPr lvl="0">
+              <a:buNone/>
+              <a:defRPr/>
+            </a:lvl1pPr>
+            <a:lvl2pPr lvl="1">
+              <a:buNone/>
+              <a:defRPr/>
+            </a:lvl2pPr>
+            <a:lvl3pPr lvl="2">
+              <a:buNone/>
+              <a:defRPr/>
+            </a:lvl3pPr>
+            <a:lvl4pPr lvl="3">
+              <a:buNone/>
+              <a:defRPr/>
+            </a:lvl4pPr>
+            <a:lvl5pPr lvl="4">
+              <a:buNone/>
+              <a:defRPr/>
+            </a:lvl5pPr>
+            <a:lvl6pPr lvl="5">
+              <a:buNone/>
+              <a:defRPr/>
+            </a:lvl6pPr>
+            <a:lvl7pPr lvl="6">
+              <a:buNone/>
+              <a:defRPr/>
+            </a:lvl7pPr>
+            <a:lvl8pPr lvl="7">
+              <a:buNone/>
+              <a:defRPr/>
+            </a:lvl8pPr>
+            <a:lvl9pPr lvl="8">
+              <a:buNone/>
+              <a:defRPr/>
+            </a:lvl9pPr>
+          </a:lstStyle>
+          <a:p>
+            <a:fld id="{00000000-1234-1234-1234-123412341234}" type="slidenum">
+              <a:rPr lang="en" smtClean="0"/>
+              <a:pPr/>
+              <a:t>‹#›</a:t>
+            </a:fld>
+            <a:endParaRPr lang="en"/>
+          </a:p>
+        </p:txBody>
+      </p:sp>
+    </p:spTree>
+    <p:extLst>
+      <p:ext uri="{BB962C8B-B14F-4D97-AF65-F5344CB8AC3E}">
+        <p14:creationId xmlns:p14="http://schemas.microsoft.com/office/powerpoint/2010/main" val="2833086915"/>
       </p:ext>
     </p:extLst>
   </p:cSld>
@@ -9082,6 +12179,1274 @@
 </p:sldMaster>
 </file>
 
+<file path=ppt/slideMasters/slideMaster2.xml><?xml version="1.0" encoding="utf-8"?>
+<p:sldMaster xmlns:a="http://schemas.openxmlformats.org/drawingml/2006/main" xmlns:r="http://schemas.openxmlformats.org/officeDocument/2006/relationships" xmlns:p="http://schemas.openxmlformats.org/presentationml/2006/main">
+  <p:cSld>
+    <p:bg>
+      <p:bgPr>
+        <a:solidFill>
+          <a:schemeClr val="lt1"/>
+        </a:solidFill>
+        <a:effectLst/>
+      </p:bgPr>
+    </p:bg>
+    <p:spTree>
+      <p:nvGrpSpPr>
+        <p:cNvPr id="1" name="Shape 5"/>
+        <p:cNvGrpSpPr/>
+        <p:nvPr/>
+      </p:nvGrpSpPr>
+      <p:grpSpPr>
+        <a:xfrm>
+          <a:off x="0" y="0"/>
+          <a:ext cx="0" cy="0"/>
+          <a:chOff x="0" y="0"/>
+          <a:chExt cx="0" cy="0"/>
+        </a:xfrm>
+      </p:grpSpPr>
+      <p:sp>
+        <p:nvSpPr>
+          <p:cNvPr id="6" name="Google Shape;6;p1"/>
+          <p:cNvSpPr txBox="1">
+            <a:spLocks noGrp="1"/>
+          </p:cNvSpPr>
+          <p:nvPr>
+            <p:ph type="title"/>
+          </p:nvPr>
+        </p:nvSpPr>
+        <p:spPr>
+          <a:xfrm>
+            <a:off x="415600" y="593367"/>
+            <a:ext cx="11360800" cy="763600"/>
+          </a:xfrm>
+          <a:prstGeom prst="rect">
+            <a:avLst/>
+          </a:prstGeom>
+          <a:noFill/>
+          <a:ln>
+            <a:noFill/>
+          </a:ln>
+        </p:spPr>
+        <p:txBody>
+          <a:bodyPr spcFirstLastPara="1" wrap="square" lIns="91425" tIns="91425" rIns="91425" bIns="91425" anchor="t" anchorCtr="0">
+            <a:normAutofit/>
+          </a:bodyPr>
+          <a:lstStyle>
+            <a:lvl1pPr lvl="0">
+              <a:spcBef>
+                <a:spcPts val="0"/>
+              </a:spcBef>
+              <a:spcAft>
+                <a:spcPts val="0"/>
+              </a:spcAft>
+              <a:buClr>
+                <a:schemeClr val="dk1"/>
+              </a:buClr>
+              <a:buSzPts val="2800"/>
+              <a:buNone/>
+              <a:defRPr sz="2800">
+                <a:solidFill>
+                  <a:schemeClr val="dk1"/>
+                </a:solidFill>
+              </a:defRPr>
+            </a:lvl1pPr>
+            <a:lvl2pPr lvl="1">
+              <a:spcBef>
+                <a:spcPts val="0"/>
+              </a:spcBef>
+              <a:spcAft>
+                <a:spcPts val="0"/>
+              </a:spcAft>
+              <a:buClr>
+                <a:schemeClr val="dk1"/>
+              </a:buClr>
+              <a:buSzPts val="2800"/>
+              <a:buNone/>
+              <a:defRPr sz="2800">
+                <a:solidFill>
+                  <a:schemeClr val="dk1"/>
+                </a:solidFill>
+              </a:defRPr>
+            </a:lvl2pPr>
+            <a:lvl3pPr lvl="2">
+              <a:spcBef>
+                <a:spcPts val="0"/>
+              </a:spcBef>
+              <a:spcAft>
+                <a:spcPts val="0"/>
+              </a:spcAft>
+              <a:buClr>
+                <a:schemeClr val="dk1"/>
+              </a:buClr>
+              <a:buSzPts val="2800"/>
+              <a:buNone/>
+              <a:defRPr sz="2800">
+                <a:solidFill>
+                  <a:schemeClr val="dk1"/>
+                </a:solidFill>
+              </a:defRPr>
+            </a:lvl3pPr>
+            <a:lvl4pPr lvl="3">
+              <a:spcBef>
+                <a:spcPts val="0"/>
+              </a:spcBef>
+              <a:spcAft>
+                <a:spcPts val="0"/>
+              </a:spcAft>
+              <a:buClr>
+                <a:schemeClr val="dk1"/>
+              </a:buClr>
+              <a:buSzPts val="2800"/>
+              <a:buNone/>
+              <a:defRPr sz="2800">
+                <a:solidFill>
+                  <a:schemeClr val="dk1"/>
+                </a:solidFill>
+              </a:defRPr>
+            </a:lvl4pPr>
+            <a:lvl5pPr lvl="4">
+              <a:spcBef>
+                <a:spcPts val="0"/>
+              </a:spcBef>
+              <a:spcAft>
+                <a:spcPts val="0"/>
+              </a:spcAft>
+              <a:buClr>
+                <a:schemeClr val="dk1"/>
+              </a:buClr>
+              <a:buSzPts val="2800"/>
+              <a:buNone/>
+              <a:defRPr sz="2800">
+                <a:solidFill>
+                  <a:schemeClr val="dk1"/>
+                </a:solidFill>
+              </a:defRPr>
+            </a:lvl5pPr>
+            <a:lvl6pPr lvl="5">
+              <a:spcBef>
+                <a:spcPts val="0"/>
+              </a:spcBef>
+              <a:spcAft>
+                <a:spcPts val="0"/>
+              </a:spcAft>
+              <a:buClr>
+                <a:schemeClr val="dk1"/>
+              </a:buClr>
+              <a:buSzPts val="2800"/>
+              <a:buNone/>
+              <a:defRPr sz="2800">
+                <a:solidFill>
+                  <a:schemeClr val="dk1"/>
+                </a:solidFill>
+              </a:defRPr>
+            </a:lvl6pPr>
+            <a:lvl7pPr lvl="6">
+              <a:spcBef>
+                <a:spcPts val="0"/>
+              </a:spcBef>
+              <a:spcAft>
+                <a:spcPts val="0"/>
+              </a:spcAft>
+              <a:buClr>
+                <a:schemeClr val="dk1"/>
+              </a:buClr>
+              <a:buSzPts val="2800"/>
+              <a:buNone/>
+              <a:defRPr sz="2800">
+                <a:solidFill>
+                  <a:schemeClr val="dk1"/>
+                </a:solidFill>
+              </a:defRPr>
+            </a:lvl7pPr>
+            <a:lvl8pPr lvl="7">
+              <a:spcBef>
+                <a:spcPts val="0"/>
+              </a:spcBef>
+              <a:spcAft>
+                <a:spcPts val="0"/>
+              </a:spcAft>
+              <a:buClr>
+                <a:schemeClr val="dk1"/>
+              </a:buClr>
+              <a:buSzPts val="2800"/>
+              <a:buNone/>
+              <a:defRPr sz="2800">
+                <a:solidFill>
+                  <a:schemeClr val="dk1"/>
+                </a:solidFill>
+              </a:defRPr>
+            </a:lvl8pPr>
+            <a:lvl9pPr lvl="8">
+              <a:spcBef>
+                <a:spcPts val="0"/>
+              </a:spcBef>
+              <a:spcAft>
+                <a:spcPts val="0"/>
+              </a:spcAft>
+              <a:buClr>
+                <a:schemeClr val="dk1"/>
+              </a:buClr>
+              <a:buSzPts val="2800"/>
+              <a:buNone/>
+              <a:defRPr sz="2800">
+                <a:solidFill>
+                  <a:schemeClr val="dk1"/>
+                </a:solidFill>
+              </a:defRPr>
+            </a:lvl9pPr>
+          </a:lstStyle>
+          <a:p>
+            <a:endParaRPr/>
+          </a:p>
+        </p:txBody>
+      </p:sp>
+      <p:sp>
+        <p:nvSpPr>
+          <p:cNvPr id="7" name="Google Shape;7;p1"/>
+          <p:cNvSpPr txBox="1">
+            <a:spLocks noGrp="1"/>
+          </p:cNvSpPr>
+          <p:nvPr>
+            <p:ph type="body" idx="1"/>
+          </p:nvPr>
+        </p:nvSpPr>
+        <p:spPr>
+          <a:xfrm>
+            <a:off x="415600" y="1536633"/>
+            <a:ext cx="11360800" cy="4555200"/>
+          </a:xfrm>
+          <a:prstGeom prst="rect">
+            <a:avLst/>
+          </a:prstGeom>
+          <a:noFill/>
+          <a:ln>
+            <a:noFill/>
+          </a:ln>
+        </p:spPr>
+        <p:txBody>
+          <a:bodyPr spcFirstLastPara="1" wrap="square" lIns="91425" tIns="91425" rIns="91425" bIns="91425" anchor="t" anchorCtr="0">
+            <a:normAutofit/>
+          </a:bodyPr>
+          <a:lstStyle>
+            <a:lvl1pPr marL="457200" lvl="0" indent="-342900">
+              <a:lnSpc>
+                <a:spcPct val="115000"/>
+              </a:lnSpc>
+              <a:spcBef>
+                <a:spcPts val="0"/>
+              </a:spcBef>
+              <a:spcAft>
+                <a:spcPts val="0"/>
+              </a:spcAft>
+              <a:buClr>
+                <a:schemeClr val="dk2"/>
+              </a:buClr>
+              <a:buSzPts val="1800"/>
+              <a:buChar char="●"/>
+              <a:defRPr sz="1800">
+                <a:solidFill>
+                  <a:schemeClr val="dk2"/>
+                </a:solidFill>
+              </a:defRPr>
+            </a:lvl1pPr>
+            <a:lvl2pPr marL="914400" lvl="1" indent="-317500">
+              <a:lnSpc>
+                <a:spcPct val="115000"/>
+              </a:lnSpc>
+              <a:spcBef>
+                <a:spcPts val="0"/>
+              </a:spcBef>
+              <a:spcAft>
+                <a:spcPts val="0"/>
+              </a:spcAft>
+              <a:buClr>
+                <a:schemeClr val="dk2"/>
+              </a:buClr>
+              <a:buSzPts val="1400"/>
+              <a:buChar char="○"/>
+              <a:defRPr>
+                <a:solidFill>
+                  <a:schemeClr val="dk2"/>
+                </a:solidFill>
+              </a:defRPr>
+            </a:lvl2pPr>
+            <a:lvl3pPr marL="1371600" lvl="2" indent="-317500">
+              <a:lnSpc>
+                <a:spcPct val="115000"/>
+              </a:lnSpc>
+              <a:spcBef>
+                <a:spcPts val="0"/>
+              </a:spcBef>
+              <a:spcAft>
+                <a:spcPts val="0"/>
+              </a:spcAft>
+              <a:buClr>
+                <a:schemeClr val="dk2"/>
+              </a:buClr>
+              <a:buSzPts val="1400"/>
+              <a:buChar char="■"/>
+              <a:defRPr>
+                <a:solidFill>
+                  <a:schemeClr val="dk2"/>
+                </a:solidFill>
+              </a:defRPr>
+            </a:lvl3pPr>
+            <a:lvl4pPr marL="1828800" lvl="3" indent="-317500">
+              <a:lnSpc>
+                <a:spcPct val="115000"/>
+              </a:lnSpc>
+              <a:spcBef>
+                <a:spcPts val="0"/>
+              </a:spcBef>
+              <a:spcAft>
+                <a:spcPts val="0"/>
+              </a:spcAft>
+              <a:buClr>
+                <a:schemeClr val="dk2"/>
+              </a:buClr>
+              <a:buSzPts val="1400"/>
+              <a:buChar char="●"/>
+              <a:defRPr>
+                <a:solidFill>
+                  <a:schemeClr val="dk2"/>
+                </a:solidFill>
+              </a:defRPr>
+            </a:lvl4pPr>
+            <a:lvl5pPr marL="2286000" lvl="4" indent="-317500">
+              <a:lnSpc>
+                <a:spcPct val="115000"/>
+              </a:lnSpc>
+              <a:spcBef>
+                <a:spcPts val="0"/>
+              </a:spcBef>
+              <a:spcAft>
+                <a:spcPts val="0"/>
+              </a:spcAft>
+              <a:buClr>
+                <a:schemeClr val="dk2"/>
+              </a:buClr>
+              <a:buSzPts val="1400"/>
+              <a:buChar char="○"/>
+              <a:defRPr>
+                <a:solidFill>
+                  <a:schemeClr val="dk2"/>
+                </a:solidFill>
+              </a:defRPr>
+            </a:lvl5pPr>
+            <a:lvl6pPr marL="2743200" lvl="5" indent="-317500">
+              <a:lnSpc>
+                <a:spcPct val="115000"/>
+              </a:lnSpc>
+              <a:spcBef>
+                <a:spcPts val="0"/>
+              </a:spcBef>
+              <a:spcAft>
+                <a:spcPts val="0"/>
+              </a:spcAft>
+              <a:buClr>
+                <a:schemeClr val="dk2"/>
+              </a:buClr>
+              <a:buSzPts val="1400"/>
+              <a:buChar char="■"/>
+              <a:defRPr>
+                <a:solidFill>
+                  <a:schemeClr val="dk2"/>
+                </a:solidFill>
+              </a:defRPr>
+            </a:lvl6pPr>
+            <a:lvl7pPr marL="3200400" lvl="6" indent="-317500">
+              <a:lnSpc>
+                <a:spcPct val="115000"/>
+              </a:lnSpc>
+              <a:spcBef>
+                <a:spcPts val="0"/>
+              </a:spcBef>
+              <a:spcAft>
+                <a:spcPts val="0"/>
+              </a:spcAft>
+              <a:buClr>
+                <a:schemeClr val="dk2"/>
+              </a:buClr>
+              <a:buSzPts val="1400"/>
+              <a:buChar char="●"/>
+              <a:defRPr>
+                <a:solidFill>
+                  <a:schemeClr val="dk2"/>
+                </a:solidFill>
+              </a:defRPr>
+            </a:lvl7pPr>
+            <a:lvl8pPr marL="3657600" lvl="7" indent="-317500">
+              <a:lnSpc>
+                <a:spcPct val="115000"/>
+              </a:lnSpc>
+              <a:spcBef>
+                <a:spcPts val="0"/>
+              </a:spcBef>
+              <a:spcAft>
+                <a:spcPts val="0"/>
+              </a:spcAft>
+              <a:buClr>
+                <a:schemeClr val="dk2"/>
+              </a:buClr>
+              <a:buSzPts val="1400"/>
+              <a:buChar char="○"/>
+              <a:defRPr>
+                <a:solidFill>
+                  <a:schemeClr val="dk2"/>
+                </a:solidFill>
+              </a:defRPr>
+            </a:lvl8pPr>
+            <a:lvl9pPr marL="4114800" lvl="8" indent="-317500">
+              <a:lnSpc>
+                <a:spcPct val="115000"/>
+              </a:lnSpc>
+              <a:spcBef>
+                <a:spcPts val="0"/>
+              </a:spcBef>
+              <a:spcAft>
+                <a:spcPts val="0"/>
+              </a:spcAft>
+              <a:buClr>
+                <a:schemeClr val="dk2"/>
+              </a:buClr>
+              <a:buSzPts val="1400"/>
+              <a:buChar char="■"/>
+              <a:defRPr>
+                <a:solidFill>
+                  <a:schemeClr val="dk2"/>
+                </a:solidFill>
+              </a:defRPr>
+            </a:lvl9pPr>
+          </a:lstStyle>
+          <a:p>
+            <a:endParaRPr/>
+          </a:p>
+        </p:txBody>
+      </p:sp>
+      <p:sp>
+        <p:nvSpPr>
+          <p:cNvPr id="8" name="Google Shape;8;p1"/>
+          <p:cNvSpPr txBox="1">
+            <a:spLocks noGrp="1"/>
+          </p:cNvSpPr>
+          <p:nvPr>
+            <p:ph type="sldNum" idx="12"/>
+          </p:nvPr>
+        </p:nvSpPr>
+        <p:spPr>
+          <a:xfrm>
+            <a:off x="11296611" y="6217623"/>
+            <a:ext cx="731600" cy="524800"/>
+          </a:xfrm>
+          <a:prstGeom prst="rect">
+            <a:avLst/>
+          </a:prstGeom>
+          <a:noFill/>
+          <a:ln>
+            <a:noFill/>
+          </a:ln>
+        </p:spPr>
+        <p:txBody>
+          <a:bodyPr spcFirstLastPara="1" wrap="square" lIns="91425" tIns="91425" rIns="91425" bIns="91425" anchor="ctr" anchorCtr="0">
+            <a:normAutofit/>
+          </a:bodyPr>
+          <a:lstStyle>
+            <a:lvl1pPr lvl="0" algn="r">
+              <a:buNone/>
+              <a:defRPr sz="1333">
+                <a:solidFill>
+                  <a:schemeClr val="dk2"/>
+                </a:solidFill>
+              </a:defRPr>
+            </a:lvl1pPr>
+            <a:lvl2pPr lvl="1" algn="r">
+              <a:buNone/>
+              <a:defRPr sz="1333">
+                <a:solidFill>
+                  <a:schemeClr val="dk2"/>
+                </a:solidFill>
+              </a:defRPr>
+            </a:lvl2pPr>
+            <a:lvl3pPr lvl="2" algn="r">
+              <a:buNone/>
+              <a:defRPr sz="1333">
+                <a:solidFill>
+                  <a:schemeClr val="dk2"/>
+                </a:solidFill>
+              </a:defRPr>
+            </a:lvl3pPr>
+            <a:lvl4pPr lvl="3" algn="r">
+              <a:buNone/>
+              <a:defRPr sz="1333">
+                <a:solidFill>
+                  <a:schemeClr val="dk2"/>
+                </a:solidFill>
+              </a:defRPr>
+            </a:lvl4pPr>
+            <a:lvl5pPr lvl="4" algn="r">
+              <a:buNone/>
+              <a:defRPr sz="1333">
+                <a:solidFill>
+                  <a:schemeClr val="dk2"/>
+                </a:solidFill>
+              </a:defRPr>
+            </a:lvl5pPr>
+            <a:lvl6pPr lvl="5" algn="r">
+              <a:buNone/>
+              <a:defRPr sz="1333">
+                <a:solidFill>
+                  <a:schemeClr val="dk2"/>
+                </a:solidFill>
+              </a:defRPr>
+            </a:lvl6pPr>
+            <a:lvl7pPr lvl="6" algn="r">
+              <a:buNone/>
+              <a:defRPr sz="1333">
+                <a:solidFill>
+                  <a:schemeClr val="dk2"/>
+                </a:solidFill>
+              </a:defRPr>
+            </a:lvl7pPr>
+            <a:lvl8pPr lvl="7" algn="r">
+              <a:buNone/>
+              <a:defRPr sz="1333">
+                <a:solidFill>
+                  <a:schemeClr val="dk2"/>
+                </a:solidFill>
+              </a:defRPr>
+            </a:lvl8pPr>
+            <a:lvl9pPr lvl="8" algn="r">
+              <a:buNone/>
+              <a:defRPr sz="1333">
+                <a:solidFill>
+                  <a:schemeClr val="dk2"/>
+                </a:solidFill>
+              </a:defRPr>
+            </a:lvl9pPr>
+          </a:lstStyle>
+          <a:p>
+            <a:fld id="{00000000-1234-1234-1234-123412341234}" type="slidenum">
+              <a:rPr lang="en" smtClean="0"/>
+              <a:pPr/>
+              <a:t>‹#›</a:t>
+            </a:fld>
+            <a:endParaRPr lang="en"/>
+          </a:p>
+        </p:txBody>
+      </p:sp>
+    </p:spTree>
+    <p:extLst>
+      <p:ext uri="{BB962C8B-B14F-4D97-AF65-F5344CB8AC3E}">
+        <p14:creationId xmlns:p14="http://schemas.microsoft.com/office/powerpoint/2010/main" val="3794014847"/>
+      </p:ext>
+    </p:extLst>
+  </p:cSld>
+  <p:clrMap bg1="lt1" tx1="dk1" bg2="dk2" tx2="lt2" accent1="accent1" accent2="accent2" accent3="accent3" accent4="accent4" accent5="accent5" accent6="accent6" hlink="hlink" folHlink="folHlink"/>
+  <p:sldLayoutIdLst>
+    <p:sldLayoutId id="2147483676" r:id="rId1"/>
+    <p:sldLayoutId id="2147483677" r:id="rId2"/>
+    <p:sldLayoutId id="2147483678" r:id="rId3"/>
+    <p:sldLayoutId id="2147483679" r:id="rId4"/>
+    <p:sldLayoutId id="2147483680" r:id="rId5"/>
+    <p:sldLayoutId id="2147483681" r:id="rId6"/>
+    <p:sldLayoutId id="2147483682" r:id="rId7"/>
+    <p:sldLayoutId id="2147483683" r:id="rId8"/>
+    <p:sldLayoutId id="2147483684" r:id="rId9"/>
+    <p:sldLayoutId id="2147483685" r:id="rId10"/>
+  </p:sldLayoutIdLst>
+  <p:hf hdr="0" ftr="0" dt="0"/>
+  <p:txStyles>
+    <p:titleStyle>
+      <a:defPPr marR="0" lvl="0" algn="l" rtl="0">
+        <a:lnSpc>
+          <a:spcPct val="100000"/>
+        </a:lnSpc>
+        <a:spcBef>
+          <a:spcPts val="0"/>
+        </a:spcBef>
+        <a:spcAft>
+          <a:spcPts val="0"/>
+        </a:spcAft>
+      </a:defPPr>
+      <a:lvl1pPr marR="0" lvl="0" algn="l" rtl="0">
+        <a:lnSpc>
+          <a:spcPct val="100000"/>
+        </a:lnSpc>
+        <a:spcBef>
+          <a:spcPts val="0"/>
+        </a:spcBef>
+        <a:spcAft>
+          <a:spcPts val="0"/>
+        </a:spcAft>
+        <a:buClr>
+          <a:srgbClr val="000000"/>
+        </a:buClr>
+        <a:buFont typeface="Arial"/>
+        <a:defRPr sz="1867" b="0" i="0" u="none" strike="noStrike" cap="none">
+          <a:solidFill>
+            <a:srgbClr val="000000"/>
+          </a:solidFill>
+          <a:latin typeface="Arial"/>
+          <a:ea typeface="Arial"/>
+          <a:cs typeface="Arial"/>
+          <a:sym typeface="Arial"/>
+        </a:defRPr>
+      </a:lvl1pPr>
+      <a:lvl2pPr marR="0" lvl="1" algn="l" rtl="0">
+        <a:lnSpc>
+          <a:spcPct val="100000"/>
+        </a:lnSpc>
+        <a:spcBef>
+          <a:spcPts val="0"/>
+        </a:spcBef>
+        <a:spcAft>
+          <a:spcPts val="0"/>
+        </a:spcAft>
+        <a:buClr>
+          <a:srgbClr val="000000"/>
+        </a:buClr>
+        <a:buFont typeface="Arial"/>
+        <a:defRPr sz="1867" b="0" i="0" u="none" strike="noStrike" cap="none">
+          <a:solidFill>
+            <a:srgbClr val="000000"/>
+          </a:solidFill>
+          <a:latin typeface="Arial"/>
+          <a:ea typeface="Arial"/>
+          <a:cs typeface="Arial"/>
+          <a:sym typeface="Arial"/>
+        </a:defRPr>
+      </a:lvl2pPr>
+      <a:lvl3pPr marR="0" lvl="2" algn="l" rtl="0">
+        <a:lnSpc>
+          <a:spcPct val="100000"/>
+        </a:lnSpc>
+        <a:spcBef>
+          <a:spcPts val="0"/>
+        </a:spcBef>
+        <a:spcAft>
+          <a:spcPts val="0"/>
+        </a:spcAft>
+        <a:buClr>
+          <a:srgbClr val="000000"/>
+        </a:buClr>
+        <a:buFont typeface="Arial"/>
+        <a:defRPr sz="1867" b="0" i="0" u="none" strike="noStrike" cap="none">
+          <a:solidFill>
+            <a:srgbClr val="000000"/>
+          </a:solidFill>
+          <a:latin typeface="Arial"/>
+          <a:ea typeface="Arial"/>
+          <a:cs typeface="Arial"/>
+          <a:sym typeface="Arial"/>
+        </a:defRPr>
+      </a:lvl3pPr>
+      <a:lvl4pPr marR="0" lvl="3" algn="l" rtl="0">
+        <a:lnSpc>
+          <a:spcPct val="100000"/>
+        </a:lnSpc>
+        <a:spcBef>
+          <a:spcPts val="0"/>
+        </a:spcBef>
+        <a:spcAft>
+          <a:spcPts val="0"/>
+        </a:spcAft>
+        <a:buClr>
+          <a:srgbClr val="000000"/>
+        </a:buClr>
+        <a:buFont typeface="Arial"/>
+        <a:defRPr sz="1867" b="0" i="0" u="none" strike="noStrike" cap="none">
+          <a:solidFill>
+            <a:srgbClr val="000000"/>
+          </a:solidFill>
+          <a:latin typeface="Arial"/>
+          <a:ea typeface="Arial"/>
+          <a:cs typeface="Arial"/>
+          <a:sym typeface="Arial"/>
+        </a:defRPr>
+      </a:lvl4pPr>
+      <a:lvl5pPr marR="0" lvl="4" algn="l" rtl="0">
+        <a:lnSpc>
+          <a:spcPct val="100000"/>
+        </a:lnSpc>
+        <a:spcBef>
+          <a:spcPts val="0"/>
+        </a:spcBef>
+        <a:spcAft>
+          <a:spcPts val="0"/>
+        </a:spcAft>
+        <a:buClr>
+          <a:srgbClr val="000000"/>
+        </a:buClr>
+        <a:buFont typeface="Arial"/>
+        <a:defRPr sz="1867" b="0" i="0" u="none" strike="noStrike" cap="none">
+          <a:solidFill>
+            <a:srgbClr val="000000"/>
+          </a:solidFill>
+          <a:latin typeface="Arial"/>
+          <a:ea typeface="Arial"/>
+          <a:cs typeface="Arial"/>
+          <a:sym typeface="Arial"/>
+        </a:defRPr>
+      </a:lvl5pPr>
+      <a:lvl6pPr marR="0" lvl="5" algn="l" rtl="0">
+        <a:lnSpc>
+          <a:spcPct val="100000"/>
+        </a:lnSpc>
+        <a:spcBef>
+          <a:spcPts val="0"/>
+        </a:spcBef>
+        <a:spcAft>
+          <a:spcPts val="0"/>
+        </a:spcAft>
+        <a:buClr>
+          <a:srgbClr val="000000"/>
+        </a:buClr>
+        <a:buFont typeface="Arial"/>
+        <a:defRPr sz="1867" b="0" i="0" u="none" strike="noStrike" cap="none">
+          <a:solidFill>
+            <a:srgbClr val="000000"/>
+          </a:solidFill>
+          <a:latin typeface="Arial"/>
+          <a:ea typeface="Arial"/>
+          <a:cs typeface="Arial"/>
+          <a:sym typeface="Arial"/>
+        </a:defRPr>
+      </a:lvl6pPr>
+      <a:lvl7pPr marR="0" lvl="6" algn="l" rtl="0">
+        <a:lnSpc>
+          <a:spcPct val="100000"/>
+        </a:lnSpc>
+        <a:spcBef>
+          <a:spcPts val="0"/>
+        </a:spcBef>
+        <a:spcAft>
+          <a:spcPts val="0"/>
+        </a:spcAft>
+        <a:buClr>
+          <a:srgbClr val="000000"/>
+        </a:buClr>
+        <a:buFont typeface="Arial"/>
+        <a:defRPr sz="1867" b="0" i="0" u="none" strike="noStrike" cap="none">
+          <a:solidFill>
+            <a:srgbClr val="000000"/>
+          </a:solidFill>
+          <a:latin typeface="Arial"/>
+          <a:ea typeface="Arial"/>
+          <a:cs typeface="Arial"/>
+          <a:sym typeface="Arial"/>
+        </a:defRPr>
+      </a:lvl7pPr>
+      <a:lvl8pPr marR="0" lvl="7" algn="l" rtl="0">
+        <a:lnSpc>
+          <a:spcPct val="100000"/>
+        </a:lnSpc>
+        <a:spcBef>
+          <a:spcPts val="0"/>
+        </a:spcBef>
+        <a:spcAft>
+          <a:spcPts val="0"/>
+        </a:spcAft>
+        <a:buClr>
+          <a:srgbClr val="000000"/>
+        </a:buClr>
+        <a:buFont typeface="Arial"/>
+        <a:defRPr sz="1867" b="0" i="0" u="none" strike="noStrike" cap="none">
+          <a:solidFill>
+            <a:srgbClr val="000000"/>
+          </a:solidFill>
+          <a:latin typeface="Arial"/>
+          <a:ea typeface="Arial"/>
+          <a:cs typeface="Arial"/>
+          <a:sym typeface="Arial"/>
+        </a:defRPr>
+      </a:lvl8pPr>
+      <a:lvl9pPr marR="0" lvl="8" algn="l" rtl="0">
+        <a:lnSpc>
+          <a:spcPct val="100000"/>
+        </a:lnSpc>
+        <a:spcBef>
+          <a:spcPts val="0"/>
+        </a:spcBef>
+        <a:spcAft>
+          <a:spcPts val="0"/>
+        </a:spcAft>
+        <a:buClr>
+          <a:srgbClr val="000000"/>
+        </a:buClr>
+        <a:buFont typeface="Arial"/>
+        <a:defRPr sz="1867" b="0" i="0" u="none" strike="noStrike" cap="none">
+          <a:solidFill>
+            <a:srgbClr val="000000"/>
+          </a:solidFill>
+          <a:latin typeface="Arial"/>
+          <a:ea typeface="Arial"/>
+          <a:cs typeface="Arial"/>
+          <a:sym typeface="Arial"/>
+        </a:defRPr>
+      </a:lvl9pPr>
+    </p:titleStyle>
+    <p:bodyStyle>
+      <a:defPPr marR="0" lvl="0" algn="l" rtl="0">
+        <a:lnSpc>
+          <a:spcPct val="100000"/>
+        </a:lnSpc>
+        <a:spcBef>
+          <a:spcPts val="0"/>
+        </a:spcBef>
+        <a:spcAft>
+          <a:spcPts val="0"/>
+        </a:spcAft>
+      </a:defPPr>
+      <a:lvl1pPr marR="0" lvl="0" algn="l" rtl="0">
+        <a:lnSpc>
+          <a:spcPct val="100000"/>
+        </a:lnSpc>
+        <a:spcBef>
+          <a:spcPts val="0"/>
+        </a:spcBef>
+        <a:spcAft>
+          <a:spcPts val="0"/>
+        </a:spcAft>
+        <a:buClr>
+          <a:srgbClr val="000000"/>
+        </a:buClr>
+        <a:buFont typeface="Arial"/>
+        <a:defRPr sz="1867" b="0" i="0" u="none" strike="noStrike" cap="none">
+          <a:solidFill>
+            <a:srgbClr val="000000"/>
+          </a:solidFill>
+          <a:latin typeface="Arial"/>
+          <a:ea typeface="Arial"/>
+          <a:cs typeface="Arial"/>
+          <a:sym typeface="Arial"/>
+        </a:defRPr>
+      </a:lvl1pPr>
+      <a:lvl2pPr marR="0" lvl="1" algn="l" rtl="0">
+        <a:lnSpc>
+          <a:spcPct val="100000"/>
+        </a:lnSpc>
+        <a:spcBef>
+          <a:spcPts val="0"/>
+        </a:spcBef>
+        <a:spcAft>
+          <a:spcPts val="0"/>
+        </a:spcAft>
+        <a:buClr>
+          <a:srgbClr val="000000"/>
+        </a:buClr>
+        <a:buFont typeface="Arial"/>
+        <a:defRPr sz="1867" b="0" i="0" u="none" strike="noStrike" cap="none">
+          <a:solidFill>
+            <a:srgbClr val="000000"/>
+          </a:solidFill>
+          <a:latin typeface="Arial"/>
+          <a:ea typeface="Arial"/>
+          <a:cs typeface="Arial"/>
+          <a:sym typeface="Arial"/>
+        </a:defRPr>
+      </a:lvl2pPr>
+      <a:lvl3pPr marR="0" lvl="2" algn="l" rtl="0">
+        <a:lnSpc>
+          <a:spcPct val="100000"/>
+        </a:lnSpc>
+        <a:spcBef>
+          <a:spcPts val="0"/>
+        </a:spcBef>
+        <a:spcAft>
+          <a:spcPts val="0"/>
+        </a:spcAft>
+        <a:buClr>
+          <a:srgbClr val="000000"/>
+        </a:buClr>
+        <a:buFont typeface="Arial"/>
+        <a:defRPr sz="1867" b="0" i="0" u="none" strike="noStrike" cap="none">
+          <a:solidFill>
+            <a:srgbClr val="000000"/>
+          </a:solidFill>
+          <a:latin typeface="Arial"/>
+          <a:ea typeface="Arial"/>
+          <a:cs typeface="Arial"/>
+          <a:sym typeface="Arial"/>
+        </a:defRPr>
+      </a:lvl3pPr>
+      <a:lvl4pPr marR="0" lvl="3" algn="l" rtl="0">
+        <a:lnSpc>
+          <a:spcPct val="100000"/>
+        </a:lnSpc>
+        <a:spcBef>
+          <a:spcPts val="0"/>
+        </a:spcBef>
+        <a:spcAft>
+          <a:spcPts val="0"/>
+        </a:spcAft>
+        <a:buClr>
+          <a:srgbClr val="000000"/>
+        </a:buClr>
+        <a:buFont typeface="Arial"/>
+        <a:defRPr sz="1867" b="0" i="0" u="none" strike="noStrike" cap="none">
+          <a:solidFill>
+            <a:srgbClr val="000000"/>
+          </a:solidFill>
+          <a:latin typeface="Arial"/>
+          <a:ea typeface="Arial"/>
+          <a:cs typeface="Arial"/>
+          <a:sym typeface="Arial"/>
+        </a:defRPr>
+      </a:lvl4pPr>
+      <a:lvl5pPr marR="0" lvl="4" algn="l" rtl="0">
+        <a:lnSpc>
+          <a:spcPct val="100000"/>
+        </a:lnSpc>
+        <a:spcBef>
+          <a:spcPts val="0"/>
+        </a:spcBef>
+        <a:spcAft>
+          <a:spcPts val="0"/>
+        </a:spcAft>
+        <a:buClr>
+          <a:srgbClr val="000000"/>
+        </a:buClr>
+        <a:buFont typeface="Arial"/>
+        <a:defRPr sz="1867" b="0" i="0" u="none" strike="noStrike" cap="none">
+          <a:solidFill>
+            <a:srgbClr val="000000"/>
+          </a:solidFill>
+          <a:latin typeface="Arial"/>
+          <a:ea typeface="Arial"/>
+          <a:cs typeface="Arial"/>
+          <a:sym typeface="Arial"/>
+        </a:defRPr>
+      </a:lvl5pPr>
+      <a:lvl6pPr marR="0" lvl="5" algn="l" rtl="0">
+        <a:lnSpc>
+          <a:spcPct val="100000"/>
+        </a:lnSpc>
+        <a:spcBef>
+          <a:spcPts val="0"/>
+        </a:spcBef>
+        <a:spcAft>
+          <a:spcPts val="0"/>
+        </a:spcAft>
+        <a:buClr>
+          <a:srgbClr val="000000"/>
+        </a:buClr>
+        <a:buFont typeface="Arial"/>
+        <a:defRPr sz="1867" b="0" i="0" u="none" strike="noStrike" cap="none">
+          <a:solidFill>
+            <a:srgbClr val="000000"/>
+          </a:solidFill>
+          <a:latin typeface="Arial"/>
+          <a:ea typeface="Arial"/>
+          <a:cs typeface="Arial"/>
+          <a:sym typeface="Arial"/>
+        </a:defRPr>
+      </a:lvl6pPr>
+      <a:lvl7pPr marR="0" lvl="6" algn="l" rtl="0">
+        <a:lnSpc>
+          <a:spcPct val="100000"/>
+        </a:lnSpc>
+        <a:spcBef>
+          <a:spcPts val="0"/>
+        </a:spcBef>
+        <a:spcAft>
+          <a:spcPts val="0"/>
+        </a:spcAft>
+        <a:buClr>
+          <a:srgbClr val="000000"/>
+        </a:buClr>
+        <a:buFont typeface="Arial"/>
+        <a:defRPr sz="1867" b="0" i="0" u="none" strike="noStrike" cap="none">
+          <a:solidFill>
+            <a:srgbClr val="000000"/>
+          </a:solidFill>
+          <a:latin typeface="Arial"/>
+          <a:ea typeface="Arial"/>
+          <a:cs typeface="Arial"/>
+          <a:sym typeface="Arial"/>
+        </a:defRPr>
+      </a:lvl7pPr>
+      <a:lvl8pPr marR="0" lvl="7" algn="l" rtl="0">
+        <a:lnSpc>
+          <a:spcPct val="100000"/>
+        </a:lnSpc>
+        <a:spcBef>
+          <a:spcPts val="0"/>
+        </a:spcBef>
+        <a:spcAft>
+          <a:spcPts val="0"/>
+        </a:spcAft>
+        <a:buClr>
+          <a:srgbClr val="000000"/>
+        </a:buClr>
+        <a:buFont typeface="Arial"/>
+        <a:defRPr sz="1867" b="0" i="0" u="none" strike="noStrike" cap="none">
+          <a:solidFill>
+            <a:srgbClr val="000000"/>
+          </a:solidFill>
+          <a:latin typeface="Arial"/>
+          <a:ea typeface="Arial"/>
+          <a:cs typeface="Arial"/>
+          <a:sym typeface="Arial"/>
+        </a:defRPr>
+      </a:lvl8pPr>
+      <a:lvl9pPr marR="0" lvl="8" algn="l" rtl="0">
+        <a:lnSpc>
+          <a:spcPct val="100000"/>
+        </a:lnSpc>
+        <a:spcBef>
+          <a:spcPts val="0"/>
+        </a:spcBef>
+        <a:spcAft>
+          <a:spcPts val="0"/>
+        </a:spcAft>
+        <a:buClr>
+          <a:srgbClr val="000000"/>
+        </a:buClr>
+        <a:buFont typeface="Arial"/>
+        <a:defRPr sz="1867" b="0" i="0" u="none" strike="noStrike" cap="none">
+          <a:solidFill>
+            <a:srgbClr val="000000"/>
+          </a:solidFill>
+          <a:latin typeface="Arial"/>
+          <a:ea typeface="Arial"/>
+          <a:cs typeface="Arial"/>
+          <a:sym typeface="Arial"/>
+        </a:defRPr>
+      </a:lvl9pPr>
+    </p:bodyStyle>
+    <p:otherStyle>
+      <a:defPPr marR="0" lvl="0" algn="l" rtl="0">
+        <a:lnSpc>
+          <a:spcPct val="100000"/>
+        </a:lnSpc>
+        <a:spcBef>
+          <a:spcPts val="0"/>
+        </a:spcBef>
+        <a:spcAft>
+          <a:spcPts val="0"/>
+        </a:spcAft>
+      </a:defPPr>
+      <a:lvl1pPr marR="0" lvl="0" algn="l" rtl="0">
+        <a:lnSpc>
+          <a:spcPct val="100000"/>
+        </a:lnSpc>
+        <a:spcBef>
+          <a:spcPts val="0"/>
+        </a:spcBef>
+        <a:spcAft>
+          <a:spcPts val="0"/>
+        </a:spcAft>
+        <a:buClr>
+          <a:srgbClr val="000000"/>
+        </a:buClr>
+        <a:buFont typeface="Arial"/>
+        <a:defRPr sz="1867" b="0" i="0" u="none" strike="noStrike" cap="none">
+          <a:solidFill>
+            <a:srgbClr val="000000"/>
+          </a:solidFill>
+          <a:latin typeface="Arial"/>
+          <a:ea typeface="Arial"/>
+          <a:cs typeface="Arial"/>
+          <a:sym typeface="Arial"/>
+        </a:defRPr>
+      </a:lvl1pPr>
+      <a:lvl2pPr marR="0" lvl="1" algn="l" rtl="0">
+        <a:lnSpc>
+          <a:spcPct val="100000"/>
+        </a:lnSpc>
+        <a:spcBef>
+          <a:spcPts val="0"/>
+        </a:spcBef>
+        <a:spcAft>
+          <a:spcPts val="0"/>
+        </a:spcAft>
+        <a:buClr>
+          <a:srgbClr val="000000"/>
+        </a:buClr>
+        <a:buFont typeface="Arial"/>
+        <a:defRPr sz="1867" b="0" i="0" u="none" strike="noStrike" cap="none">
+          <a:solidFill>
+            <a:srgbClr val="000000"/>
+          </a:solidFill>
+          <a:latin typeface="Arial"/>
+          <a:ea typeface="Arial"/>
+          <a:cs typeface="Arial"/>
+          <a:sym typeface="Arial"/>
+        </a:defRPr>
+      </a:lvl2pPr>
+      <a:lvl3pPr marR="0" lvl="2" algn="l" rtl="0">
+        <a:lnSpc>
+          <a:spcPct val="100000"/>
+        </a:lnSpc>
+        <a:spcBef>
+          <a:spcPts val="0"/>
+        </a:spcBef>
+        <a:spcAft>
+          <a:spcPts val="0"/>
+        </a:spcAft>
+        <a:buClr>
+          <a:srgbClr val="000000"/>
+        </a:buClr>
+        <a:buFont typeface="Arial"/>
+        <a:defRPr sz="1867" b="0" i="0" u="none" strike="noStrike" cap="none">
+          <a:solidFill>
+            <a:srgbClr val="000000"/>
+          </a:solidFill>
+          <a:latin typeface="Arial"/>
+          <a:ea typeface="Arial"/>
+          <a:cs typeface="Arial"/>
+          <a:sym typeface="Arial"/>
+        </a:defRPr>
+      </a:lvl3pPr>
+      <a:lvl4pPr marR="0" lvl="3" algn="l" rtl="0">
+        <a:lnSpc>
+          <a:spcPct val="100000"/>
+        </a:lnSpc>
+        <a:spcBef>
+          <a:spcPts val="0"/>
+        </a:spcBef>
+        <a:spcAft>
+          <a:spcPts val="0"/>
+        </a:spcAft>
+        <a:buClr>
+          <a:srgbClr val="000000"/>
+        </a:buClr>
+        <a:buFont typeface="Arial"/>
+        <a:defRPr sz="1867" b="0" i="0" u="none" strike="noStrike" cap="none">
+          <a:solidFill>
+            <a:srgbClr val="000000"/>
+          </a:solidFill>
+          <a:latin typeface="Arial"/>
+          <a:ea typeface="Arial"/>
+          <a:cs typeface="Arial"/>
+          <a:sym typeface="Arial"/>
+        </a:defRPr>
+      </a:lvl4pPr>
+      <a:lvl5pPr marR="0" lvl="4" algn="l" rtl="0">
+        <a:lnSpc>
+          <a:spcPct val="100000"/>
+        </a:lnSpc>
+        <a:spcBef>
+          <a:spcPts val="0"/>
+        </a:spcBef>
+        <a:spcAft>
+          <a:spcPts val="0"/>
+        </a:spcAft>
+        <a:buClr>
+          <a:srgbClr val="000000"/>
+        </a:buClr>
+        <a:buFont typeface="Arial"/>
+        <a:defRPr sz="1867" b="0" i="0" u="none" strike="noStrike" cap="none">
+          <a:solidFill>
+            <a:srgbClr val="000000"/>
+          </a:solidFill>
+          <a:latin typeface="Arial"/>
+          <a:ea typeface="Arial"/>
+          <a:cs typeface="Arial"/>
+          <a:sym typeface="Arial"/>
+        </a:defRPr>
+      </a:lvl5pPr>
+      <a:lvl6pPr marR="0" lvl="5" algn="l" rtl="0">
+        <a:lnSpc>
+          <a:spcPct val="100000"/>
+        </a:lnSpc>
+        <a:spcBef>
+          <a:spcPts val="0"/>
+        </a:spcBef>
+        <a:spcAft>
+          <a:spcPts val="0"/>
+        </a:spcAft>
+        <a:buClr>
+          <a:srgbClr val="000000"/>
+        </a:buClr>
+        <a:buFont typeface="Arial"/>
+        <a:defRPr sz="1867" b="0" i="0" u="none" strike="noStrike" cap="none">
+          <a:solidFill>
+            <a:srgbClr val="000000"/>
+          </a:solidFill>
+          <a:latin typeface="Arial"/>
+          <a:ea typeface="Arial"/>
+          <a:cs typeface="Arial"/>
+          <a:sym typeface="Arial"/>
+        </a:defRPr>
+      </a:lvl6pPr>
+      <a:lvl7pPr marR="0" lvl="6" algn="l" rtl="0">
+        <a:lnSpc>
+          <a:spcPct val="100000"/>
+        </a:lnSpc>
+        <a:spcBef>
+          <a:spcPts val="0"/>
+        </a:spcBef>
+        <a:spcAft>
+          <a:spcPts val="0"/>
+        </a:spcAft>
+        <a:buClr>
+          <a:srgbClr val="000000"/>
+        </a:buClr>
+        <a:buFont typeface="Arial"/>
+        <a:defRPr sz="1867" b="0" i="0" u="none" strike="noStrike" cap="none">
+          <a:solidFill>
+            <a:srgbClr val="000000"/>
+          </a:solidFill>
+          <a:latin typeface="Arial"/>
+          <a:ea typeface="Arial"/>
+          <a:cs typeface="Arial"/>
+          <a:sym typeface="Arial"/>
+        </a:defRPr>
+      </a:lvl7pPr>
+      <a:lvl8pPr marR="0" lvl="7" algn="l" rtl="0">
+        <a:lnSpc>
+          <a:spcPct val="100000"/>
+        </a:lnSpc>
+        <a:spcBef>
+          <a:spcPts val="0"/>
+        </a:spcBef>
+        <a:spcAft>
+          <a:spcPts val="0"/>
+        </a:spcAft>
+        <a:buClr>
+          <a:srgbClr val="000000"/>
+        </a:buClr>
+        <a:buFont typeface="Arial"/>
+        <a:defRPr sz="1867" b="0" i="0" u="none" strike="noStrike" cap="none">
+          <a:solidFill>
+            <a:srgbClr val="000000"/>
+          </a:solidFill>
+          <a:latin typeface="Arial"/>
+          <a:ea typeface="Arial"/>
+          <a:cs typeface="Arial"/>
+          <a:sym typeface="Arial"/>
+        </a:defRPr>
+      </a:lvl8pPr>
+      <a:lvl9pPr marR="0" lvl="8" algn="l" rtl="0">
+        <a:lnSpc>
+          <a:spcPct val="100000"/>
+        </a:lnSpc>
+        <a:spcBef>
+          <a:spcPts val="0"/>
+        </a:spcBef>
+        <a:spcAft>
+          <a:spcPts val="0"/>
+        </a:spcAft>
+        <a:buClr>
+          <a:srgbClr val="000000"/>
+        </a:buClr>
+        <a:buFont typeface="Arial"/>
+        <a:defRPr sz="1867" b="0" i="0" u="none" strike="noStrike" cap="none">
+          <a:solidFill>
+            <a:srgbClr val="000000"/>
+          </a:solidFill>
+          <a:latin typeface="Arial"/>
+          <a:ea typeface="Arial"/>
+          <a:cs typeface="Arial"/>
+          <a:sym typeface="Arial"/>
+        </a:defRPr>
+      </a:lvl9pPr>
+    </p:otherStyle>
+  </p:txStyles>
+</p:sldMaster>
+</file>
+
 <file path=ppt/slides/slide1.xml><?xml version="1.0" encoding="utf-8"?>
 <p:sld xmlns:a="http://schemas.openxmlformats.org/drawingml/2006/main" xmlns:r="http://schemas.openxmlformats.org/officeDocument/2006/relationships" xmlns:p="http://schemas.openxmlformats.org/presentationml/2006/main">
   <p:cSld>
@@ -10789,6 +15154,76 @@
 </p:sld>
 </file>
 
+<file path=ppt/slides/slide19.xml><?xml version="1.0" encoding="utf-8"?>
+<p:sld xmlns:a="http://schemas.openxmlformats.org/drawingml/2006/main" xmlns:r="http://schemas.openxmlformats.org/officeDocument/2006/relationships" xmlns:p="http://schemas.openxmlformats.org/presentationml/2006/main">
+  <p:cSld>
+    <p:bg>
+      <p:bgPr>
+        <a:solidFill>
+          <a:schemeClr val="tx1"/>
+        </a:solidFill>
+        <a:effectLst/>
+      </p:bgPr>
+    </p:bg>
+    <p:spTree>
+      <p:nvGrpSpPr>
+        <p:cNvPr id="1" name=""/>
+        <p:cNvGrpSpPr/>
+        <p:nvPr/>
+      </p:nvGrpSpPr>
+      <p:grpSpPr>
+        <a:xfrm>
+          <a:off x="0" y="0"/>
+          <a:ext cx="0" cy="0"/>
+          <a:chOff x="0" y="0"/>
+          <a:chExt cx="0" cy="0"/>
+        </a:xfrm>
+      </p:grpSpPr>
+      <p:sp>
+        <p:nvSpPr>
+          <p:cNvPr id="5" name="Title 4">
+            <a:extLst>
+              <a:ext uri="{FF2B5EF4-FFF2-40B4-BE49-F238E27FC236}">
+                <a16:creationId xmlns:a16="http://schemas.microsoft.com/office/drawing/2014/main" id="{76797A3D-E6D4-CAF3-BC0F-DB627B4B6971}"/>
+              </a:ext>
+            </a:extLst>
+          </p:cNvPr>
+          <p:cNvSpPr>
+            <a:spLocks noGrp="1"/>
+          </p:cNvSpPr>
+          <p:nvPr>
+            <p:ph type="title"/>
+          </p:nvPr>
+        </p:nvSpPr>
+        <p:spPr/>
+        <p:txBody>
+          <a:bodyPr/>
+          <a:lstStyle/>
+          <a:p>
+            <a:r>
+              <a:rPr lang="en-CA" dirty="0">
+                <a:solidFill>
+                  <a:schemeClr val="bg1"/>
+                </a:solidFill>
+              </a:rPr>
+              <a:t>PDKBDDL</a:t>
+            </a:r>
+          </a:p>
+        </p:txBody>
+      </p:sp>
+    </p:spTree>
+    <p:extLst>
+      <p:ext uri="{BB962C8B-B14F-4D97-AF65-F5344CB8AC3E}">
+        <p14:creationId xmlns:p14="http://schemas.microsoft.com/office/powerpoint/2010/main" val="1559015484"/>
+      </p:ext>
+    </p:extLst>
+  </p:cSld>
+  <p:clrMapOvr>
+    <a:masterClrMapping/>
+  </p:clrMapOvr>
+</p:sld>
+</file>
+
 <file path=ppt/slides/slide2.xml><?xml version="1.0" encoding="utf-8"?>
 <p:sld xmlns:a="http://schemas.openxmlformats.org/drawingml/2006/main" xmlns:r="http://schemas.openxmlformats.org/officeDocument/2006/relationships" xmlns:p="http://schemas.openxmlformats.org/presentationml/2006/main">
   <p:cSld>
@@ -10876,6 +15311,738 @@
     <a:masterClrMapping/>
   </p:clrMapOvr>
   <p:transition spd="med"/>
+</p:sld>
+</file>
+
+<file path=ppt/slides/slide20.xml><?xml version="1.0" encoding="utf-8"?>
+<p:sld xmlns:a="http://schemas.openxmlformats.org/drawingml/2006/main" xmlns:r="http://schemas.openxmlformats.org/officeDocument/2006/relationships" xmlns:p="http://schemas.openxmlformats.org/presentationml/2006/main">
+  <p:cSld>
+    <p:bg>
+      <p:bgPr>
+        <a:solidFill>
+          <a:schemeClr val="tx1"/>
+        </a:solidFill>
+        <a:effectLst/>
+      </p:bgPr>
+    </p:bg>
+    <p:spTree>
+      <p:nvGrpSpPr>
+        <p:cNvPr id="1" name=""/>
+        <p:cNvGrpSpPr/>
+        <p:nvPr/>
+      </p:nvGrpSpPr>
+      <p:grpSpPr>
+        <a:xfrm>
+          <a:off x="0" y="0"/>
+          <a:ext cx="0" cy="0"/>
+          <a:chOff x="0" y="0"/>
+          <a:chExt cx="0" cy="0"/>
+        </a:xfrm>
+      </p:grpSpPr>
+      <p:pic>
+        <p:nvPicPr>
+          <p:cNvPr id="9" name="Picture 8">
+            <a:extLst>
+              <a:ext uri="{FF2B5EF4-FFF2-40B4-BE49-F238E27FC236}">
+                <a16:creationId xmlns:a16="http://schemas.microsoft.com/office/drawing/2014/main" id="{363EB3E6-DD51-8092-8ABB-BA7A5CD940CB}"/>
+              </a:ext>
+            </a:extLst>
+          </p:cNvPr>
+          <p:cNvPicPr>
+            <a:picLocks noChangeAspect="1"/>
+          </p:cNvPicPr>
+          <p:nvPr/>
+        </p:nvPicPr>
+        <p:blipFill>
+          <a:blip r:embed="rId2"/>
+          <a:stretch>
+            <a:fillRect/>
+          </a:stretch>
+        </p:blipFill>
+        <p:spPr>
+          <a:xfrm>
+            <a:off x="1841832" y="528986"/>
+            <a:ext cx="4407193" cy="2489863"/>
+          </a:xfrm>
+          <a:prstGeom prst="rect">
+            <a:avLst/>
+          </a:prstGeom>
+          <a:ln>
+            <a:solidFill>
+              <a:schemeClr val="accent5">
+                <a:lumMod val="20000"/>
+                <a:lumOff val="80000"/>
+              </a:schemeClr>
+            </a:solidFill>
+          </a:ln>
+        </p:spPr>
+      </p:pic>
+      <p:pic>
+        <p:nvPicPr>
+          <p:cNvPr id="3" name="Picture 2">
+            <a:extLst>
+              <a:ext uri="{FF2B5EF4-FFF2-40B4-BE49-F238E27FC236}">
+                <a16:creationId xmlns:a16="http://schemas.microsoft.com/office/drawing/2014/main" id="{0D3F2036-5E01-5763-64F7-FC32A6169122}"/>
+              </a:ext>
+            </a:extLst>
+          </p:cNvPr>
+          <p:cNvPicPr>
+            <a:picLocks noChangeAspect="1"/>
+          </p:cNvPicPr>
+          <p:nvPr/>
+        </p:nvPicPr>
+        <p:blipFill>
+          <a:blip r:embed="rId3"/>
+          <a:stretch>
+            <a:fillRect/>
+          </a:stretch>
+        </p:blipFill>
+        <p:spPr>
+          <a:xfrm>
+            <a:off x="5802206" y="1111649"/>
+            <a:ext cx="5168900" cy="2209800"/>
+          </a:xfrm>
+          <a:prstGeom prst="rect">
+            <a:avLst/>
+          </a:prstGeom>
+          <a:ln>
+            <a:solidFill>
+              <a:schemeClr val="accent5">
+                <a:lumMod val="20000"/>
+                <a:lumOff val="80000"/>
+              </a:schemeClr>
+            </a:solidFill>
+          </a:ln>
+        </p:spPr>
+      </p:pic>
+      <p:pic>
+        <p:nvPicPr>
+          <p:cNvPr id="5" name="Picture 4">
+            <a:extLst>
+              <a:ext uri="{FF2B5EF4-FFF2-40B4-BE49-F238E27FC236}">
+                <a16:creationId xmlns:a16="http://schemas.microsoft.com/office/drawing/2014/main" id="{17ABDD38-1ED4-80B3-F316-209ECDE6176A}"/>
+              </a:ext>
+            </a:extLst>
+          </p:cNvPr>
+          <p:cNvPicPr>
+            <a:picLocks noChangeAspect="1"/>
+          </p:cNvPicPr>
+          <p:nvPr/>
+        </p:nvPicPr>
+        <p:blipFill>
+          <a:blip r:embed="rId4"/>
+          <a:stretch>
+            <a:fillRect/>
+          </a:stretch>
+        </p:blipFill>
+        <p:spPr>
+          <a:xfrm>
+            <a:off x="892725" y="1538991"/>
+            <a:ext cx="7493931" cy="2647775"/>
+          </a:xfrm>
+          <a:prstGeom prst="rect">
+            <a:avLst/>
+          </a:prstGeom>
+          <a:ln>
+            <a:solidFill>
+              <a:schemeClr val="accent5">
+                <a:lumMod val="20000"/>
+                <a:lumOff val="80000"/>
+              </a:schemeClr>
+            </a:solidFill>
+          </a:ln>
+        </p:spPr>
+      </p:pic>
+      <p:pic>
+        <p:nvPicPr>
+          <p:cNvPr id="7" name="Picture 6">
+            <a:extLst>
+              <a:ext uri="{FF2B5EF4-FFF2-40B4-BE49-F238E27FC236}">
+                <a16:creationId xmlns:a16="http://schemas.microsoft.com/office/drawing/2014/main" id="{F8F315AE-CF06-779A-4B2A-720E88F2034F}"/>
+              </a:ext>
+            </a:extLst>
+          </p:cNvPr>
+          <p:cNvPicPr>
+            <a:picLocks noChangeAspect="1"/>
+          </p:cNvPicPr>
+          <p:nvPr/>
+        </p:nvPicPr>
+        <p:blipFill>
+          <a:blip r:embed="rId5"/>
+          <a:stretch>
+            <a:fillRect/>
+          </a:stretch>
+        </p:blipFill>
+        <p:spPr>
+          <a:xfrm>
+            <a:off x="1432100" y="2894108"/>
+            <a:ext cx="10347301" cy="3112603"/>
+          </a:xfrm>
+          <a:prstGeom prst="rect">
+            <a:avLst/>
+          </a:prstGeom>
+          <a:ln>
+            <a:solidFill>
+              <a:schemeClr val="accent5">
+                <a:lumMod val="20000"/>
+                <a:lumOff val="80000"/>
+              </a:schemeClr>
+            </a:solidFill>
+          </a:ln>
+        </p:spPr>
+      </p:pic>
+    </p:spTree>
+    <p:extLst>
+      <p:ext uri="{BB962C8B-B14F-4D97-AF65-F5344CB8AC3E}">
+        <p14:creationId xmlns:p14="http://schemas.microsoft.com/office/powerpoint/2010/main" val="2255778780"/>
+      </p:ext>
+    </p:extLst>
+  </p:cSld>
+  <p:clrMapOvr>
+    <a:masterClrMapping/>
+  </p:clrMapOvr>
+  <p:timing>
+    <p:tnLst>
+      <p:par>
+        <p:cTn id="1" dur="indefinite" restart="never" nodeType="tmRoot">
+          <p:childTnLst>
+            <p:seq concurrent="1" nextAc="seek">
+              <p:cTn id="2" dur="indefinite" nodeType="mainSeq">
+                <p:childTnLst>
+                  <p:par>
+                    <p:cTn id="3" fill="hold">
+                      <p:stCondLst>
+                        <p:cond delay="indefinite"/>
+                      </p:stCondLst>
+                      <p:childTnLst>
+                        <p:par>
+                          <p:cTn id="4" fill="hold">
+                            <p:stCondLst>
+                              <p:cond delay="0"/>
+                            </p:stCondLst>
+                            <p:childTnLst>
+                              <p:par>
+                                <p:cTn id="5" presetID="10" presetClass="entr" presetSubtype="0" fill="hold" nodeType="clickEffect">
+                                  <p:stCondLst>
+                                    <p:cond delay="0"/>
+                                  </p:stCondLst>
+                                  <p:childTnLst>
+                                    <p:set>
+                                      <p:cBhvr>
+                                        <p:cTn id="6" dur="1" fill="hold">
+                                          <p:stCondLst>
+                                            <p:cond delay="0"/>
+                                          </p:stCondLst>
+                                        </p:cTn>
+                                        <p:tgtEl>
+                                          <p:spTgt spid="9"/>
+                                        </p:tgtEl>
+                                        <p:attrNameLst>
+                                          <p:attrName>style.visibility</p:attrName>
+                                        </p:attrNameLst>
+                                      </p:cBhvr>
+                                      <p:to>
+                                        <p:strVal val="visible"/>
+                                      </p:to>
+                                    </p:set>
+                                    <p:animEffect transition="in" filter="fade">
+                                      <p:cBhvr>
+                                        <p:cTn id="7" dur="500"/>
+                                        <p:tgtEl>
+                                          <p:spTgt spid="9"/>
+                                        </p:tgtEl>
+                                      </p:cBhvr>
+                                    </p:animEffect>
+                                  </p:childTnLst>
+                                </p:cTn>
+                              </p:par>
+                            </p:childTnLst>
+                          </p:cTn>
+                        </p:par>
+                      </p:childTnLst>
+                    </p:cTn>
+                  </p:par>
+                  <p:par>
+                    <p:cTn id="8" fill="hold">
+                      <p:stCondLst>
+                        <p:cond delay="indefinite"/>
+                      </p:stCondLst>
+                      <p:childTnLst>
+                        <p:par>
+                          <p:cTn id="9" fill="hold">
+                            <p:stCondLst>
+                              <p:cond delay="0"/>
+                            </p:stCondLst>
+                            <p:childTnLst>
+                              <p:par>
+                                <p:cTn id="10" presetID="10" presetClass="entr" presetSubtype="0" fill="hold" nodeType="clickEffect">
+                                  <p:stCondLst>
+                                    <p:cond delay="0"/>
+                                  </p:stCondLst>
+                                  <p:childTnLst>
+                                    <p:set>
+                                      <p:cBhvr>
+                                        <p:cTn id="11" dur="1" fill="hold">
+                                          <p:stCondLst>
+                                            <p:cond delay="0"/>
+                                          </p:stCondLst>
+                                        </p:cTn>
+                                        <p:tgtEl>
+                                          <p:spTgt spid="3"/>
+                                        </p:tgtEl>
+                                        <p:attrNameLst>
+                                          <p:attrName>style.visibility</p:attrName>
+                                        </p:attrNameLst>
+                                      </p:cBhvr>
+                                      <p:to>
+                                        <p:strVal val="visible"/>
+                                      </p:to>
+                                    </p:set>
+                                    <p:animEffect transition="in" filter="fade">
+                                      <p:cBhvr>
+                                        <p:cTn id="12" dur="500"/>
+                                        <p:tgtEl>
+                                          <p:spTgt spid="3"/>
+                                        </p:tgtEl>
+                                      </p:cBhvr>
+                                    </p:animEffect>
+                                  </p:childTnLst>
+                                </p:cTn>
+                              </p:par>
+                            </p:childTnLst>
+                          </p:cTn>
+                        </p:par>
+                      </p:childTnLst>
+                    </p:cTn>
+                  </p:par>
+                  <p:par>
+                    <p:cTn id="13" fill="hold">
+                      <p:stCondLst>
+                        <p:cond delay="indefinite"/>
+                      </p:stCondLst>
+                      <p:childTnLst>
+                        <p:par>
+                          <p:cTn id="14" fill="hold">
+                            <p:stCondLst>
+                              <p:cond delay="0"/>
+                            </p:stCondLst>
+                            <p:childTnLst>
+                              <p:par>
+                                <p:cTn id="15" presetID="10" presetClass="entr" presetSubtype="0" fill="hold" nodeType="clickEffect">
+                                  <p:stCondLst>
+                                    <p:cond delay="0"/>
+                                  </p:stCondLst>
+                                  <p:childTnLst>
+                                    <p:set>
+                                      <p:cBhvr>
+                                        <p:cTn id="16" dur="1" fill="hold">
+                                          <p:stCondLst>
+                                            <p:cond delay="0"/>
+                                          </p:stCondLst>
+                                        </p:cTn>
+                                        <p:tgtEl>
+                                          <p:spTgt spid="5"/>
+                                        </p:tgtEl>
+                                        <p:attrNameLst>
+                                          <p:attrName>style.visibility</p:attrName>
+                                        </p:attrNameLst>
+                                      </p:cBhvr>
+                                      <p:to>
+                                        <p:strVal val="visible"/>
+                                      </p:to>
+                                    </p:set>
+                                    <p:animEffect transition="in" filter="fade">
+                                      <p:cBhvr>
+                                        <p:cTn id="17" dur="500"/>
+                                        <p:tgtEl>
+                                          <p:spTgt spid="5"/>
+                                        </p:tgtEl>
+                                      </p:cBhvr>
+                                    </p:animEffect>
+                                  </p:childTnLst>
+                                </p:cTn>
+                              </p:par>
+                            </p:childTnLst>
+                          </p:cTn>
+                        </p:par>
+                      </p:childTnLst>
+                    </p:cTn>
+                  </p:par>
+                  <p:par>
+                    <p:cTn id="18" fill="hold">
+                      <p:stCondLst>
+                        <p:cond delay="indefinite"/>
+                      </p:stCondLst>
+                      <p:childTnLst>
+                        <p:par>
+                          <p:cTn id="19" fill="hold">
+                            <p:stCondLst>
+                              <p:cond delay="0"/>
+                            </p:stCondLst>
+                            <p:childTnLst>
+                              <p:par>
+                                <p:cTn id="20" presetID="10" presetClass="entr" presetSubtype="0" fill="hold" nodeType="clickEffect">
+                                  <p:stCondLst>
+                                    <p:cond delay="0"/>
+                                  </p:stCondLst>
+                                  <p:childTnLst>
+                                    <p:set>
+                                      <p:cBhvr>
+                                        <p:cTn id="21" dur="1" fill="hold">
+                                          <p:stCondLst>
+                                            <p:cond delay="0"/>
+                                          </p:stCondLst>
+                                        </p:cTn>
+                                        <p:tgtEl>
+                                          <p:spTgt spid="7"/>
+                                        </p:tgtEl>
+                                        <p:attrNameLst>
+                                          <p:attrName>style.visibility</p:attrName>
+                                        </p:attrNameLst>
+                                      </p:cBhvr>
+                                      <p:to>
+                                        <p:strVal val="visible"/>
+                                      </p:to>
+                                    </p:set>
+                                    <p:animEffect transition="in" filter="fade">
+                                      <p:cBhvr>
+                                        <p:cTn id="22" dur="500"/>
+                                        <p:tgtEl>
+                                          <p:spTgt spid="7"/>
+                                        </p:tgtEl>
+                                      </p:cBhvr>
+                                    </p:animEffect>
+                                  </p:childTnLst>
+                                </p:cTn>
+                              </p:par>
+                            </p:childTnLst>
+                          </p:cTn>
+                        </p:par>
+                      </p:childTnLst>
+                    </p:cTn>
+                  </p:par>
+                </p:childTnLst>
+              </p:cTn>
+              <p:prevCondLst>
+                <p:cond evt="onPrev" delay="0">
+                  <p:tgtEl>
+                    <p:sldTgt/>
+                  </p:tgtEl>
+                </p:cond>
+              </p:prevCondLst>
+              <p:nextCondLst>
+                <p:cond evt="onNext" delay="0">
+                  <p:tgtEl>
+                    <p:sldTgt/>
+                  </p:tgtEl>
+                </p:cond>
+              </p:nextCondLst>
+            </p:seq>
+          </p:childTnLst>
+        </p:cTn>
+      </p:par>
+    </p:tnLst>
+  </p:timing>
+</p:sld>
+</file>
+
+<file path=ppt/slides/slide21.xml><?xml version="1.0" encoding="utf-8"?>
+<p:sld xmlns:a="http://schemas.openxmlformats.org/drawingml/2006/main" xmlns:r="http://schemas.openxmlformats.org/officeDocument/2006/relationships" xmlns:p="http://schemas.openxmlformats.org/presentationml/2006/main">
+  <p:cSld>
+    <p:bg>
+      <p:bgPr>
+        <a:solidFill>
+          <a:schemeClr val="tx1"/>
+        </a:solidFill>
+        <a:effectLst/>
+      </p:bgPr>
+    </p:bg>
+    <p:spTree>
+      <p:nvGrpSpPr>
+        <p:cNvPr id="1" name=""/>
+        <p:cNvGrpSpPr/>
+        <p:nvPr/>
+      </p:nvGrpSpPr>
+      <p:grpSpPr>
+        <a:xfrm>
+          <a:off x="0" y="0"/>
+          <a:ext cx="0" cy="0"/>
+          <a:chOff x="0" y="0"/>
+          <a:chExt cx="0" cy="0"/>
+        </a:xfrm>
+      </p:grpSpPr>
+      <p:pic>
+        <p:nvPicPr>
+          <p:cNvPr id="3" name="Picture 2">
+            <a:extLst>
+              <a:ext uri="{FF2B5EF4-FFF2-40B4-BE49-F238E27FC236}">
+                <a16:creationId xmlns:a16="http://schemas.microsoft.com/office/drawing/2014/main" id="{0E3EB7DA-64E9-E791-87DF-F659DF7E5635}"/>
+              </a:ext>
+            </a:extLst>
+          </p:cNvPr>
+          <p:cNvPicPr>
+            <a:picLocks noChangeAspect="1"/>
+          </p:cNvPicPr>
+          <p:nvPr/>
+        </p:nvPicPr>
+        <p:blipFill>
+          <a:blip r:embed="rId2"/>
+          <a:stretch>
+            <a:fillRect/>
+          </a:stretch>
+        </p:blipFill>
+        <p:spPr>
+          <a:xfrm>
+            <a:off x="1360053" y="1703380"/>
+            <a:ext cx="4504337" cy="3451241"/>
+          </a:xfrm>
+          <a:prstGeom prst="rect">
+            <a:avLst/>
+          </a:prstGeom>
+          <a:ln>
+            <a:solidFill>
+              <a:schemeClr val="accent5">
+                <a:lumMod val="20000"/>
+                <a:lumOff val="80000"/>
+              </a:schemeClr>
+            </a:solidFill>
+          </a:ln>
+        </p:spPr>
+      </p:pic>
+      <p:pic>
+        <p:nvPicPr>
+          <p:cNvPr id="5" name="Picture 4">
+            <a:extLst>
+              <a:ext uri="{FF2B5EF4-FFF2-40B4-BE49-F238E27FC236}">
+                <a16:creationId xmlns:a16="http://schemas.microsoft.com/office/drawing/2014/main" id="{4F1AFFC4-9BF5-C918-1608-9D0BDCCB635B}"/>
+              </a:ext>
+            </a:extLst>
+          </p:cNvPr>
+          <p:cNvPicPr>
+            <a:picLocks noChangeAspect="1"/>
+          </p:cNvPicPr>
+          <p:nvPr/>
+        </p:nvPicPr>
+        <p:blipFill>
+          <a:blip r:embed="rId3"/>
+          <a:stretch>
+            <a:fillRect/>
+          </a:stretch>
+        </p:blipFill>
+        <p:spPr>
+          <a:xfrm>
+            <a:off x="6970252" y="0"/>
+            <a:ext cx="3861696" cy="6858000"/>
+          </a:xfrm>
+          <a:prstGeom prst="rect">
+            <a:avLst/>
+          </a:prstGeom>
+          <a:ln>
+            <a:solidFill>
+              <a:schemeClr val="accent5">
+                <a:lumMod val="20000"/>
+                <a:lumOff val="80000"/>
+              </a:schemeClr>
+            </a:solidFill>
+          </a:ln>
+        </p:spPr>
+      </p:pic>
+    </p:spTree>
+    <p:extLst>
+      <p:ext uri="{BB962C8B-B14F-4D97-AF65-F5344CB8AC3E}">
+        <p14:creationId xmlns:p14="http://schemas.microsoft.com/office/powerpoint/2010/main" val="156460121"/>
+      </p:ext>
+    </p:extLst>
+  </p:cSld>
+  <p:clrMapOvr>
+    <a:masterClrMapping/>
+  </p:clrMapOvr>
+  <mc:AlternateContent xmlns:mc="http://schemas.openxmlformats.org/markup-compatibility/2006" xmlns:p14="http://schemas.microsoft.com/office/powerpoint/2010/main">
+    <mc:Choice Requires="p14">
+      <p:transition spd="med" p14:dur="700">
+        <p:fade/>
+      </p:transition>
+    </mc:Choice>
+    <mc:Fallback xmlns="">
+      <p:transition spd="med">
+        <p:fade/>
+      </p:transition>
+    </mc:Fallback>
+  </mc:AlternateContent>
+  <p:timing>
+    <p:tnLst>
+      <p:par>
+        <p:cTn id="1" dur="indefinite" restart="never" nodeType="tmRoot">
+          <p:childTnLst>
+            <p:seq concurrent="1" nextAc="seek">
+              <p:cTn id="2" dur="indefinite" nodeType="mainSeq">
+                <p:childTnLst>
+                  <p:par>
+                    <p:cTn id="3" fill="hold">
+                      <p:stCondLst>
+                        <p:cond delay="indefinite"/>
+                      </p:stCondLst>
+                      <p:childTnLst>
+                        <p:par>
+                          <p:cTn id="4" fill="hold">
+                            <p:stCondLst>
+                              <p:cond delay="0"/>
+                            </p:stCondLst>
+                            <p:childTnLst>
+                              <p:par>
+                                <p:cTn id="5" presetID="10" presetClass="entr" presetSubtype="0" fill="hold" nodeType="clickEffect">
+                                  <p:stCondLst>
+                                    <p:cond delay="0"/>
+                                  </p:stCondLst>
+                                  <p:childTnLst>
+                                    <p:set>
+                                      <p:cBhvr>
+                                        <p:cTn id="6" dur="1" fill="hold">
+                                          <p:stCondLst>
+                                            <p:cond delay="0"/>
+                                          </p:stCondLst>
+                                        </p:cTn>
+                                        <p:tgtEl>
+                                          <p:spTgt spid="3"/>
+                                        </p:tgtEl>
+                                        <p:attrNameLst>
+                                          <p:attrName>style.visibility</p:attrName>
+                                        </p:attrNameLst>
+                                      </p:cBhvr>
+                                      <p:to>
+                                        <p:strVal val="visible"/>
+                                      </p:to>
+                                    </p:set>
+                                    <p:animEffect transition="in" filter="fade">
+                                      <p:cBhvr>
+                                        <p:cTn id="7" dur="500"/>
+                                        <p:tgtEl>
+                                          <p:spTgt spid="3"/>
+                                        </p:tgtEl>
+                                      </p:cBhvr>
+                                    </p:animEffect>
+                                  </p:childTnLst>
+                                </p:cTn>
+                              </p:par>
+                            </p:childTnLst>
+                          </p:cTn>
+                        </p:par>
+                      </p:childTnLst>
+                    </p:cTn>
+                  </p:par>
+                  <p:par>
+                    <p:cTn id="8" fill="hold">
+                      <p:stCondLst>
+                        <p:cond delay="indefinite"/>
+                      </p:stCondLst>
+                      <p:childTnLst>
+                        <p:par>
+                          <p:cTn id="9" fill="hold">
+                            <p:stCondLst>
+                              <p:cond delay="0"/>
+                            </p:stCondLst>
+                            <p:childTnLst>
+                              <p:par>
+                                <p:cTn id="10" presetID="10" presetClass="entr" presetSubtype="0" fill="hold" nodeType="clickEffect">
+                                  <p:stCondLst>
+                                    <p:cond delay="0"/>
+                                  </p:stCondLst>
+                                  <p:childTnLst>
+                                    <p:set>
+                                      <p:cBhvr>
+                                        <p:cTn id="11" dur="1" fill="hold">
+                                          <p:stCondLst>
+                                            <p:cond delay="0"/>
+                                          </p:stCondLst>
+                                        </p:cTn>
+                                        <p:tgtEl>
+                                          <p:spTgt spid="5"/>
+                                        </p:tgtEl>
+                                        <p:attrNameLst>
+                                          <p:attrName>style.visibility</p:attrName>
+                                        </p:attrNameLst>
+                                      </p:cBhvr>
+                                      <p:to>
+                                        <p:strVal val="visible"/>
+                                      </p:to>
+                                    </p:set>
+                                    <p:animEffect transition="in" filter="fade">
+                                      <p:cBhvr>
+                                        <p:cTn id="12" dur="500"/>
+                                        <p:tgtEl>
+                                          <p:spTgt spid="5"/>
+                                        </p:tgtEl>
+                                      </p:cBhvr>
+                                    </p:animEffect>
+                                  </p:childTnLst>
+                                </p:cTn>
+                              </p:par>
+                            </p:childTnLst>
+                          </p:cTn>
+                        </p:par>
+                      </p:childTnLst>
+                    </p:cTn>
+                  </p:par>
+                </p:childTnLst>
+              </p:cTn>
+              <p:prevCondLst>
+                <p:cond evt="onPrev" delay="0">
+                  <p:tgtEl>
+                    <p:sldTgt/>
+                  </p:tgtEl>
+                </p:cond>
+              </p:prevCondLst>
+              <p:nextCondLst>
+                <p:cond evt="onNext" delay="0">
+                  <p:tgtEl>
+                    <p:sldTgt/>
+                  </p:tgtEl>
+                </p:cond>
+              </p:nextCondLst>
+            </p:seq>
+          </p:childTnLst>
+        </p:cTn>
+      </p:par>
+    </p:tnLst>
+  </p:timing>
+</p:sld>
+</file>
+
+<file path=ppt/slides/slide22.xml><?xml version="1.0" encoding="utf-8"?>
+<p:sld xmlns:a="http://schemas.openxmlformats.org/drawingml/2006/main" xmlns:r="http://schemas.openxmlformats.org/officeDocument/2006/relationships" xmlns:p="http://schemas.openxmlformats.org/presentationml/2006/main">
+  <p:cSld>
+    <p:bg>
+      <p:bgPr>
+        <a:solidFill>
+          <a:schemeClr val="tx1"/>
+        </a:solidFill>
+        <a:effectLst/>
+      </p:bgPr>
+    </p:bg>
+    <p:spTree>
+      <p:nvGrpSpPr>
+        <p:cNvPr id="1" name=""/>
+        <p:cNvGrpSpPr/>
+        <p:nvPr/>
+      </p:nvGrpSpPr>
+      <p:grpSpPr>
+        <a:xfrm>
+          <a:off x="0" y="0"/>
+          <a:ext cx="0" cy="0"/>
+          <a:chOff x="0" y="0"/>
+          <a:chExt cx="0" cy="0"/>
+        </a:xfrm>
+      </p:grpSpPr>
+    </p:spTree>
+    <p:extLst>
+      <p:ext uri="{BB962C8B-B14F-4D97-AF65-F5344CB8AC3E}">
+        <p14:creationId xmlns:p14="http://schemas.microsoft.com/office/powerpoint/2010/main" val="1879953703"/>
+      </p:ext>
+    </p:extLst>
+  </p:cSld>
+  <p:clrMapOvr>
+    <a:masterClrMapping/>
+  </p:clrMapOvr>
 </p:sld>
 </file>
 
@@ -14154,4 +19321,285 @@
     </a:ext>
   </a:extLst>
 </a:theme>
+</file>
+
+<file path=ppt/theme/theme2.xml><?xml version="1.0" encoding="utf-8"?>
+<a:theme xmlns:a="http://schemas.openxmlformats.org/drawingml/2006/main" name="Simple Light">
+  <a:themeElements>
+    <a:clrScheme name="Simple Light">
+      <a:dk1>
+        <a:srgbClr val="000000"/>
+      </a:dk1>
+      <a:lt1>
+        <a:srgbClr val="FFFFFF"/>
+      </a:lt1>
+      <a:dk2>
+        <a:srgbClr val="595959"/>
+      </a:dk2>
+      <a:lt2>
+        <a:srgbClr val="EEEEEE"/>
+      </a:lt2>
+      <a:accent1>
+        <a:srgbClr val="4285F4"/>
+      </a:accent1>
+      <a:accent2>
+        <a:srgbClr val="212121"/>
+      </a:accent2>
+      <a:accent3>
+        <a:srgbClr val="78909C"/>
+      </a:accent3>
+      <a:accent4>
+        <a:srgbClr val="FFAB40"/>
+      </a:accent4>
+      <a:accent5>
+        <a:srgbClr val="0097A7"/>
+      </a:accent5>
+      <a:accent6>
+        <a:srgbClr val="EEFF41"/>
+      </a:accent6>
+      <a:hlink>
+        <a:srgbClr val="0097A7"/>
+      </a:hlink>
+      <a:folHlink>
+        <a:srgbClr val="0097A7"/>
+      </a:folHlink>
+    </a:clrScheme>
+    <a:fontScheme name="Office">
+      <a:majorFont>
+        <a:latin typeface="Arial"/>
+        <a:ea typeface=""/>
+        <a:cs typeface=""/>
+        <a:font script="Jpan" typeface="ＭＳ Ｐゴシック"/>
+        <a:font script="Hang" typeface="맑은 고딕"/>
+        <a:font script="Hans" typeface="宋体"/>
+        <a:font script="Hant" typeface="新細明體"/>
+        <a:font script="Arab" typeface="Times New Roman"/>
+        <a:font script="Hebr" typeface="Times New Roman"/>
+        <a:font script="Thai" typeface="Angsana New"/>
+        <a:font script="Ethi" typeface="Nyala"/>
+        <a:font script="Beng" typeface="Vrinda"/>
+        <a:font script="Gujr" typeface="Shruti"/>
+        <a:font script="Khmr" typeface="MoolBoran"/>
+        <a:font script="Knda" typeface="Tunga"/>
+        <a:font script="Guru" typeface="Raavi"/>
+        <a:font script="Cans" typeface="Euphemia"/>
+        <a:font script="Cher" typeface="Plantagenet Cherokee"/>
+        <a:font script="Yiii" typeface="Microsoft Yi Baiti"/>
+        <a:font script="Tibt" typeface="Microsoft Himalaya"/>
+        <a:font script="Thaa" typeface="MV Boli"/>
+        <a:font script="Deva" typeface="Mangal"/>
+        <a:font script="Telu" typeface="Gautami"/>
+        <a:font script="Taml" typeface="Latha"/>
+        <a:font script="Syrc" typeface="Estrangelo Edessa"/>
+        <a:font script="Orya" typeface="Kalinga"/>
+        <a:font script="Mlym" typeface="Kartika"/>
+        <a:font script="Laoo" typeface="DokChampa"/>
+        <a:font script="Sinh" typeface="Iskoola Pota"/>
+        <a:font script="Mong" typeface="Mongolian Baiti"/>
+        <a:font script="Viet" typeface="Times New Roman"/>
+        <a:font script="Uigh" typeface="Microsoft Uighur"/>
+        <a:font script="Geor" typeface="Sylfaen"/>
+      </a:majorFont>
+      <a:minorFont>
+        <a:latin typeface="Arial"/>
+        <a:ea typeface=""/>
+        <a:cs typeface=""/>
+        <a:font script="Jpan" typeface="ＭＳ Ｐゴシック"/>
+        <a:font script="Hang" typeface="맑은 고딕"/>
+        <a:font script="Hans" typeface="宋体"/>
+        <a:font script="Hant" typeface="新細明體"/>
+        <a:font script="Arab" typeface="Arial"/>
+        <a:font script="Hebr" typeface="Arial"/>
+        <a:font script="Thai" typeface="Cordia New"/>
+        <a:font script="Ethi" typeface="Nyala"/>
+        <a:font script="Beng" typeface="Vrinda"/>
+        <a:font script="Gujr" typeface="Shruti"/>
+        <a:font script="Khmr" typeface="DaunPenh"/>
+        <a:font script="Knda" typeface="Tunga"/>
+        <a:font script="Guru" typeface="Raavi"/>
+        <a:font script="Cans" typeface="Euphemia"/>
+        <a:font script="Cher" typeface="Plantagenet Cherokee"/>
+        <a:font script="Yiii" typeface="Microsoft Yi Baiti"/>
+        <a:font script="Tibt" typeface="Microsoft Himalaya"/>
+        <a:font script="Thaa" typeface="MV Boli"/>
+        <a:font script="Deva" typeface="Mangal"/>
+        <a:font script="Telu" typeface="Gautami"/>
+        <a:font script="Taml" typeface="Latha"/>
+        <a:font script="Syrc" typeface="Estrangelo Edessa"/>
+        <a:font script="Orya" typeface="Kalinga"/>
+        <a:font script="Mlym" typeface="Kartika"/>
+        <a:font script="Laoo" typeface="DokChampa"/>
+        <a:font script="Sinh" typeface="Iskoola Pota"/>
+        <a:font script="Mong" typeface="Mongolian Baiti"/>
+        <a:font script="Viet" typeface="Arial"/>
+        <a:font script="Uigh" typeface="Microsoft Uighur"/>
+        <a:font script="Geor" typeface="Sylfaen"/>
+      </a:minorFont>
+    </a:fontScheme>
+    <a:fmtScheme name="Office">
+      <a:fillStyleLst>
+        <a:solidFill>
+          <a:schemeClr val="phClr"/>
+        </a:solidFill>
+        <a:gradFill rotWithShape="1">
+          <a:gsLst>
+            <a:gs pos="0">
+              <a:schemeClr val="phClr">
+                <a:tint val="50000"/>
+                <a:satMod val="300000"/>
+              </a:schemeClr>
+            </a:gs>
+            <a:gs pos="35000">
+              <a:schemeClr val="phClr">
+                <a:tint val="37000"/>
+                <a:satMod val="300000"/>
+              </a:schemeClr>
+            </a:gs>
+            <a:gs pos="100000">
+              <a:schemeClr val="phClr">
+                <a:tint val="15000"/>
+                <a:satMod val="350000"/>
+              </a:schemeClr>
+            </a:gs>
+          </a:gsLst>
+          <a:lin ang="16200000" scaled="1"/>
+        </a:gradFill>
+        <a:gradFill rotWithShape="1">
+          <a:gsLst>
+            <a:gs pos="0">
+              <a:schemeClr val="phClr">
+                <a:tint val="100000"/>
+                <a:shade val="100000"/>
+                <a:satMod val="130000"/>
+              </a:schemeClr>
+            </a:gs>
+            <a:gs pos="100000">
+              <a:schemeClr val="phClr">
+                <a:tint val="50000"/>
+                <a:shade val="100000"/>
+                <a:satMod val="350000"/>
+              </a:schemeClr>
+            </a:gs>
+          </a:gsLst>
+          <a:lin ang="16200000" scaled="0"/>
+        </a:gradFill>
+      </a:fillStyleLst>
+      <a:lnStyleLst>
+        <a:ln w="9525" cap="flat" cmpd="sng" algn="ctr">
+          <a:solidFill>
+            <a:schemeClr val="phClr">
+              <a:shade val="95000"/>
+              <a:satMod val="105000"/>
+            </a:schemeClr>
+          </a:solidFill>
+          <a:prstDash val="solid"/>
+        </a:ln>
+        <a:ln w="25400" cap="flat" cmpd="sng" algn="ctr">
+          <a:solidFill>
+            <a:schemeClr val="phClr"/>
+          </a:solidFill>
+          <a:prstDash val="solid"/>
+        </a:ln>
+        <a:ln w="38100" cap="flat" cmpd="sng" algn="ctr">
+          <a:solidFill>
+            <a:schemeClr val="phClr"/>
+          </a:solidFill>
+          <a:prstDash val="solid"/>
+        </a:ln>
+      </a:lnStyleLst>
+      <a:effectStyleLst>
+        <a:effectStyle>
+          <a:effectLst>
+            <a:outerShdw blurRad="40000" dist="20000" dir="5400000" rotWithShape="0">
+              <a:srgbClr val="000000">
+                <a:alpha val="38000"/>
+              </a:srgbClr>
+            </a:outerShdw>
+          </a:effectLst>
+        </a:effectStyle>
+        <a:effectStyle>
+          <a:effectLst>
+            <a:outerShdw blurRad="40000" dist="23000" dir="5400000" rotWithShape="0">
+              <a:srgbClr val="000000">
+                <a:alpha val="35000"/>
+              </a:srgbClr>
+            </a:outerShdw>
+          </a:effectLst>
+        </a:effectStyle>
+        <a:effectStyle>
+          <a:effectLst>
+            <a:outerShdw blurRad="40000" dist="23000" dir="5400000" rotWithShape="0">
+              <a:srgbClr val="000000">
+                <a:alpha val="35000"/>
+              </a:srgbClr>
+            </a:outerShdw>
+          </a:effectLst>
+          <a:scene3d>
+            <a:camera prst="orthographicFront">
+              <a:rot lat="0" lon="0" rev="0"/>
+            </a:camera>
+            <a:lightRig rig="threePt" dir="t">
+              <a:rot lat="0" lon="0" rev="1200000"/>
+            </a:lightRig>
+          </a:scene3d>
+          <a:sp3d>
+            <a:bevelT w="63500" h="25400"/>
+          </a:sp3d>
+        </a:effectStyle>
+      </a:effectStyleLst>
+      <a:bgFillStyleLst>
+        <a:solidFill>
+          <a:schemeClr val="phClr"/>
+        </a:solidFill>
+        <a:gradFill rotWithShape="1">
+          <a:gsLst>
+            <a:gs pos="0">
+              <a:schemeClr val="phClr">
+                <a:tint val="40000"/>
+                <a:satMod val="350000"/>
+              </a:schemeClr>
+            </a:gs>
+            <a:gs pos="40000">
+              <a:schemeClr val="phClr">
+                <a:tint val="45000"/>
+                <a:shade val="99000"/>
+                <a:satMod val="350000"/>
+              </a:schemeClr>
+            </a:gs>
+            <a:gs pos="100000">
+              <a:schemeClr val="phClr">
+                <a:shade val="20000"/>
+                <a:satMod val="255000"/>
+              </a:schemeClr>
+            </a:gs>
+          </a:gsLst>
+          <a:path path="circle">
+            <a:fillToRect l="50000" t="-80000" r="50000" b="180000"/>
+          </a:path>
+        </a:gradFill>
+        <a:gradFill rotWithShape="1">
+          <a:gsLst>
+            <a:gs pos="0">
+              <a:schemeClr val="phClr">
+                <a:tint val="80000"/>
+                <a:satMod val="300000"/>
+              </a:schemeClr>
+            </a:gs>
+            <a:gs pos="100000">
+              <a:schemeClr val="phClr">
+                <a:shade val="30000"/>
+                <a:satMod val="200000"/>
+              </a:schemeClr>
+            </a:gs>
+          </a:gsLst>
+          <a:path path="circle">
+            <a:fillToRect l="50000" t="50000" r="50000" b="50000"/>
+          </a:path>
+        </a:gradFill>
+      </a:bgFillStyleLst>
+    </a:fmtScheme>
+  </a:themeElements>
+  <a:objectDefaults/>
+  <a:extraClrSchemeLst/>
+</a:theme>
 </file>
--- a/exercises/cisc-813/epistemic/slides.pptx
+++ b/exercises/cisc-813/epistemic/slides.pptx
@@ -734,7 +734,7 @@
           <a:p>
             <a:fld id="{D6D0F569-AC90-44EB-9EF4-4E5C2F5D823C}" type="datetime1">
               <a:rPr lang="en-US" smtClean="0"/>
-              <a:t>3/22/2023</a:t>
+              <a:t>3/23/2023</a:t>
             </a:fld>
             <a:endParaRPr lang="en-US" dirty="0"/>
           </a:p>
@@ -1413,7 +1413,7 @@
           <a:p>
             <a:fld id="{46BA7D41-E8B7-4A0B-B861-3EC4AE88917D}" type="datetime1">
               <a:rPr lang="en-US" smtClean="0"/>
-              <a:t>3/22/2023</a:t>
+              <a:t>3/23/2023</a:t>
             </a:fld>
             <a:endParaRPr lang="en-US" dirty="0"/>
           </a:p>
@@ -2102,7 +2102,7 @@
           <a:p>
             <a:fld id="{A7C34823-0B19-4B4E-A643-7A3B0A3D24D6}" type="datetime1">
               <a:rPr lang="en-US" smtClean="0"/>
-              <a:t>3/22/2023</a:t>
+              <a:t>3/23/2023</a:t>
             </a:fld>
             <a:endParaRPr lang="en-US" dirty="0"/>
           </a:p>
@@ -4891,7 +4891,7 @@
           <a:p>
             <a:fld id="{8C2D79EF-17C8-45D8-9866-DAF5723FC604}" type="datetime1">
               <a:rPr lang="en-US" smtClean="0"/>
-              <a:t>3/22/2023</a:t>
+              <a:t>3/23/2023</a:t>
             </a:fld>
             <a:endParaRPr lang="en-US" dirty="0"/>
           </a:p>
@@ -7038,7 +7038,7 @@
           <a:p>
             <a:fld id="{DFFC2ADC-3680-4013-A757-E4663495DB98}" type="datetime1">
               <a:rPr lang="en-US" smtClean="0"/>
-              <a:t>3/22/2023</a:t>
+              <a:t>3/23/2023</a:t>
             </a:fld>
             <a:endParaRPr lang="en-US" dirty="0"/>
           </a:p>
@@ -7785,7 +7785,7 @@
           <a:p>
             <a:fld id="{4751BA94-5DCA-4F19-960F-0FB2BD5EE85A}" type="datetime1">
               <a:rPr lang="en-US" smtClean="0"/>
-              <a:t>3/22/2023</a:t>
+              <a:t>3/23/2023</a:t>
             </a:fld>
             <a:endParaRPr lang="en-US" dirty="0"/>
           </a:p>
@@ -8679,7 +8679,7 @@
           <a:p>
             <a:fld id="{01BED947-38D9-44AC-8B89-E79758333B77}" type="datetime1">
               <a:rPr lang="en-US" smtClean="0"/>
-              <a:t>3/22/2023</a:t>
+              <a:t>3/23/2023</a:t>
             </a:fld>
             <a:endParaRPr lang="en-US" dirty="0"/>
           </a:p>
@@ -9300,7 +9300,7 @@
           <a:p>
             <a:fld id="{3781E23F-BD3C-4F23-B116-2B758120C8AC}" type="datetime1">
               <a:rPr lang="en-US" smtClean="0"/>
-              <a:t>3/22/2023</a:t>
+              <a:t>3/23/2023</a:t>
             </a:fld>
             <a:endParaRPr lang="en-US" dirty="0"/>
           </a:p>
@@ -9892,7 +9892,7 @@
           <a:p>
             <a:fld id="{473CFAA9-6D59-4D98-869E-ACBDB83B2CA4}" type="datetime1">
               <a:rPr lang="en-US" smtClean="0"/>
-              <a:t>3/22/2023</a:t>
+              <a:t>3/23/2023</a:t>
             </a:fld>
             <a:endParaRPr lang="en-US"/>
           </a:p>
@@ -10684,7 +10684,7 @@
           <a:p>
             <a:fld id="{DC410804-27E3-430A-BB42-B831260DE39A}" type="datetime1">
               <a:rPr lang="en-US" smtClean="0"/>
-              <a:t>3/22/2023</a:t>
+              <a:t>3/23/2023</a:t>
             </a:fld>
             <a:endParaRPr lang="en-US" dirty="0"/>
           </a:p>
@@ -11455,7 +11455,7 @@
           <a:p>
             <a:fld id="{60E22DE3-3D1A-4D53-B9A6-6C7463B8C992}" type="datetime1">
               <a:rPr lang="en-US" smtClean="0"/>
-              <a:t>3/22/2023</a:t>
+              <a:t>3/23/2023</a:t>
             </a:fld>
             <a:endParaRPr lang="en-US" dirty="0"/>
           </a:p>
@@ -11766,7 +11766,7 @@
             <a:fld id="{5ECD8B30-1B71-45A1-8314-D59C86F581E1}" type="datetime1">
               <a:rPr lang="en-US" smtClean="0"/>
               <a:pPr/>
-              <a:t>3/22/2023</a:t>
+              <a:t>3/23/2023</a:t>
             </a:fld>
             <a:endParaRPr lang="en-US" b="1" dirty="0"/>
           </a:p>
@@ -17640,7 +17640,11 @@
             </a:r>
             <a:r>
               <a:rPr b="0" dirty="0"/>
-              <a:t>: Create a planning model that orchestrates the</a:t>
+              <a:t>: Create a planning model that orchestrates </a:t>
+            </a:r>
+            <a:r>
+              <a:rPr lang="en-US" b="0" dirty="0"/>
+              <a:t>several agents</a:t>
             </a:r>
             <a:br>
               <a:rPr b="0" dirty="0"/>
@@ -17651,15 +17655,11 @@
             </a:r>
             <a:r>
               <a:rPr lang="en-US" b="0" dirty="0"/>
-              <a:t>   </a:t>
-            </a:r>
-            <a:r>
-              <a:rPr b="0" dirty="0"/>
-              <a:t>movement of</a:t>
-            </a:r>
-            <a:r>
-              <a:rPr lang="en-US" b="0" dirty="0"/>
-              <a:t> shuttles on a circuit, and eventually people</a:t>
+              <a:t>   trying to find a treasure, and tell each other all </a:t>
+            </a:r>
+            <a:r>
+              <a:rPr lang="en-US" b="0"/>
+              <a:t>about it</a:t>
             </a:r>
             <a:br>
               <a:rPr lang="en-US" b="0" dirty="0"/>
